--- a/Reverse Mad Libs.pptx
+++ b/Reverse Mad Libs.pptx
@@ -8,10 +8,14 @@
     <p:sldId id="256" r:id="rId2"/>
     <p:sldId id="260" r:id="rId3"/>
     <p:sldId id="258" r:id="rId4"/>
-    <p:sldId id="261" r:id="rId5"/>
-    <p:sldId id="257" r:id="rId6"/>
-    <p:sldId id="262" r:id="rId7"/>
-    <p:sldId id="259" r:id="rId8"/>
+    <p:sldId id="265" r:id="rId5"/>
+    <p:sldId id="266" r:id="rId6"/>
+    <p:sldId id="261" r:id="rId7"/>
+    <p:sldId id="257" r:id="rId8"/>
+    <p:sldId id="262" r:id="rId9"/>
+    <p:sldId id="259" r:id="rId10"/>
+    <p:sldId id="263" r:id="rId11"/>
+    <p:sldId id="264" r:id="rId12"/>
   </p:sldIdLst>
   <p:sldSz cx="12192000" cy="6858000"/>
   <p:notesSz cx="6858000" cy="9144000"/>
@@ -110,7 +114,3013 @@
       </a:defRPr>
     </a:lvl9pPr>
   </p:defaultTextStyle>
+  <p:extLst>
+    <p:ext uri="{EFAFB233-063F-42B5-8137-9DF3F51BA10A}">
+      <p15:sldGuideLst xmlns:p15="http://schemas.microsoft.com/office/powerpoint/2012/main"/>
+    </p:ext>
+  </p:extLst>
 </p:presentation>
+</file>
+
+<file path=ppt/diagrams/colors1.xml><?xml version="1.0" encoding="utf-8"?>
+<dgm:colorsDef xmlns:dgm="http://schemas.openxmlformats.org/drawingml/2006/diagram" xmlns:a="http://schemas.openxmlformats.org/drawingml/2006/main" uniqueId="urn:microsoft.com/office/officeart/2005/8/colors/accent6_2">
+  <dgm:title val=""/>
+  <dgm:desc val=""/>
+  <dgm:catLst>
+    <dgm:cat type="accent6" pri="11200"/>
+  </dgm:catLst>
+  <dgm:styleLbl name="node0">
+    <dgm:fillClrLst meth="repeat">
+      <a:schemeClr val="accent6"/>
+    </dgm:fillClrLst>
+    <dgm:linClrLst meth="repeat">
+      <a:schemeClr val="lt1"/>
+    </dgm:linClrLst>
+    <dgm:effectClrLst/>
+    <dgm:txLinClrLst/>
+    <dgm:txFillClrLst/>
+    <dgm:txEffectClrLst/>
+  </dgm:styleLbl>
+  <dgm:styleLbl name="node1">
+    <dgm:fillClrLst meth="repeat">
+      <a:schemeClr val="accent6"/>
+    </dgm:fillClrLst>
+    <dgm:linClrLst meth="repeat">
+      <a:schemeClr val="lt1"/>
+    </dgm:linClrLst>
+    <dgm:effectClrLst/>
+    <dgm:txLinClrLst/>
+    <dgm:txFillClrLst/>
+    <dgm:txEffectClrLst/>
+  </dgm:styleLbl>
+  <dgm:styleLbl name="alignNode1">
+    <dgm:fillClrLst meth="repeat">
+      <a:schemeClr val="accent6"/>
+    </dgm:fillClrLst>
+    <dgm:linClrLst meth="repeat">
+      <a:schemeClr val="accent6"/>
+    </dgm:linClrLst>
+    <dgm:effectClrLst/>
+    <dgm:txLinClrLst/>
+    <dgm:txFillClrLst/>
+    <dgm:txEffectClrLst/>
+  </dgm:styleLbl>
+  <dgm:styleLbl name="lnNode1">
+    <dgm:fillClrLst meth="repeat">
+      <a:schemeClr val="accent6"/>
+    </dgm:fillClrLst>
+    <dgm:linClrLst meth="repeat">
+      <a:schemeClr val="lt1"/>
+    </dgm:linClrLst>
+    <dgm:effectClrLst/>
+    <dgm:txLinClrLst/>
+    <dgm:txFillClrLst/>
+    <dgm:txEffectClrLst/>
+  </dgm:styleLbl>
+  <dgm:styleLbl name="vennNode1">
+    <dgm:fillClrLst meth="repeat">
+      <a:schemeClr val="accent6">
+        <a:alpha val="50000"/>
+      </a:schemeClr>
+    </dgm:fillClrLst>
+    <dgm:linClrLst meth="repeat">
+      <a:schemeClr val="lt1"/>
+    </dgm:linClrLst>
+    <dgm:effectClrLst/>
+    <dgm:txLinClrLst/>
+    <dgm:txFillClrLst/>
+    <dgm:txEffectClrLst/>
+  </dgm:styleLbl>
+  <dgm:styleLbl name="node2">
+    <dgm:fillClrLst meth="repeat">
+      <a:schemeClr val="accent6"/>
+    </dgm:fillClrLst>
+    <dgm:linClrLst meth="repeat">
+      <a:schemeClr val="lt1"/>
+    </dgm:linClrLst>
+    <dgm:effectClrLst/>
+    <dgm:txLinClrLst/>
+    <dgm:txFillClrLst/>
+    <dgm:txEffectClrLst/>
+  </dgm:styleLbl>
+  <dgm:styleLbl name="node3">
+    <dgm:fillClrLst meth="repeat">
+      <a:schemeClr val="accent6"/>
+    </dgm:fillClrLst>
+    <dgm:linClrLst meth="repeat">
+      <a:schemeClr val="lt1"/>
+    </dgm:linClrLst>
+    <dgm:effectClrLst/>
+    <dgm:txLinClrLst/>
+    <dgm:txFillClrLst/>
+    <dgm:txEffectClrLst/>
+  </dgm:styleLbl>
+  <dgm:styleLbl name="node4">
+    <dgm:fillClrLst meth="repeat">
+      <a:schemeClr val="accent6"/>
+    </dgm:fillClrLst>
+    <dgm:linClrLst meth="repeat">
+      <a:schemeClr val="lt1"/>
+    </dgm:linClrLst>
+    <dgm:effectClrLst/>
+    <dgm:txLinClrLst/>
+    <dgm:txFillClrLst/>
+    <dgm:txEffectClrLst/>
+  </dgm:styleLbl>
+  <dgm:styleLbl name="fgImgPlace1">
+    <dgm:fillClrLst meth="repeat">
+      <a:schemeClr val="accent6">
+        <a:tint val="50000"/>
+      </a:schemeClr>
+    </dgm:fillClrLst>
+    <dgm:linClrLst meth="repeat">
+      <a:schemeClr val="lt1"/>
+    </dgm:linClrLst>
+    <dgm:effectClrLst/>
+    <dgm:txLinClrLst/>
+    <dgm:txFillClrLst meth="repeat">
+      <a:schemeClr val="lt1"/>
+    </dgm:txFillClrLst>
+    <dgm:txEffectClrLst/>
+  </dgm:styleLbl>
+  <dgm:styleLbl name="alignImgPlace1">
+    <dgm:fillClrLst meth="repeat">
+      <a:schemeClr val="accent6">
+        <a:tint val="50000"/>
+      </a:schemeClr>
+    </dgm:fillClrLst>
+    <dgm:linClrLst meth="repeat">
+      <a:schemeClr val="lt1"/>
+    </dgm:linClrLst>
+    <dgm:effectClrLst/>
+    <dgm:txLinClrLst/>
+    <dgm:txFillClrLst meth="repeat">
+      <a:schemeClr val="lt1"/>
+    </dgm:txFillClrLst>
+    <dgm:txEffectClrLst/>
+  </dgm:styleLbl>
+  <dgm:styleLbl name="bgImgPlace1">
+    <dgm:fillClrLst meth="repeat">
+      <a:schemeClr val="accent6">
+        <a:tint val="50000"/>
+      </a:schemeClr>
+    </dgm:fillClrLst>
+    <dgm:linClrLst meth="repeat">
+      <a:schemeClr val="lt1"/>
+    </dgm:linClrLst>
+    <dgm:effectClrLst/>
+    <dgm:txLinClrLst/>
+    <dgm:txFillClrLst meth="repeat">
+      <a:schemeClr val="lt1"/>
+    </dgm:txFillClrLst>
+    <dgm:txEffectClrLst/>
+  </dgm:styleLbl>
+  <dgm:styleLbl name="sibTrans2D1">
+    <dgm:fillClrLst meth="repeat">
+      <a:schemeClr val="accent6">
+        <a:tint val="60000"/>
+      </a:schemeClr>
+    </dgm:fillClrLst>
+    <dgm:linClrLst meth="repeat">
+      <a:schemeClr val="accent6">
+        <a:tint val="60000"/>
+      </a:schemeClr>
+    </dgm:linClrLst>
+    <dgm:effectClrLst/>
+    <dgm:txLinClrLst/>
+    <dgm:txFillClrLst/>
+    <dgm:txEffectClrLst/>
+  </dgm:styleLbl>
+  <dgm:styleLbl name="fgSibTrans2D1">
+    <dgm:fillClrLst meth="repeat">
+      <a:schemeClr val="accent6">
+        <a:tint val="60000"/>
+      </a:schemeClr>
+    </dgm:fillClrLst>
+    <dgm:linClrLst meth="repeat">
+      <a:schemeClr val="accent6">
+        <a:tint val="60000"/>
+      </a:schemeClr>
+    </dgm:linClrLst>
+    <dgm:effectClrLst/>
+    <dgm:txLinClrLst/>
+    <dgm:txFillClrLst/>
+    <dgm:txEffectClrLst/>
+  </dgm:styleLbl>
+  <dgm:styleLbl name="bgSibTrans2D1">
+    <dgm:fillClrLst meth="repeat">
+      <a:schemeClr val="accent6">
+        <a:tint val="60000"/>
+      </a:schemeClr>
+    </dgm:fillClrLst>
+    <dgm:linClrLst meth="repeat">
+      <a:schemeClr val="accent6">
+        <a:tint val="60000"/>
+      </a:schemeClr>
+    </dgm:linClrLst>
+    <dgm:effectClrLst/>
+    <dgm:txLinClrLst/>
+    <dgm:txFillClrLst/>
+    <dgm:txEffectClrLst/>
+  </dgm:styleLbl>
+  <dgm:styleLbl name="sibTrans1D1">
+    <dgm:fillClrLst meth="repeat">
+      <a:schemeClr val="accent6"/>
+    </dgm:fillClrLst>
+    <dgm:linClrLst meth="repeat">
+      <a:schemeClr val="accent6"/>
+    </dgm:linClrLst>
+    <dgm:effectClrLst/>
+    <dgm:txLinClrLst/>
+    <dgm:txFillClrLst meth="repeat">
+      <a:schemeClr val="tx1"/>
+    </dgm:txFillClrLst>
+    <dgm:txEffectClrLst/>
+  </dgm:styleLbl>
+  <dgm:styleLbl name="callout">
+    <dgm:fillClrLst meth="repeat">
+      <a:schemeClr val="accent6"/>
+    </dgm:fillClrLst>
+    <dgm:linClrLst meth="repeat">
+      <a:schemeClr val="accent6">
+        <a:tint val="50000"/>
+      </a:schemeClr>
+    </dgm:linClrLst>
+    <dgm:effectClrLst/>
+    <dgm:txLinClrLst/>
+    <dgm:txFillClrLst meth="repeat">
+      <a:schemeClr val="tx1"/>
+    </dgm:txFillClrLst>
+    <dgm:txEffectClrLst/>
+  </dgm:styleLbl>
+  <dgm:styleLbl name="asst0">
+    <dgm:fillClrLst meth="repeat">
+      <a:schemeClr val="accent6"/>
+    </dgm:fillClrLst>
+    <dgm:linClrLst meth="repeat">
+      <a:schemeClr val="lt1"/>
+    </dgm:linClrLst>
+    <dgm:effectClrLst/>
+    <dgm:txLinClrLst/>
+    <dgm:txFillClrLst/>
+    <dgm:txEffectClrLst/>
+  </dgm:styleLbl>
+  <dgm:styleLbl name="asst1">
+    <dgm:fillClrLst meth="repeat">
+      <a:schemeClr val="accent6"/>
+    </dgm:fillClrLst>
+    <dgm:linClrLst meth="repeat">
+      <a:schemeClr val="lt1"/>
+    </dgm:linClrLst>
+    <dgm:effectClrLst/>
+    <dgm:txLinClrLst/>
+    <dgm:txFillClrLst/>
+    <dgm:txEffectClrLst/>
+  </dgm:styleLbl>
+  <dgm:styleLbl name="asst2">
+    <dgm:fillClrLst meth="repeat">
+      <a:schemeClr val="accent6"/>
+    </dgm:fillClrLst>
+    <dgm:linClrLst meth="repeat">
+      <a:schemeClr val="lt1"/>
+    </dgm:linClrLst>
+    <dgm:effectClrLst/>
+    <dgm:txLinClrLst/>
+    <dgm:txFillClrLst/>
+    <dgm:txEffectClrLst/>
+  </dgm:styleLbl>
+  <dgm:styleLbl name="asst3">
+    <dgm:fillClrLst meth="repeat">
+      <a:schemeClr val="accent6"/>
+    </dgm:fillClrLst>
+    <dgm:linClrLst meth="repeat">
+      <a:schemeClr val="lt1"/>
+    </dgm:linClrLst>
+    <dgm:effectClrLst/>
+    <dgm:txLinClrLst/>
+    <dgm:txFillClrLst/>
+    <dgm:txEffectClrLst/>
+  </dgm:styleLbl>
+  <dgm:styleLbl name="asst4">
+    <dgm:fillClrLst meth="repeat">
+      <a:schemeClr val="accent6"/>
+    </dgm:fillClrLst>
+    <dgm:linClrLst meth="repeat">
+      <a:schemeClr val="lt1"/>
+    </dgm:linClrLst>
+    <dgm:effectClrLst/>
+    <dgm:txLinClrLst/>
+    <dgm:txFillClrLst/>
+    <dgm:txEffectClrLst/>
+  </dgm:styleLbl>
+  <dgm:styleLbl name="parChTrans2D1">
+    <dgm:fillClrLst meth="repeat">
+      <a:schemeClr val="accent6">
+        <a:tint val="60000"/>
+      </a:schemeClr>
+    </dgm:fillClrLst>
+    <dgm:linClrLst meth="repeat">
+      <a:schemeClr val="accent6">
+        <a:tint val="60000"/>
+      </a:schemeClr>
+    </dgm:linClrLst>
+    <dgm:effectClrLst/>
+    <dgm:txLinClrLst/>
+    <dgm:txFillClrLst meth="repeat">
+      <a:schemeClr val="lt1"/>
+    </dgm:txFillClrLst>
+    <dgm:txEffectClrLst/>
+  </dgm:styleLbl>
+  <dgm:styleLbl name="parChTrans2D2">
+    <dgm:fillClrLst meth="repeat">
+      <a:schemeClr val="accent6"/>
+    </dgm:fillClrLst>
+    <dgm:linClrLst meth="repeat">
+      <a:schemeClr val="accent6"/>
+    </dgm:linClrLst>
+    <dgm:effectClrLst/>
+    <dgm:txLinClrLst/>
+    <dgm:txFillClrLst meth="repeat">
+      <a:schemeClr val="lt1"/>
+    </dgm:txFillClrLst>
+    <dgm:txEffectClrLst/>
+  </dgm:styleLbl>
+  <dgm:styleLbl name="parChTrans2D3">
+    <dgm:fillClrLst meth="repeat">
+      <a:schemeClr val="accent6"/>
+    </dgm:fillClrLst>
+    <dgm:linClrLst meth="repeat">
+      <a:schemeClr val="accent6"/>
+    </dgm:linClrLst>
+    <dgm:effectClrLst/>
+    <dgm:txLinClrLst/>
+    <dgm:txFillClrLst meth="repeat">
+      <a:schemeClr val="lt1"/>
+    </dgm:txFillClrLst>
+    <dgm:txEffectClrLst/>
+  </dgm:styleLbl>
+  <dgm:styleLbl name="parChTrans2D4">
+    <dgm:fillClrLst meth="repeat">
+      <a:schemeClr val="accent6"/>
+    </dgm:fillClrLst>
+    <dgm:linClrLst meth="repeat">
+      <a:schemeClr val="accent6"/>
+    </dgm:linClrLst>
+    <dgm:effectClrLst/>
+    <dgm:txLinClrLst/>
+    <dgm:txFillClrLst meth="repeat">
+      <a:schemeClr val="lt1"/>
+    </dgm:txFillClrLst>
+    <dgm:txEffectClrLst/>
+  </dgm:styleLbl>
+  <dgm:styleLbl name="parChTrans1D1">
+    <dgm:fillClrLst meth="repeat">
+      <a:schemeClr val="accent6"/>
+    </dgm:fillClrLst>
+    <dgm:linClrLst meth="repeat">
+      <a:schemeClr val="accent6">
+        <a:shade val="60000"/>
+      </a:schemeClr>
+    </dgm:linClrLst>
+    <dgm:effectClrLst/>
+    <dgm:txLinClrLst/>
+    <dgm:txFillClrLst meth="repeat">
+      <a:schemeClr val="tx1"/>
+    </dgm:txFillClrLst>
+    <dgm:txEffectClrLst/>
+  </dgm:styleLbl>
+  <dgm:styleLbl name="parChTrans1D2">
+    <dgm:fillClrLst meth="repeat">
+      <a:schemeClr val="accent6"/>
+    </dgm:fillClrLst>
+    <dgm:linClrLst meth="repeat">
+      <a:schemeClr val="accent6">
+        <a:shade val="60000"/>
+      </a:schemeClr>
+    </dgm:linClrLst>
+    <dgm:effectClrLst/>
+    <dgm:txLinClrLst/>
+    <dgm:txFillClrLst meth="repeat">
+      <a:schemeClr val="tx1"/>
+    </dgm:txFillClrLst>
+    <dgm:txEffectClrLst/>
+  </dgm:styleLbl>
+  <dgm:styleLbl name="parChTrans1D3">
+    <dgm:fillClrLst meth="repeat">
+      <a:schemeClr val="accent6"/>
+    </dgm:fillClrLst>
+    <dgm:linClrLst meth="repeat">
+      <a:schemeClr val="accent6">
+        <a:shade val="80000"/>
+      </a:schemeClr>
+    </dgm:linClrLst>
+    <dgm:effectClrLst/>
+    <dgm:txLinClrLst/>
+    <dgm:txFillClrLst meth="repeat">
+      <a:schemeClr val="tx1"/>
+    </dgm:txFillClrLst>
+    <dgm:txEffectClrLst/>
+  </dgm:styleLbl>
+  <dgm:styleLbl name="parChTrans1D4">
+    <dgm:fillClrLst meth="repeat">
+      <a:schemeClr val="accent6"/>
+    </dgm:fillClrLst>
+    <dgm:linClrLst meth="repeat">
+      <a:schemeClr val="accent6">
+        <a:shade val="80000"/>
+      </a:schemeClr>
+    </dgm:linClrLst>
+    <dgm:effectClrLst/>
+    <dgm:txLinClrLst/>
+    <dgm:txFillClrLst meth="repeat">
+      <a:schemeClr val="tx1"/>
+    </dgm:txFillClrLst>
+    <dgm:txEffectClrLst/>
+  </dgm:styleLbl>
+  <dgm:styleLbl name="fgAcc1">
+    <dgm:fillClrLst meth="repeat">
+      <a:schemeClr val="lt1">
+        <a:alpha val="90000"/>
+      </a:schemeClr>
+    </dgm:fillClrLst>
+    <dgm:linClrLst meth="repeat">
+      <a:schemeClr val="accent6"/>
+    </dgm:linClrLst>
+    <dgm:effectClrLst/>
+    <dgm:txLinClrLst/>
+    <dgm:txFillClrLst meth="repeat">
+      <a:schemeClr val="dk1"/>
+    </dgm:txFillClrLst>
+    <dgm:txEffectClrLst/>
+  </dgm:styleLbl>
+  <dgm:styleLbl name="conFgAcc1">
+    <dgm:fillClrLst meth="repeat">
+      <a:schemeClr val="lt1">
+        <a:alpha val="90000"/>
+      </a:schemeClr>
+    </dgm:fillClrLst>
+    <dgm:linClrLst meth="repeat">
+      <a:schemeClr val="accent6"/>
+    </dgm:linClrLst>
+    <dgm:effectClrLst/>
+    <dgm:txLinClrLst/>
+    <dgm:txFillClrLst meth="repeat">
+      <a:schemeClr val="dk1"/>
+    </dgm:txFillClrLst>
+    <dgm:txEffectClrLst/>
+  </dgm:styleLbl>
+  <dgm:styleLbl name="alignAcc1">
+    <dgm:fillClrLst meth="repeat">
+      <a:schemeClr val="lt1">
+        <a:alpha val="90000"/>
+      </a:schemeClr>
+    </dgm:fillClrLst>
+    <dgm:linClrLst meth="repeat">
+      <a:schemeClr val="accent6"/>
+    </dgm:linClrLst>
+    <dgm:effectClrLst/>
+    <dgm:txLinClrLst/>
+    <dgm:txFillClrLst meth="repeat">
+      <a:schemeClr val="dk1"/>
+    </dgm:txFillClrLst>
+    <dgm:txEffectClrLst/>
+  </dgm:styleLbl>
+  <dgm:styleLbl name="trAlignAcc1">
+    <dgm:fillClrLst meth="repeat">
+      <a:schemeClr val="lt1">
+        <a:alpha val="40000"/>
+      </a:schemeClr>
+    </dgm:fillClrLst>
+    <dgm:linClrLst meth="repeat">
+      <a:schemeClr val="accent6"/>
+    </dgm:linClrLst>
+    <dgm:effectClrLst/>
+    <dgm:txLinClrLst/>
+    <dgm:txFillClrLst meth="repeat">
+      <a:schemeClr val="dk1"/>
+    </dgm:txFillClrLst>
+    <dgm:txEffectClrLst/>
+  </dgm:styleLbl>
+  <dgm:styleLbl name="bgAcc1">
+    <dgm:fillClrLst meth="repeat">
+      <a:schemeClr val="lt1">
+        <a:alpha val="90000"/>
+      </a:schemeClr>
+    </dgm:fillClrLst>
+    <dgm:linClrLst meth="repeat">
+      <a:schemeClr val="accent6"/>
+    </dgm:linClrLst>
+    <dgm:effectClrLst/>
+    <dgm:txLinClrLst/>
+    <dgm:txFillClrLst meth="repeat">
+      <a:schemeClr val="dk1"/>
+    </dgm:txFillClrLst>
+    <dgm:txEffectClrLst/>
+  </dgm:styleLbl>
+  <dgm:styleLbl name="solidFgAcc1">
+    <dgm:fillClrLst meth="repeat">
+      <a:schemeClr val="lt1"/>
+    </dgm:fillClrLst>
+    <dgm:linClrLst meth="repeat">
+      <a:schemeClr val="accent6"/>
+    </dgm:linClrLst>
+    <dgm:effectClrLst/>
+    <dgm:txLinClrLst/>
+    <dgm:txFillClrLst meth="repeat">
+      <a:schemeClr val="dk1"/>
+    </dgm:txFillClrLst>
+    <dgm:txEffectClrLst/>
+  </dgm:styleLbl>
+  <dgm:styleLbl name="solidAlignAcc1">
+    <dgm:fillClrLst meth="repeat">
+      <a:schemeClr val="lt1"/>
+    </dgm:fillClrLst>
+    <dgm:linClrLst meth="repeat">
+      <a:schemeClr val="accent6"/>
+    </dgm:linClrLst>
+    <dgm:effectClrLst/>
+    <dgm:txLinClrLst/>
+    <dgm:txFillClrLst meth="repeat">
+      <a:schemeClr val="dk1"/>
+    </dgm:txFillClrLst>
+    <dgm:txEffectClrLst/>
+  </dgm:styleLbl>
+  <dgm:styleLbl name="solidBgAcc1">
+    <dgm:fillClrLst meth="repeat">
+      <a:schemeClr val="lt1"/>
+    </dgm:fillClrLst>
+    <dgm:linClrLst meth="repeat">
+      <a:schemeClr val="accent6"/>
+    </dgm:linClrLst>
+    <dgm:effectClrLst/>
+    <dgm:txLinClrLst/>
+    <dgm:txFillClrLst meth="repeat">
+      <a:schemeClr val="dk1"/>
+    </dgm:txFillClrLst>
+    <dgm:txEffectClrLst/>
+  </dgm:styleLbl>
+  <dgm:styleLbl name="fgAccFollowNode1">
+    <dgm:fillClrLst meth="repeat">
+      <a:schemeClr val="accent6">
+        <a:alpha val="90000"/>
+        <a:tint val="40000"/>
+      </a:schemeClr>
+    </dgm:fillClrLst>
+    <dgm:linClrLst meth="repeat">
+      <a:schemeClr val="accent6">
+        <a:alpha val="90000"/>
+        <a:tint val="40000"/>
+      </a:schemeClr>
+    </dgm:linClrLst>
+    <dgm:effectClrLst/>
+    <dgm:txLinClrLst/>
+    <dgm:txFillClrLst meth="repeat">
+      <a:schemeClr val="dk1"/>
+    </dgm:txFillClrLst>
+    <dgm:txEffectClrLst/>
+  </dgm:styleLbl>
+  <dgm:styleLbl name="alignAccFollowNode1">
+    <dgm:fillClrLst meth="repeat">
+      <a:schemeClr val="accent6">
+        <a:alpha val="90000"/>
+        <a:tint val="40000"/>
+      </a:schemeClr>
+    </dgm:fillClrLst>
+    <dgm:linClrLst meth="repeat">
+      <a:schemeClr val="accent6">
+        <a:alpha val="90000"/>
+        <a:tint val="40000"/>
+      </a:schemeClr>
+    </dgm:linClrLst>
+    <dgm:effectClrLst/>
+    <dgm:txLinClrLst/>
+    <dgm:txFillClrLst meth="repeat">
+      <a:schemeClr val="dk1"/>
+    </dgm:txFillClrLst>
+    <dgm:txEffectClrLst/>
+  </dgm:styleLbl>
+  <dgm:styleLbl name="bgAccFollowNode1">
+    <dgm:fillClrLst meth="repeat">
+      <a:schemeClr val="accent6">
+        <a:alpha val="90000"/>
+        <a:tint val="40000"/>
+      </a:schemeClr>
+    </dgm:fillClrLst>
+    <dgm:linClrLst meth="repeat">
+      <a:schemeClr val="accent6">
+        <a:alpha val="90000"/>
+        <a:tint val="40000"/>
+      </a:schemeClr>
+    </dgm:linClrLst>
+    <dgm:effectClrLst/>
+    <dgm:txLinClrLst/>
+    <dgm:txFillClrLst meth="repeat">
+      <a:schemeClr val="dk1"/>
+    </dgm:txFillClrLst>
+    <dgm:txEffectClrLst/>
+  </dgm:styleLbl>
+  <dgm:styleLbl name="fgAcc0">
+    <dgm:fillClrLst meth="repeat">
+      <a:schemeClr val="lt1">
+        <a:alpha val="90000"/>
+      </a:schemeClr>
+    </dgm:fillClrLst>
+    <dgm:linClrLst meth="repeat">
+      <a:schemeClr val="accent6"/>
+    </dgm:linClrLst>
+    <dgm:effectClrLst/>
+    <dgm:txLinClrLst/>
+    <dgm:txFillClrLst meth="repeat">
+      <a:schemeClr val="dk1"/>
+    </dgm:txFillClrLst>
+    <dgm:txEffectClrLst/>
+  </dgm:styleLbl>
+  <dgm:styleLbl name="fgAcc2">
+    <dgm:fillClrLst meth="repeat">
+      <a:schemeClr val="lt1">
+        <a:alpha val="90000"/>
+      </a:schemeClr>
+    </dgm:fillClrLst>
+    <dgm:linClrLst meth="repeat">
+      <a:schemeClr val="accent6"/>
+    </dgm:linClrLst>
+    <dgm:effectClrLst/>
+    <dgm:txLinClrLst/>
+    <dgm:txFillClrLst meth="repeat">
+      <a:schemeClr val="dk1"/>
+    </dgm:txFillClrLst>
+    <dgm:txEffectClrLst/>
+  </dgm:styleLbl>
+  <dgm:styleLbl name="fgAcc3">
+    <dgm:fillClrLst meth="repeat">
+      <a:schemeClr val="lt1">
+        <a:alpha val="90000"/>
+      </a:schemeClr>
+    </dgm:fillClrLst>
+    <dgm:linClrLst meth="repeat">
+      <a:schemeClr val="accent6"/>
+    </dgm:linClrLst>
+    <dgm:effectClrLst/>
+    <dgm:txLinClrLst/>
+    <dgm:txFillClrLst meth="repeat">
+      <a:schemeClr val="dk1"/>
+    </dgm:txFillClrLst>
+    <dgm:txEffectClrLst/>
+  </dgm:styleLbl>
+  <dgm:styleLbl name="fgAcc4">
+    <dgm:fillClrLst meth="repeat">
+      <a:schemeClr val="lt1">
+        <a:alpha val="90000"/>
+      </a:schemeClr>
+    </dgm:fillClrLst>
+    <dgm:linClrLst meth="repeat">
+      <a:schemeClr val="accent6"/>
+    </dgm:linClrLst>
+    <dgm:effectClrLst/>
+    <dgm:txLinClrLst/>
+    <dgm:txFillClrLst meth="repeat">
+      <a:schemeClr val="dk1"/>
+    </dgm:txFillClrLst>
+    <dgm:txEffectClrLst/>
+  </dgm:styleLbl>
+  <dgm:styleLbl name="bgShp">
+    <dgm:fillClrLst meth="repeat">
+      <a:schemeClr val="accent6">
+        <a:tint val="40000"/>
+      </a:schemeClr>
+    </dgm:fillClrLst>
+    <dgm:linClrLst meth="repeat">
+      <a:schemeClr val="accent6"/>
+    </dgm:linClrLst>
+    <dgm:effectClrLst/>
+    <dgm:txLinClrLst/>
+    <dgm:txFillClrLst meth="repeat">
+      <a:schemeClr val="dk1"/>
+    </dgm:txFillClrLst>
+    <dgm:txEffectClrLst/>
+  </dgm:styleLbl>
+  <dgm:styleLbl name="dkBgShp">
+    <dgm:fillClrLst meth="repeat">
+      <a:schemeClr val="accent6">
+        <a:shade val="80000"/>
+      </a:schemeClr>
+    </dgm:fillClrLst>
+    <dgm:linClrLst meth="repeat">
+      <a:schemeClr val="accent6"/>
+    </dgm:linClrLst>
+    <dgm:effectClrLst/>
+    <dgm:txLinClrLst/>
+    <dgm:txFillClrLst meth="repeat">
+      <a:schemeClr val="lt1"/>
+    </dgm:txFillClrLst>
+    <dgm:txEffectClrLst/>
+  </dgm:styleLbl>
+  <dgm:styleLbl name="trBgShp">
+    <dgm:fillClrLst meth="repeat">
+      <a:schemeClr val="accent6">
+        <a:tint val="50000"/>
+        <a:alpha val="40000"/>
+      </a:schemeClr>
+    </dgm:fillClrLst>
+    <dgm:linClrLst meth="repeat">
+      <a:schemeClr val="accent6"/>
+    </dgm:linClrLst>
+    <dgm:effectClrLst/>
+    <dgm:txLinClrLst/>
+    <dgm:txFillClrLst meth="repeat">
+      <a:schemeClr val="lt1"/>
+    </dgm:txFillClrLst>
+    <dgm:txEffectClrLst/>
+  </dgm:styleLbl>
+  <dgm:styleLbl name="fgShp">
+    <dgm:fillClrLst meth="repeat">
+      <a:schemeClr val="accent6">
+        <a:tint val="60000"/>
+      </a:schemeClr>
+    </dgm:fillClrLst>
+    <dgm:linClrLst meth="repeat">
+      <a:schemeClr val="lt1"/>
+    </dgm:linClrLst>
+    <dgm:effectClrLst/>
+    <dgm:txLinClrLst/>
+    <dgm:txFillClrLst meth="repeat">
+      <a:schemeClr val="dk1"/>
+    </dgm:txFillClrLst>
+    <dgm:txEffectClrLst/>
+  </dgm:styleLbl>
+  <dgm:styleLbl name="revTx">
+    <dgm:fillClrLst meth="repeat">
+      <a:schemeClr val="lt1">
+        <a:alpha val="0"/>
+      </a:schemeClr>
+    </dgm:fillClrLst>
+    <dgm:linClrLst meth="repeat">
+      <a:schemeClr val="dk1">
+        <a:alpha val="0"/>
+      </a:schemeClr>
+    </dgm:linClrLst>
+    <dgm:effectClrLst/>
+    <dgm:txLinClrLst/>
+    <dgm:txFillClrLst meth="repeat">
+      <a:schemeClr val="tx1"/>
+    </dgm:txFillClrLst>
+    <dgm:txEffectClrLst/>
+  </dgm:styleLbl>
+</dgm:colorsDef>
+</file>
+
+<file path=ppt/diagrams/data1.xml><?xml version="1.0" encoding="utf-8"?>
+<dgm:dataModel xmlns:dgm="http://schemas.openxmlformats.org/drawingml/2006/diagram" xmlns:a="http://schemas.openxmlformats.org/drawingml/2006/main">
+  <dgm:ptLst>
+    <dgm:pt modelId="{DFB8A2F5-1FD1-4BB9-9BD1-25A39215E510}" type="doc">
+      <dgm:prSet loTypeId="urn:microsoft.com/office/officeart/2008/layout/LinedList" loCatId="list" qsTypeId="urn:microsoft.com/office/officeart/2005/8/quickstyle/simple2" qsCatId="simple" csTypeId="urn:microsoft.com/office/officeart/2005/8/colors/accent6_2" csCatId="accent6" phldr="1"/>
+      <dgm:spPr/>
+      <dgm:t>
+        <a:bodyPr/>
+        <a:lstStyle/>
+        <a:p>
+          <a:endParaRPr lang="en-US"/>
+        </a:p>
+      </dgm:t>
+    </dgm:pt>
+    <dgm:pt modelId="{6EAE4864-8B64-4F34-AFAF-59200D9D54B4}">
+      <dgm:prSet/>
+      <dgm:spPr/>
+      <dgm:t>
+        <a:bodyPr/>
+        <a:lstStyle/>
+        <a:p>
+          <a:r>
+            <a:rPr lang="en-US"/>
+            <a:t>Python – primary implementation Language</a:t>
+          </a:r>
+        </a:p>
+      </dgm:t>
+    </dgm:pt>
+    <dgm:pt modelId="{620A9C23-2B3D-43A7-A097-6DDAF0CD89A7}" type="parTrans" cxnId="{836B0342-D0D0-4B0C-9359-A56BFEDA605F}">
+      <dgm:prSet/>
+      <dgm:spPr/>
+      <dgm:t>
+        <a:bodyPr/>
+        <a:lstStyle/>
+        <a:p>
+          <a:endParaRPr lang="en-US"/>
+        </a:p>
+      </dgm:t>
+    </dgm:pt>
+    <dgm:pt modelId="{DEE1FA9C-2BBF-4E16-BD63-5A1EDEF54FB6}" type="sibTrans" cxnId="{836B0342-D0D0-4B0C-9359-A56BFEDA605F}">
+      <dgm:prSet/>
+      <dgm:spPr/>
+      <dgm:t>
+        <a:bodyPr/>
+        <a:lstStyle/>
+        <a:p>
+          <a:endParaRPr lang="en-US"/>
+        </a:p>
+      </dgm:t>
+    </dgm:pt>
+    <dgm:pt modelId="{7C6A25C3-E939-4755-A6DC-9754FA8B21D9}">
+      <dgm:prSet/>
+      <dgm:spPr/>
+      <dgm:t>
+        <a:bodyPr/>
+        <a:lstStyle/>
+        <a:p>
+          <a:r>
+            <a:rPr lang="en-US" dirty="0" err="1"/>
+            <a:t>Pytorch</a:t>
+          </a:r>
+          <a:r>
+            <a:rPr lang="en-US" dirty="0"/>
+            <a:t>  - Python package for Data Science</a:t>
+          </a:r>
+        </a:p>
+      </dgm:t>
+    </dgm:pt>
+    <dgm:pt modelId="{1B18BD7B-75CB-4D0A-AB56-B4601A8F7C8E}" type="parTrans" cxnId="{FC004FC4-0B9F-42EF-BCDF-55BDC6E9251E}">
+      <dgm:prSet/>
+      <dgm:spPr/>
+      <dgm:t>
+        <a:bodyPr/>
+        <a:lstStyle/>
+        <a:p>
+          <a:endParaRPr lang="en-US"/>
+        </a:p>
+      </dgm:t>
+    </dgm:pt>
+    <dgm:pt modelId="{48975830-518D-4C0A-93D7-A55CD3B6B322}" type="sibTrans" cxnId="{FC004FC4-0B9F-42EF-BCDF-55BDC6E9251E}">
+      <dgm:prSet/>
+      <dgm:spPr/>
+      <dgm:t>
+        <a:bodyPr/>
+        <a:lstStyle/>
+        <a:p>
+          <a:endParaRPr lang="en-US"/>
+        </a:p>
+      </dgm:t>
+    </dgm:pt>
+    <dgm:pt modelId="{4170F373-44A2-46C4-9AE4-36DBF1FCA62A}">
+      <dgm:prSet/>
+      <dgm:spPr/>
+      <dgm:t>
+        <a:bodyPr/>
+        <a:lstStyle/>
+        <a:p>
+          <a:r>
+            <a:rPr lang="en-US" dirty="0"/>
+            <a:t>Bert – Python NLP Package developed by Google</a:t>
+          </a:r>
+        </a:p>
+      </dgm:t>
+    </dgm:pt>
+    <dgm:pt modelId="{CEE862C6-5612-46DE-805D-A476B08B229A}" type="parTrans" cxnId="{74795E6C-3A45-441C-9561-F908A2096DF4}">
+      <dgm:prSet/>
+      <dgm:spPr/>
+      <dgm:t>
+        <a:bodyPr/>
+        <a:lstStyle/>
+        <a:p>
+          <a:endParaRPr lang="en-US"/>
+        </a:p>
+      </dgm:t>
+    </dgm:pt>
+    <dgm:pt modelId="{B56D9318-E30E-4215-9578-298561B365C4}" type="sibTrans" cxnId="{74795E6C-3A45-441C-9561-F908A2096DF4}">
+      <dgm:prSet/>
+      <dgm:spPr/>
+      <dgm:t>
+        <a:bodyPr/>
+        <a:lstStyle/>
+        <a:p>
+          <a:endParaRPr lang="en-US"/>
+        </a:p>
+      </dgm:t>
+    </dgm:pt>
+    <dgm:pt modelId="{EA2644CA-2A1C-4EAF-A3EA-FC8B9EF854D4}">
+      <dgm:prSet/>
+      <dgm:spPr/>
+      <dgm:t>
+        <a:bodyPr/>
+        <a:lstStyle/>
+        <a:p>
+          <a:r>
+            <a:rPr lang="en-US" dirty="0" err="1"/>
+            <a:t>Tkinter</a:t>
+          </a:r>
+          <a:r>
+            <a:rPr lang="en-US" dirty="0"/>
+            <a:t> – </a:t>
+          </a:r>
+          <a:r>
+            <a:rPr lang="en-US" dirty="0" err="1"/>
+            <a:t>PythonPackage</a:t>
+          </a:r>
+          <a:r>
+            <a:rPr lang="en-US" dirty="0"/>
+            <a:t> for GUI development</a:t>
+          </a:r>
+        </a:p>
+      </dgm:t>
+    </dgm:pt>
+    <dgm:pt modelId="{460CD550-9D66-4298-9C81-436585A2EA6F}" type="parTrans" cxnId="{9A232C84-FE80-4481-8877-B2D1D868EAB0}">
+      <dgm:prSet/>
+      <dgm:spPr/>
+      <dgm:t>
+        <a:bodyPr/>
+        <a:lstStyle/>
+        <a:p>
+          <a:endParaRPr lang="en-US"/>
+        </a:p>
+      </dgm:t>
+    </dgm:pt>
+    <dgm:pt modelId="{66D54B43-FB9A-47FC-BEE2-CFB80E844C93}" type="sibTrans" cxnId="{9A232C84-FE80-4481-8877-B2D1D868EAB0}">
+      <dgm:prSet/>
+      <dgm:spPr/>
+      <dgm:t>
+        <a:bodyPr/>
+        <a:lstStyle/>
+        <a:p>
+          <a:endParaRPr lang="en-US"/>
+        </a:p>
+      </dgm:t>
+    </dgm:pt>
+    <dgm:pt modelId="{D8F7A298-8155-4463-92AF-A712D782642A}" type="pres">
+      <dgm:prSet presAssocID="{DFB8A2F5-1FD1-4BB9-9BD1-25A39215E510}" presName="vert0" presStyleCnt="0">
+        <dgm:presLayoutVars>
+          <dgm:dir/>
+          <dgm:animOne val="branch"/>
+          <dgm:animLvl val="lvl"/>
+        </dgm:presLayoutVars>
+      </dgm:prSet>
+      <dgm:spPr/>
+    </dgm:pt>
+    <dgm:pt modelId="{20670611-67AC-4A17-81A3-9BF4D8CB0B9F}" type="pres">
+      <dgm:prSet presAssocID="{6EAE4864-8B64-4F34-AFAF-59200D9D54B4}" presName="thickLine" presStyleLbl="alignNode1" presStyleIdx="0" presStyleCnt="4"/>
+      <dgm:spPr/>
+    </dgm:pt>
+    <dgm:pt modelId="{43B79DEE-9F64-4E40-9884-E0E891D6FB56}" type="pres">
+      <dgm:prSet presAssocID="{6EAE4864-8B64-4F34-AFAF-59200D9D54B4}" presName="horz1" presStyleCnt="0"/>
+      <dgm:spPr/>
+    </dgm:pt>
+    <dgm:pt modelId="{58ACB63D-0676-413B-B305-35FB2753FC8F}" type="pres">
+      <dgm:prSet presAssocID="{6EAE4864-8B64-4F34-AFAF-59200D9D54B4}" presName="tx1" presStyleLbl="revTx" presStyleIdx="0" presStyleCnt="4"/>
+      <dgm:spPr/>
+    </dgm:pt>
+    <dgm:pt modelId="{74D223C9-C44B-4399-B95C-451DC79DBA4A}" type="pres">
+      <dgm:prSet presAssocID="{6EAE4864-8B64-4F34-AFAF-59200D9D54B4}" presName="vert1" presStyleCnt="0"/>
+      <dgm:spPr/>
+    </dgm:pt>
+    <dgm:pt modelId="{33E32B71-5C3C-46A9-8787-1F87558E0F81}" type="pres">
+      <dgm:prSet presAssocID="{7C6A25C3-E939-4755-A6DC-9754FA8B21D9}" presName="thickLine" presStyleLbl="alignNode1" presStyleIdx="1" presStyleCnt="4"/>
+      <dgm:spPr/>
+    </dgm:pt>
+    <dgm:pt modelId="{B714B64F-22AD-4557-BF76-E2F51FC71064}" type="pres">
+      <dgm:prSet presAssocID="{7C6A25C3-E939-4755-A6DC-9754FA8B21D9}" presName="horz1" presStyleCnt="0"/>
+      <dgm:spPr/>
+    </dgm:pt>
+    <dgm:pt modelId="{8AE067A6-A9F0-4D54-8581-053D3D509444}" type="pres">
+      <dgm:prSet presAssocID="{7C6A25C3-E939-4755-A6DC-9754FA8B21D9}" presName="tx1" presStyleLbl="revTx" presStyleIdx="1" presStyleCnt="4"/>
+      <dgm:spPr/>
+    </dgm:pt>
+    <dgm:pt modelId="{0A853356-25BD-46C1-901B-EA7DF8DD3504}" type="pres">
+      <dgm:prSet presAssocID="{7C6A25C3-E939-4755-A6DC-9754FA8B21D9}" presName="vert1" presStyleCnt="0"/>
+      <dgm:spPr/>
+    </dgm:pt>
+    <dgm:pt modelId="{676B9F2A-711A-4D2E-A049-3FBB09B19DD2}" type="pres">
+      <dgm:prSet presAssocID="{4170F373-44A2-46C4-9AE4-36DBF1FCA62A}" presName="thickLine" presStyleLbl="alignNode1" presStyleIdx="2" presStyleCnt="4"/>
+      <dgm:spPr/>
+    </dgm:pt>
+    <dgm:pt modelId="{3EE571DD-BB63-4E6B-9E6E-0D6A18F42AD9}" type="pres">
+      <dgm:prSet presAssocID="{4170F373-44A2-46C4-9AE4-36DBF1FCA62A}" presName="horz1" presStyleCnt="0"/>
+      <dgm:spPr/>
+    </dgm:pt>
+    <dgm:pt modelId="{8ED2B0B6-2D42-4AED-A299-01ABC4C3868C}" type="pres">
+      <dgm:prSet presAssocID="{4170F373-44A2-46C4-9AE4-36DBF1FCA62A}" presName="tx1" presStyleLbl="revTx" presStyleIdx="2" presStyleCnt="4"/>
+      <dgm:spPr/>
+    </dgm:pt>
+    <dgm:pt modelId="{3A64286E-AA19-4EA5-9D38-A658216787F7}" type="pres">
+      <dgm:prSet presAssocID="{4170F373-44A2-46C4-9AE4-36DBF1FCA62A}" presName="vert1" presStyleCnt="0"/>
+      <dgm:spPr/>
+    </dgm:pt>
+    <dgm:pt modelId="{C9F9C5B7-DFF2-42D0-AAB3-EFFD1C40A5FF}" type="pres">
+      <dgm:prSet presAssocID="{EA2644CA-2A1C-4EAF-A3EA-FC8B9EF854D4}" presName="thickLine" presStyleLbl="alignNode1" presStyleIdx="3" presStyleCnt="4"/>
+      <dgm:spPr/>
+    </dgm:pt>
+    <dgm:pt modelId="{B208CEDB-A735-40FF-BC62-6CC66F7DEE1B}" type="pres">
+      <dgm:prSet presAssocID="{EA2644CA-2A1C-4EAF-A3EA-FC8B9EF854D4}" presName="horz1" presStyleCnt="0"/>
+      <dgm:spPr/>
+    </dgm:pt>
+    <dgm:pt modelId="{9D58399F-8091-4780-A174-01E630089309}" type="pres">
+      <dgm:prSet presAssocID="{EA2644CA-2A1C-4EAF-A3EA-FC8B9EF854D4}" presName="tx1" presStyleLbl="revTx" presStyleIdx="3" presStyleCnt="4"/>
+      <dgm:spPr/>
+    </dgm:pt>
+    <dgm:pt modelId="{99BA2702-61CF-42EC-AC18-9EF5AF66E5FF}" type="pres">
+      <dgm:prSet presAssocID="{EA2644CA-2A1C-4EAF-A3EA-FC8B9EF854D4}" presName="vert1" presStyleCnt="0"/>
+      <dgm:spPr/>
+    </dgm:pt>
+  </dgm:ptLst>
+  <dgm:cxnLst>
+    <dgm:cxn modelId="{E6FDF42B-3544-4492-9766-B6BB701224A4}" type="presOf" srcId="{6EAE4864-8B64-4F34-AFAF-59200D9D54B4}" destId="{58ACB63D-0676-413B-B305-35FB2753FC8F}" srcOrd="0" destOrd="0" presId="urn:microsoft.com/office/officeart/2008/layout/LinedList"/>
+    <dgm:cxn modelId="{3BEBE633-1327-46DF-819D-CE5853341C63}" type="presOf" srcId="{EA2644CA-2A1C-4EAF-A3EA-FC8B9EF854D4}" destId="{9D58399F-8091-4780-A174-01E630089309}" srcOrd="0" destOrd="0" presId="urn:microsoft.com/office/officeart/2008/layout/LinedList"/>
+    <dgm:cxn modelId="{9A73855B-E553-4ACA-B9A1-9312D2E56E55}" type="presOf" srcId="{DFB8A2F5-1FD1-4BB9-9BD1-25A39215E510}" destId="{D8F7A298-8155-4463-92AF-A712D782642A}" srcOrd="0" destOrd="0" presId="urn:microsoft.com/office/officeart/2008/layout/LinedList"/>
+    <dgm:cxn modelId="{836B0342-D0D0-4B0C-9359-A56BFEDA605F}" srcId="{DFB8A2F5-1FD1-4BB9-9BD1-25A39215E510}" destId="{6EAE4864-8B64-4F34-AFAF-59200D9D54B4}" srcOrd="0" destOrd="0" parTransId="{620A9C23-2B3D-43A7-A097-6DDAF0CD89A7}" sibTransId="{DEE1FA9C-2BBF-4E16-BD63-5A1EDEF54FB6}"/>
+    <dgm:cxn modelId="{74795E6C-3A45-441C-9561-F908A2096DF4}" srcId="{DFB8A2F5-1FD1-4BB9-9BD1-25A39215E510}" destId="{4170F373-44A2-46C4-9AE4-36DBF1FCA62A}" srcOrd="2" destOrd="0" parTransId="{CEE862C6-5612-46DE-805D-A476B08B229A}" sibTransId="{B56D9318-E30E-4215-9578-298561B365C4}"/>
+    <dgm:cxn modelId="{9A232C84-FE80-4481-8877-B2D1D868EAB0}" srcId="{DFB8A2F5-1FD1-4BB9-9BD1-25A39215E510}" destId="{EA2644CA-2A1C-4EAF-A3EA-FC8B9EF854D4}" srcOrd="3" destOrd="0" parTransId="{460CD550-9D66-4298-9C81-436585A2EA6F}" sibTransId="{66D54B43-FB9A-47FC-BEE2-CFB80E844C93}"/>
+    <dgm:cxn modelId="{FC004FC4-0B9F-42EF-BCDF-55BDC6E9251E}" srcId="{DFB8A2F5-1FD1-4BB9-9BD1-25A39215E510}" destId="{7C6A25C3-E939-4755-A6DC-9754FA8B21D9}" srcOrd="1" destOrd="0" parTransId="{1B18BD7B-75CB-4D0A-AB56-B4601A8F7C8E}" sibTransId="{48975830-518D-4C0A-93D7-A55CD3B6B322}"/>
+    <dgm:cxn modelId="{4E7AB7D4-A091-465B-A3BE-1EAEBB1E7B0F}" type="presOf" srcId="{4170F373-44A2-46C4-9AE4-36DBF1FCA62A}" destId="{8ED2B0B6-2D42-4AED-A299-01ABC4C3868C}" srcOrd="0" destOrd="0" presId="urn:microsoft.com/office/officeart/2008/layout/LinedList"/>
+    <dgm:cxn modelId="{07B266D8-D423-4EBF-AFFD-A440B74342BA}" type="presOf" srcId="{7C6A25C3-E939-4755-A6DC-9754FA8B21D9}" destId="{8AE067A6-A9F0-4D54-8581-053D3D509444}" srcOrd="0" destOrd="0" presId="urn:microsoft.com/office/officeart/2008/layout/LinedList"/>
+    <dgm:cxn modelId="{56CFA502-575C-46D3-AD21-B4408A01EFA0}" type="presParOf" srcId="{D8F7A298-8155-4463-92AF-A712D782642A}" destId="{20670611-67AC-4A17-81A3-9BF4D8CB0B9F}" srcOrd="0" destOrd="0" presId="urn:microsoft.com/office/officeart/2008/layout/LinedList"/>
+    <dgm:cxn modelId="{D881B6C2-2C49-4F21-A4D5-C0EAC5F162E5}" type="presParOf" srcId="{D8F7A298-8155-4463-92AF-A712D782642A}" destId="{43B79DEE-9F64-4E40-9884-E0E891D6FB56}" srcOrd="1" destOrd="0" presId="urn:microsoft.com/office/officeart/2008/layout/LinedList"/>
+    <dgm:cxn modelId="{1EA524A6-778F-4B1E-B414-96D286F308C3}" type="presParOf" srcId="{43B79DEE-9F64-4E40-9884-E0E891D6FB56}" destId="{58ACB63D-0676-413B-B305-35FB2753FC8F}" srcOrd="0" destOrd="0" presId="urn:microsoft.com/office/officeart/2008/layout/LinedList"/>
+    <dgm:cxn modelId="{604A30DA-C495-45F8-BA24-161CCD8A2B8E}" type="presParOf" srcId="{43B79DEE-9F64-4E40-9884-E0E891D6FB56}" destId="{74D223C9-C44B-4399-B95C-451DC79DBA4A}" srcOrd="1" destOrd="0" presId="urn:microsoft.com/office/officeart/2008/layout/LinedList"/>
+    <dgm:cxn modelId="{54B5E0B9-3F04-4D71-AE19-74021675C02B}" type="presParOf" srcId="{D8F7A298-8155-4463-92AF-A712D782642A}" destId="{33E32B71-5C3C-46A9-8787-1F87558E0F81}" srcOrd="2" destOrd="0" presId="urn:microsoft.com/office/officeart/2008/layout/LinedList"/>
+    <dgm:cxn modelId="{A46E26C3-1CB0-48F4-8657-3043473546C6}" type="presParOf" srcId="{D8F7A298-8155-4463-92AF-A712D782642A}" destId="{B714B64F-22AD-4557-BF76-E2F51FC71064}" srcOrd="3" destOrd="0" presId="urn:microsoft.com/office/officeart/2008/layout/LinedList"/>
+    <dgm:cxn modelId="{A567D1A8-1934-4333-925D-EADF85B2D667}" type="presParOf" srcId="{B714B64F-22AD-4557-BF76-E2F51FC71064}" destId="{8AE067A6-A9F0-4D54-8581-053D3D509444}" srcOrd="0" destOrd="0" presId="urn:microsoft.com/office/officeart/2008/layout/LinedList"/>
+    <dgm:cxn modelId="{DB4F9BAB-8BA9-438E-9D16-BC8FFE5DAEB8}" type="presParOf" srcId="{B714B64F-22AD-4557-BF76-E2F51FC71064}" destId="{0A853356-25BD-46C1-901B-EA7DF8DD3504}" srcOrd="1" destOrd="0" presId="urn:microsoft.com/office/officeart/2008/layout/LinedList"/>
+    <dgm:cxn modelId="{61B5F88A-BE0A-4D6F-8C1A-133A2B092632}" type="presParOf" srcId="{D8F7A298-8155-4463-92AF-A712D782642A}" destId="{676B9F2A-711A-4D2E-A049-3FBB09B19DD2}" srcOrd="4" destOrd="0" presId="urn:microsoft.com/office/officeart/2008/layout/LinedList"/>
+    <dgm:cxn modelId="{D989724D-2398-4D09-8C03-3CFAE5774FCB}" type="presParOf" srcId="{D8F7A298-8155-4463-92AF-A712D782642A}" destId="{3EE571DD-BB63-4E6B-9E6E-0D6A18F42AD9}" srcOrd="5" destOrd="0" presId="urn:microsoft.com/office/officeart/2008/layout/LinedList"/>
+    <dgm:cxn modelId="{CAD710E4-8771-4360-A3DE-5420F54289D6}" type="presParOf" srcId="{3EE571DD-BB63-4E6B-9E6E-0D6A18F42AD9}" destId="{8ED2B0B6-2D42-4AED-A299-01ABC4C3868C}" srcOrd="0" destOrd="0" presId="urn:microsoft.com/office/officeart/2008/layout/LinedList"/>
+    <dgm:cxn modelId="{046E341F-EF6B-44B4-B0F8-01CC954B2F9C}" type="presParOf" srcId="{3EE571DD-BB63-4E6B-9E6E-0D6A18F42AD9}" destId="{3A64286E-AA19-4EA5-9D38-A658216787F7}" srcOrd="1" destOrd="0" presId="urn:microsoft.com/office/officeart/2008/layout/LinedList"/>
+    <dgm:cxn modelId="{461701E9-C475-4808-B731-88753C4DAB5F}" type="presParOf" srcId="{D8F7A298-8155-4463-92AF-A712D782642A}" destId="{C9F9C5B7-DFF2-42D0-AAB3-EFFD1C40A5FF}" srcOrd="6" destOrd="0" presId="urn:microsoft.com/office/officeart/2008/layout/LinedList"/>
+    <dgm:cxn modelId="{CB00125D-E7A6-4A71-B001-0455C32298DE}" type="presParOf" srcId="{D8F7A298-8155-4463-92AF-A712D782642A}" destId="{B208CEDB-A735-40FF-BC62-6CC66F7DEE1B}" srcOrd="7" destOrd="0" presId="urn:microsoft.com/office/officeart/2008/layout/LinedList"/>
+    <dgm:cxn modelId="{B1B70E36-2C65-45FC-9906-8E718DDC70C7}" type="presParOf" srcId="{B208CEDB-A735-40FF-BC62-6CC66F7DEE1B}" destId="{9D58399F-8091-4780-A174-01E630089309}" srcOrd="0" destOrd="0" presId="urn:microsoft.com/office/officeart/2008/layout/LinedList"/>
+    <dgm:cxn modelId="{95CDB8B7-B8BD-4D4A-8534-F2FEF8017E05}" type="presParOf" srcId="{B208CEDB-A735-40FF-BC62-6CC66F7DEE1B}" destId="{99BA2702-61CF-42EC-AC18-9EF5AF66E5FF}" srcOrd="1" destOrd="0" presId="urn:microsoft.com/office/officeart/2008/layout/LinedList"/>
+  </dgm:cxnLst>
+  <dgm:bg/>
+  <dgm:whole/>
+  <dgm:extLst>
+    <a:ext uri="http://schemas.microsoft.com/office/drawing/2008/diagram">
+      <dsp:dataModelExt xmlns:dsp="http://schemas.microsoft.com/office/drawing/2008/diagram" relId="rId7" minVer="http://schemas.openxmlformats.org/drawingml/2006/diagram"/>
+    </a:ext>
+  </dgm:extLst>
+</dgm:dataModel>
+</file>
+
+<file path=ppt/diagrams/drawing1.xml><?xml version="1.0" encoding="utf-8"?>
+<dsp:drawing xmlns:dgm="http://schemas.openxmlformats.org/drawingml/2006/diagram" xmlns:dsp="http://schemas.microsoft.com/office/drawing/2008/diagram" xmlns:a="http://schemas.openxmlformats.org/drawingml/2006/main">
+  <dsp:spTree>
+    <dsp:nvGrpSpPr>
+      <dsp:cNvPr id="0" name=""/>
+      <dsp:cNvGrpSpPr/>
+    </dsp:nvGrpSpPr>
+    <dsp:grpSpPr/>
+    <dsp:sp modelId="{20670611-67AC-4A17-81A3-9BF4D8CB0B9F}">
+      <dsp:nvSpPr>
+        <dsp:cNvPr id="0" name=""/>
+        <dsp:cNvSpPr/>
+      </dsp:nvSpPr>
+      <dsp:spPr>
+        <a:xfrm>
+          <a:off x="0" y="0"/>
+          <a:ext cx="10515600" cy="0"/>
+        </a:xfrm>
+        <a:prstGeom prst="line">
+          <a:avLst/>
+        </a:prstGeom>
+        <a:solidFill>
+          <a:schemeClr val="accent6">
+            <a:hueOff val="0"/>
+            <a:satOff val="0"/>
+            <a:lumOff val="0"/>
+            <a:alphaOff val="0"/>
+          </a:schemeClr>
+        </a:solidFill>
+        <a:ln w="12700" cap="flat" cmpd="sng" algn="ctr">
+          <a:solidFill>
+            <a:schemeClr val="accent6">
+              <a:hueOff val="0"/>
+              <a:satOff val="0"/>
+              <a:lumOff val="0"/>
+              <a:alphaOff val="0"/>
+            </a:schemeClr>
+          </a:solidFill>
+          <a:prstDash val="solid"/>
+          <a:miter lim="800000"/>
+        </a:ln>
+        <a:effectLst/>
+      </dsp:spPr>
+      <dsp:style>
+        <a:lnRef idx="2">
+          <a:scrgbClr r="0" g="0" b="0"/>
+        </a:lnRef>
+        <a:fillRef idx="1">
+          <a:scrgbClr r="0" g="0" b="0"/>
+        </a:fillRef>
+        <a:effectRef idx="1">
+          <a:scrgbClr r="0" g="0" b="0"/>
+        </a:effectRef>
+        <a:fontRef idx="minor">
+          <a:schemeClr val="lt1"/>
+        </a:fontRef>
+      </dsp:style>
+    </dsp:sp>
+    <dsp:sp modelId="{58ACB63D-0676-413B-B305-35FB2753FC8F}">
+      <dsp:nvSpPr>
+        <dsp:cNvPr id="0" name=""/>
+        <dsp:cNvSpPr/>
+      </dsp:nvSpPr>
+      <dsp:spPr>
+        <a:xfrm>
+          <a:off x="0" y="0"/>
+          <a:ext cx="10515600" cy="1087834"/>
+        </a:xfrm>
+        <a:prstGeom prst="rect">
+          <a:avLst/>
+        </a:prstGeom>
+        <a:noFill/>
+        <a:ln>
+          <a:noFill/>
+        </a:ln>
+        <a:effectLst/>
+      </dsp:spPr>
+      <dsp:style>
+        <a:lnRef idx="0">
+          <a:scrgbClr r="0" g="0" b="0"/>
+        </a:lnRef>
+        <a:fillRef idx="0">
+          <a:scrgbClr r="0" g="0" b="0"/>
+        </a:fillRef>
+        <a:effectRef idx="0">
+          <a:scrgbClr r="0" g="0" b="0"/>
+        </a:effectRef>
+        <a:fontRef idx="minor"/>
+      </dsp:style>
+      <dsp:txBody>
+        <a:bodyPr spcFirstLastPara="0" vert="horz" wrap="square" lIns="152400" tIns="152400" rIns="152400" bIns="152400" numCol="1" spcCol="1270" anchor="t" anchorCtr="0">
+          <a:noAutofit/>
+        </a:bodyPr>
+        <a:lstStyle/>
+        <a:p>
+          <a:pPr marL="0" lvl="0" indent="0" algn="l" defTabSz="1778000">
+            <a:lnSpc>
+              <a:spcPct val="90000"/>
+            </a:lnSpc>
+            <a:spcBef>
+              <a:spcPct val="0"/>
+            </a:spcBef>
+            <a:spcAft>
+              <a:spcPct val="35000"/>
+            </a:spcAft>
+            <a:buNone/>
+          </a:pPr>
+          <a:r>
+            <a:rPr lang="en-US" sz="4000" kern="1200"/>
+            <a:t>Python – primary implementation Language</a:t>
+          </a:r>
+        </a:p>
+      </dsp:txBody>
+      <dsp:txXfrm>
+        <a:off x="0" y="0"/>
+        <a:ext cx="10515600" cy="1087834"/>
+      </dsp:txXfrm>
+    </dsp:sp>
+    <dsp:sp modelId="{33E32B71-5C3C-46A9-8787-1F87558E0F81}">
+      <dsp:nvSpPr>
+        <dsp:cNvPr id="0" name=""/>
+        <dsp:cNvSpPr/>
+      </dsp:nvSpPr>
+      <dsp:spPr>
+        <a:xfrm>
+          <a:off x="0" y="1087834"/>
+          <a:ext cx="10515600" cy="0"/>
+        </a:xfrm>
+        <a:prstGeom prst="line">
+          <a:avLst/>
+        </a:prstGeom>
+        <a:solidFill>
+          <a:schemeClr val="accent6">
+            <a:hueOff val="0"/>
+            <a:satOff val="0"/>
+            <a:lumOff val="0"/>
+            <a:alphaOff val="0"/>
+          </a:schemeClr>
+        </a:solidFill>
+        <a:ln w="12700" cap="flat" cmpd="sng" algn="ctr">
+          <a:solidFill>
+            <a:schemeClr val="accent6">
+              <a:hueOff val="0"/>
+              <a:satOff val="0"/>
+              <a:lumOff val="0"/>
+              <a:alphaOff val="0"/>
+            </a:schemeClr>
+          </a:solidFill>
+          <a:prstDash val="solid"/>
+          <a:miter lim="800000"/>
+        </a:ln>
+        <a:effectLst/>
+      </dsp:spPr>
+      <dsp:style>
+        <a:lnRef idx="2">
+          <a:scrgbClr r="0" g="0" b="0"/>
+        </a:lnRef>
+        <a:fillRef idx="1">
+          <a:scrgbClr r="0" g="0" b="0"/>
+        </a:fillRef>
+        <a:effectRef idx="1">
+          <a:scrgbClr r="0" g="0" b="0"/>
+        </a:effectRef>
+        <a:fontRef idx="minor">
+          <a:schemeClr val="lt1"/>
+        </a:fontRef>
+      </dsp:style>
+    </dsp:sp>
+    <dsp:sp modelId="{8AE067A6-A9F0-4D54-8581-053D3D509444}">
+      <dsp:nvSpPr>
+        <dsp:cNvPr id="0" name=""/>
+        <dsp:cNvSpPr/>
+      </dsp:nvSpPr>
+      <dsp:spPr>
+        <a:xfrm>
+          <a:off x="0" y="1087834"/>
+          <a:ext cx="10515600" cy="1087834"/>
+        </a:xfrm>
+        <a:prstGeom prst="rect">
+          <a:avLst/>
+        </a:prstGeom>
+        <a:noFill/>
+        <a:ln>
+          <a:noFill/>
+        </a:ln>
+        <a:effectLst/>
+      </dsp:spPr>
+      <dsp:style>
+        <a:lnRef idx="0">
+          <a:scrgbClr r="0" g="0" b="0"/>
+        </a:lnRef>
+        <a:fillRef idx="0">
+          <a:scrgbClr r="0" g="0" b="0"/>
+        </a:fillRef>
+        <a:effectRef idx="0">
+          <a:scrgbClr r="0" g="0" b="0"/>
+        </a:effectRef>
+        <a:fontRef idx="minor"/>
+      </dsp:style>
+      <dsp:txBody>
+        <a:bodyPr spcFirstLastPara="0" vert="horz" wrap="square" lIns="152400" tIns="152400" rIns="152400" bIns="152400" numCol="1" spcCol="1270" anchor="t" anchorCtr="0">
+          <a:noAutofit/>
+        </a:bodyPr>
+        <a:lstStyle/>
+        <a:p>
+          <a:pPr marL="0" lvl="0" indent="0" algn="l" defTabSz="1778000">
+            <a:lnSpc>
+              <a:spcPct val="90000"/>
+            </a:lnSpc>
+            <a:spcBef>
+              <a:spcPct val="0"/>
+            </a:spcBef>
+            <a:spcAft>
+              <a:spcPct val="35000"/>
+            </a:spcAft>
+            <a:buNone/>
+          </a:pPr>
+          <a:r>
+            <a:rPr lang="en-US" sz="4000" kern="1200" dirty="0" err="1"/>
+            <a:t>Pytorch</a:t>
+          </a:r>
+          <a:r>
+            <a:rPr lang="en-US" sz="4000" kern="1200" dirty="0"/>
+            <a:t>  - Python package for Data Science</a:t>
+          </a:r>
+        </a:p>
+      </dsp:txBody>
+      <dsp:txXfrm>
+        <a:off x="0" y="1087834"/>
+        <a:ext cx="10515600" cy="1087834"/>
+      </dsp:txXfrm>
+    </dsp:sp>
+    <dsp:sp modelId="{676B9F2A-711A-4D2E-A049-3FBB09B19DD2}">
+      <dsp:nvSpPr>
+        <dsp:cNvPr id="0" name=""/>
+        <dsp:cNvSpPr/>
+      </dsp:nvSpPr>
+      <dsp:spPr>
+        <a:xfrm>
+          <a:off x="0" y="2175669"/>
+          <a:ext cx="10515600" cy="0"/>
+        </a:xfrm>
+        <a:prstGeom prst="line">
+          <a:avLst/>
+        </a:prstGeom>
+        <a:solidFill>
+          <a:schemeClr val="accent6">
+            <a:hueOff val="0"/>
+            <a:satOff val="0"/>
+            <a:lumOff val="0"/>
+            <a:alphaOff val="0"/>
+          </a:schemeClr>
+        </a:solidFill>
+        <a:ln w="12700" cap="flat" cmpd="sng" algn="ctr">
+          <a:solidFill>
+            <a:schemeClr val="accent6">
+              <a:hueOff val="0"/>
+              <a:satOff val="0"/>
+              <a:lumOff val="0"/>
+              <a:alphaOff val="0"/>
+            </a:schemeClr>
+          </a:solidFill>
+          <a:prstDash val="solid"/>
+          <a:miter lim="800000"/>
+        </a:ln>
+        <a:effectLst/>
+      </dsp:spPr>
+      <dsp:style>
+        <a:lnRef idx="2">
+          <a:scrgbClr r="0" g="0" b="0"/>
+        </a:lnRef>
+        <a:fillRef idx="1">
+          <a:scrgbClr r="0" g="0" b="0"/>
+        </a:fillRef>
+        <a:effectRef idx="1">
+          <a:scrgbClr r="0" g="0" b="0"/>
+        </a:effectRef>
+        <a:fontRef idx="minor">
+          <a:schemeClr val="lt1"/>
+        </a:fontRef>
+      </dsp:style>
+    </dsp:sp>
+    <dsp:sp modelId="{8ED2B0B6-2D42-4AED-A299-01ABC4C3868C}">
+      <dsp:nvSpPr>
+        <dsp:cNvPr id="0" name=""/>
+        <dsp:cNvSpPr/>
+      </dsp:nvSpPr>
+      <dsp:spPr>
+        <a:xfrm>
+          <a:off x="0" y="2175669"/>
+          <a:ext cx="10515600" cy="1087834"/>
+        </a:xfrm>
+        <a:prstGeom prst="rect">
+          <a:avLst/>
+        </a:prstGeom>
+        <a:noFill/>
+        <a:ln>
+          <a:noFill/>
+        </a:ln>
+        <a:effectLst/>
+      </dsp:spPr>
+      <dsp:style>
+        <a:lnRef idx="0">
+          <a:scrgbClr r="0" g="0" b="0"/>
+        </a:lnRef>
+        <a:fillRef idx="0">
+          <a:scrgbClr r="0" g="0" b="0"/>
+        </a:fillRef>
+        <a:effectRef idx="0">
+          <a:scrgbClr r="0" g="0" b="0"/>
+        </a:effectRef>
+        <a:fontRef idx="minor"/>
+      </dsp:style>
+      <dsp:txBody>
+        <a:bodyPr spcFirstLastPara="0" vert="horz" wrap="square" lIns="152400" tIns="152400" rIns="152400" bIns="152400" numCol="1" spcCol="1270" anchor="t" anchorCtr="0">
+          <a:noAutofit/>
+        </a:bodyPr>
+        <a:lstStyle/>
+        <a:p>
+          <a:pPr marL="0" lvl="0" indent="0" algn="l" defTabSz="1778000">
+            <a:lnSpc>
+              <a:spcPct val="90000"/>
+            </a:lnSpc>
+            <a:spcBef>
+              <a:spcPct val="0"/>
+            </a:spcBef>
+            <a:spcAft>
+              <a:spcPct val="35000"/>
+            </a:spcAft>
+            <a:buNone/>
+          </a:pPr>
+          <a:r>
+            <a:rPr lang="en-US" sz="4000" kern="1200" dirty="0"/>
+            <a:t>Bert – Python NLP Package developed by Google</a:t>
+          </a:r>
+        </a:p>
+      </dsp:txBody>
+      <dsp:txXfrm>
+        <a:off x="0" y="2175669"/>
+        <a:ext cx="10515600" cy="1087834"/>
+      </dsp:txXfrm>
+    </dsp:sp>
+    <dsp:sp modelId="{C9F9C5B7-DFF2-42D0-AAB3-EFFD1C40A5FF}">
+      <dsp:nvSpPr>
+        <dsp:cNvPr id="0" name=""/>
+        <dsp:cNvSpPr/>
+      </dsp:nvSpPr>
+      <dsp:spPr>
+        <a:xfrm>
+          <a:off x="0" y="3263503"/>
+          <a:ext cx="10515600" cy="0"/>
+        </a:xfrm>
+        <a:prstGeom prst="line">
+          <a:avLst/>
+        </a:prstGeom>
+        <a:solidFill>
+          <a:schemeClr val="accent6">
+            <a:hueOff val="0"/>
+            <a:satOff val="0"/>
+            <a:lumOff val="0"/>
+            <a:alphaOff val="0"/>
+          </a:schemeClr>
+        </a:solidFill>
+        <a:ln w="12700" cap="flat" cmpd="sng" algn="ctr">
+          <a:solidFill>
+            <a:schemeClr val="accent6">
+              <a:hueOff val="0"/>
+              <a:satOff val="0"/>
+              <a:lumOff val="0"/>
+              <a:alphaOff val="0"/>
+            </a:schemeClr>
+          </a:solidFill>
+          <a:prstDash val="solid"/>
+          <a:miter lim="800000"/>
+        </a:ln>
+        <a:effectLst/>
+      </dsp:spPr>
+      <dsp:style>
+        <a:lnRef idx="2">
+          <a:scrgbClr r="0" g="0" b="0"/>
+        </a:lnRef>
+        <a:fillRef idx="1">
+          <a:scrgbClr r="0" g="0" b="0"/>
+        </a:fillRef>
+        <a:effectRef idx="1">
+          <a:scrgbClr r="0" g="0" b="0"/>
+        </a:effectRef>
+        <a:fontRef idx="minor">
+          <a:schemeClr val="lt1"/>
+        </a:fontRef>
+      </dsp:style>
+    </dsp:sp>
+    <dsp:sp modelId="{9D58399F-8091-4780-A174-01E630089309}">
+      <dsp:nvSpPr>
+        <dsp:cNvPr id="0" name=""/>
+        <dsp:cNvSpPr/>
+      </dsp:nvSpPr>
+      <dsp:spPr>
+        <a:xfrm>
+          <a:off x="0" y="3263503"/>
+          <a:ext cx="10515600" cy="1087834"/>
+        </a:xfrm>
+        <a:prstGeom prst="rect">
+          <a:avLst/>
+        </a:prstGeom>
+        <a:noFill/>
+        <a:ln>
+          <a:noFill/>
+        </a:ln>
+        <a:effectLst/>
+      </dsp:spPr>
+      <dsp:style>
+        <a:lnRef idx="0">
+          <a:scrgbClr r="0" g="0" b="0"/>
+        </a:lnRef>
+        <a:fillRef idx="0">
+          <a:scrgbClr r="0" g="0" b="0"/>
+        </a:fillRef>
+        <a:effectRef idx="0">
+          <a:scrgbClr r="0" g="0" b="0"/>
+        </a:effectRef>
+        <a:fontRef idx="minor"/>
+      </dsp:style>
+      <dsp:txBody>
+        <a:bodyPr spcFirstLastPara="0" vert="horz" wrap="square" lIns="152400" tIns="152400" rIns="152400" bIns="152400" numCol="1" spcCol="1270" anchor="t" anchorCtr="0">
+          <a:noAutofit/>
+        </a:bodyPr>
+        <a:lstStyle/>
+        <a:p>
+          <a:pPr marL="0" lvl="0" indent="0" algn="l" defTabSz="1778000">
+            <a:lnSpc>
+              <a:spcPct val="90000"/>
+            </a:lnSpc>
+            <a:spcBef>
+              <a:spcPct val="0"/>
+            </a:spcBef>
+            <a:spcAft>
+              <a:spcPct val="35000"/>
+            </a:spcAft>
+            <a:buNone/>
+          </a:pPr>
+          <a:r>
+            <a:rPr lang="en-US" sz="4000" kern="1200" dirty="0" err="1"/>
+            <a:t>Tkinter</a:t>
+          </a:r>
+          <a:r>
+            <a:rPr lang="en-US" sz="4000" kern="1200" dirty="0"/>
+            <a:t> – </a:t>
+          </a:r>
+          <a:r>
+            <a:rPr lang="en-US" sz="4000" kern="1200" dirty="0" err="1"/>
+            <a:t>PythonPackage</a:t>
+          </a:r>
+          <a:r>
+            <a:rPr lang="en-US" sz="4000" kern="1200" dirty="0"/>
+            <a:t> for GUI development</a:t>
+          </a:r>
+        </a:p>
+      </dsp:txBody>
+      <dsp:txXfrm>
+        <a:off x="0" y="3263503"/>
+        <a:ext cx="10515600" cy="1087834"/>
+      </dsp:txXfrm>
+    </dsp:sp>
+  </dsp:spTree>
+</dsp:drawing>
+</file>
+
+<file path=ppt/diagrams/layout1.xml><?xml version="1.0" encoding="utf-8"?>
+<dgm:layoutDef xmlns:dgm="http://schemas.openxmlformats.org/drawingml/2006/diagram" xmlns:a="http://schemas.openxmlformats.org/drawingml/2006/main" uniqueId="urn:microsoft.com/office/officeart/2008/layout/LinedList">
+  <dgm:title val=""/>
+  <dgm:desc val=""/>
+  <dgm:catLst>
+    <dgm:cat type="hierarchy" pri="8000"/>
+    <dgm:cat type="list" pri="2500"/>
+  </dgm:catLst>
+  <dgm:sampData>
+    <dgm:dataModel>
+      <dgm:ptLst>
+        <dgm:pt modelId="0" type="doc"/>
+        <dgm:pt modelId="1">
+          <dgm:prSet phldr="1"/>
+        </dgm:pt>
+        <dgm:pt modelId="11">
+          <dgm:prSet phldr="1"/>
+        </dgm:pt>
+        <dgm:pt modelId="12">
+          <dgm:prSet phldr="1"/>
+        </dgm:pt>
+        <dgm:pt modelId="13">
+          <dgm:prSet phldr="1"/>
+        </dgm:pt>
+      </dgm:ptLst>
+      <dgm:cxnLst>
+        <dgm:cxn modelId="2" srcId="0" destId="1" srcOrd="0" destOrd="0"/>
+        <dgm:cxn modelId="3" srcId="1" destId="11" srcOrd="0" destOrd="0"/>
+        <dgm:cxn modelId="4" srcId="1" destId="12" srcOrd="1" destOrd="0"/>
+        <dgm:cxn modelId="5" srcId="1" destId="13" srcOrd="2" destOrd="0"/>
+      </dgm:cxnLst>
+      <dgm:bg/>
+      <dgm:whole/>
+    </dgm:dataModel>
+  </dgm:sampData>
+  <dgm:styleData>
+    <dgm:dataModel>
+      <dgm:ptLst>
+        <dgm:pt modelId="0" type="doc"/>
+        <dgm:pt modelId="1">
+          <dgm:prSet phldr="1"/>
+        </dgm:pt>
+        <dgm:pt modelId="11">
+          <dgm:prSet phldr="1"/>
+        </dgm:pt>
+        <dgm:pt modelId="12">
+          <dgm:prSet phldr="1"/>
+        </dgm:pt>
+      </dgm:ptLst>
+      <dgm:cxnLst>
+        <dgm:cxn modelId="2" srcId="0" destId="1" srcOrd="0" destOrd="0"/>
+        <dgm:cxn modelId="3" srcId="1" destId="11" srcOrd="0" destOrd="0"/>
+        <dgm:cxn modelId="4" srcId="1" destId="12" srcOrd="1" destOrd="0"/>
+      </dgm:cxnLst>
+      <dgm:bg/>
+      <dgm:whole/>
+    </dgm:dataModel>
+  </dgm:styleData>
+  <dgm:clrData>
+    <dgm:dataModel>
+      <dgm:ptLst>
+        <dgm:pt modelId="0" type="doc"/>
+        <dgm:pt modelId="1">
+          <dgm:prSet phldr="1"/>
+        </dgm:pt>
+        <dgm:pt modelId="11">
+          <dgm:prSet phldr="1"/>
+        </dgm:pt>
+        <dgm:pt modelId="12">
+          <dgm:prSet phldr="1"/>
+        </dgm:pt>
+      </dgm:ptLst>
+      <dgm:cxnLst>
+        <dgm:cxn modelId="2" srcId="0" destId="1" srcOrd="0" destOrd="0"/>
+        <dgm:cxn modelId="3" srcId="1" destId="11" srcOrd="0" destOrd="0"/>
+        <dgm:cxn modelId="4" srcId="1" destId="12" srcOrd="1" destOrd="0"/>
+      </dgm:cxnLst>
+      <dgm:bg/>
+      <dgm:whole/>
+    </dgm:dataModel>
+  </dgm:clrData>
+  <dgm:layoutNode name="vert0">
+    <dgm:varLst>
+      <dgm:dir/>
+      <dgm:animOne val="branch"/>
+      <dgm:animLvl val="lvl"/>
+    </dgm:varLst>
+    <dgm:choose name="Name0">
+      <dgm:if name="Name1" func="var" arg="dir" op="equ" val="norm">
+        <dgm:alg type="lin">
+          <dgm:param type="linDir" val="fromT"/>
+          <dgm:param type="nodeHorzAlign" val="l"/>
+        </dgm:alg>
+      </dgm:if>
+      <dgm:else name="Name2">
+        <dgm:alg type="lin">
+          <dgm:param type="linDir" val="fromT"/>
+          <dgm:param type="nodeHorzAlign" val="r"/>
+        </dgm:alg>
+      </dgm:else>
+    </dgm:choose>
+    <dgm:shape xmlns:r="http://schemas.openxmlformats.org/officeDocument/2006/relationships" r:blip="">
+      <dgm:adjLst/>
+    </dgm:shape>
+    <dgm:presOf/>
+    <dgm:constrLst>
+      <dgm:constr type="w" for="ch" forName="horz1" refType="w"/>
+      <dgm:constr type="h" for="ch" forName="horz1" refType="h"/>
+      <dgm:constr type="h" for="des" forName="vert1" refType="h"/>
+      <dgm:constr type="h" for="des" forName="tx1" refType="h"/>
+      <dgm:constr type="h" for="des" forName="horz2" refType="h"/>
+      <dgm:constr type="h" for="des" forName="vert2" refType="h"/>
+      <dgm:constr type="h" for="des" forName="horz3" refType="h"/>
+      <dgm:constr type="h" for="des" forName="vert3" refType="h"/>
+      <dgm:constr type="h" for="des" forName="horz4" refType="h"/>
+      <dgm:constr type="h" for="des" ptType="node" refType="h"/>
+      <dgm:constr type="primFontSz" for="des" forName="tx1" op="equ" val="65"/>
+      <dgm:constr type="primFontSz" for="des" forName="tx2" op="equ" val="65"/>
+      <dgm:constr type="primFontSz" for="des" forName="tx3" op="equ" val="65"/>
+      <dgm:constr type="primFontSz" for="des" forName="tx4" op="equ" val="65"/>
+      <dgm:constr type="w" for="des" forName="thickLine" refType="w"/>
+      <dgm:constr type="h" for="des" forName="thickLine"/>
+      <dgm:constr type="h" for="des" forName="thinLine1"/>
+      <dgm:constr type="h" for="des" forName="thinLine2b"/>
+      <dgm:constr type="h" for="des" forName="thinLine3"/>
+      <dgm:constr type="h" for="des" forName="vertSpace2a" refType="h" fact="0.05"/>
+      <dgm:constr type="h" for="des" forName="vertSpace2b" refType="h" refFor="des" refForName="vertSpace2a"/>
+    </dgm:constrLst>
+    <dgm:forEach name="Name3" axis="ch" ptType="node">
+      <dgm:layoutNode name="thickLine" styleLbl="alignNode1">
+        <dgm:alg type="sp"/>
+        <dgm:shape xmlns:r="http://schemas.openxmlformats.org/officeDocument/2006/relationships" type="line" r:blip="">
+          <dgm:adjLst/>
+        </dgm:shape>
+        <dgm:presOf/>
+      </dgm:layoutNode>
+      <dgm:layoutNode name="horz1">
+        <dgm:choose name="Name4">
+          <dgm:if name="Name5" func="var" arg="dir" op="equ" val="norm">
+            <dgm:alg type="lin">
+              <dgm:param type="linDir" val="fromL"/>
+              <dgm:param type="nodeVertAlign" val="t"/>
+            </dgm:alg>
+          </dgm:if>
+          <dgm:else name="Name6">
+            <dgm:alg type="lin">
+              <dgm:param type="linDir" val="fromR"/>
+              <dgm:param type="nodeVertAlign" val="t"/>
+            </dgm:alg>
+          </dgm:else>
+        </dgm:choose>
+        <dgm:shape xmlns:r="http://schemas.openxmlformats.org/officeDocument/2006/relationships" r:blip="">
+          <dgm:adjLst/>
+        </dgm:shape>
+        <dgm:presOf/>
+        <dgm:choose name="Name7">
+          <dgm:if name="Name8" axis="root des" func="maxDepth" op="equ" val="1">
+            <dgm:constrLst>
+              <dgm:constr type="w" for="ch" forName="tx1" refType="w"/>
+            </dgm:constrLst>
+          </dgm:if>
+          <dgm:if name="Name9" axis="root des" func="maxDepth" op="equ" val="2">
+            <dgm:constrLst>
+              <dgm:constr type="w" for="ch" forName="tx1" refType="w" fact="0.2"/>
+              <dgm:constr type="w" for="des" forName="tx2" refType="w" fact="0.785"/>
+              <dgm:constr type="w" for="des" forName="horzSpace2" refType="w" fact="0.015"/>
+              <dgm:constr type="w" for="des" forName="thinLine2b" refType="w" fact="0.8"/>
+            </dgm:constrLst>
+          </dgm:if>
+          <dgm:if name="Name10" axis="root des" func="maxDepth" op="equ" val="3">
+            <dgm:constrLst>
+              <dgm:constr type="w" for="ch" forName="tx1" refType="w" fact="0.2"/>
+              <dgm:constr type="w" for="des" forName="tx2" refType="w" fact="0.385"/>
+              <dgm:constr type="w" for="des" forName="tx3" refType="w" fact="0.385"/>
+              <dgm:constr type="w" for="des" forName="horzSpace2" refType="w" fact="0.015"/>
+              <dgm:constr type="w" for="des" forName="horzSpace3" refType="w" fact="0.015"/>
+              <dgm:constr type="w" for="des" forName="thinLine2b" refType="w" fact="0.8"/>
+              <dgm:constr type="w" for="des" forName="thinLine3" refType="w" fact="0.385"/>
+            </dgm:constrLst>
+          </dgm:if>
+          <dgm:if name="Name11" axis="root des" func="maxDepth" op="gte" val="4">
+            <dgm:constrLst>
+              <dgm:constr type="w" for="ch" forName="tx1" refType="w" fact="0.2"/>
+              <dgm:constr type="w" for="des" forName="tx2" refType="w" fact="0.2516"/>
+              <dgm:constr type="w" for="des" forName="tx3" refType="w" fact="0.2516"/>
+              <dgm:constr type="w" for="des" forName="tx4" refType="w" fact="0.2516"/>
+              <dgm:constr type="w" for="des" forName="horzSpace2" refType="w" fact="0.015"/>
+              <dgm:constr type="w" for="des" forName="horzSpace3" refType="w" fact="0.015"/>
+              <dgm:constr type="w" for="des" forName="horzSpace4" refType="w" fact="0.015"/>
+              <dgm:constr type="w" for="des" forName="thinLine2b" refType="w" fact="0.8"/>
+              <dgm:constr type="w" for="des" forName="thinLine3" refType="w" fact="0.5332"/>
+            </dgm:constrLst>
+          </dgm:if>
+          <dgm:else name="Name12"/>
+        </dgm:choose>
+        <dgm:layoutNode name="tx1" styleLbl="revTx">
+          <dgm:alg type="tx">
+            <dgm:param type="parTxLTRAlign" val="l"/>
+            <dgm:param type="parTxRTLAlign" val="r"/>
+            <dgm:param type="txAnchorVert" val="t"/>
+          </dgm:alg>
+          <dgm:shape xmlns:r="http://schemas.openxmlformats.org/officeDocument/2006/relationships" type="rect" r:blip="">
+            <dgm:adjLst/>
+          </dgm:shape>
+          <dgm:presOf axis="self"/>
+          <dgm:constrLst>
+            <dgm:constr type="tMarg" refType="primFontSz" fact="0.3"/>
+            <dgm:constr type="bMarg" refType="primFontSz" fact="0.3"/>
+            <dgm:constr type="lMarg" refType="primFontSz" fact="0.3"/>
+            <dgm:constr type="rMarg" refType="primFontSz" fact="0.3"/>
+          </dgm:constrLst>
+          <dgm:ruleLst>
+            <dgm:rule type="primFontSz" val="5" fact="NaN" max="NaN"/>
+          </dgm:ruleLst>
+        </dgm:layoutNode>
+        <dgm:layoutNode name="vert1">
+          <dgm:choose name="Name13">
+            <dgm:if name="Name14" func="var" arg="dir" op="equ" val="norm">
+              <dgm:alg type="lin">
+                <dgm:param type="linDir" val="fromT"/>
+                <dgm:param type="nodeHorzAlign" val="l"/>
+              </dgm:alg>
+            </dgm:if>
+            <dgm:else name="Name15">
+              <dgm:alg type="lin">
+                <dgm:param type="linDir" val="fromT"/>
+                <dgm:param type="nodeHorzAlign" val="r"/>
+              </dgm:alg>
+            </dgm:else>
+          </dgm:choose>
+          <dgm:shape xmlns:r="http://schemas.openxmlformats.org/officeDocument/2006/relationships" r:blip="">
+            <dgm:adjLst/>
+          </dgm:shape>
+          <dgm:presOf/>
+          <dgm:forEach name="Name16" axis="ch" ptType="node">
+            <dgm:choose name="Name17">
+              <dgm:if name="Name18" axis="self" ptType="node" func="pos" op="equ" val="1">
+                <dgm:layoutNode name="vertSpace2a">
+                  <dgm:alg type="sp"/>
+                  <dgm:shape xmlns:r="http://schemas.openxmlformats.org/officeDocument/2006/relationships" r:blip="">
+                    <dgm:adjLst/>
+                  </dgm:shape>
+                  <dgm:presOf/>
+                </dgm:layoutNode>
+              </dgm:if>
+              <dgm:else name="Name19"/>
+            </dgm:choose>
+            <dgm:layoutNode name="horz2">
+              <dgm:choose name="Name20">
+                <dgm:if name="Name21" func="var" arg="dir" op="equ" val="norm">
+                  <dgm:alg type="lin">
+                    <dgm:param type="linDir" val="fromL"/>
+                    <dgm:param type="nodeVertAlign" val="t"/>
+                  </dgm:alg>
+                </dgm:if>
+                <dgm:else name="Name22">
+                  <dgm:alg type="lin">
+                    <dgm:param type="linDir" val="fromR"/>
+                    <dgm:param type="nodeVertAlign" val="t"/>
+                  </dgm:alg>
+                </dgm:else>
+              </dgm:choose>
+              <dgm:shape xmlns:r="http://schemas.openxmlformats.org/officeDocument/2006/relationships" r:blip="">
+                <dgm:adjLst/>
+              </dgm:shape>
+              <dgm:presOf/>
+              <dgm:layoutNode name="horzSpace2">
+                <dgm:alg type="sp"/>
+                <dgm:shape xmlns:r="http://schemas.openxmlformats.org/officeDocument/2006/relationships" r:blip="">
+                  <dgm:adjLst/>
+                </dgm:shape>
+                <dgm:presOf/>
+              </dgm:layoutNode>
+              <dgm:layoutNode name="tx2" styleLbl="revTx">
+                <dgm:alg type="tx">
+                  <dgm:param type="parTxLTRAlign" val="l"/>
+                  <dgm:param type="parTxRTLAlign" val="r"/>
+                  <dgm:param type="txAnchorVert" val="t"/>
+                </dgm:alg>
+                <dgm:shape xmlns:r="http://schemas.openxmlformats.org/officeDocument/2006/relationships" type="rect" r:blip="">
+                  <dgm:adjLst/>
+                </dgm:shape>
+                <dgm:presOf axis="self"/>
+                <dgm:constrLst>
+                  <dgm:constr type="tMarg" refType="primFontSz" fact="0.3"/>
+                  <dgm:constr type="bMarg" refType="primFontSz" fact="0.3"/>
+                  <dgm:constr type="lMarg" refType="primFontSz" fact="0.3"/>
+                  <dgm:constr type="rMarg" refType="primFontSz" fact="0.3"/>
+                </dgm:constrLst>
+                <dgm:ruleLst>
+                  <dgm:rule type="primFontSz" val="5" fact="NaN" max="NaN"/>
+                </dgm:ruleLst>
+              </dgm:layoutNode>
+              <dgm:layoutNode name="vert2">
+                <dgm:choose name="Name23">
+                  <dgm:if name="Name24" func="var" arg="dir" op="equ" val="norm">
+                    <dgm:alg type="lin">
+                      <dgm:param type="linDir" val="fromT"/>
+                      <dgm:param type="nodeHorzAlign" val="l"/>
+                    </dgm:alg>
+                  </dgm:if>
+                  <dgm:else name="Name25">
+                    <dgm:alg type="lin">
+                      <dgm:param type="linDir" val="fromT"/>
+                      <dgm:param type="nodeHorzAlign" val="r"/>
+                    </dgm:alg>
+                  </dgm:else>
+                </dgm:choose>
+                <dgm:shape xmlns:r="http://schemas.openxmlformats.org/officeDocument/2006/relationships" r:blip="">
+                  <dgm:adjLst/>
+                </dgm:shape>
+                <dgm:presOf/>
+                <dgm:forEach name="Name26" axis="ch" ptType="node">
+                  <dgm:layoutNode name="horz3">
+                    <dgm:choose name="Name27">
+                      <dgm:if name="Name28" func="var" arg="dir" op="equ" val="norm">
+                        <dgm:alg type="lin">
+                          <dgm:param type="linDir" val="fromL"/>
+                          <dgm:param type="nodeVertAlign" val="t"/>
+                        </dgm:alg>
+                      </dgm:if>
+                      <dgm:else name="Name29">
+                        <dgm:alg type="lin">
+                          <dgm:param type="linDir" val="fromR"/>
+                          <dgm:param type="nodeVertAlign" val="t"/>
+                        </dgm:alg>
+                      </dgm:else>
+                    </dgm:choose>
+                    <dgm:shape xmlns:r="http://schemas.openxmlformats.org/officeDocument/2006/relationships" r:blip="">
+                      <dgm:adjLst/>
+                    </dgm:shape>
+                    <dgm:presOf/>
+                    <dgm:layoutNode name="horzSpace3">
+                      <dgm:alg type="sp"/>
+                      <dgm:shape xmlns:r="http://schemas.openxmlformats.org/officeDocument/2006/relationships" r:blip="">
+                        <dgm:adjLst/>
+                      </dgm:shape>
+                      <dgm:presOf/>
+                    </dgm:layoutNode>
+                    <dgm:layoutNode name="tx3" styleLbl="revTx">
+                      <dgm:alg type="tx">
+                        <dgm:param type="parTxLTRAlign" val="l"/>
+                        <dgm:param type="parTxRTLAlign" val="r"/>
+                        <dgm:param type="txAnchorVert" val="t"/>
+                      </dgm:alg>
+                      <dgm:shape xmlns:r="http://schemas.openxmlformats.org/officeDocument/2006/relationships" type="rect" r:blip="">
+                        <dgm:adjLst/>
+                      </dgm:shape>
+                      <dgm:presOf axis="self"/>
+                      <dgm:constrLst>
+                        <dgm:constr type="tMarg" refType="primFontSz" fact="0.3"/>
+                        <dgm:constr type="bMarg" refType="primFontSz" fact="0.3"/>
+                        <dgm:constr type="lMarg" refType="primFontSz" fact="0.3"/>
+                        <dgm:constr type="rMarg" refType="primFontSz" fact="0.3"/>
+                      </dgm:constrLst>
+                      <dgm:ruleLst>
+                        <dgm:rule type="primFontSz" val="5" fact="NaN" max="NaN"/>
+                      </dgm:ruleLst>
+                    </dgm:layoutNode>
+                    <dgm:layoutNode name="vert3">
+                      <dgm:choose name="Name30">
+                        <dgm:if name="Name31" func="var" arg="dir" op="equ" val="norm">
+                          <dgm:alg type="lin">
+                            <dgm:param type="linDir" val="fromT"/>
+                            <dgm:param type="nodeHorzAlign" val="l"/>
+                          </dgm:alg>
+                        </dgm:if>
+                        <dgm:else name="Name32">
+                          <dgm:alg type="lin">
+                            <dgm:param type="linDir" val="fromT"/>
+                            <dgm:param type="nodeHorzAlign" val="r"/>
+                          </dgm:alg>
+                        </dgm:else>
+                      </dgm:choose>
+                      <dgm:shape xmlns:r="http://schemas.openxmlformats.org/officeDocument/2006/relationships" r:blip="">
+                        <dgm:adjLst/>
+                      </dgm:shape>
+                      <dgm:presOf/>
+                      <dgm:forEach name="Name33" axis="ch" ptType="node">
+                        <dgm:layoutNode name="horz4">
+                          <dgm:choose name="Name34">
+                            <dgm:if name="Name35" func="var" arg="dir" op="equ" val="norm">
+                              <dgm:alg type="lin">
+                                <dgm:param type="linDir" val="fromL"/>
+                                <dgm:param type="nodeVertAlign" val="t"/>
+                              </dgm:alg>
+                            </dgm:if>
+                            <dgm:else name="Name36">
+                              <dgm:alg type="lin">
+                                <dgm:param type="linDir" val="fromR"/>
+                                <dgm:param type="nodeVertAlign" val="t"/>
+                              </dgm:alg>
+                            </dgm:else>
+                          </dgm:choose>
+                          <dgm:shape xmlns:r="http://schemas.openxmlformats.org/officeDocument/2006/relationships" r:blip="">
+                            <dgm:adjLst/>
+                          </dgm:shape>
+                          <dgm:presOf/>
+                          <dgm:layoutNode name="horzSpace4">
+                            <dgm:alg type="sp"/>
+                            <dgm:shape xmlns:r="http://schemas.openxmlformats.org/officeDocument/2006/relationships" r:blip="">
+                              <dgm:adjLst/>
+                            </dgm:shape>
+                            <dgm:presOf/>
+                          </dgm:layoutNode>
+                          <dgm:layoutNode name="tx4" styleLbl="revTx">
+                            <dgm:varLst>
+                              <dgm:bulletEnabled val="1"/>
+                            </dgm:varLst>
+                            <dgm:alg type="tx">
+                              <dgm:param type="parTxLTRAlign" val="l"/>
+                              <dgm:param type="parTxRTLAlign" val="r"/>
+                              <dgm:param type="txAnchorVert" val="t"/>
+                            </dgm:alg>
+                            <dgm:shape xmlns:r="http://schemas.openxmlformats.org/officeDocument/2006/relationships" type="rect" r:blip="">
+                              <dgm:adjLst/>
+                            </dgm:shape>
+                            <dgm:presOf axis="desOrSelf" ptType="node"/>
+                            <dgm:constrLst>
+                              <dgm:constr type="tMarg" refType="primFontSz" fact="0.3"/>
+                              <dgm:constr type="bMarg" refType="primFontSz" fact="0.3"/>
+                              <dgm:constr type="lMarg" refType="primFontSz" fact="0.3"/>
+                              <dgm:constr type="rMarg" refType="primFontSz" fact="0.3"/>
+                            </dgm:constrLst>
+                            <dgm:ruleLst>
+                              <dgm:rule type="primFontSz" val="5" fact="NaN" max="NaN"/>
+                            </dgm:ruleLst>
+                          </dgm:layoutNode>
+                        </dgm:layoutNode>
+                      </dgm:forEach>
+                    </dgm:layoutNode>
+                  </dgm:layoutNode>
+                  <dgm:forEach name="Name37" axis="followSib" ptType="sibTrans" cnt="1">
+                    <dgm:layoutNode name="thinLine3" styleLbl="callout">
+                      <dgm:alg type="sp"/>
+                      <dgm:shape xmlns:r="http://schemas.openxmlformats.org/officeDocument/2006/relationships" type="line" r:blip="">
+                        <dgm:adjLst/>
+                      </dgm:shape>
+                      <dgm:presOf/>
+                    </dgm:layoutNode>
+                  </dgm:forEach>
+                </dgm:forEach>
+              </dgm:layoutNode>
+            </dgm:layoutNode>
+            <dgm:layoutNode name="thinLine2b" styleLbl="callout">
+              <dgm:alg type="sp"/>
+              <dgm:shape xmlns:r="http://schemas.openxmlformats.org/officeDocument/2006/relationships" type="line" r:blip="">
+                <dgm:adjLst/>
+              </dgm:shape>
+              <dgm:presOf/>
+            </dgm:layoutNode>
+            <dgm:layoutNode name="vertSpace2b">
+              <dgm:alg type="sp"/>
+              <dgm:shape xmlns:r="http://schemas.openxmlformats.org/officeDocument/2006/relationships" r:blip="">
+                <dgm:adjLst/>
+              </dgm:shape>
+              <dgm:presOf/>
+            </dgm:layoutNode>
+          </dgm:forEach>
+        </dgm:layoutNode>
+      </dgm:layoutNode>
+    </dgm:forEach>
+  </dgm:layoutNode>
+</dgm:layoutDef>
+</file>
+
+<file path=ppt/diagrams/quickStyle1.xml><?xml version="1.0" encoding="utf-8"?>
+<dgm:styleDef xmlns:dgm="http://schemas.openxmlformats.org/drawingml/2006/diagram" xmlns:a="http://schemas.openxmlformats.org/drawingml/2006/main" uniqueId="urn:microsoft.com/office/officeart/2005/8/quickstyle/simple2">
+  <dgm:title val=""/>
+  <dgm:desc val=""/>
+  <dgm:catLst>
+    <dgm:cat type="simple" pri="10200"/>
+  </dgm:catLst>
+  <dgm:scene3d>
+    <a:camera prst="orthographicFront"/>
+    <a:lightRig rig="threePt" dir="t"/>
+  </dgm:scene3d>
+  <dgm:styleLbl name="node0">
+    <dgm:scene3d>
+      <a:camera prst="orthographicFront"/>
+      <a:lightRig rig="threePt" dir="t"/>
+    </dgm:scene3d>
+    <dgm:sp3d/>
+    <dgm:txPr/>
+    <dgm:style>
+      <a:lnRef idx="3">
+        <a:scrgbClr r="0" g="0" b="0"/>
+      </a:lnRef>
+      <a:fillRef idx="1">
+        <a:scrgbClr r="0" g="0" b="0"/>
+      </a:fillRef>
+      <a:effectRef idx="1">
+        <a:scrgbClr r="0" g="0" b="0"/>
+      </a:effectRef>
+      <a:fontRef idx="minor">
+        <a:schemeClr val="lt1"/>
+      </a:fontRef>
+    </dgm:style>
+  </dgm:styleLbl>
+  <dgm:styleLbl name="lnNode1">
+    <dgm:scene3d>
+      <a:camera prst="orthographicFront"/>
+      <a:lightRig rig="threePt" dir="t"/>
+    </dgm:scene3d>
+    <dgm:sp3d/>
+    <dgm:txPr/>
+    <dgm:style>
+      <a:lnRef idx="3">
+        <a:scrgbClr r="0" g="0" b="0"/>
+      </a:lnRef>
+      <a:fillRef idx="1">
+        <a:scrgbClr r="0" g="0" b="0"/>
+      </a:fillRef>
+      <a:effectRef idx="1">
+        <a:scrgbClr r="0" g="0" b="0"/>
+      </a:effectRef>
+      <a:fontRef idx="minor">
+        <a:schemeClr val="lt1"/>
+      </a:fontRef>
+    </dgm:style>
+  </dgm:styleLbl>
+  <dgm:styleLbl name="vennNode1">
+    <dgm:scene3d>
+      <a:camera prst="orthographicFront"/>
+      <a:lightRig rig="threePt" dir="t"/>
+    </dgm:scene3d>
+    <dgm:sp3d/>
+    <dgm:txPr/>
+    <dgm:style>
+      <a:lnRef idx="3">
+        <a:scrgbClr r="0" g="0" b="0"/>
+      </a:lnRef>
+      <a:fillRef idx="1">
+        <a:scrgbClr r="0" g="0" b="0"/>
+      </a:fillRef>
+      <a:effectRef idx="0">
+        <a:scrgbClr r="0" g="0" b="0"/>
+      </a:effectRef>
+      <a:fontRef idx="minor">
+        <a:schemeClr val="tx1"/>
+      </a:fontRef>
+    </dgm:style>
+  </dgm:styleLbl>
+  <dgm:styleLbl name="alignNode1">
+    <dgm:scene3d>
+      <a:camera prst="orthographicFront"/>
+      <a:lightRig rig="threePt" dir="t"/>
+    </dgm:scene3d>
+    <dgm:sp3d/>
+    <dgm:txPr/>
+    <dgm:style>
+      <a:lnRef idx="2">
+        <a:scrgbClr r="0" g="0" b="0"/>
+      </a:lnRef>
+      <a:fillRef idx="1">
+        <a:scrgbClr r="0" g="0" b="0"/>
+      </a:fillRef>
+      <a:effectRef idx="1">
+        <a:scrgbClr r="0" g="0" b="0"/>
+      </a:effectRef>
+      <a:fontRef idx="minor">
+        <a:schemeClr val="lt1"/>
+      </a:fontRef>
+    </dgm:style>
+  </dgm:styleLbl>
+  <dgm:styleLbl name="node1">
+    <dgm:scene3d>
+      <a:camera prst="orthographicFront"/>
+      <a:lightRig rig="threePt" dir="t"/>
+    </dgm:scene3d>
+    <dgm:sp3d/>
+    <dgm:txPr/>
+    <dgm:style>
+      <a:lnRef idx="3">
+        <a:scrgbClr r="0" g="0" b="0"/>
+      </a:lnRef>
+      <a:fillRef idx="1">
+        <a:scrgbClr r="0" g="0" b="0"/>
+      </a:fillRef>
+      <a:effectRef idx="1">
+        <a:scrgbClr r="0" g="0" b="0"/>
+      </a:effectRef>
+      <a:fontRef idx="minor">
+        <a:schemeClr val="lt1"/>
+      </a:fontRef>
+    </dgm:style>
+  </dgm:styleLbl>
+  <dgm:styleLbl name="node2">
+    <dgm:scene3d>
+      <a:camera prst="orthographicFront"/>
+      <a:lightRig rig="threePt" dir="t"/>
+    </dgm:scene3d>
+    <dgm:sp3d/>
+    <dgm:txPr/>
+    <dgm:style>
+      <a:lnRef idx="3">
+        <a:scrgbClr r="0" g="0" b="0"/>
+      </a:lnRef>
+      <a:fillRef idx="1">
+        <a:scrgbClr r="0" g="0" b="0"/>
+      </a:fillRef>
+      <a:effectRef idx="1">
+        <a:scrgbClr r="0" g="0" b="0"/>
+      </a:effectRef>
+      <a:fontRef idx="minor">
+        <a:schemeClr val="lt1"/>
+      </a:fontRef>
+    </dgm:style>
+  </dgm:styleLbl>
+  <dgm:styleLbl name="node3">
+    <dgm:scene3d>
+      <a:camera prst="orthographicFront"/>
+      <a:lightRig rig="threePt" dir="t"/>
+    </dgm:scene3d>
+    <dgm:sp3d/>
+    <dgm:txPr/>
+    <dgm:style>
+      <a:lnRef idx="3">
+        <a:scrgbClr r="0" g="0" b="0"/>
+      </a:lnRef>
+      <a:fillRef idx="1">
+        <a:scrgbClr r="0" g="0" b="0"/>
+      </a:fillRef>
+      <a:effectRef idx="1">
+        <a:scrgbClr r="0" g="0" b="0"/>
+      </a:effectRef>
+      <a:fontRef idx="minor">
+        <a:schemeClr val="lt1"/>
+      </a:fontRef>
+    </dgm:style>
+  </dgm:styleLbl>
+  <dgm:styleLbl name="node4">
+    <dgm:scene3d>
+      <a:camera prst="orthographicFront"/>
+      <a:lightRig rig="threePt" dir="t"/>
+    </dgm:scene3d>
+    <dgm:sp3d/>
+    <dgm:txPr/>
+    <dgm:style>
+      <a:lnRef idx="3">
+        <a:scrgbClr r="0" g="0" b="0"/>
+      </a:lnRef>
+      <a:fillRef idx="1">
+        <a:scrgbClr r="0" g="0" b="0"/>
+      </a:fillRef>
+      <a:effectRef idx="1">
+        <a:scrgbClr r="0" g="0" b="0"/>
+      </a:effectRef>
+      <a:fontRef idx="minor">
+        <a:schemeClr val="lt1"/>
+      </a:fontRef>
+    </dgm:style>
+  </dgm:styleLbl>
+  <dgm:styleLbl name="fgImgPlace1">
+    <dgm:scene3d>
+      <a:camera prst="orthographicFront"/>
+      <a:lightRig rig="threePt" dir="t"/>
+    </dgm:scene3d>
+    <dgm:sp3d/>
+    <dgm:txPr/>
+    <dgm:style>
+      <a:lnRef idx="3">
+        <a:scrgbClr r="0" g="0" b="0"/>
+      </a:lnRef>
+      <a:fillRef idx="1">
+        <a:scrgbClr r="0" g="0" b="0"/>
+      </a:fillRef>
+      <a:effectRef idx="1">
+        <a:scrgbClr r="0" g="0" b="0"/>
+      </a:effectRef>
+      <a:fontRef idx="minor"/>
+    </dgm:style>
+  </dgm:styleLbl>
+  <dgm:styleLbl name="alignImgPlace1">
+    <dgm:scene3d>
+      <a:camera prst="orthographicFront"/>
+      <a:lightRig rig="threePt" dir="t"/>
+    </dgm:scene3d>
+    <dgm:sp3d/>
+    <dgm:txPr/>
+    <dgm:style>
+      <a:lnRef idx="3">
+        <a:scrgbClr r="0" g="0" b="0"/>
+      </a:lnRef>
+      <a:fillRef idx="1">
+        <a:scrgbClr r="0" g="0" b="0"/>
+      </a:fillRef>
+      <a:effectRef idx="1">
+        <a:scrgbClr r="0" g="0" b="0"/>
+      </a:effectRef>
+      <a:fontRef idx="minor"/>
+    </dgm:style>
+  </dgm:styleLbl>
+  <dgm:styleLbl name="bgImgPlace1">
+    <dgm:scene3d>
+      <a:camera prst="orthographicFront"/>
+      <a:lightRig rig="threePt" dir="t"/>
+    </dgm:scene3d>
+    <dgm:sp3d/>
+    <dgm:txPr/>
+    <dgm:style>
+      <a:lnRef idx="3">
+        <a:scrgbClr r="0" g="0" b="0"/>
+      </a:lnRef>
+      <a:fillRef idx="1">
+        <a:scrgbClr r="0" g="0" b="0"/>
+      </a:fillRef>
+      <a:effectRef idx="1">
+        <a:scrgbClr r="0" g="0" b="0"/>
+      </a:effectRef>
+      <a:fontRef idx="minor"/>
+    </dgm:style>
+  </dgm:styleLbl>
+  <dgm:styleLbl name="sibTrans2D1">
+    <dgm:scene3d>
+      <a:camera prst="orthographicFront"/>
+      <a:lightRig rig="threePt" dir="t"/>
+    </dgm:scene3d>
+    <dgm:sp3d/>
+    <dgm:txPr/>
+    <dgm:style>
+      <a:lnRef idx="0">
+        <a:scrgbClr r="0" g="0" b="0"/>
+      </a:lnRef>
+      <a:fillRef idx="1">
+        <a:scrgbClr r="0" g="0" b="0"/>
+      </a:fillRef>
+      <a:effectRef idx="1">
+        <a:scrgbClr r="0" g="0" b="0"/>
+      </a:effectRef>
+      <a:fontRef idx="minor">
+        <a:schemeClr val="lt1"/>
+      </a:fontRef>
+    </dgm:style>
+  </dgm:styleLbl>
+  <dgm:styleLbl name="fgSibTrans2D1">
+    <dgm:scene3d>
+      <a:camera prst="orthographicFront"/>
+      <a:lightRig rig="threePt" dir="t"/>
+    </dgm:scene3d>
+    <dgm:sp3d/>
+    <dgm:txPr/>
+    <dgm:style>
+      <a:lnRef idx="0">
+        <a:scrgbClr r="0" g="0" b="0"/>
+      </a:lnRef>
+      <a:fillRef idx="1">
+        <a:scrgbClr r="0" g="0" b="0"/>
+      </a:fillRef>
+      <a:effectRef idx="1">
+        <a:scrgbClr r="0" g="0" b="0"/>
+      </a:effectRef>
+      <a:fontRef idx="minor">
+        <a:schemeClr val="lt1"/>
+      </a:fontRef>
+    </dgm:style>
+  </dgm:styleLbl>
+  <dgm:styleLbl name="bgSibTrans2D1">
+    <dgm:scene3d>
+      <a:camera prst="orthographicFront"/>
+      <a:lightRig rig="threePt" dir="t"/>
+    </dgm:scene3d>
+    <dgm:sp3d/>
+    <dgm:txPr/>
+    <dgm:style>
+      <a:lnRef idx="0">
+        <a:scrgbClr r="0" g="0" b="0"/>
+      </a:lnRef>
+      <a:fillRef idx="1">
+        <a:scrgbClr r="0" g="0" b="0"/>
+      </a:fillRef>
+      <a:effectRef idx="1">
+        <a:scrgbClr r="0" g="0" b="0"/>
+      </a:effectRef>
+      <a:fontRef idx="minor">
+        <a:schemeClr val="lt1"/>
+      </a:fontRef>
+    </dgm:style>
+  </dgm:styleLbl>
+  <dgm:styleLbl name="sibTrans1D1">
+    <dgm:scene3d>
+      <a:camera prst="orthographicFront"/>
+      <a:lightRig rig="threePt" dir="t"/>
+    </dgm:scene3d>
+    <dgm:sp3d/>
+    <dgm:txPr/>
+    <dgm:style>
+      <a:lnRef idx="1">
+        <a:scrgbClr r="0" g="0" b="0"/>
+      </a:lnRef>
+      <a:fillRef idx="0">
+        <a:scrgbClr r="0" g="0" b="0"/>
+      </a:fillRef>
+      <a:effectRef idx="0">
+        <a:scrgbClr r="0" g="0" b="0"/>
+      </a:effectRef>
+      <a:fontRef idx="minor"/>
+    </dgm:style>
+  </dgm:styleLbl>
+  <dgm:styleLbl name="callout">
+    <dgm:scene3d>
+      <a:camera prst="orthographicFront"/>
+      <a:lightRig rig="threePt" dir="t"/>
+    </dgm:scene3d>
+    <dgm:sp3d/>
+    <dgm:txPr/>
+    <dgm:style>
+      <a:lnRef idx="2">
+        <a:scrgbClr r="0" g="0" b="0"/>
+      </a:lnRef>
+      <a:fillRef idx="1">
+        <a:scrgbClr r="0" g="0" b="0"/>
+      </a:fillRef>
+      <a:effectRef idx="1">
+        <a:scrgbClr r="0" g="0" b="0"/>
+      </a:effectRef>
+      <a:fontRef idx="minor"/>
+    </dgm:style>
+  </dgm:styleLbl>
+  <dgm:styleLbl name="asst0">
+    <dgm:scene3d>
+      <a:camera prst="orthographicFront"/>
+      <a:lightRig rig="threePt" dir="t"/>
+    </dgm:scene3d>
+    <dgm:sp3d/>
+    <dgm:txPr/>
+    <dgm:style>
+      <a:lnRef idx="3">
+        <a:scrgbClr r="0" g="0" b="0"/>
+      </a:lnRef>
+      <a:fillRef idx="1">
+        <a:scrgbClr r="0" g="0" b="0"/>
+      </a:fillRef>
+      <a:effectRef idx="1">
+        <a:scrgbClr r="0" g="0" b="0"/>
+      </a:effectRef>
+      <a:fontRef idx="minor">
+        <a:schemeClr val="lt1"/>
+      </a:fontRef>
+    </dgm:style>
+  </dgm:styleLbl>
+  <dgm:styleLbl name="asst1">
+    <dgm:scene3d>
+      <a:camera prst="orthographicFront"/>
+      <a:lightRig rig="threePt" dir="t"/>
+    </dgm:scene3d>
+    <dgm:sp3d/>
+    <dgm:txPr/>
+    <dgm:style>
+      <a:lnRef idx="3">
+        <a:scrgbClr r="0" g="0" b="0"/>
+      </a:lnRef>
+      <a:fillRef idx="1">
+        <a:scrgbClr r="0" g="0" b="0"/>
+      </a:fillRef>
+      <a:effectRef idx="1">
+        <a:scrgbClr r="0" g="0" b="0"/>
+      </a:effectRef>
+      <a:fontRef idx="minor">
+        <a:schemeClr val="lt1"/>
+      </a:fontRef>
+    </dgm:style>
+  </dgm:styleLbl>
+  <dgm:styleLbl name="asst2">
+    <dgm:scene3d>
+      <a:camera prst="orthographicFront"/>
+      <a:lightRig rig="threePt" dir="t"/>
+    </dgm:scene3d>
+    <dgm:sp3d/>
+    <dgm:txPr/>
+    <dgm:style>
+      <a:lnRef idx="3">
+        <a:scrgbClr r="0" g="0" b="0"/>
+      </a:lnRef>
+      <a:fillRef idx="1">
+        <a:scrgbClr r="0" g="0" b="0"/>
+      </a:fillRef>
+      <a:effectRef idx="1">
+        <a:scrgbClr r="0" g="0" b="0"/>
+      </a:effectRef>
+      <a:fontRef idx="minor">
+        <a:schemeClr val="lt1"/>
+      </a:fontRef>
+    </dgm:style>
+  </dgm:styleLbl>
+  <dgm:styleLbl name="asst3">
+    <dgm:scene3d>
+      <a:camera prst="orthographicFront"/>
+      <a:lightRig rig="threePt" dir="t"/>
+    </dgm:scene3d>
+    <dgm:sp3d/>
+    <dgm:txPr/>
+    <dgm:style>
+      <a:lnRef idx="3">
+        <a:scrgbClr r="0" g="0" b="0"/>
+      </a:lnRef>
+      <a:fillRef idx="1">
+        <a:scrgbClr r="0" g="0" b="0"/>
+      </a:fillRef>
+      <a:effectRef idx="1">
+        <a:scrgbClr r="0" g="0" b="0"/>
+      </a:effectRef>
+      <a:fontRef idx="minor">
+        <a:schemeClr val="lt1"/>
+      </a:fontRef>
+    </dgm:style>
+  </dgm:styleLbl>
+  <dgm:styleLbl name="asst4">
+    <dgm:scene3d>
+      <a:camera prst="orthographicFront"/>
+      <a:lightRig rig="threePt" dir="t"/>
+    </dgm:scene3d>
+    <dgm:sp3d/>
+    <dgm:txPr/>
+    <dgm:style>
+      <a:lnRef idx="3">
+        <a:scrgbClr r="0" g="0" b="0"/>
+      </a:lnRef>
+      <a:fillRef idx="1">
+        <a:scrgbClr r="0" g="0" b="0"/>
+      </a:fillRef>
+      <a:effectRef idx="1">
+        <a:scrgbClr r="0" g="0" b="0"/>
+      </a:effectRef>
+      <a:fontRef idx="minor">
+        <a:schemeClr val="lt1"/>
+      </a:fontRef>
+    </dgm:style>
+  </dgm:styleLbl>
+  <dgm:styleLbl name="parChTrans2D1">
+    <dgm:scene3d>
+      <a:camera prst="orthographicFront"/>
+      <a:lightRig rig="threePt" dir="t"/>
+    </dgm:scene3d>
+    <dgm:sp3d/>
+    <dgm:txPr/>
+    <dgm:style>
+      <a:lnRef idx="3">
+        <a:scrgbClr r="0" g="0" b="0"/>
+      </a:lnRef>
+      <a:fillRef idx="1">
+        <a:scrgbClr r="0" g="0" b="0"/>
+      </a:fillRef>
+      <a:effectRef idx="1">
+        <a:scrgbClr r="0" g="0" b="0"/>
+      </a:effectRef>
+      <a:fontRef idx="minor">
+        <a:schemeClr val="lt1"/>
+      </a:fontRef>
+    </dgm:style>
+  </dgm:styleLbl>
+  <dgm:styleLbl name="parChTrans2D2">
+    <dgm:scene3d>
+      <a:camera prst="orthographicFront"/>
+      <a:lightRig rig="threePt" dir="t"/>
+    </dgm:scene3d>
+    <dgm:sp3d/>
+    <dgm:txPr/>
+    <dgm:style>
+      <a:lnRef idx="3">
+        <a:scrgbClr r="0" g="0" b="0"/>
+      </a:lnRef>
+      <a:fillRef idx="1">
+        <a:scrgbClr r="0" g="0" b="0"/>
+      </a:fillRef>
+      <a:effectRef idx="1">
+        <a:scrgbClr r="0" g="0" b="0"/>
+      </a:effectRef>
+      <a:fontRef idx="minor">
+        <a:schemeClr val="lt1"/>
+      </a:fontRef>
+    </dgm:style>
+  </dgm:styleLbl>
+  <dgm:styleLbl name="parChTrans2D3">
+    <dgm:scene3d>
+      <a:camera prst="orthographicFront"/>
+      <a:lightRig rig="threePt" dir="t"/>
+    </dgm:scene3d>
+    <dgm:sp3d/>
+    <dgm:txPr/>
+    <dgm:style>
+      <a:lnRef idx="3">
+        <a:scrgbClr r="0" g="0" b="0"/>
+      </a:lnRef>
+      <a:fillRef idx="1">
+        <a:scrgbClr r="0" g="0" b="0"/>
+      </a:fillRef>
+      <a:effectRef idx="1">
+        <a:scrgbClr r="0" g="0" b="0"/>
+      </a:effectRef>
+      <a:fontRef idx="minor">
+        <a:schemeClr val="lt1"/>
+      </a:fontRef>
+    </dgm:style>
+  </dgm:styleLbl>
+  <dgm:styleLbl name="parChTrans2D4">
+    <dgm:scene3d>
+      <a:camera prst="orthographicFront"/>
+      <a:lightRig rig="threePt" dir="t"/>
+    </dgm:scene3d>
+    <dgm:sp3d/>
+    <dgm:txPr/>
+    <dgm:style>
+      <a:lnRef idx="3">
+        <a:scrgbClr r="0" g="0" b="0"/>
+      </a:lnRef>
+      <a:fillRef idx="1">
+        <a:scrgbClr r="0" g="0" b="0"/>
+      </a:fillRef>
+      <a:effectRef idx="1">
+        <a:scrgbClr r="0" g="0" b="0"/>
+      </a:effectRef>
+      <a:fontRef idx="minor">
+        <a:schemeClr val="lt1"/>
+      </a:fontRef>
+    </dgm:style>
+  </dgm:styleLbl>
+  <dgm:styleLbl name="parChTrans1D1">
+    <dgm:scene3d>
+      <a:camera prst="orthographicFront"/>
+      <a:lightRig rig="threePt" dir="t"/>
+    </dgm:scene3d>
+    <dgm:sp3d/>
+    <dgm:txPr/>
+    <dgm:style>
+      <a:lnRef idx="2">
+        <a:scrgbClr r="0" g="0" b="0"/>
+      </a:lnRef>
+      <a:fillRef idx="0">
+        <a:scrgbClr r="0" g="0" b="0"/>
+      </a:fillRef>
+      <a:effectRef idx="0">
+        <a:scrgbClr r="0" g="0" b="0"/>
+      </a:effectRef>
+      <a:fontRef idx="minor"/>
+    </dgm:style>
+  </dgm:styleLbl>
+  <dgm:styleLbl name="parChTrans1D2">
+    <dgm:scene3d>
+      <a:camera prst="orthographicFront"/>
+      <a:lightRig rig="threePt" dir="t"/>
+    </dgm:scene3d>
+    <dgm:sp3d/>
+    <dgm:txPr/>
+    <dgm:style>
+      <a:lnRef idx="2">
+        <a:scrgbClr r="0" g="0" b="0"/>
+      </a:lnRef>
+      <a:fillRef idx="0">
+        <a:scrgbClr r="0" g="0" b="0"/>
+      </a:fillRef>
+      <a:effectRef idx="0">
+        <a:scrgbClr r="0" g="0" b="0"/>
+      </a:effectRef>
+      <a:fontRef idx="minor"/>
+    </dgm:style>
+  </dgm:styleLbl>
+  <dgm:styleLbl name="parChTrans1D3">
+    <dgm:scene3d>
+      <a:camera prst="orthographicFront"/>
+      <a:lightRig rig="threePt" dir="t"/>
+    </dgm:scene3d>
+    <dgm:sp3d/>
+    <dgm:txPr/>
+    <dgm:style>
+      <a:lnRef idx="2">
+        <a:scrgbClr r="0" g="0" b="0"/>
+      </a:lnRef>
+      <a:fillRef idx="0">
+        <a:scrgbClr r="0" g="0" b="0"/>
+      </a:fillRef>
+      <a:effectRef idx="0">
+        <a:scrgbClr r="0" g="0" b="0"/>
+      </a:effectRef>
+      <a:fontRef idx="minor"/>
+    </dgm:style>
+  </dgm:styleLbl>
+  <dgm:styleLbl name="parChTrans1D4">
+    <dgm:scene3d>
+      <a:camera prst="orthographicFront"/>
+      <a:lightRig rig="threePt" dir="t"/>
+    </dgm:scene3d>
+    <dgm:sp3d/>
+    <dgm:txPr/>
+    <dgm:style>
+      <a:lnRef idx="2">
+        <a:scrgbClr r="0" g="0" b="0"/>
+      </a:lnRef>
+      <a:fillRef idx="0">
+        <a:scrgbClr r="0" g="0" b="0"/>
+      </a:fillRef>
+      <a:effectRef idx="0">
+        <a:scrgbClr r="0" g="0" b="0"/>
+      </a:effectRef>
+      <a:fontRef idx="minor"/>
+    </dgm:style>
+  </dgm:styleLbl>
+  <dgm:styleLbl name="fgAcc1">
+    <dgm:scene3d>
+      <a:camera prst="orthographicFront"/>
+      <a:lightRig rig="threePt" dir="t"/>
+    </dgm:scene3d>
+    <dgm:sp3d/>
+    <dgm:txPr/>
+    <dgm:style>
+      <a:lnRef idx="2">
+        <a:scrgbClr r="0" g="0" b="0"/>
+      </a:lnRef>
+      <a:fillRef idx="1">
+        <a:scrgbClr r="0" g="0" b="0"/>
+      </a:fillRef>
+      <a:effectRef idx="0">
+        <a:scrgbClr r="0" g="0" b="0"/>
+      </a:effectRef>
+      <a:fontRef idx="minor"/>
+    </dgm:style>
+  </dgm:styleLbl>
+  <dgm:styleLbl name="conFgAcc1">
+    <dgm:scene3d>
+      <a:camera prst="orthographicFront"/>
+      <a:lightRig rig="threePt" dir="t"/>
+    </dgm:scene3d>
+    <dgm:sp3d/>
+    <dgm:txPr/>
+    <dgm:style>
+      <a:lnRef idx="2">
+        <a:scrgbClr r="0" g="0" b="0"/>
+      </a:lnRef>
+      <a:fillRef idx="1">
+        <a:scrgbClr r="0" g="0" b="0"/>
+      </a:fillRef>
+      <a:effectRef idx="0">
+        <a:scrgbClr r="0" g="0" b="0"/>
+      </a:effectRef>
+      <a:fontRef idx="minor"/>
+    </dgm:style>
+  </dgm:styleLbl>
+  <dgm:styleLbl name="alignAcc1">
+    <dgm:scene3d>
+      <a:camera prst="orthographicFront"/>
+      <a:lightRig rig="threePt" dir="t"/>
+    </dgm:scene3d>
+    <dgm:sp3d/>
+    <dgm:txPr/>
+    <dgm:style>
+      <a:lnRef idx="2">
+        <a:scrgbClr r="0" g="0" b="0"/>
+      </a:lnRef>
+      <a:fillRef idx="1">
+        <a:scrgbClr r="0" g="0" b="0"/>
+      </a:fillRef>
+      <a:effectRef idx="0">
+        <a:scrgbClr r="0" g="0" b="0"/>
+      </a:effectRef>
+      <a:fontRef idx="minor"/>
+    </dgm:style>
+  </dgm:styleLbl>
+  <dgm:styleLbl name="trAlignAcc1">
+    <dgm:scene3d>
+      <a:camera prst="orthographicFront"/>
+      <a:lightRig rig="threePt" dir="t"/>
+    </dgm:scene3d>
+    <dgm:sp3d/>
+    <dgm:txPr/>
+    <dgm:style>
+      <a:lnRef idx="1">
+        <a:scrgbClr r="0" g="0" b="0"/>
+      </a:lnRef>
+      <a:fillRef idx="1">
+        <a:scrgbClr r="0" g="0" b="0"/>
+      </a:fillRef>
+      <a:effectRef idx="0">
+        <a:scrgbClr r="0" g="0" b="0"/>
+      </a:effectRef>
+      <a:fontRef idx="minor"/>
+    </dgm:style>
+  </dgm:styleLbl>
+  <dgm:styleLbl name="bgAcc1">
+    <dgm:scene3d>
+      <a:camera prst="orthographicFront"/>
+      <a:lightRig rig="threePt" dir="t"/>
+    </dgm:scene3d>
+    <dgm:sp3d/>
+    <dgm:txPr/>
+    <dgm:style>
+      <a:lnRef idx="2">
+        <a:scrgbClr r="0" g="0" b="0"/>
+      </a:lnRef>
+      <a:fillRef idx="1">
+        <a:scrgbClr r="0" g="0" b="0"/>
+      </a:fillRef>
+      <a:effectRef idx="0">
+        <a:scrgbClr r="0" g="0" b="0"/>
+      </a:effectRef>
+      <a:fontRef idx="minor"/>
+    </dgm:style>
+  </dgm:styleLbl>
+  <dgm:styleLbl name="solidFgAcc1">
+    <dgm:scene3d>
+      <a:camera prst="orthographicFront"/>
+      <a:lightRig rig="threePt" dir="t"/>
+    </dgm:scene3d>
+    <dgm:sp3d/>
+    <dgm:txPr/>
+    <dgm:style>
+      <a:lnRef idx="2">
+        <a:scrgbClr r="0" g="0" b="0"/>
+      </a:lnRef>
+      <a:fillRef idx="1">
+        <a:scrgbClr r="0" g="0" b="0"/>
+      </a:fillRef>
+      <a:effectRef idx="0">
+        <a:scrgbClr r="0" g="0" b="0"/>
+      </a:effectRef>
+      <a:fontRef idx="minor"/>
+    </dgm:style>
+  </dgm:styleLbl>
+  <dgm:styleLbl name="solidAlignAcc1">
+    <dgm:scene3d>
+      <a:camera prst="orthographicFront"/>
+      <a:lightRig rig="threePt" dir="t"/>
+    </dgm:scene3d>
+    <dgm:sp3d/>
+    <dgm:txPr/>
+    <dgm:style>
+      <a:lnRef idx="2">
+        <a:scrgbClr r="0" g="0" b="0"/>
+      </a:lnRef>
+      <a:fillRef idx="1">
+        <a:scrgbClr r="0" g="0" b="0"/>
+      </a:fillRef>
+      <a:effectRef idx="0">
+        <a:scrgbClr r="0" g="0" b="0"/>
+      </a:effectRef>
+      <a:fontRef idx="minor"/>
+    </dgm:style>
+  </dgm:styleLbl>
+  <dgm:styleLbl name="solidBgAcc1">
+    <dgm:scene3d>
+      <a:camera prst="orthographicFront"/>
+      <a:lightRig rig="threePt" dir="t"/>
+    </dgm:scene3d>
+    <dgm:sp3d/>
+    <dgm:txPr/>
+    <dgm:style>
+      <a:lnRef idx="2">
+        <a:scrgbClr r="0" g="0" b="0"/>
+      </a:lnRef>
+      <a:fillRef idx="1">
+        <a:scrgbClr r="0" g="0" b="0"/>
+      </a:fillRef>
+      <a:effectRef idx="0">
+        <a:scrgbClr r="0" g="0" b="0"/>
+      </a:effectRef>
+      <a:fontRef idx="minor"/>
+    </dgm:style>
+  </dgm:styleLbl>
+  <dgm:styleLbl name="fgAccFollowNode1">
+    <dgm:scene3d>
+      <a:camera prst="orthographicFront"/>
+      <a:lightRig rig="threePt" dir="t"/>
+    </dgm:scene3d>
+    <dgm:sp3d/>
+    <dgm:txPr/>
+    <dgm:style>
+      <a:lnRef idx="2">
+        <a:scrgbClr r="0" g="0" b="0"/>
+      </a:lnRef>
+      <a:fillRef idx="1">
+        <a:scrgbClr r="0" g="0" b="0"/>
+      </a:fillRef>
+      <a:effectRef idx="0">
+        <a:scrgbClr r="0" g="0" b="0"/>
+      </a:effectRef>
+      <a:fontRef idx="minor"/>
+    </dgm:style>
+  </dgm:styleLbl>
+  <dgm:styleLbl name="alignAccFollowNode1">
+    <dgm:scene3d>
+      <a:camera prst="orthographicFront"/>
+      <a:lightRig rig="threePt" dir="t"/>
+    </dgm:scene3d>
+    <dgm:sp3d/>
+    <dgm:txPr/>
+    <dgm:style>
+      <a:lnRef idx="2">
+        <a:scrgbClr r="0" g="0" b="0"/>
+      </a:lnRef>
+      <a:fillRef idx="1">
+        <a:scrgbClr r="0" g="0" b="0"/>
+      </a:fillRef>
+      <a:effectRef idx="0">
+        <a:scrgbClr r="0" g="0" b="0"/>
+      </a:effectRef>
+      <a:fontRef idx="minor"/>
+    </dgm:style>
+  </dgm:styleLbl>
+  <dgm:styleLbl name="bgAccFollowNode1">
+    <dgm:scene3d>
+      <a:camera prst="orthographicFront"/>
+      <a:lightRig rig="threePt" dir="t"/>
+    </dgm:scene3d>
+    <dgm:sp3d/>
+    <dgm:txPr/>
+    <dgm:style>
+      <a:lnRef idx="2">
+        <a:scrgbClr r="0" g="0" b="0"/>
+      </a:lnRef>
+      <a:fillRef idx="1">
+        <a:scrgbClr r="0" g="0" b="0"/>
+      </a:fillRef>
+      <a:effectRef idx="0">
+        <a:scrgbClr r="0" g="0" b="0"/>
+      </a:effectRef>
+      <a:fontRef idx="minor"/>
+    </dgm:style>
+  </dgm:styleLbl>
+  <dgm:styleLbl name="fgAcc0">
+    <dgm:scene3d>
+      <a:camera prst="orthographicFront"/>
+      <a:lightRig rig="threePt" dir="t"/>
+    </dgm:scene3d>
+    <dgm:sp3d/>
+    <dgm:txPr/>
+    <dgm:style>
+      <a:lnRef idx="2">
+        <a:scrgbClr r="0" g="0" b="0"/>
+      </a:lnRef>
+      <a:fillRef idx="1">
+        <a:scrgbClr r="0" g="0" b="0"/>
+      </a:fillRef>
+      <a:effectRef idx="0">
+        <a:scrgbClr r="0" g="0" b="0"/>
+      </a:effectRef>
+      <a:fontRef idx="minor"/>
+    </dgm:style>
+  </dgm:styleLbl>
+  <dgm:styleLbl name="fgAcc2">
+    <dgm:scene3d>
+      <a:camera prst="orthographicFront"/>
+      <a:lightRig rig="threePt" dir="t"/>
+    </dgm:scene3d>
+    <dgm:sp3d/>
+    <dgm:txPr/>
+    <dgm:style>
+      <a:lnRef idx="2">
+        <a:scrgbClr r="0" g="0" b="0"/>
+      </a:lnRef>
+      <a:fillRef idx="1">
+        <a:scrgbClr r="0" g="0" b="0"/>
+      </a:fillRef>
+      <a:effectRef idx="0">
+        <a:scrgbClr r="0" g="0" b="0"/>
+      </a:effectRef>
+      <a:fontRef idx="minor"/>
+    </dgm:style>
+  </dgm:styleLbl>
+  <dgm:styleLbl name="fgAcc3">
+    <dgm:scene3d>
+      <a:camera prst="orthographicFront"/>
+      <a:lightRig rig="threePt" dir="t"/>
+    </dgm:scene3d>
+    <dgm:sp3d/>
+    <dgm:txPr/>
+    <dgm:style>
+      <a:lnRef idx="2">
+        <a:scrgbClr r="0" g="0" b="0"/>
+      </a:lnRef>
+      <a:fillRef idx="1">
+        <a:scrgbClr r="0" g="0" b="0"/>
+      </a:fillRef>
+      <a:effectRef idx="0">
+        <a:scrgbClr r="0" g="0" b="0"/>
+      </a:effectRef>
+      <a:fontRef idx="minor"/>
+    </dgm:style>
+  </dgm:styleLbl>
+  <dgm:styleLbl name="fgAcc4">
+    <dgm:scene3d>
+      <a:camera prst="orthographicFront"/>
+      <a:lightRig rig="threePt" dir="t"/>
+    </dgm:scene3d>
+    <dgm:sp3d/>
+    <dgm:txPr/>
+    <dgm:style>
+      <a:lnRef idx="2">
+        <a:scrgbClr r="0" g="0" b="0"/>
+      </a:lnRef>
+      <a:fillRef idx="1">
+        <a:scrgbClr r="0" g="0" b="0"/>
+      </a:fillRef>
+      <a:effectRef idx="0">
+        <a:scrgbClr r="0" g="0" b="0"/>
+      </a:effectRef>
+      <a:fontRef idx="minor"/>
+    </dgm:style>
+  </dgm:styleLbl>
+  <dgm:styleLbl name="bgShp">
+    <dgm:scene3d>
+      <a:camera prst="orthographicFront"/>
+      <a:lightRig rig="threePt" dir="t"/>
+    </dgm:scene3d>
+    <dgm:sp3d/>
+    <dgm:txPr/>
+    <dgm:style>
+      <a:lnRef idx="0">
+        <a:scrgbClr r="0" g="0" b="0"/>
+      </a:lnRef>
+      <a:fillRef idx="1">
+        <a:scrgbClr r="0" g="0" b="0"/>
+      </a:fillRef>
+      <a:effectRef idx="0">
+        <a:scrgbClr r="0" g="0" b="0"/>
+      </a:effectRef>
+      <a:fontRef idx="minor"/>
+    </dgm:style>
+  </dgm:styleLbl>
+  <dgm:styleLbl name="dkBgShp">
+    <dgm:scene3d>
+      <a:camera prst="orthographicFront"/>
+      <a:lightRig rig="threePt" dir="t"/>
+    </dgm:scene3d>
+    <dgm:sp3d/>
+    <dgm:txPr/>
+    <dgm:style>
+      <a:lnRef idx="0">
+        <a:scrgbClr r="0" g="0" b="0"/>
+      </a:lnRef>
+      <a:fillRef idx="1">
+        <a:scrgbClr r="0" g="0" b="0"/>
+      </a:fillRef>
+      <a:effectRef idx="0">
+        <a:scrgbClr r="0" g="0" b="0"/>
+      </a:effectRef>
+      <a:fontRef idx="minor"/>
+    </dgm:style>
+  </dgm:styleLbl>
+  <dgm:styleLbl name="trBgShp">
+    <dgm:scene3d>
+      <a:camera prst="orthographicFront"/>
+      <a:lightRig rig="threePt" dir="t"/>
+    </dgm:scene3d>
+    <dgm:sp3d/>
+    <dgm:txPr/>
+    <dgm:style>
+      <a:lnRef idx="0">
+        <a:scrgbClr r="0" g="0" b="0"/>
+      </a:lnRef>
+      <a:fillRef idx="1">
+        <a:scrgbClr r="0" g="0" b="0"/>
+      </a:fillRef>
+      <a:effectRef idx="0">
+        <a:scrgbClr r="0" g="0" b="0"/>
+      </a:effectRef>
+      <a:fontRef idx="minor"/>
+    </dgm:style>
+  </dgm:styleLbl>
+  <dgm:styleLbl name="fgShp">
+    <dgm:scene3d>
+      <a:camera prst="orthographicFront"/>
+      <a:lightRig rig="threePt" dir="t"/>
+    </dgm:scene3d>
+    <dgm:sp3d/>
+    <dgm:txPr/>
+    <dgm:style>
+      <a:lnRef idx="3">
+        <a:scrgbClr r="0" g="0" b="0"/>
+      </a:lnRef>
+      <a:fillRef idx="1">
+        <a:scrgbClr r="0" g="0" b="0"/>
+      </a:fillRef>
+      <a:effectRef idx="1">
+        <a:scrgbClr r="0" g="0" b="0"/>
+      </a:effectRef>
+      <a:fontRef idx="minor"/>
+    </dgm:style>
+  </dgm:styleLbl>
+  <dgm:styleLbl name="revTx">
+    <dgm:scene3d>
+      <a:camera prst="orthographicFront"/>
+      <a:lightRig rig="threePt" dir="t"/>
+    </dgm:scene3d>
+    <dgm:sp3d/>
+    <dgm:txPr/>
+    <dgm:style>
+      <a:lnRef idx="0">
+        <a:scrgbClr r="0" g="0" b="0"/>
+      </a:lnRef>
+      <a:fillRef idx="0">
+        <a:scrgbClr r="0" g="0" b="0"/>
+      </a:fillRef>
+      <a:effectRef idx="0">
+        <a:scrgbClr r="0" g="0" b="0"/>
+      </a:effectRef>
+      <a:fontRef idx="minor"/>
+    </dgm:style>
+  </dgm:styleLbl>
+</dgm:styleDef>
 </file>
 
 <file path=ppt/slideLayouts/slideLayout1.xml><?xml version="1.0" encoding="utf-8"?>
@@ -260,7 +3270,7 @@
           <a:p>
             <a:fld id="{E72A7FDF-6F6E-46AC-8E41-A5405B4004FC}" type="datetimeFigureOut">
               <a:rPr lang="en-US" smtClean="0"/>
-              <a:t>8/31/2020</a:t>
+              <a:t>9/2/2020</a:t>
             </a:fld>
             <a:endParaRPr lang="en-US"/>
           </a:p>
@@ -458,7 +3468,7 @@
           <a:p>
             <a:fld id="{E72A7FDF-6F6E-46AC-8E41-A5405B4004FC}" type="datetimeFigureOut">
               <a:rPr lang="en-US" smtClean="0"/>
-              <a:t>8/31/2020</a:t>
+              <a:t>9/2/2020</a:t>
             </a:fld>
             <a:endParaRPr lang="en-US"/>
           </a:p>
@@ -666,7 +3676,7 @@
           <a:p>
             <a:fld id="{E72A7FDF-6F6E-46AC-8E41-A5405B4004FC}" type="datetimeFigureOut">
               <a:rPr lang="en-US" smtClean="0"/>
-              <a:t>8/31/2020</a:t>
+              <a:t>9/2/2020</a:t>
             </a:fld>
             <a:endParaRPr lang="en-US"/>
           </a:p>
@@ -864,7 +3874,7 @@
           <a:p>
             <a:fld id="{E72A7FDF-6F6E-46AC-8E41-A5405B4004FC}" type="datetimeFigureOut">
               <a:rPr lang="en-US" smtClean="0"/>
-              <a:t>8/31/2020</a:t>
+              <a:t>9/2/2020</a:t>
             </a:fld>
             <a:endParaRPr lang="en-US"/>
           </a:p>
@@ -1139,7 +4149,7 @@
           <a:p>
             <a:fld id="{E72A7FDF-6F6E-46AC-8E41-A5405B4004FC}" type="datetimeFigureOut">
               <a:rPr lang="en-US" smtClean="0"/>
-              <a:t>8/31/2020</a:t>
+              <a:t>9/2/2020</a:t>
             </a:fld>
             <a:endParaRPr lang="en-US"/>
           </a:p>
@@ -1404,7 +4414,7 @@
           <a:p>
             <a:fld id="{E72A7FDF-6F6E-46AC-8E41-A5405B4004FC}" type="datetimeFigureOut">
               <a:rPr lang="en-US" smtClean="0"/>
-              <a:t>8/31/2020</a:t>
+              <a:t>9/2/2020</a:t>
             </a:fld>
             <a:endParaRPr lang="en-US"/>
           </a:p>
@@ -1816,7 +4826,7 @@
           <a:p>
             <a:fld id="{E72A7FDF-6F6E-46AC-8E41-A5405B4004FC}" type="datetimeFigureOut">
               <a:rPr lang="en-US" smtClean="0"/>
-              <a:t>8/31/2020</a:t>
+              <a:t>9/2/2020</a:t>
             </a:fld>
             <a:endParaRPr lang="en-US"/>
           </a:p>
@@ -1957,7 +4967,7 @@
           <a:p>
             <a:fld id="{E72A7FDF-6F6E-46AC-8E41-A5405B4004FC}" type="datetimeFigureOut">
               <a:rPr lang="en-US" smtClean="0"/>
-              <a:t>8/31/2020</a:t>
+              <a:t>9/2/2020</a:t>
             </a:fld>
             <a:endParaRPr lang="en-US"/>
           </a:p>
@@ -2070,7 +5080,7 @@
           <a:p>
             <a:fld id="{E72A7FDF-6F6E-46AC-8E41-A5405B4004FC}" type="datetimeFigureOut">
               <a:rPr lang="en-US" smtClean="0"/>
-              <a:t>8/31/2020</a:t>
+              <a:t>9/2/2020</a:t>
             </a:fld>
             <a:endParaRPr lang="en-US"/>
           </a:p>
@@ -2381,7 +5391,7 @@
           <a:p>
             <a:fld id="{E72A7FDF-6F6E-46AC-8E41-A5405B4004FC}" type="datetimeFigureOut">
               <a:rPr lang="en-US" smtClean="0"/>
-              <a:t>8/31/2020</a:t>
+              <a:t>9/2/2020</a:t>
             </a:fld>
             <a:endParaRPr lang="en-US"/>
           </a:p>
@@ -2669,7 +5679,7 @@
           <a:p>
             <a:fld id="{E72A7FDF-6F6E-46AC-8E41-A5405B4004FC}" type="datetimeFigureOut">
               <a:rPr lang="en-US" smtClean="0"/>
-              <a:t>8/31/2020</a:t>
+              <a:t>9/2/2020</a:t>
             </a:fld>
             <a:endParaRPr lang="en-US"/>
           </a:p>
@@ -2910,7 +5920,7 @@
           <a:p>
             <a:fld id="{E72A7FDF-6F6E-46AC-8E41-A5405B4004FC}" type="datetimeFigureOut">
               <a:rPr lang="en-US" smtClean="0"/>
-              <a:t>8/31/2020</a:t>
+              <a:t>9/2/2020</a:t>
             </a:fld>
             <a:endParaRPr lang="en-US"/>
           </a:p>
@@ -3457,6 +6467,456 @@
 </p:sld>
 </file>
 
+<file path=ppt/slides/slide10.xml><?xml version="1.0" encoding="utf-8"?>
+<p:sld xmlns:a="http://schemas.openxmlformats.org/drawingml/2006/main" xmlns:r="http://schemas.openxmlformats.org/officeDocument/2006/relationships" xmlns:p="http://schemas.openxmlformats.org/presentationml/2006/main">
+  <p:cSld>
+    <p:spTree>
+      <p:nvGrpSpPr>
+        <p:cNvPr id="1" name=""/>
+        <p:cNvGrpSpPr/>
+        <p:nvPr/>
+      </p:nvGrpSpPr>
+      <p:grpSpPr>
+        <a:xfrm>
+          <a:off x="0" y="0"/>
+          <a:ext cx="0" cy="0"/>
+          <a:chOff x="0" y="0"/>
+          <a:chExt cx="0" cy="0"/>
+        </a:xfrm>
+      </p:grpSpPr>
+      <p:sp>
+        <p:nvSpPr>
+          <p:cNvPr id="4" name="Title 3">
+            <a:extLst>
+              <a:ext uri="{FF2B5EF4-FFF2-40B4-BE49-F238E27FC236}">
+                <a16:creationId xmlns:a16="http://schemas.microsoft.com/office/drawing/2014/main" id="{604A5243-55F3-41DD-B857-DFAC7AF9A9D5}"/>
+              </a:ext>
+            </a:extLst>
+          </p:cNvPr>
+          <p:cNvSpPr>
+            <a:spLocks noGrp="1"/>
+          </p:cNvSpPr>
+          <p:nvPr>
+            <p:ph type="title"/>
+          </p:nvPr>
+        </p:nvSpPr>
+        <p:spPr/>
+        <p:txBody>
+          <a:bodyPr/>
+          <a:lstStyle/>
+          <a:p>
+            <a:pPr algn="ctr"/>
+            <a:r>
+              <a:rPr lang="en-US" dirty="0"/>
+              <a:t>Other NLP Resources</a:t>
+            </a:r>
+          </a:p>
+        </p:txBody>
+      </p:sp>
+      <p:pic>
+        <p:nvPicPr>
+          <p:cNvPr id="6" name="Picture 5">
+            <a:extLst>
+              <a:ext uri="{FF2B5EF4-FFF2-40B4-BE49-F238E27FC236}">
+                <a16:creationId xmlns:a16="http://schemas.microsoft.com/office/drawing/2014/main" id="{FC0CBB60-0D80-40F5-9B1C-30945534C52C}"/>
+              </a:ext>
+            </a:extLst>
+          </p:cNvPr>
+          <p:cNvPicPr>
+            <a:picLocks noChangeAspect="1"/>
+          </p:cNvPicPr>
+          <p:nvPr/>
+        </p:nvPicPr>
+        <p:blipFill>
+          <a:blip r:embed="rId2"/>
+          <a:stretch>
+            <a:fillRect/>
+          </a:stretch>
+        </p:blipFill>
+        <p:spPr>
+          <a:xfrm>
+            <a:off x="3294862" y="1690688"/>
+            <a:ext cx="5273387" cy="4991199"/>
+          </a:xfrm>
+          <a:prstGeom prst="rect">
+            <a:avLst/>
+          </a:prstGeom>
+        </p:spPr>
+      </p:pic>
+      <p:sp>
+        <p:nvSpPr>
+          <p:cNvPr id="7" name="TextBox 6">
+            <a:extLst>
+              <a:ext uri="{FF2B5EF4-FFF2-40B4-BE49-F238E27FC236}">
+                <a16:creationId xmlns:a16="http://schemas.microsoft.com/office/drawing/2014/main" id="{3F9FFA5B-0459-406D-B529-2D1D521448B0}"/>
+              </a:ext>
+            </a:extLst>
+          </p:cNvPr>
+          <p:cNvSpPr txBox="1"/>
+          <p:nvPr/>
+        </p:nvSpPr>
+        <p:spPr>
+          <a:xfrm>
+            <a:off x="8934995" y="6492875"/>
+            <a:ext cx="3045823" cy="215444"/>
+          </a:xfrm>
+          <a:prstGeom prst="rect">
+            <a:avLst/>
+          </a:prstGeom>
+          <a:noFill/>
+        </p:spPr>
+        <p:txBody>
+          <a:bodyPr wrap="square" rtlCol="0">
+            <a:spAutoFit/>
+          </a:bodyPr>
+          <a:lstStyle/>
+          <a:p>
+            <a:r>
+              <a:rPr lang="en-US" sz="800" dirty="0"/>
+              <a:t>https://www.g2.com/categories/natural-language-processing-nlp</a:t>
+            </a:r>
+          </a:p>
+        </p:txBody>
+      </p:sp>
+    </p:spTree>
+    <p:extLst>
+      <p:ext uri="{BB962C8B-B14F-4D97-AF65-F5344CB8AC3E}">
+        <p14:creationId xmlns:p14="http://schemas.microsoft.com/office/powerpoint/2010/main" val="2098252257"/>
+      </p:ext>
+    </p:extLst>
+  </p:cSld>
+  <p:clrMapOvr>
+    <a:masterClrMapping/>
+  </p:clrMapOvr>
+</p:sld>
+</file>
+
+<file path=ppt/slides/slide11.xml><?xml version="1.0" encoding="utf-8"?>
+<p:sld xmlns:a="http://schemas.openxmlformats.org/drawingml/2006/main" xmlns:r="http://schemas.openxmlformats.org/officeDocument/2006/relationships" xmlns:p="http://schemas.openxmlformats.org/presentationml/2006/main">
+  <p:cSld>
+    <p:bg>
+      <p:bgPr>
+        <a:solidFill>
+          <a:schemeClr val="bg1"/>
+        </a:solidFill>
+        <a:effectLst/>
+      </p:bgPr>
+    </p:bg>
+    <p:spTree>
+      <p:nvGrpSpPr>
+        <p:cNvPr id="1" name=""/>
+        <p:cNvGrpSpPr/>
+        <p:nvPr/>
+      </p:nvGrpSpPr>
+      <p:grpSpPr>
+        <a:xfrm>
+          <a:off x="0" y="0"/>
+          <a:ext cx="0" cy="0"/>
+          <a:chOff x="0" y="0"/>
+          <a:chExt cx="0" cy="0"/>
+        </a:xfrm>
+      </p:grpSpPr>
+      <p:sp useBgFill="1">
+        <p:nvSpPr>
+          <p:cNvPr id="8" name="Rectangle 7">
+            <a:extLst>
+              <a:ext uri="{FF2B5EF4-FFF2-40B4-BE49-F238E27FC236}">
+                <a16:creationId xmlns:a16="http://schemas.microsoft.com/office/drawing/2014/main" id="{3B854194-185D-494D-905C-7C7CB2E30F6E}"/>
+              </a:ext>
+              <a:ext uri="{C183D7F6-B498-43B3-948B-1728B52AA6E4}">
+                <adec:decorative xmlns:adec="http://schemas.microsoft.com/office/drawing/2017/decorative" val="1"/>
+              </a:ext>
+            </a:extLst>
+          </p:cNvPr>
+          <p:cNvSpPr>
+            <a:spLocks noGrp="1" noRot="1" noChangeAspect="1" noMove="1" noResize="1" noEditPoints="1" noAdjustHandles="1" noChangeArrowheads="1" noChangeShapeType="1" noTextEdit="1"/>
+          </p:cNvSpPr>
+          <p:nvPr>
+            <p:extLst>
+              <p:ext uri="{386F3935-93C4-4BCD-93E2-E3B085C9AB24}">
+                <p16:designElem xmlns:p16="http://schemas.microsoft.com/office/powerpoint/2015/main" val="1"/>
+              </p:ext>
+            </p:extLst>
+          </p:nvPr>
+        </p:nvSpPr>
+        <p:spPr>
+          <a:xfrm>
+            <a:off x="1" y="0"/>
+            <a:ext cx="6082110" cy="6858000"/>
+          </a:xfrm>
+          <a:prstGeom prst="rect">
+            <a:avLst/>
+          </a:prstGeom>
+          <a:ln>
+            <a:noFill/>
+          </a:ln>
+        </p:spPr>
+        <p:style>
+          <a:lnRef idx="2">
+            <a:schemeClr val="accent1">
+              <a:shade val="50000"/>
+            </a:schemeClr>
+          </a:lnRef>
+          <a:fillRef idx="1">
+            <a:schemeClr val="accent1"/>
+          </a:fillRef>
+          <a:effectRef idx="0">
+            <a:schemeClr val="accent1"/>
+          </a:effectRef>
+          <a:fontRef idx="minor">
+            <a:schemeClr val="lt1"/>
+          </a:fontRef>
+        </p:style>
+        <p:txBody>
+          <a:bodyPr rtlCol="0" anchor="ctr"/>
+          <a:lstStyle/>
+          <a:p>
+            <a:pPr algn="ctr"/>
+            <a:endParaRPr lang="en-US"/>
+          </a:p>
+        </p:txBody>
+      </p:sp>
+      <p:sp>
+        <p:nvSpPr>
+          <p:cNvPr id="10" name="Rectangle 9">
+            <a:extLst>
+              <a:ext uri="{FF2B5EF4-FFF2-40B4-BE49-F238E27FC236}">
+                <a16:creationId xmlns:a16="http://schemas.microsoft.com/office/drawing/2014/main" id="{B4F5FA0D-0104-4987-8241-EFF7C85B88DE}"/>
+              </a:ext>
+              <a:ext uri="{C183D7F6-B498-43B3-948B-1728B52AA6E4}">
+                <adec:decorative xmlns:adec="http://schemas.microsoft.com/office/drawing/2017/decorative" val="1"/>
+              </a:ext>
+            </a:extLst>
+          </p:cNvPr>
+          <p:cNvSpPr>
+            <a:spLocks noGrp="1" noRot="1" noChangeAspect="1" noMove="1" noResize="1" noEditPoints="1" noAdjustHandles="1" noChangeArrowheads="1" noChangeShapeType="1" noTextEdit="1"/>
+          </p:cNvSpPr>
+          <p:nvPr>
+            <p:extLst>
+              <p:ext uri="{386F3935-93C4-4BCD-93E2-E3B085C9AB24}">
+                <p16:designElem xmlns:p16="http://schemas.microsoft.com/office/powerpoint/2015/main" val="1"/>
+              </p:ext>
+            </p:extLst>
+          </p:nvPr>
+        </p:nvSpPr>
+        <p:spPr>
+          <a:xfrm>
+            <a:off x="1" y="0"/>
+            <a:ext cx="12191998" cy="6858000"/>
+          </a:xfrm>
+          <a:prstGeom prst="rect">
+            <a:avLst/>
+          </a:prstGeom>
+          <a:gradFill>
+            <a:gsLst>
+              <a:gs pos="0">
+                <a:schemeClr val="accent1">
+                  <a:lumMod val="90000"/>
+                </a:schemeClr>
+              </a:gs>
+              <a:gs pos="25000">
+                <a:schemeClr val="accent1">
+                  <a:lumMod val="90000"/>
+                </a:schemeClr>
+              </a:gs>
+              <a:gs pos="94000">
+                <a:schemeClr val="bg2">
+                  <a:lumMod val="25000"/>
+                </a:schemeClr>
+              </a:gs>
+              <a:gs pos="100000">
+                <a:schemeClr val="bg2">
+                  <a:lumMod val="25000"/>
+                </a:schemeClr>
+              </a:gs>
+            </a:gsLst>
+            <a:lin ang="4200000" scaled="0"/>
+          </a:gradFill>
+          <a:ln>
+            <a:noFill/>
+          </a:ln>
+        </p:spPr>
+        <p:style>
+          <a:lnRef idx="2">
+            <a:schemeClr val="accent1">
+              <a:shade val="50000"/>
+            </a:schemeClr>
+          </a:lnRef>
+          <a:fillRef idx="1">
+            <a:schemeClr val="accent1"/>
+          </a:fillRef>
+          <a:effectRef idx="0">
+            <a:schemeClr val="accent1"/>
+          </a:effectRef>
+          <a:fontRef idx="minor">
+            <a:schemeClr val="lt1"/>
+          </a:fontRef>
+        </p:style>
+        <p:txBody>
+          <a:bodyPr rtlCol="0" anchor="ctr"/>
+          <a:lstStyle/>
+          <a:p>
+            <a:pPr algn="ctr"/>
+            <a:endParaRPr lang="en-US"/>
+          </a:p>
+        </p:txBody>
+      </p:sp>
+      <p:pic>
+        <p:nvPicPr>
+          <p:cNvPr id="12" name="Picture 11">
+            <a:extLst>
+              <a:ext uri="{FF2B5EF4-FFF2-40B4-BE49-F238E27FC236}">
+                <a16:creationId xmlns:a16="http://schemas.microsoft.com/office/drawing/2014/main" id="{2897127E-6CEF-446C-BE87-93B7C46E49D1}"/>
+              </a:ext>
+              <a:ext uri="{C183D7F6-B498-43B3-948B-1728B52AA6E4}">
+                <adec:decorative xmlns:adec="http://schemas.microsoft.com/office/drawing/2017/decorative" val="1"/>
+              </a:ext>
+            </a:extLst>
+          </p:cNvPr>
+          <p:cNvPicPr>
+            <a:picLocks noGrp="1" noRot="1" noChangeAspect="1" noMove="1" noResize="1" noEditPoints="1" noAdjustHandles="1" noChangeArrowheads="1" noChangeShapeType="1" noCrop="1"/>
+          </p:cNvPicPr>
+          <p:nvPr>
+            <p:extLst>
+              <p:ext uri="{386F3935-93C4-4BCD-93E2-E3B085C9AB24}">
+                <p16:designElem xmlns:p16="http://schemas.microsoft.com/office/powerpoint/2015/main" val="1"/>
+              </p:ext>
+            </p:extLst>
+          </p:nvPr>
+        </p:nvPicPr>
+        <p:blipFill>
+          <a:blip r:embed="rId2">
+            <a:extLst>
+              <a:ext uri="{28A0092B-C50C-407E-A947-70E740481C1C}">
+                <a14:useLocalDpi xmlns:a14="http://schemas.microsoft.com/office/drawing/2010/main" val="0"/>
+              </a:ext>
+            </a:extLst>
+          </a:blip>
+          <a:stretch>
+            <a:fillRect/>
+          </a:stretch>
+        </p:blipFill>
+        <p:spPr>
+          <a:xfrm>
+            <a:off x="0" y="0"/>
+            <a:ext cx="12192000" cy="6858000"/>
+          </a:xfrm>
+          <a:prstGeom prst="rect">
+            <a:avLst/>
+          </a:prstGeom>
+        </p:spPr>
+      </p:pic>
+      <p:sp>
+        <p:nvSpPr>
+          <p:cNvPr id="2" name="Title 1">
+            <a:extLst>
+              <a:ext uri="{FF2B5EF4-FFF2-40B4-BE49-F238E27FC236}">
+                <a16:creationId xmlns:a16="http://schemas.microsoft.com/office/drawing/2014/main" id="{1706BEF1-C075-4843-A9F8-1569DE890012}"/>
+              </a:ext>
+            </a:extLst>
+          </p:cNvPr>
+          <p:cNvSpPr>
+            <a:spLocks noGrp="1"/>
+          </p:cNvSpPr>
+          <p:nvPr>
+            <p:ph type="title"/>
+          </p:nvPr>
+        </p:nvSpPr>
+        <p:spPr>
+          <a:xfrm>
+            <a:off x="640079" y="2053641"/>
+            <a:ext cx="3669161" cy="2760098"/>
+          </a:xfrm>
+        </p:spPr>
+        <p:txBody>
+          <a:bodyPr>
+            <a:normAutofit/>
+          </a:bodyPr>
+          <a:lstStyle/>
+          <a:p>
+            <a:r>
+              <a:rPr lang="en-US">
+                <a:solidFill>
+                  <a:srgbClr val="FFFFFF"/>
+                </a:solidFill>
+              </a:rPr>
+              <a:t>Why did I choose Bert</a:t>
+            </a:r>
+          </a:p>
+        </p:txBody>
+      </p:sp>
+      <p:sp>
+        <p:nvSpPr>
+          <p:cNvPr id="3" name="Content Placeholder 2">
+            <a:extLst>
+              <a:ext uri="{FF2B5EF4-FFF2-40B4-BE49-F238E27FC236}">
+                <a16:creationId xmlns:a16="http://schemas.microsoft.com/office/drawing/2014/main" id="{0BA27CBF-70FE-4280-A09F-1C06FD1F30BE}"/>
+              </a:ext>
+            </a:extLst>
+          </p:cNvPr>
+          <p:cNvSpPr>
+            <a:spLocks noGrp="1"/>
+          </p:cNvSpPr>
+          <p:nvPr>
+            <p:ph idx="1"/>
+          </p:nvPr>
+        </p:nvSpPr>
+        <p:spPr>
+          <a:xfrm>
+            <a:off x="6090574" y="801866"/>
+            <a:ext cx="5306084" cy="5230634"/>
+          </a:xfrm>
+        </p:spPr>
+        <p:txBody>
+          <a:bodyPr anchor="ctr">
+            <a:normAutofit/>
+          </a:bodyPr>
+          <a:lstStyle/>
+          <a:p>
+            <a:r>
+              <a:rPr lang="en-US" sz="2400" dirty="0">
+                <a:solidFill>
+                  <a:srgbClr val="000000"/>
+                </a:solidFill>
+              </a:rPr>
+              <a:t>Ease of installation and use</a:t>
+            </a:r>
+          </a:p>
+          <a:p>
+            <a:r>
+              <a:rPr lang="en-US" sz="2400" dirty="0">
+                <a:solidFill>
+                  <a:srgbClr val="000000"/>
+                </a:solidFill>
+              </a:rPr>
+              <a:t>Unique Parsing Facility</a:t>
+            </a:r>
+          </a:p>
+          <a:p>
+            <a:r>
+              <a:rPr lang="en-US" sz="2400" dirty="0">
+                <a:solidFill>
+                  <a:srgbClr val="000000"/>
+                </a:solidFill>
+              </a:rPr>
+              <a:t>Works well with Python</a:t>
+            </a:r>
+          </a:p>
+        </p:txBody>
+      </p:sp>
+    </p:spTree>
+    <p:extLst>
+      <p:ext uri="{BB962C8B-B14F-4D97-AF65-F5344CB8AC3E}">
+        <p14:creationId xmlns:p14="http://schemas.microsoft.com/office/powerpoint/2010/main" val="1380522766"/>
+      </p:ext>
+    </p:extLst>
+  </p:cSld>
+  <p:clrMapOvr>
+    <a:masterClrMapping/>
+  </p:clrMapOvr>
+</p:sld>
+</file>
+
 <file path=ppt/slides/slide2.xml><?xml version="1.0" encoding="utf-8"?>
 <p:sld xmlns:a="http://schemas.openxmlformats.org/drawingml/2006/main" xmlns:r="http://schemas.openxmlformats.org/officeDocument/2006/relationships" xmlns:p="http://schemas.openxmlformats.org/presentationml/2006/main">
   <p:cSld>
@@ -4208,6 +7668,14 @@
 <file path=ppt/slides/slide4.xml><?xml version="1.0" encoding="utf-8"?>
 <p:sld xmlns:a="http://schemas.openxmlformats.org/drawingml/2006/main" xmlns:r="http://schemas.openxmlformats.org/officeDocument/2006/relationships" xmlns:p="http://schemas.openxmlformats.org/presentationml/2006/main">
   <p:cSld>
+    <p:bg>
+      <p:bgPr>
+        <a:solidFill>
+          <a:schemeClr val="bg1"/>
+        </a:solidFill>
+        <a:effectLst/>
+      </p:bgPr>
+    </p:bg>
     <p:spTree>
       <p:nvGrpSpPr>
         <p:cNvPr id="1" name=""/>
@@ -4222,6 +7690,798 @@
           <a:chExt cx="0" cy="0"/>
         </a:xfrm>
       </p:grpSpPr>
+      <p:sp useBgFill="1">
+        <p:nvSpPr>
+          <p:cNvPr id="8" name="Rectangle 7">
+            <a:extLst>
+              <a:ext uri="{FF2B5EF4-FFF2-40B4-BE49-F238E27FC236}">
+                <a16:creationId xmlns:a16="http://schemas.microsoft.com/office/drawing/2014/main" id="{827B839B-9ADE-406B-8590-F1CAEDED45A1}"/>
+              </a:ext>
+              <a:ext uri="{C183D7F6-B498-43B3-948B-1728B52AA6E4}">
+                <adec:decorative xmlns:adec="http://schemas.microsoft.com/office/drawing/2017/decorative" val="1"/>
+              </a:ext>
+            </a:extLst>
+          </p:cNvPr>
+          <p:cNvSpPr>
+            <a:spLocks noGrp="1" noRot="1" noChangeAspect="1" noMove="1" noResize="1" noEditPoints="1" noAdjustHandles="1" noChangeArrowheads="1" noChangeShapeType="1" noTextEdit="1"/>
+          </p:cNvSpPr>
+          <p:nvPr>
+            <p:extLst>
+              <p:ext uri="{386F3935-93C4-4BCD-93E2-E3B085C9AB24}">
+                <p16:designElem xmlns:p16="http://schemas.microsoft.com/office/powerpoint/2015/main" val="1"/>
+              </p:ext>
+            </p:extLst>
+          </p:nvPr>
+        </p:nvSpPr>
+        <p:spPr>
+          <a:xfrm>
+            <a:off x="0" y="0"/>
+            <a:ext cx="12188952" cy="6858000"/>
+          </a:xfrm>
+          <a:prstGeom prst="rect">
+            <a:avLst/>
+          </a:prstGeom>
+          <a:ln>
+            <a:noFill/>
+          </a:ln>
+        </p:spPr>
+        <p:style>
+          <a:lnRef idx="2">
+            <a:schemeClr val="accent1">
+              <a:shade val="50000"/>
+            </a:schemeClr>
+          </a:lnRef>
+          <a:fillRef idx="1">
+            <a:schemeClr val="accent1"/>
+          </a:fillRef>
+          <a:effectRef idx="0">
+            <a:schemeClr val="accent1"/>
+          </a:effectRef>
+          <a:fontRef idx="minor">
+            <a:schemeClr val="lt1"/>
+          </a:fontRef>
+        </p:style>
+        <p:txBody>
+          <a:bodyPr rtlCol="0" anchor="ctr"/>
+          <a:lstStyle/>
+          <a:p>
+            <a:pPr algn="ctr"/>
+            <a:endParaRPr lang="en-US"/>
+          </a:p>
+        </p:txBody>
+      </p:sp>
+      <p:sp>
+        <p:nvSpPr>
+          <p:cNvPr id="10" name="Freeform 45">
+            <a:extLst>
+              <a:ext uri="{FF2B5EF4-FFF2-40B4-BE49-F238E27FC236}">
+                <a16:creationId xmlns:a16="http://schemas.microsoft.com/office/drawing/2014/main" id="{CFE45BF0-46DB-408C-B5F7-7B11716805D4}"/>
+              </a:ext>
+              <a:ext uri="{C183D7F6-B498-43B3-948B-1728B52AA6E4}">
+                <adec:decorative xmlns:adec="http://schemas.microsoft.com/office/drawing/2017/decorative" val="1"/>
+              </a:ext>
+            </a:extLst>
+          </p:cNvPr>
+          <p:cNvSpPr>
+            <a:spLocks noGrp="1" noRot="1" noChangeAspect="1" noMove="1" noResize="1" noEditPoints="1" noAdjustHandles="1" noChangeArrowheads="1" noChangeShapeType="1" noTextEdit="1"/>
+          </p:cNvSpPr>
+          <p:nvPr>
+            <p:extLst>
+              <p:ext uri="{386F3935-93C4-4BCD-93E2-E3B085C9AB24}">
+                <p16:designElem xmlns:p16="http://schemas.microsoft.com/office/powerpoint/2015/main" val="1"/>
+              </p:ext>
+            </p:extLst>
+          </p:nvPr>
+        </p:nvSpPr>
+        <p:spPr bwMode="auto">
+          <a:xfrm>
+            <a:off x="409710" y="1022350"/>
+            <a:ext cx="709612" cy="2095501"/>
+          </a:xfrm>
+          <a:custGeom>
+            <a:avLst/>
+            <a:gdLst>
+              <a:gd name="T0" fmla="*/ 447 w 447"/>
+              <a:gd name="T1" fmla="*/ 1363 h 1363"/>
+              <a:gd name="T2" fmla="*/ 0 w 447"/>
+              <a:gd name="T3" fmla="*/ 987 h 1363"/>
+              <a:gd name="T4" fmla="*/ 0 w 447"/>
+              <a:gd name="T5" fmla="*/ 0 h 1363"/>
+              <a:gd name="T6" fmla="*/ 447 w 447"/>
+              <a:gd name="T7" fmla="*/ 376 h 1363"/>
+              <a:gd name="T8" fmla="*/ 447 w 447"/>
+              <a:gd name="T9" fmla="*/ 1363 h 1363"/>
+            </a:gdLst>
+            <a:ahLst/>
+            <a:cxnLst>
+              <a:cxn ang="0">
+                <a:pos x="T0" y="T1"/>
+              </a:cxn>
+              <a:cxn ang="0">
+                <a:pos x="T2" y="T3"/>
+              </a:cxn>
+              <a:cxn ang="0">
+                <a:pos x="T4" y="T5"/>
+              </a:cxn>
+              <a:cxn ang="0">
+                <a:pos x="T6" y="T7"/>
+              </a:cxn>
+              <a:cxn ang="0">
+                <a:pos x="T8" y="T9"/>
+              </a:cxn>
+            </a:cxnLst>
+            <a:rect l="0" t="0" r="r" b="b"/>
+            <a:pathLst>
+              <a:path w="447" h="1363">
+                <a:moveTo>
+                  <a:pt x="447" y="1363"/>
+                </a:moveTo>
+                <a:lnTo>
+                  <a:pt x="0" y="987"/>
+                </a:lnTo>
+                <a:lnTo>
+                  <a:pt x="0" y="0"/>
+                </a:lnTo>
+                <a:lnTo>
+                  <a:pt x="447" y="376"/>
+                </a:lnTo>
+                <a:lnTo>
+                  <a:pt x="447" y="1363"/>
+                </a:lnTo>
+                <a:close/>
+              </a:path>
+            </a:pathLst>
+          </a:custGeom>
+          <a:solidFill>
+            <a:schemeClr val="accent1">
+              <a:lumMod val="50000"/>
+            </a:schemeClr>
+          </a:solidFill>
+          <a:ln>
+            <a:noFill/>
+          </a:ln>
+        </p:spPr>
+        <p:txBody>
+          <a:bodyPr vert="horz" wrap="square" lIns="91440" tIns="45720" rIns="91440" bIns="45720" numCol="1" anchor="t" anchorCtr="0" compatLnSpc="1">
+            <a:prstTxWarp prst="textNoShape">
+              <a:avLst/>
+            </a:prstTxWarp>
+          </a:bodyPr>
+          <a:lstStyle/>
+          <a:p>
+            <a:endParaRPr lang="en-US"/>
+          </a:p>
+        </p:txBody>
+      </p:sp>
+      <p:sp>
+        <p:nvSpPr>
+          <p:cNvPr id="12" name="Freeform 46">
+            <a:extLst>
+              <a:ext uri="{FF2B5EF4-FFF2-40B4-BE49-F238E27FC236}">
+                <a16:creationId xmlns:a16="http://schemas.microsoft.com/office/drawing/2014/main" id="{2AEBC8F2-97B1-41B4-93F1-2D289E197FBA}"/>
+              </a:ext>
+              <a:ext uri="{C183D7F6-B498-43B3-948B-1728B52AA6E4}">
+                <adec:decorative xmlns:adec="http://schemas.microsoft.com/office/drawing/2017/decorative" val="1"/>
+              </a:ext>
+            </a:extLst>
+          </p:cNvPr>
+          <p:cNvSpPr>
+            <a:spLocks noGrp="1" noRot="1" noChangeAspect="1" noMove="1" noResize="1" noEditPoints="1" noAdjustHandles="1" noChangeArrowheads="1" noChangeShapeType="1" noTextEdit="1"/>
+          </p:cNvSpPr>
+          <p:nvPr>
+            <p:extLst>
+              <p:ext uri="{386F3935-93C4-4BCD-93E2-E3B085C9AB24}">
+                <p16:designElem xmlns:p16="http://schemas.microsoft.com/office/powerpoint/2015/main" val="1"/>
+              </p:ext>
+            </p:extLst>
+          </p:nvPr>
+        </p:nvSpPr>
+        <p:spPr bwMode="auto">
+          <a:xfrm>
+            <a:off x="409710" y="837744"/>
+            <a:ext cx="403225" cy="1705431"/>
+          </a:xfrm>
+          <a:custGeom>
+            <a:avLst/>
+            <a:gdLst>
+              <a:gd name="T0" fmla="*/ 254 w 254"/>
+              <a:gd name="T1" fmla="*/ 987 h 1109"/>
+              <a:gd name="T2" fmla="*/ 0 w 254"/>
+              <a:gd name="T3" fmla="*/ 1109 h 1109"/>
+              <a:gd name="T4" fmla="*/ 0 w 254"/>
+              <a:gd name="T5" fmla="*/ 119 h 1109"/>
+              <a:gd name="T6" fmla="*/ 254 w 254"/>
+              <a:gd name="T7" fmla="*/ 0 h 1109"/>
+              <a:gd name="T8" fmla="*/ 254 w 254"/>
+              <a:gd name="T9" fmla="*/ 987 h 1109"/>
+            </a:gdLst>
+            <a:ahLst/>
+            <a:cxnLst>
+              <a:cxn ang="0">
+                <a:pos x="T0" y="T1"/>
+              </a:cxn>
+              <a:cxn ang="0">
+                <a:pos x="T2" y="T3"/>
+              </a:cxn>
+              <a:cxn ang="0">
+                <a:pos x="T4" y="T5"/>
+              </a:cxn>
+              <a:cxn ang="0">
+                <a:pos x="T6" y="T7"/>
+              </a:cxn>
+              <a:cxn ang="0">
+                <a:pos x="T8" y="T9"/>
+              </a:cxn>
+            </a:cxnLst>
+            <a:rect l="0" t="0" r="r" b="b"/>
+            <a:pathLst>
+              <a:path w="254" h="1109">
+                <a:moveTo>
+                  <a:pt x="254" y="987"/>
+                </a:moveTo>
+                <a:lnTo>
+                  <a:pt x="0" y="1109"/>
+                </a:lnTo>
+                <a:lnTo>
+                  <a:pt x="0" y="119"/>
+                </a:lnTo>
+                <a:lnTo>
+                  <a:pt x="254" y="0"/>
+                </a:lnTo>
+                <a:lnTo>
+                  <a:pt x="254" y="987"/>
+                </a:lnTo>
+                <a:close/>
+              </a:path>
+            </a:pathLst>
+          </a:custGeom>
+          <a:solidFill>
+            <a:schemeClr val="accent1">
+              <a:lumMod val="75000"/>
+            </a:schemeClr>
+          </a:solidFill>
+          <a:ln>
+            <a:noFill/>
+          </a:ln>
+        </p:spPr>
+        <p:txBody>
+          <a:bodyPr vert="horz" wrap="square" lIns="91440" tIns="45720" rIns="91440" bIns="45720" numCol="1" anchor="t" anchorCtr="0" compatLnSpc="1">
+            <a:prstTxWarp prst="textNoShape">
+              <a:avLst/>
+            </a:prstTxWarp>
+          </a:bodyPr>
+          <a:lstStyle/>
+          <a:p>
+            <a:endParaRPr lang="en-US"/>
+          </a:p>
+        </p:txBody>
+      </p:sp>
+      <p:sp>
+        <p:nvSpPr>
+          <p:cNvPr id="14" name="Freeform 47">
+            <a:extLst>
+              <a:ext uri="{FF2B5EF4-FFF2-40B4-BE49-F238E27FC236}">
+                <a16:creationId xmlns:a16="http://schemas.microsoft.com/office/drawing/2014/main" id="{472E3A19-F5D5-48FC-BB9C-48C2F68F598B}"/>
+              </a:ext>
+              <a:ext uri="{C183D7F6-B498-43B3-948B-1728B52AA6E4}">
+                <adec:decorative xmlns:adec="http://schemas.microsoft.com/office/drawing/2017/decorative" val="1"/>
+              </a:ext>
+            </a:extLst>
+          </p:cNvPr>
+          <p:cNvSpPr>
+            <a:spLocks noGrp="1" noRot="1" noChangeAspect="1" noMove="1" noResize="1" noEditPoints="1" noAdjustHandles="1" noChangeArrowheads="1" noChangeShapeType="1" noTextEdit="1"/>
+          </p:cNvSpPr>
+          <p:nvPr>
+            <p:extLst>
+              <p:ext uri="{386F3935-93C4-4BCD-93E2-E3B085C9AB24}">
+                <p16:designElem xmlns:p16="http://schemas.microsoft.com/office/powerpoint/2015/main" val="1"/>
+              </p:ext>
+            </p:extLst>
+          </p:nvPr>
+        </p:nvSpPr>
+        <p:spPr bwMode="auto">
+          <a:xfrm>
+            <a:off x="644660" y="640894"/>
+            <a:ext cx="168275" cy="1713195"/>
+          </a:xfrm>
+          <a:custGeom>
+            <a:avLst/>
+            <a:gdLst>
+              <a:gd name="T0" fmla="*/ 106 w 106"/>
+              <a:gd name="T1" fmla="*/ 1114 h 1114"/>
+              <a:gd name="T2" fmla="*/ 0 w 106"/>
+              <a:gd name="T3" fmla="*/ 1005 h 1114"/>
+              <a:gd name="T4" fmla="*/ 0 w 106"/>
+              <a:gd name="T5" fmla="*/ 0 h 1114"/>
+              <a:gd name="T6" fmla="*/ 106 w 106"/>
+              <a:gd name="T7" fmla="*/ 110 h 1114"/>
+              <a:gd name="T8" fmla="*/ 106 w 106"/>
+              <a:gd name="T9" fmla="*/ 1114 h 1114"/>
+            </a:gdLst>
+            <a:ahLst/>
+            <a:cxnLst>
+              <a:cxn ang="0">
+                <a:pos x="T0" y="T1"/>
+              </a:cxn>
+              <a:cxn ang="0">
+                <a:pos x="T2" y="T3"/>
+              </a:cxn>
+              <a:cxn ang="0">
+                <a:pos x="T4" y="T5"/>
+              </a:cxn>
+              <a:cxn ang="0">
+                <a:pos x="T6" y="T7"/>
+              </a:cxn>
+              <a:cxn ang="0">
+                <a:pos x="T8" y="T9"/>
+              </a:cxn>
+            </a:cxnLst>
+            <a:rect l="0" t="0" r="r" b="b"/>
+            <a:pathLst>
+              <a:path w="106" h="1114">
+                <a:moveTo>
+                  <a:pt x="106" y="1114"/>
+                </a:moveTo>
+                <a:lnTo>
+                  <a:pt x="0" y="1005"/>
+                </a:lnTo>
+                <a:lnTo>
+                  <a:pt x="0" y="0"/>
+                </a:lnTo>
+                <a:lnTo>
+                  <a:pt x="106" y="110"/>
+                </a:lnTo>
+                <a:lnTo>
+                  <a:pt x="106" y="1114"/>
+                </a:lnTo>
+                <a:close/>
+              </a:path>
+            </a:pathLst>
+          </a:custGeom>
+          <a:solidFill>
+            <a:schemeClr val="accent1">
+              <a:lumMod val="50000"/>
+            </a:schemeClr>
+          </a:solidFill>
+          <a:ln>
+            <a:noFill/>
+          </a:ln>
+        </p:spPr>
+        <p:txBody>
+          <a:bodyPr vert="horz" wrap="square" lIns="91440" tIns="45720" rIns="91440" bIns="45720" numCol="1" anchor="t" anchorCtr="0" compatLnSpc="1">
+            <a:prstTxWarp prst="textNoShape">
+              <a:avLst/>
+            </a:prstTxWarp>
+          </a:bodyPr>
+          <a:lstStyle/>
+          <a:p>
+            <a:endParaRPr lang="en-US"/>
+          </a:p>
+        </p:txBody>
+      </p:sp>
+      <p:sp>
+        <p:nvSpPr>
+          <p:cNvPr id="16" name="Freeform 44">
+            <a:extLst>
+              <a:ext uri="{FF2B5EF4-FFF2-40B4-BE49-F238E27FC236}">
+                <a16:creationId xmlns:a16="http://schemas.microsoft.com/office/drawing/2014/main" id="{7A62E32F-BB65-43A8-8EB5-92346890E549}"/>
+              </a:ext>
+              <a:ext uri="{C183D7F6-B498-43B3-948B-1728B52AA6E4}">
+                <adec:decorative xmlns:adec="http://schemas.microsoft.com/office/drawing/2017/decorative" val="1"/>
+              </a:ext>
+            </a:extLst>
+          </p:cNvPr>
+          <p:cNvSpPr>
+            <a:spLocks noGrp="1" noRot="1" noChangeAspect="1" noMove="1" noResize="1" noEditPoints="1" noAdjustHandles="1" noChangeArrowheads="1" noChangeShapeType="1" noTextEdit="1"/>
+          </p:cNvSpPr>
+          <p:nvPr>
+            <p:extLst>
+              <p:ext uri="{386F3935-93C4-4BCD-93E2-E3B085C9AB24}">
+                <p16:designElem xmlns:p16="http://schemas.microsoft.com/office/powerpoint/2015/main" val="1"/>
+              </p:ext>
+            </p:extLst>
+          </p:nvPr>
+        </p:nvSpPr>
+        <p:spPr bwMode="auto">
+          <a:xfrm>
+            <a:off x="11223203" y="635716"/>
+            <a:ext cx="328612" cy="1742360"/>
+          </a:xfrm>
+          <a:custGeom>
+            <a:avLst/>
+            <a:gdLst>
+              <a:gd name="T0" fmla="*/ 207 w 207"/>
+              <a:gd name="T1" fmla="*/ 987 h 1114"/>
+              <a:gd name="T2" fmla="*/ 0 w 207"/>
+              <a:gd name="T3" fmla="*/ 1114 h 1114"/>
+              <a:gd name="T4" fmla="*/ 0 w 207"/>
+              <a:gd name="T5" fmla="*/ 127 h 1114"/>
+              <a:gd name="T6" fmla="*/ 207 w 207"/>
+              <a:gd name="T7" fmla="*/ 0 h 1114"/>
+              <a:gd name="T8" fmla="*/ 207 w 207"/>
+              <a:gd name="T9" fmla="*/ 987 h 1114"/>
+            </a:gdLst>
+            <a:ahLst/>
+            <a:cxnLst>
+              <a:cxn ang="0">
+                <a:pos x="T0" y="T1"/>
+              </a:cxn>
+              <a:cxn ang="0">
+                <a:pos x="T2" y="T3"/>
+              </a:cxn>
+              <a:cxn ang="0">
+                <a:pos x="T4" y="T5"/>
+              </a:cxn>
+              <a:cxn ang="0">
+                <a:pos x="T6" y="T7"/>
+              </a:cxn>
+              <a:cxn ang="0">
+                <a:pos x="T8" y="T9"/>
+              </a:cxn>
+            </a:cxnLst>
+            <a:rect l="0" t="0" r="r" b="b"/>
+            <a:pathLst>
+              <a:path w="207" h="1114">
+                <a:moveTo>
+                  <a:pt x="207" y="987"/>
+                </a:moveTo>
+                <a:lnTo>
+                  <a:pt x="0" y="1114"/>
+                </a:lnTo>
+                <a:lnTo>
+                  <a:pt x="0" y="127"/>
+                </a:lnTo>
+                <a:lnTo>
+                  <a:pt x="207" y="0"/>
+                </a:lnTo>
+                <a:lnTo>
+                  <a:pt x="207" y="987"/>
+                </a:lnTo>
+                <a:close/>
+              </a:path>
+            </a:pathLst>
+          </a:custGeom>
+          <a:solidFill>
+            <a:schemeClr val="accent1">
+              <a:lumMod val="50000"/>
+            </a:schemeClr>
+          </a:solidFill>
+          <a:ln>
+            <a:noFill/>
+          </a:ln>
+        </p:spPr>
+        <p:txBody>
+          <a:bodyPr vert="horz" wrap="square" lIns="91440" tIns="45720" rIns="91440" bIns="45720" numCol="1" anchor="t" anchorCtr="0" compatLnSpc="1">
+            <a:prstTxWarp prst="textNoShape">
+              <a:avLst/>
+            </a:prstTxWarp>
+          </a:bodyPr>
+          <a:lstStyle/>
+          <a:p>
+            <a:endParaRPr lang="en-US"/>
+          </a:p>
+        </p:txBody>
+      </p:sp>
+      <p:sp>
+        <p:nvSpPr>
+          <p:cNvPr id="18" name="Rectangle 17">
+            <a:extLst>
+              <a:ext uri="{FF2B5EF4-FFF2-40B4-BE49-F238E27FC236}">
+                <a16:creationId xmlns:a16="http://schemas.microsoft.com/office/drawing/2014/main" id="{14E91B64-9FCC-451E-AFB4-A827D6329367}"/>
+              </a:ext>
+              <a:ext uri="{C183D7F6-B498-43B3-948B-1728B52AA6E4}">
+                <adec:decorative xmlns:adec="http://schemas.microsoft.com/office/drawing/2017/decorative" val="1"/>
+              </a:ext>
+            </a:extLst>
+          </p:cNvPr>
+          <p:cNvSpPr>
+            <a:spLocks noGrp="1" noRot="1" noChangeAspect="1" noMove="1" noResize="1" noEditPoints="1" noAdjustHandles="1" noChangeArrowheads="1" noChangeShapeType="1" noTextEdit="1"/>
+          </p:cNvSpPr>
+          <p:nvPr>
+            <p:extLst>
+              <p:ext uri="{386F3935-93C4-4BCD-93E2-E3B085C9AB24}">
+                <p16:designElem xmlns:p16="http://schemas.microsoft.com/office/powerpoint/2015/main" val="1"/>
+              </p:ext>
+            </p:extLst>
+          </p:nvPr>
+        </p:nvSpPr>
+        <p:spPr bwMode="auto">
+          <a:xfrm>
+            <a:off x="644055" y="635715"/>
+            <a:ext cx="10907863" cy="1541457"/>
+          </a:xfrm>
+          <a:prstGeom prst="rect">
+            <a:avLst/>
+          </a:prstGeom>
+          <a:solidFill>
+            <a:schemeClr val="accent1"/>
+          </a:solidFill>
+          <a:ln>
+            <a:noFill/>
+          </a:ln>
+        </p:spPr>
+        <p:txBody>
+          <a:bodyPr vert="horz" wrap="square" lIns="91440" tIns="45720" rIns="91440" bIns="45720" numCol="1" anchor="t" anchorCtr="0" compatLnSpc="1">
+            <a:prstTxWarp prst="textNoShape">
+              <a:avLst/>
+            </a:prstTxWarp>
+          </a:bodyPr>
+          <a:lstStyle/>
+          <a:p>
+            <a:endParaRPr lang="en-US"/>
+          </a:p>
+        </p:txBody>
+      </p:sp>
+      <p:sp>
+        <p:nvSpPr>
+          <p:cNvPr id="2" name="Title 1">
+            <a:extLst>
+              <a:ext uri="{FF2B5EF4-FFF2-40B4-BE49-F238E27FC236}">
+                <a16:creationId xmlns:a16="http://schemas.microsoft.com/office/drawing/2014/main" id="{06E8B044-5C59-4C08-A0A2-9318E9D7CB1F}"/>
+              </a:ext>
+            </a:extLst>
+          </p:cNvPr>
+          <p:cNvSpPr>
+            <a:spLocks noGrp="1"/>
+          </p:cNvSpPr>
+          <p:nvPr>
+            <p:ph type="title"/>
+          </p:nvPr>
+        </p:nvSpPr>
+        <p:spPr>
+          <a:xfrm>
+            <a:off x="958506" y="800392"/>
+            <a:ext cx="10264697" cy="1212102"/>
+          </a:xfrm>
+        </p:spPr>
+        <p:txBody>
+          <a:bodyPr>
+            <a:normAutofit/>
+          </a:bodyPr>
+          <a:lstStyle/>
+          <a:p>
+            <a:r>
+              <a:rPr lang="en-US" sz="4000">
+                <a:solidFill>
+                  <a:srgbClr val="FFFFFF"/>
+                </a:solidFill>
+              </a:rPr>
+              <a:t>What is Reverse Mad Libs?</a:t>
+            </a:r>
+          </a:p>
+        </p:txBody>
+      </p:sp>
+      <p:sp>
+        <p:nvSpPr>
+          <p:cNvPr id="3" name="Content Placeholder 2">
+            <a:extLst>
+              <a:ext uri="{FF2B5EF4-FFF2-40B4-BE49-F238E27FC236}">
+                <a16:creationId xmlns:a16="http://schemas.microsoft.com/office/drawing/2014/main" id="{4D0BA02D-096C-43AD-BD3C-DB87077A7F5B}"/>
+              </a:ext>
+            </a:extLst>
+          </p:cNvPr>
+          <p:cNvSpPr>
+            <a:spLocks noGrp="1"/>
+          </p:cNvSpPr>
+          <p:nvPr>
+            <p:ph idx="1"/>
+          </p:nvPr>
+        </p:nvSpPr>
+        <p:spPr>
+          <a:xfrm>
+            <a:off x="1367624" y="2490436"/>
+            <a:ext cx="9708995" cy="3567173"/>
+          </a:xfrm>
+        </p:spPr>
+        <p:txBody>
+          <a:bodyPr anchor="ctr">
+            <a:normAutofit/>
+          </a:bodyPr>
+          <a:lstStyle/>
+          <a:p>
+            <a:r>
+              <a:rPr lang="en-US" sz="2400" dirty="0"/>
+              <a:t>A twist on the popular game</a:t>
+            </a:r>
+          </a:p>
+          <a:p>
+            <a:r>
+              <a:rPr lang="en-US" sz="2400" dirty="0"/>
+              <a:t>Player one is asked for a list of arbitrary words</a:t>
+            </a:r>
+          </a:p>
+          <a:p>
+            <a:r>
+              <a:rPr lang="en-US" sz="2400" dirty="0"/>
+              <a:t>Player two inserts the words into a story</a:t>
+            </a:r>
+          </a:p>
+          <a:p>
+            <a:r>
+              <a:rPr lang="en-US" sz="2400" dirty="0"/>
+              <a:t>Player one typically does not see the story until the words are filled in</a:t>
+            </a:r>
+          </a:p>
+          <a:p>
+            <a:r>
+              <a:rPr lang="en-US" sz="2400" dirty="0"/>
+              <a:t>Machine uses NLP Algorithms to predict the missing words</a:t>
+            </a:r>
+          </a:p>
+        </p:txBody>
+      </p:sp>
+    </p:spTree>
+    <p:extLst>
+      <p:ext uri="{BB962C8B-B14F-4D97-AF65-F5344CB8AC3E}">
+        <p14:creationId xmlns:p14="http://schemas.microsoft.com/office/powerpoint/2010/main" val="1691009008"/>
+      </p:ext>
+    </p:extLst>
+  </p:cSld>
+  <p:clrMapOvr>
+    <a:masterClrMapping/>
+  </p:clrMapOvr>
+</p:sld>
+</file>
+
+<file path=ppt/slides/slide5.xml><?xml version="1.0" encoding="utf-8"?>
+<p:sld xmlns:a="http://schemas.openxmlformats.org/drawingml/2006/main" xmlns:r="http://schemas.openxmlformats.org/officeDocument/2006/relationships" xmlns:p="http://schemas.openxmlformats.org/presentationml/2006/main">
+  <p:cSld>
+    <p:bg>
+      <p:bgPr>
+        <a:solidFill>
+          <a:schemeClr val="bg2"/>
+        </a:solidFill>
+        <a:effectLst/>
+      </p:bgPr>
+    </p:bg>
+    <p:spTree>
+      <p:nvGrpSpPr>
+        <p:cNvPr id="1" name=""/>
+        <p:cNvGrpSpPr/>
+        <p:nvPr/>
+      </p:nvGrpSpPr>
+      <p:grpSpPr>
+        <a:xfrm>
+          <a:off x="0" y="0"/>
+          <a:ext cx="0" cy="0"/>
+          <a:chOff x="0" y="0"/>
+          <a:chExt cx="0" cy="0"/>
+        </a:xfrm>
+      </p:grpSpPr>
+      <p:pic>
+        <p:nvPicPr>
+          <p:cNvPr id="6" name="Picture 5">
+            <a:extLst>
+              <a:ext uri="{FF2B5EF4-FFF2-40B4-BE49-F238E27FC236}">
+                <a16:creationId xmlns:a16="http://schemas.microsoft.com/office/drawing/2014/main" id="{DB0C7658-63E9-444B-B8FD-E673B3FD3D61}"/>
+              </a:ext>
+            </a:extLst>
+          </p:cNvPr>
+          <p:cNvPicPr>
+            <a:picLocks noChangeAspect="1"/>
+          </p:cNvPicPr>
+          <p:nvPr/>
+        </p:nvPicPr>
+        <p:blipFill rotWithShape="1">
+          <a:blip r:embed="rId2">
+            <a:duotone>
+              <a:prstClr val="black"/>
+              <a:schemeClr val="tx2">
+                <a:tint val="45000"/>
+                <a:satMod val="400000"/>
+              </a:schemeClr>
+            </a:duotone>
+            <a:alphaModFix amt="25000"/>
+          </a:blip>
+          <a:srcRect t="3433"/>
+          <a:stretch/>
+        </p:blipFill>
+        <p:spPr>
+          <a:xfrm>
+            <a:off x="20" y="10"/>
+            <a:ext cx="12191981" cy="6857990"/>
+          </a:xfrm>
+          <a:prstGeom prst="rect">
+            <a:avLst/>
+          </a:prstGeom>
+        </p:spPr>
+      </p:pic>
+      <p:sp>
+        <p:nvSpPr>
+          <p:cNvPr id="2" name="Title 1">
+            <a:extLst>
+              <a:ext uri="{FF2B5EF4-FFF2-40B4-BE49-F238E27FC236}">
+                <a16:creationId xmlns:a16="http://schemas.microsoft.com/office/drawing/2014/main" id="{59F44B97-4E1A-4B8B-BAA1-18995152F2A6}"/>
+              </a:ext>
+            </a:extLst>
+          </p:cNvPr>
+          <p:cNvSpPr>
+            <a:spLocks noGrp="1"/>
+          </p:cNvSpPr>
+          <p:nvPr>
+            <p:ph type="title"/>
+          </p:nvPr>
+        </p:nvSpPr>
+        <p:spPr>
+          <a:xfrm>
+            <a:off x="838200" y="365125"/>
+            <a:ext cx="10515600" cy="1325563"/>
+          </a:xfrm>
+        </p:spPr>
+        <p:txBody>
+          <a:bodyPr>
+            <a:normAutofit/>
+          </a:bodyPr>
+          <a:lstStyle/>
+          <a:p>
+            <a:r>
+              <a:rPr lang="en-US"/>
+              <a:t>Project Resources</a:t>
+            </a:r>
+          </a:p>
+        </p:txBody>
+      </p:sp>
+      <p:graphicFrame>
+        <p:nvGraphicFramePr>
+          <p:cNvPr id="5" name="Content Placeholder 2">
+            <a:extLst>
+              <a:ext uri="{FF2B5EF4-FFF2-40B4-BE49-F238E27FC236}">
+                <a16:creationId xmlns:a16="http://schemas.microsoft.com/office/drawing/2014/main" id="{DA53EBB4-2AED-4EA2-B2B2-BB59BB72E530}"/>
+              </a:ext>
+            </a:extLst>
+          </p:cNvPr>
+          <p:cNvGraphicFramePr>
+            <a:graphicFrameLocks noGrp="1"/>
+          </p:cNvGraphicFramePr>
+          <p:nvPr>
+            <p:ph idx="1"/>
+            <p:extLst>
+              <p:ext uri="{D42A27DB-BD31-4B8C-83A1-F6EECF244321}">
+                <p14:modId xmlns:p14="http://schemas.microsoft.com/office/powerpoint/2010/main" val="608043395"/>
+              </p:ext>
+            </p:extLst>
+          </p:nvPr>
+        </p:nvGraphicFramePr>
+        <p:xfrm>
+          <a:off x="838200" y="1825625"/>
+          <a:ext cx="10515600" cy="4351338"/>
+        </p:xfrm>
+        <a:graphic>
+          <a:graphicData uri="http://schemas.openxmlformats.org/drawingml/2006/diagram">
+            <dgm:relIds xmlns:dgm="http://schemas.openxmlformats.org/drawingml/2006/diagram" xmlns:r="http://schemas.openxmlformats.org/officeDocument/2006/relationships" r:dm="rId3" r:lo="rId4" r:qs="rId5" r:cs="rId6"/>
+          </a:graphicData>
+        </a:graphic>
+      </p:graphicFrame>
+    </p:spTree>
+    <p:extLst>
+      <p:ext uri="{BB962C8B-B14F-4D97-AF65-F5344CB8AC3E}">
+        <p14:creationId xmlns:p14="http://schemas.microsoft.com/office/powerpoint/2010/main" val="2261242050"/>
+      </p:ext>
+    </p:extLst>
+  </p:cSld>
+  <p:clrMapOvr>
+    <a:overrideClrMapping bg1="dk1" tx1="lt1" bg2="dk2" tx2="lt2" accent1="accent1" accent2="accent2" accent3="accent3" accent4="accent4" accent5="accent5" accent6="accent6" hlink="hlink" folHlink="folHlink"/>
+  </p:clrMapOvr>
+</p:sld>
+</file>
+
+<file path=ppt/slides/slide6.xml><?xml version="1.0" encoding="utf-8"?>
+<p:sld xmlns:a="http://schemas.openxmlformats.org/drawingml/2006/main" xmlns:r="http://schemas.openxmlformats.org/officeDocument/2006/relationships" xmlns:p="http://schemas.openxmlformats.org/presentationml/2006/main">
+  <p:cSld>
+    <p:spTree>
+      <p:nvGrpSpPr>
+        <p:cNvPr id="1" name=""/>
+        <p:cNvGrpSpPr/>
+        <p:nvPr/>
+      </p:nvGrpSpPr>
+      <p:grpSpPr>
+        <a:xfrm>
+          <a:off x="0" y="0"/>
+          <a:ext cx="0" cy="0"/>
+          <a:chOff x="0" y="0"/>
+          <a:chExt cx="0" cy="0"/>
+        </a:xfrm>
+      </p:grpSpPr>
       <p:sp>
         <p:nvSpPr>
           <p:cNvPr id="2" name="Title 1">
@@ -4280,6 +8540,18 @@
             <a:r>
               <a:rPr lang="en-US" dirty="0"/>
               <a:t>Teach a computer how to converse with a human</a:t>
+            </a:r>
+          </a:p>
+          <a:p>
+            <a:r>
+              <a:rPr lang="en-US" dirty="0"/>
+              <a:t>Recognize human language</a:t>
+            </a:r>
+          </a:p>
+          <a:p>
+            <a:r>
+              <a:rPr lang="en-US" dirty="0"/>
+              <a:t>Computer converse with human</a:t>
             </a:r>
           </a:p>
         </p:txBody>
@@ -4297,7 +8569,7 @@
 </p:sld>
 </file>
 
-<file path=ppt/slides/slide5.xml><?xml version="1.0" encoding="utf-8"?>
+<file path=ppt/slides/slide7.xml><?xml version="1.0" encoding="utf-8"?>
 <p:sld xmlns:a="http://schemas.openxmlformats.org/drawingml/2006/main" xmlns:r="http://schemas.openxmlformats.org/officeDocument/2006/relationships" xmlns:p="http://schemas.openxmlformats.org/presentationml/2006/main">
   <p:cSld>
     <p:bg>
@@ -4532,6 +8804,71 @@
           <a:effectLst/>
         </p:spPr>
       </p:pic>
+      <p:pic>
+        <p:nvPicPr>
+          <p:cNvPr id="5" name="Picture 4">
+            <a:extLst>
+              <a:ext uri="{FF2B5EF4-FFF2-40B4-BE49-F238E27FC236}">
+                <a16:creationId xmlns:a16="http://schemas.microsoft.com/office/drawing/2014/main" id="{C857CDE8-7674-48AE-85B0-27CB93D2818C}"/>
+              </a:ext>
+            </a:extLst>
+          </p:cNvPr>
+          <p:cNvPicPr>
+            <a:picLocks noChangeAspect="1"/>
+          </p:cNvPicPr>
+          <p:nvPr/>
+        </p:nvPicPr>
+        <p:blipFill>
+          <a:blip r:embed="rId3"/>
+          <a:stretch>
+            <a:fillRect/>
+          </a:stretch>
+        </p:blipFill>
+        <p:spPr>
+          <a:xfrm>
+            <a:off x="1621766" y="847703"/>
+            <a:ext cx="2915727" cy="4945073"/>
+          </a:xfrm>
+          <a:prstGeom prst="rect">
+            <a:avLst/>
+          </a:prstGeom>
+        </p:spPr>
+      </p:pic>
+      <p:sp>
+        <p:nvSpPr>
+          <p:cNvPr id="6" name="TextBox 5">
+            <a:extLst>
+              <a:ext uri="{FF2B5EF4-FFF2-40B4-BE49-F238E27FC236}">
+                <a16:creationId xmlns:a16="http://schemas.microsoft.com/office/drawing/2014/main" id="{418B2391-98D9-46B1-83F9-552211D7A827}"/>
+              </a:ext>
+            </a:extLst>
+          </p:cNvPr>
+          <p:cNvSpPr txBox="1"/>
+          <p:nvPr/>
+        </p:nvSpPr>
+        <p:spPr>
+          <a:xfrm>
+            <a:off x="1404011" y="5826301"/>
+            <a:ext cx="4204673" cy="230832"/>
+          </a:xfrm>
+          <a:prstGeom prst="rect">
+            <a:avLst/>
+          </a:prstGeom>
+          <a:noFill/>
+        </p:spPr>
+        <p:txBody>
+          <a:bodyPr wrap="square" rtlCol="0">
+            <a:spAutoFit/>
+          </a:bodyPr>
+          <a:lstStyle/>
+          <a:p>
+            <a:r>
+              <a:rPr lang="en-US" sz="900" dirty="0"/>
+              <a:t>https://medium.com/@noa.kel/using-bert-with-pytorch-b9624edcda4e</a:t>
+            </a:r>
+          </a:p>
+        </p:txBody>
+      </p:sp>
     </p:spTree>
     <p:extLst>
       <p:ext uri="{BB962C8B-B14F-4D97-AF65-F5344CB8AC3E}">
@@ -4545,7 +8882,7 @@
 </p:sld>
 </file>
 
-<file path=ppt/slides/slide6.xml><?xml version="1.0" encoding="utf-8"?>
+<file path=ppt/slides/slide8.xml><?xml version="1.0" encoding="utf-8"?>
 <p:sld xmlns:a="http://schemas.openxmlformats.org/drawingml/2006/main" xmlns:r="http://schemas.openxmlformats.org/officeDocument/2006/relationships" xmlns:p="http://schemas.openxmlformats.org/presentationml/2006/main">
   <p:cSld>
     <p:spTree>
@@ -4585,7 +8922,11 @@
           <a:p>
             <a:r>
               <a:rPr lang="en-US" dirty="0"/>
-              <a:t>Bert</a:t>
+              <a:t>Bert </a:t>
+            </a:r>
+            <a:r>
+              <a:rPr lang="en-US" sz="2800" dirty="0"/>
+              <a:t>(Bidirectional Encoder Representations from Transformers) </a:t>
             </a:r>
           </a:p>
         </p:txBody>
@@ -4612,16 +8953,18 @@
           <a:lstStyle/>
           <a:p>
             <a:r>
-              <a:rPr lang="en-US"/>
-              <a:t>Sentence Classification</a:t>
-            </a:r>
+              <a:rPr lang="en-US" dirty="0"/>
+              <a:t>Bi-directional processing</a:t>
+            </a:r>
+          </a:p>
+          <a:p>
+            <a:r>
+              <a:rPr lang="en-US" dirty="0"/>
+              <a:t>Transformer</a:t>
+            </a:r>
+          </a:p>
+          <a:p>
             <a:endParaRPr lang="en-US" dirty="0"/>
-          </a:p>
-          <a:p>
-            <a:r>
-              <a:rPr lang="en-US" dirty="0"/>
-              <a:t>Train a Classifier</a:t>
-            </a:r>
           </a:p>
         </p:txBody>
       </p:sp>
@@ -4638,7 +8981,7 @@
 </p:sld>
 </file>
 
-<file path=ppt/slides/slide7.xml><?xml version="1.0" encoding="utf-8"?>
+<file path=ppt/slides/slide9.xml><?xml version="1.0" encoding="utf-8"?>
 <p:sld xmlns:a="http://schemas.openxmlformats.org/drawingml/2006/main" xmlns:r="http://schemas.openxmlformats.org/officeDocument/2006/relationships" xmlns:p="http://schemas.openxmlformats.org/presentationml/2006/main">
   <p:cSld>
     <p:spTree>

--- a/Reverse Mad Libs.pptx
+++ b/Reverse Mad Libs.pptx
@@ -4,14 +4,29 @@
   <p:sldMasterIdLst>
     <p:sldMasterId id="2147483648" r:id="rId1"/>
   </p:sldMasterIdLst>
+  <p:notesMasterIdLst>
+    <p:notesMasterId r:id="rId21"/>
+  </p:notesMasterIdLst>
   <p:sldIdLst>
     <p:sldId id="256" r:id="rId2"/>
-    <p:sldId id="260" r:id="rId3"/>
-    <p:sldId id="258" r:id="rId4"/>
+    <p:sldId id="258" r:id="rId3"/>
+    <p:sldId id="280" r:id="rId4"/>
     <p:sldId id="261" r:id="rId5"/>
-    <p:sldId id="257" r:id="rId6"/>
-    <p:sldId id="262" r:id="rId7"/>
-    <p:sldId id="259" r:id="rId8"/>
+    <p:sldId id="278" r:id="rId6"/>
+    <p:sldId id="257" r:id="rId7"/>
+    <p:sldId id="279" r:id="rId8"/>
+    <p:sldId id="275" r:id="rId9"/>
+    <p:sldId id="270" r:id="rId10"/>
+    <p:sldId id="269" r:id="rId11"/>
+    <p:sldId id="272" r:id="rId12"/>
+    <p:sldId id="277" r:id="rId13"/>
+    <p:sldId id="265" r:id="rId14"/>
+    <p:sldId id="267" r:id="rId15"/>
+    <p:sldId id="266" r:id="rId16"/>
+    <p:sldId id="268" r:id="rId17"/>
+    <p:sldId id="264" r:id="rId18"/>
+    <p:sldId id="274" r:id="rId19"/>
+    <p:sldId id="273" r:id="rId20"/>
   </p:sldIdLst>
   <p:sldSz cx="12192000" cy="6858000"/>
   <p:notesSz cx="6858000" cy="9144000"/>
@@ -110,7 +125,4286 @@
       </a:defRPr>
     </a:lvl9pPr>
   </p:defaultTextStyle>
+  <p:extLst>
+    <p:ext uri="{EFAFB233-063F-42B5-8137-9DF3F51BA10A}">
+      <p15:sldGuideLst xmlns:p15="http://schemas.microsoft.com/office/powerpoint/2012/main"/>
+    </p:ext>
+  </p:extLst>
 </p:presentation>
+</file>
+
+<file path=ppt/diagrams/colors1.xml><?xml version="1.0" encoding="utf-8"?>
+<dgm:colorsDef xmlns:dgm="http://schemas.openxmlformats.org/drawingml/2006/diagram" xmlns:a="http://schemas.openxmlformats.org/drawingml/2006/main" uniqueId="urn:microsoft.com/office/officeart/2005/8/colors/accent6_2">
+  <dgm:title val=""/>
+  <dgm:desc val=""/>
+  <dgm:catLst>
+    <dgm:cat type="accent6" pri="11200"/>
+  </dgm:catLst>
+  <dgm:styleLbl name="node0">
+    <dgm:fillClrLst meth="repeat">
+      <a:schemeClr val="accent6"/>
+    </dgm:fillClrLst>
+    <dgm:linClrLst meth="repeat">
+      <a:schemeClr val="lt1"/>
+    </dgm:linClrLst>
+    <dgm:effectClrLst/>
+    <dgm:txLinClrLst/>
+    <dgm:txFillClrLst/>
+    <dgm:txEffectClrLst/>
+  </dgm:styleLbl>
+  <dgm:styleLbl name="node1">
+    <dgm:fillClrLst meth="repeat">
+      <a:schemeClr val="accent6"/>
+    </dgm:fillClrLst>
+    <dgm:linClrLst meth="repeat">
+      <a:schemeClr val="lt1"/>
+    </dgm:linClrLst>
+    <dgm:effectClrLst/>
+    <dgm:txLinClrLst/>
+    <dgm:txFillClrLst/>
+    <dgm:txEffectClrLst/>
+  </dgm:styleLbl>
+  <dgm:styleLbl name="alignNode1">
+    <dgm:fillClrLst meth="repeat">
+      <a:schemeClr val="accent6"/>
+    </dgm:fillClrLst>
+    <dgm:linClrLst meth="repeat">
+      <a:schemeClr val="accent6"/>
+    </dgm:linClrLst>
+    <dgm:effectClrLst/>
+    <dgm:txLinClrLst/>
+    <dgm:txFillClrLst/>
+    <dgm:txEffectClrLst/>
+  </dgm:styleLbl>
+  <dgm:styleLbl name="lnNode1">
+    <dgm:fillClrLst meth="repeat">
+      <a:schemeClr val="accent6"/>
+    </dgm:fillClrLst>
+    <dgm:linClrLst meth="repeat">
+      <a:schemeClr val="lt1"/>
+    </dgm:linClrLst>
+    <dgm:effectClrLst/>
+    <dgm:txLinClrLst/>
+    <dgm:txFillClrLst/>
+    <dgm:txEffectClrLst/>
+  </dgm:styleLbl>
+  <dgm:styleLbl name="vennNode1">
+    <dgm:fillClrLst meth="repeat">
+      <a:schemeClr val="accent6">
+        <a:alpha val="50000"/>
+      </a:schemeClr>
+    </dgm:fillClrLst>
+    <dgm:linClrLst meth="repeat">
+      <a:schemeClr val="lt1"/>
+    </dgm:linClrLst>
+    <dgm:effectClrLst/>
+    <dgm:txLinClrLst/>
+    <dgm:txFillClrLst/>
+    <dgm:txEffectClrLst/>
+  </dgm:styleLbl>
+  <dgm:styleLbl name="node2">
+    <dgm:fillClrLst meth="repeat">
+      <a:schemeClr val="accent6"/>
+    </dgm:fillClrLst>
+    <dgm:linClrLst meth="repeat">
+      <a:schemeClr val="lt1"/>
+    </dgm:linClrLst>
+    <dgm:effectClrLst/>
+    <dgm:txLinClrLst/>
+    <dgm:txFillClrLst/>
+    <dgm:txEffectClrLst/>
+  </dgm:styleLbl>
+  <dgm:styleLbl name="node3">
+    <dgm:fillClrLst meth="repeat">
+      <a:schemeClr val="accent6"/>
+    </dgm:fillClrLst>
+    <dgm:linClrLst meth="repeat">
+      <a:schemeClr val="lt1"/>
+    </dgm:linClrLst>
+    <dgm:effectClrLst/>
+    <dgm:txLinClrLst/>
+    <dgm:txFillClrLst/>
+    <dgm:txEffectClrLst/>
+  </dgm:styleLbl>
+  <dgm:styleLbl name="node4">
+    <dgm:fillClrLst meth="repeat">
+      <a:schemeClr val="accent6"/>
+    </dgm:fillClrLst>
+    <dgm:linClrLst meth="repeat">
+      <a:schemeClr val="lt1"/>
+    </dgm:linClrLst>
+    <dgm:effectClrLst/>
+    <dgm:txLinClrLst/>
+    <dgm:txFillClrLst/>
+    <dgm:txEffectClrLst/>
+  </dgm:styleLbl>
+  <dgm:styleLbl name="fgImgPlace1">
+    <dgm:fillClrLst meth="repeat">
+      <a:schemeClr val="accent6">
+        <a:tint val="50000"/>
+      </a:schemeClr>
+    </dgm:fillClrLst>
+    <dgm:linClrLst meth="repeat">
+      <a:schemeClr val="lt1"/>
+    </dgm:linClrLst>
+    <dgm:effectClrLst/>
+    <dgm:txLinClrLst/>
+    <dgm:txFillClrLst meth="repeat">
+      <a:schemeClr val="lt1"/>
+    </dgm:txFillClrLst>
+    <dgm:txEffectClrLst/>
+  </dgm:styleLbl>
+  <dgm:styleLbl name="alignImgPlace1">
+    <dgm:fillClrLst meth="repeat">
+      <a:schemeClr val="accent6">
+        <a:tint val="50000"/>
+      </a:schemeClr>
+    </dgm:fillClrLst>
+    <dgm:linClrLst meth="repeat">
+      <a:schemeClr val="lt1"/>
+    </dgm:linClrLst>
+    <dgm:effectClrLst/>
+    <dgm:txLinClrLst/>
+    <dgm:txFillClrLst meth="repeat">
+      <a:schemeClr val="lt1"/>
+    </dgm:txFillClrLst>
+    <dgm:txEffectClrLst/>
+  </dgm:styleLbl>
+  <dgm:styleLbl name="bgImgPlace1">
+    <dgm:fillClrLst meth="repeat">
+      <a:schemeClr val="accent6">
+        <a:tint val="50000"/>
+      </a:schemeClr>
+    </dgm:fillClrLst>
+    <dgm:linClrLst meth="repeat">
+      <a:schemeClr val="lt1"/>
+    </dgm:linClrLst>
+    <dgm:effectClrLst/>
+    <dgm:txLinClrLst/>
+    <dgm:txFillClrLst meth="repeat">
+      <a:schemeClr val="lt1"/>
+    </dgm:txFillClrLst>
+    <dgm:txEffectClrLst/>
+  </dgm:styleLbl>
+  <dgm:styleLbl name="sibTrans2D1">
+    <dgm:fillClrLst meth="repeat">
+      <a:schemeClr val="accent6">
+        <a:tint val="60000"/>
+      </a:schemeClr>
+    </dgm:fillClrLst>
+    <dgm:linClrLst meth="repeat">
+      <a:schemeClr val="accent6">
+        <a:tint val="60000"/>
+      </a:schemeClr>
+    </dgm:linClrLst>
+    <dgm:effectClrLst/>
+    <dgm:txLinClrLst/>
+    <dgm:txFillClrLst/>
+    <dgm:txEffectClrLst/>
+  </dgm:styleLbl>
+  <dgm:styleLbl name="fgSibTrans2D1">
+    <dgm:fillClrLst meth="repeat">
+      <a:schemeClr val="accent6">
+        <a:tint val="60000"/>
+      </a:schemeClr>
+    </dgm:fillClrLst>
+    <dgm:linClrLst meth="repeat">
+      <a:schemeClr val="accent6">
+        <a:tint val="60000"/>
+      </a:schemeClr>
+    </dgm:linClrLst>
+    <dgm:effectClrLst/>
+    <dgm:txLinClrLst/>
+    <dgm:txFillClrLst/>
+    <dgm:txEffectClrLst/>
+  </dgm:styleLbl>
+  <dgm:styleLbl name="bgSibTrans2D1">
+    <dgm:fillClrLst meth="repeat">
+      <a:schemeClr val="accent6">
+        <a:tint val="60000"/>
+      </a:schemeClr>
+    </dgm:fillClrLst>
+    <dgm:linClrLst meth="repeat">
+      <a:schemeClr val="accent6">
+        <a:tint val="60000"/>
+      </a:schemeClr>
+    </dgm:linClrLst>
+    <dgm:effectClrLst/>
+    <dgm:txLinClrLst/>
+    <dgm:txFillClrLst/>
+    <dgm:txEffectClrLst/>
+  </dgm:styleLbl>
+  <dgm:styleLbl name="sibTrans1D1">
+    <dgm:fillClrLst meth="repeat">
+      <a:schemeClr val="accent6"/>
+    </dgm:fillClrLst>
+    <dgm:linClrLst meth="repeat">
+      <a:schemeClr val="accent6"/>
+    </dgm:linClrLst>
+    <dgm:effectClrLst/>
+    <dgm:txLinClrLst/>
+    <dgm:txFillClrLst meth="repeat">
+      <a:schemeClr val="tx1"/>
+    </dgm:txFillClrLst>
+    <dgm:txEffectClrLst/>
+  </dgm:styleLbl>
+  <dgm:styleLbl name="callout">
+    <dgm:fillClrLst meth="repeat">
+      <a:schemeClr val="accent6"/>
+    </dgm:fillClrLst>
+    <dgm:linClrLst meth="repeat">
+      <a:schemeClr val="accent6">
+        <a:tint val="50000"/>
+      </a:schemeClr>
+    </dgm:linClrLst>
+    <dgm:effectClrLst/>
+    <dgm:txLinClrLst/>
+    <dgm:txFillClrLst meth="repeat">
+      <a:schemeClr val="tx1"/>
+    </dgm:txFillClrLst>
+    <dgm:txEffectClrLst/>
+  </dgm:styleLbl>
+  <dgm:styleLbl name="asst0">
+    <dgm:fillClrLst meth="repeat">
+      <a:schemeClr val="accent6"/>
+    </dgm:fillClrLst>
+    <dgm:linClrLst meth="repeat">
+      <a:schemeClr val="lt1"/>
+    </dgm:linClrLst>
+    <dgm:effectClrLst/>
+    <dgm:txLinClrLst/>
+    <dgm:txFillClrLst/>
+    <dgm:txEffectClrLst/>
+  </dgm:styleLbl>
+  <dgm:styleLbl name="asst1">
+    <dgm:fillClrLst meth="repeat">
+      <a:schemeClr val="accent6"/>
+    </dgm:fillClrLst>
+    <dgm:linClrLst meth="repeat">
+      <a:schemeClr val="lt1"/>
+    </dgm:linClrLst>
+    <dgm:effectClrLst/>
+    <dgm:txLinClrLst/>
+    <dgm:txFillClrLst/>
+    <dgm:txEffectClrLst/>
+  </dgm:styleLbl>
+  <dgm:styleLbl name="asst2">
+    <dgm:fillClrLst meth="repeat">
+      <a:schemeClr val="accent6"/>
+    </dgm:fillClrLst>
+    <dgm:linClrLst meth="repeat">
+      <a:schemeClr val="lt1"/>
+    </dgm:linClrLst>
+    <dgm:effectClrLst/>
+    <dgm:txLinClrLst/>
+    <dgm:txFillClrLst/>
+    <dgm:txEffectClrLst/>
+  </dgm:styleLbl>
+  <dgm:styleLbl name="asst3">
+    <dgm:fillClrLst meth="repeat">
+      <a:schemeClr val="accent6"/>
+    </dgm:fillClrLst>
+    <dgm:linClrLst meth="repeat">
+      <a:schemeClr val="lt1"/>
+    </dgm:linClrLst>
+    <dgm:effectClrLst/>
+    <dgm:txLinClrLst/>
+    <dgm:txFillClrLst/>
+    <dgm:txEffectClrLst/>
+  </dgm:styleLbl>
+  <dgm:styleLbl name="asst4">
+    <dgm:fillClrLst meth="repeat">
+      <a:schemeClr val="accent6"/>
+    </dgm:fillClrLst>
+    <dgm:linClrLst meth="repeat">
+      <a:schemeClr val="lt1"/>
+    </dgm:linClrLst>
+    <dgm:effectClrLst/>
+    <dgm:txLinClrLst/>
+    <dgm:txFillClrLst/>
+    <dgm:txEffectClrLst/>
+  </dgm:styleLbl>
+  <dgm:styleLbl name="parChTrans2D1">
+    <dgm:fillClrLst meth="repeat">
+      <a:schemeClr val="accent6">
+        <a:tint val="60000"/>
+      </a:schemeClr>
+    </dgm:fillClrLst>
+    <dgm:linClrLst meth="repeat">
+      <a:schemeClr val="accent6">
+        <a:tint val="60000"/>
+      </a:schemeClr>
+    </dgm:linClrLst>
+    <dgm:effectClrLst/>
+    <dgm:txLinClrLst/>
+    <dgm:txFillClrLst meth="repeat">
+      <a:schemeClr val="lt1"/>
+    </dgm:txFillClrLst>
+    <dgm:txEffectClrLst/>
+  </dgm:styleLbl>
+  <dgm:styleLbl name="parChTrans2D2">
+    <dgm:fillClrLst meth="repeat">
+      <a:schemeClr val="accent6"/>
+    </dgm:fillClrLst>
+    <dgm:linClrLst meth="repeat">
+      <a:schemeClr val="accent6"/>
+    </dgm:linClrLst>
+    <dgm:effectClrLst/>
+    <dgm:txLinClrLst/>
+    <dgm:txFillClrLst meth="repeat">
+      <a:schemeClr val="lt1"/>
+    </dgm:txFillClrLst>
+    <dgm:txEffectClrLst/>
+  </dgm:styleLbl>
+  <dgm:styleLbl name="parChTrans2D3">
+    <dgm:fillClrLst meth="repeat">
+      <a:schemeClr val="accent6"/>
+    </dgm:fillClrLst>
+    <dgm:linClrLst meth="repeat">
+      <a:schemeClr val="accent6"/>
+    </dgm:linClrLst>
+    <dgm:effectClrLst/>
+    <dgm:txLinClrLst/>
+    <dgm:txFillClrLst meth="repeat">
+      <a:schemeClr val="lt1"/>
+    </dgm:txFillClrLst>
+    <dgm:txEffectClrLst/>
+  </dgm:styleLbl>
+  <dgm:styleLbl name="parChTrans2D4">
+    <dgm:fillClrLst meth="repeat">
+      <a:schemeClr val="accent6"/>
+    </dgm:fillClrLst>
+    <dgm:linClrLst meth="repeat">
+      <a:schemeClr val="accent6"/>
+    </dgm:linClrLst>
+    <dgm:effectClrLst/>
+    <dgm:txLinClrLst/>
+    <dgm:txFillClrLst meth="repeat">
+      <a:schemeClr val="lt1"/>
+    </dgm:txFillClrLst>
+    <dgm:txEffectClrLst/>
+  </dgm:styleLbl>
+  <dgm:styleLbl name="parChTrans1D1">
+    <dgm:fillClrLst meth="repeat">
+      <a:schemeClr val="accent6"/>
+    </dgm:fillClrLst>
+    <dgm:linClrLst meth="repeat">
+      <a:schemeClr val="accent6">
+        <a:shade val="60000"/>
+      </a:schemeClr>
+    </dgm:linClrLst>
+    <dgm:effectClrLst/>
+    <dgm:txLinClrLst/>
+    <dgm:txFillClrLst meth="repeat">
+      <a:schemeClr val="tx1"/>
+    </dgm:txFillClrLst>
+    <dgm:txEffectClrLst/>
+  </dgm:styleLbl>
+  <dgm:styleLbl name="parChTrans1D2">
+    <dgm:fillClrLst meth="repeat">
+      <a:schemeClr val="accent6"/>
+    </dgm:fillClrLst>
+    <dgm:linClrLst meth="repeat">
+      <a:schemeClr val="accent6">
+        <a:shade val="60000"/>
+      </a:schemeClr>
+    </dgm:linClrLst>
+    <dgm:effectClrLst/>
+    <dgm:txLinClrLst/>
+    <dgm:txFillClrLst meth="repeat">
+      <a:schemeClr val="tx1"/>
+    </dgm:txFillClrLst>
+    <dgm:txEffectClrLst/>
+  </dgm:styleLbl>
+  <dgm:styleLbl name="parChTrans1D3">
+    <dgm:fillClrLst meth="repeat">
+      <a:schemeClr val="accent6"/>
+    </dgm:fillClrLst>
+    <dgm:linClrLst meth="repeat">
+      <a:schemeClr val="accent6">
+        <a:shade val="80000"/>
+      </a:schemeClr>
+    </dgm:linClrLst>
+    <dgm:effectClrLst/>
+    <dgm:txLinClrLst/>
+    <dgm:txFillClrLst meth="repeat">
+      <a:schemeClr val="tx1"/>
+    </dgm:txFillClrLst>
+    <dgm:txEffectClrLst/>
+  </dgm:styleLbl>
+  <dgm:styleLbl name="parChTrans1D4">
+    <dgm:fillClrLst meth="repeat">
+      <a:schemeClr val="accent6"/>
+    </dgm:fillClrLst>
+    <dgm:linClrLst meth="repeat">
+      <a:schemeClr val="accent6">
+        <a:shade val="80000"/>
+      </a:schemeClr>
+    </dgm:linClrLst>
+    <dgm:effectClrLst/>
+    <dgm:txLinClrLst/>
+    <dgm:txFillClrLst meth="repeat">
+      <a:schemeClr val="tx1"/>
+    </dgm:txFillClrLst>
+    <dgm:txEffectClrLst/>
+  </dgm:styleLbl>
+  <dgm:styleLbl name="fgAcc1">
+    <dgm:fillClrLst meth="repeat">
+      <a:schemeClr val="lt1">
+        <a:alpha val="90000"/>
+      </a:schemeClr>
+    </dgm:fillClrLst>
+    <dgm:linClrLst meth="repeat">
+      <a:schemeClr val="accent6"/>
+    </dgm:linClrLst>
+    <dgm:effectClrLst/>
+    <dgm:txLinClrLst/>
+    <dgm:txFillClrLst meth="repeat">
+      <a:schemeClr val="dk1"/>
+    </dgm:txFillClrLst>
+    <dgm:txEffectClrLst/>
+  </dgm:styleLbl>
+  <dgm:styleLbl name="conFgAcc1">
+    <dgm:fillClrLst meth="repeat">
+      <a:schemeClr val="lt1">
+        <a:alpha val="90000"/>
+      </a:schemeClr>
+    </dgm:fillClrLst>
+    <dgm:linClrLst meth="repeat">
+      <a:schemeClr val="accent6"/>
+    </dgm:linClrLst>
+    <dgm:effectClrLst/>
+    <dgm:txLinClrLst/>
+    <dgm:txFillClrLst meth="repeat">
+      <a:schemeClr val="dk1"/>
+    </dgm:txFillClrLst>
+    <dgm:txEffectClrLst/>
+  </dgm:styleLbl>
+  <dgm:styleLbl name="alignAcc1">
+    <dgm:fillClrLst meth="repeat">
+      <a:schemeClr val="lt1">
+        <a:alpha val="90000"/>
+      </a:schemeClr>
+    </dgm:fillClrLst>
+    <dgm:linClrLst meth="repeat">
+      <a:schemeClr val="accent6"/>
+    </dgm:linClrLst>
+    <dgm:effectClrLst/>
+    <dgm:txLinClrLst/>
+    <dgm:txFillClrLst meth="repeat">
+      <a:schemeClr val="dk1"/>
+    </dgm:txFillClrLst>
+    <dgm:txEffectClrLst/>
+  </dgm:styleLbl>
+  <dgm:styleLbl name="trAlignAcc1">
+    <dgm:fillClrLst meth="repeat">
+      <a:schemeClr val="lt1">
+        <a:alpha val="40000"/>
+      </a:schemeClr>
+    </dgm:fillClrLst>
+    <dgm:linClrLst meth="repeat">
+      <a:schemeClr val="accent6"/>
+    </dgm:linClrLst>
+    <dgm:effectClrLst/>
+    <dgm:txLinClrLst/>
+    <dgm:txFillClrLst meth="repeat">
+      <a:schemeClr val="dk1"/>
+    </dgm:txFillClrLst>
+    <dgm:txEffectClrLst/>
+  </dgm:styleLbl>
+  <dgm:styleLbl name="bgAcc1">
+    <dgm:fillClrLst meth="repeat">
+      <a:schemeClr val="lt1">
+        <a:alpha val="90000"/>
+      </a:schemeClr>
+    </dgm:fillClrLst>
+    <dgm:linClrLst meth="repeat">
+      <a:schemeClr val="accent6"/>
+    </dgm:linClrLst>
+    <dgm:effectClrLst/>
+    <dgm:txLinClrLst/>
+    <dgm:txFillClrLst meth="repeat">
+      <a:schemeClr val="dk1"/>
+    </dgm:txFillClrLst>
+    <dgm:txEffectClrLst/>
+  </dgm:styleLbl>
+  <dgm:styleLbl name="solidFgAcc1">
+    <dgm:fillClrLst meth="repeat">
+      <a:schemeClr val="lt1"/>
+    </dgm:fillClrLst>
+    <dgm:linClrLst meth="repeat">
+      <a:schemeClr val="accent6"/>
+    </dgm:linClrLst>
+    <dgm:effectClrLst/>
+    <dgm:txLinClrLst/>
+    <dgm:txFillClrLst meth="repeat">
+      <a:schemeClr val="dk1"/>
+    </dgm:txFillClrLst>
+    <dgm:txEffectClrLst/>
+  </dgm:styleLbl>
+  <dgm:styleLbl name="solidAlignAcc1">
+    <dgm:fillClrLst meth="repeat">
+      <a:schemeClr val="lt1"/>
+    </dgm:fillClrLst>
+    <dgm:linClrLst meth="repeat">
+      <a:schemeClr val="accent6"/>
+    </dgm:linClrLst>
+    <dgm:effectClrLst/>
+    <dgm:txLinClrLst/>
+    <dgm:txFillClrLst meth="repeat">
+      <a:schemeClr val="dk1"/>
+    </dgm:txFillClrLst>
+    <dgm:txEffectClrLst/>
+  </dgm:styleLbl>
+  <dgm:styleLbl name="solidBgAcc1">
+    <dgm:fillClrLst meth="repeat">
+      <a:schemeClr val="lt1"/>
+    </dgm:fillClrLst>
+    <dgm:linClrLst meth="repeat">
+      <a:schemeClr val="accent6"/>
+    </dgm:linClrLst>
+    <dgm:effectClrLst/>
+    <dgm:txLinClrLst/>
+    <dgm:txFillClrLst meth="repeat">
+      <a:schemeClr val="dk1"/>
+    </dgm:txFillClrLst>
+    <dgm:txEffectClrLst/>
+  </dgm:styleLbl>
+  <dgm:styleLbl name="fgAccFollowNode1">
+    <dgm:fillClrLst meth="repeat">
+      <a:schemeClr val="accent6">
+        <a:alpha val="90000"/>
+        <a:tint val="40000"/>
+      </a:schemeClr>
+    </dgm:fillClrLst>
+    <dgm:linClrLst meth="repeat">
+      <a:schemeClr val="accent6">
+        <a:alpha val="90000"/>
+        <a:tint val="40000"/>
+      </a:schemeClr>
+    </dgm:linClrLst>
+    <dgm:effectClrLst/>
+    <dgm:txLinClrLst/>
+    <dgm:txFillClrLst meth="repeat">
+      <a:schemeClr val="dk1"/>
+    </dgm:txFillClrLst>
+    <dgm:txEffectClrLst/>
+  </dgm:styleLbl>
+  <dgm:styleLbl name="alignAccFollowNode1">
+    <dgm:fillClrLst meth="repeat">
+      <a:schemeClr val="accent6">
+        <a:alpha val="90000"/>
+        <a:tint val="40000"/>
+      </a:schemeClr>
+    </dgm:fillClrLst>
+    <dgm:linClrLst meth="repeat">
+      <a:schemeClr val="accent6">
+        <a:alpha val="90000"/>
+        <a:tint val="40000"/>
+      </a:schemeClr>
+    </dgm:linClrLst>
+    <dgm:effectClrLst/>
+    <dgm:txLinClrLst/>
+    <dgm:txFillClrLst meth="repeat">
+      <a:schemeClr val="dk1"/>
+    </dgm:txFillClrLst>
+    <dgm:txEffectClrLst/>
+  </dgm:styleLbl>
+  <dgm:styleLbl name="bgAccFollowNode1">
+    <dgm:fillClrLst meth="repeat">
+      <a:schemeClr val="accent6">
+        <a:alpha val="90000"/>
+        <a:tint val="40000"/>
+      </a:schemeClr>
+    </dgm:fillClrLst>
+    <dgm:linClrLst meth="repeat">
+      <a:schemeClr val="accent6">
+        <a:alpha val="90000"/>
+        <a:tint val="40000"/>
+      </a:schemeClr>
+    </dgm:linClrLst>
+    <dgm:effectClrLst/>
+    <dgm:txLinClrLst/>
+    <dgm:txFillClrLst meth="repeat">
+      <a:schemeClr val="dk1"/>
+    </dgm:txFillClrLst>
+    <dgm:txEffectClrLst/>
+  </dgm:styleLbl>
+  <dgm:styleLbl name="fgAcc0">
+    <dgm:fillClrLst meth="repeat">
+      <a:schemeClr val="lt1">
+        <a:alpha val="90000"/>
+      </a:schemeClr>
+    </dgm:fillClrLst>
+    <dgm:linClrLst meth="repeat">
+      <a:schemeClr val="accent6"/>
+    </dgm:linClrLst>
+    <dgm:effectClrLst/>
+    <dgm:txLinClrLst/>
+    <dgm:txFillClrLst meth="repeat">
+      <a:schemeClr val="dk1"/>
+    </dgm:txFillClrLst>
+    <dgm:txEffectClrLst/>
+  </dgm:styleLbl>
+  <dgm:styleLbl name="fgAcc2">
+    <dgm:fillClrLst meth="repeat">
+      <a:schemeClr val="lt1">
+        <a:alpha val="90000"/>
+      </a:schemeClr>
+    </dgm:fillClrLst>
+    <dgm:linClrLst meth="repeat">
+      <a:schemeClr val="accent6"/>
+    </dgm:linClrLst>
+    <dgm:effectClrLst/>
+    <dgm:txLinClrLst/>
+    <dgm:txFillClrLst meth="repeat">
+      <a:schemeClr val="dk1"/>
+    </dgm:txFillClrLst>
+    <dgm:txEffectClrLst/>
+  </dgm:styleLbl>
+  <dgm:styleLbl name="fgAcc3">
+    <dgm:fillClrLst meth="repeat">
+      <a:schemeClr val="lt1">
+        <a:alpha val="90000"/>
+      </a:schemeClr>
+    </dgm:fillClrLst>
+    <dgm:linClrLst meth="repeat">
+      <a:schemeClr val="accent6"/>
+    </dgm:linClrLst>
+    <dgm:effectClrLst/>
+    <dgm:txLinClrLst/>
+    <dgm:txFillClrLst meth="repeat">
+      <a:schemeClr val="dk1"/>
+    </dgm:txFillClrLst>
+    <dgm:txEffectClrLst/>
+  </dgm:styleLbl>
+  <dgm:styleLbl name="fgAcc4">
+    <dgm:fillClrLst meth="repeat">
+      <a:schemeClr val="lt1">
+        <a:alpha val="90000"/>
+      </a:schemeClr>
+    </dgm:fillClrLst>
+    <dgm:linClrLst meth="repeat">
+      <a:schemeClr val="accent6"/>
+    </dgm:linClrLst>
+    <dgm:effectClrLst/>
+    <dgm:txLinClrLst/>
+    <dgm:txFillClrLst meth="repeat">
+      <a:schemeClr val="dk1"/>
+    </dgm:txFillClrLst>
+    <dgm:txEffectClrLst/>
+  </dgm:styleLbl>
+  <dgm:styleLbl name="bgShp">
+    <dgm:fillClrLst meth="repeat">
+      <a:schemeClr val="accent6">
+        <a:tint val="40000"/>
+      </a:schemeClr>
+    </dgm:fillClrLst>
+    <dgm:linClrLst meth="repeat">
+      <a:schemeClr val="accent6"/>
+    </dgm:linClrLst>
+    <dgm:effectClrLst/>
+    <dgm:txLinClrLst/>
+    <dgm:txFillClrLst meth="repeat">
+      <a:schemeClr val="dk1"/>
+    </dgm:txFillClrLst>
+    <dgm:txEffectClrLst/>
+  </dgm:styleLbl>
+  <dgm:styleLbl name="dkBgShp">
+    <dgm:fillClrLst meth="repeat">
+      <a:schemeClr val="accent6">
+        <a:shade val="80000"/>
+      </a:schemeClr>
+    </dgm:fillClrLst>
+    <dgm:linClrLst meth="repeat">
+      <a:schemeClr val="accent6"/>
+    </dgm:linClrLst>
+    <dgm:effectClrLst/>
+    <dgm:txLinClrLst/>
+    <dgm:txFillClrLst meth="repeat">
+      <a:schemeClr val="lt1"/>
+    </dgm:txFillClrLst>
+    <dgm:txEffectClrLst/>
+  </dgm:styleLbl>
+  <dgm:styleLbl name="trBgShp">
+    <dgm:fillClrLst meth="repeat">
+      <a:schemeClr val="accent6">
+        <a:tint val="50000"/>
+        <a:alpha val="40000"/>
+      </a:schemeClr>
+    </dgm:fillClrLst>
+    <dgm:linClrLst meth="repeat">
+      <a:schemeClr val="accent6"/>
+    </dgm:linClrLst>
+    <dgm:effectClrLst/>
+    <dgm:txLinClrLst/>
+    <dgm:txFillClrLst meth="repeat">
+      <a:schemeClr val="lt1"/>
+    </dgm:txFillClrLst>
+    <dgm:txEffectClrLst/>
+  </dgm:styleLbl>
+  <dgm:styleLbl name="fgShp">
+    <dgm:fillClrLst meth="repeat">
+      <a:schemeClr val="accent6">
+        <a:tint val="60000"/>
+      </a:schemeClr>
+    </dgm:fillClrLst>
+    <dgm:linClrLst meth="repeat">
+      <a:schemeClr val="lt1"/>
+    </dgm:linClrLst>
+    <dgm:effectClrLst/>
+    <dgm:txLinClrLst/>
+    <dgm:txFillClrLst meth="repeat">
+      <a:schemeClr val="dk1"/>
+    </dgm:txFillClrLst>
+    <dgm:txEffectClrLst/>
+  </dgm:styleLbl>
+  <dgm:styleLbl name="revTx">
+    <dgm:fillClrLst meth="repeat">
+      <a:schemeClr val="lt1">
+        <a:alpha val="0"/>
+      </a:schemeClr>
+    </dgm:fillClrLst>
+    <dgm:linClrLst meth="repeat">
+      <a:schemeClr val="dk1">
+        <a:alpha val="0"/>
+      </a:schemeClr>
+    </dgm:linClrLst>
+    <dgm:effectClrLst/>
+    <dgm:txLinClrLst/>
+    <dgm:txFillClrLst meth="repeat">
+      <a:schemeClr val="tx1"/>
+    </dgm:txFillClrLst>
+    <dgm:txEffectClrLst/>
+  </dgm:styleLbl>
+</dgm:colorsDef>
+</file>
+
+<file path=ppt/diagrams/data1.xml><?xml version="1.0" encoding="utf-8"?>
+<dgm:dataModel xmlns:dgm="http://schemas.openxmlformats.org/drawingml/2006/diagram" xmlns:a="http://schemas.openxmlformats.org/drawingml/2006/main">
+  <dgm:ptLst>
+    <dgm:pt modelId="{DFB8A2F5-1FD1-4BB9-9BD1-25A39215E510}" type="doc">
+      <dgm:prSet loTypeId="urn:microsoft.com/office/officeart/2008/layout/LinedList" loCatId="list" qsTypeId="urn:microsoft.com/office/officeart/2005/8/quickstyle/simple2" qsCatId="simple" csTypeId="urn:microsoft.com/office/officeart/2005/8/colors/accent6_2" csCatId="accent6" phldr="1"/>
+      <dgm:spPr/>
+      <dgm:t>
+        <a:bodyPr/>
+        <a:lstStyle/>
+        <a:p>
+          <a:endParaRPr lang="en-US"/>
+        </a:p>
+      </dgm:t>
+    </dgm:pt>
+    <dgm:pt modelId="{6EAE4864-8B64-4F34-AFAF-59200D9D54B4}">
+      <dgm:prSet/>
+      <dgm:spPr/>
+      <dgm:t>
+        <a:bodyPr/>
+        <a:lstStyle/>
+        <a:p>
+          <a:r>
+            <a:rPr lang="en-US" dirty="0"/>
+            <a:t>Python – Primary implementation Language</a:t>
+          </a:r>
+        </a:p>
+      </dgm:t>
+    </dgm:pt>
+    <dgm:pt modelId="{620A9C23-2B3D-43A7-A097-6DDAF0CD89A7}" type="parTrans" cxnId="{836B0342-D0D0-4B0C-9359-A56BFEDA605F}">
+      <dgm:prSet/>
+      <dgm:spPr/>
+      <dgm:t>
+        <a:bodyPr/>
+        <a:lstStyle/>
+        <a:p>
+          <a:endParaRPr lang="en-US"/>
+        </a:p>
+      </dgm:t>
+    </dgm:pt>
+    <dgm:pt modelId="{DEE1FA9C-2BBF-4E16-BD63-5A1EDEF54FB6}" type="sibTrans" cxnId="{836B0342-D0D0-4B0C-9359-A56BFEDA605F}">
+      <dgm:prSet/>
+      <dgm:spPr/>
+      <dgm:t>
+        <a:bodyPr/>
+        <a:lstStyle/>
+        <a:p>
+          <a:endParaRPr lang="en-US"/>
+        </a:p>
+      </dgm:t>
+    </dgm:pt>
+    <dgm:pt modelId="{7C6A25C3-E939-4755-A6DC-9754FA8B21D9}">
+      <dgm:prSet/>
+      <dgm:spPr/>
+      <dgm:t>
+        <a:bodyPr/>
+        <a:lstStyle/>
+        <a:p>
+          <a:r>
+            <a:rPr lang="en-US" dirty="0" err="1"/>
+            <a:t>Pytorch</a:t>
+          </a:r>
+          <a:r>
+            <a:rPr lang="en-US" dirty="0"/>
+            <a:t>  - Python package for Data Science</a:t>
+          </a:r>
+        </a:p>
+      </dgm:t>
+    </dgm:pt>
+    <dgm:pt modelId="{1B18BD7B-75CB-4D0A-AB56-B4601A8F7C8E}" type="parTrans" cxnId="{FC004FC4-0B9F-42EF-BCDF-55BDC6E9251E}">
+      <dgm:prSet/>
+      <dgm:spPr/>
+      <dgm:t>
+        <a:bodyPr/>
+        <a:lstStyle/>
+        <a:p>
+          <a:endParaRPr lang="en-US"/>
+        </a:p>
+      </dgm:t>
+    </dgm:pt>
+    <dgm:pt modelId="{48975830-518D-4C0A-93D7-A55CD3B6B322}" type="sibTrans" cxnId="{FC004FC4-0B9F-42EF-BCDF-55BDC6E9251E}">
+      <dgm:prSet/>
+      <dgm:spPr/>
+      <dgm:t>
+        <a:bodyPr/>
+        <a:lstStyle/>
+        <a:p>
+          <a:endParaRPr lang="en-US"/>
+        </a:p>
+      </dgm:t>
+    </dgm:pt>
+    <dgm:pt modelId="{4170F373-44A2-46C4-9AE4-36DBF1FCA62A}">
+      <dgm:prSet/>
+      <dgm:spPr/>
+      <dgm:t>
+        <a:bodyPr/>
+        <a:lstStyle/>
+        <a:p>
+          <a:r>
+            <a:rPr lang="en-US" dirty="0"/>
+            <a:t>Bert – Python NLP Package developed by Google</a:t>
+          </a:r>
+        </a:p>
+      </dgm:t>
+    </dgm:pt>
+    <dgm:pt modelId="{CEE862C6-5612-46DE-805D-A476B08B229A}" type="parTrans" cxnId="{74795E6C-3A45-441C-9561-F908A2096DF4}">
+      <dgm:prSet/>
+      <dgm:spPr/>
+      <dgm:t>
+        <a:bodyPr/>
+        <a:lstStyle/>
+        <a:p>
+          <a:endParaRPr lang="en-US"/>
+        </a:p>
+      </dgm:t>
+    </dgm:pt>
+    <dgm:pt modelId="{B56D9318-E30E-4215-9578-298561B365C4}" type="sibTrans" cxnId="{74795E6C-3A45-441C-9561-F908A2096DF4}">
+      <dgm:prSet/>
+      <dgm:spPr/>
+      <dgm:t>
+        <a:bodyPr/>
+        <a:lstStyle/>
+        <a:p>
+          <a:endParaRPr lang="en-US"/>
+        </a:p>
+      </dgm:t>
+    </dgm:pt>
+    <dgm:pt modelId="{EA2644CA-2A1C-4EAF-A3EA-FC8B9EF854D4}">
+      <dgm:prSet/>
+      <dgm:spPr/>
+      <dgm:t>
+        <a:bodyPr/>
+        <a:lstStyle/>
+        <a:p>
+          <a:r>
+            <a:rPr lang="en-US" dirty="0" err="1"/>
+            <a:t>Tkinter</a:t>
+          </a:r>
+          <a:r>
+            <a:rPr lang="en-US" dirty="0"/>
+            <a:t> – </a:t>
+          </a:r>
+          <a:r>
+            <a:rPr lang="en-US" dirty="0" err="1"/>
+            <a:t>PythonPackage</a:t>
+          </a:r>
+          <a:r>
+            <a:rPr lang="en-US" dirty="0"/>
+            <a:t> for GUI development</a:t>
+          </a:r>
+        </a:p>
+      </dgm:t>
+    </dgm:pt>
+    <dgm:pt modelId="{460CD550-9D66-4298-9C81-436585A2EA6F}" type="parTrans" cxnId="{9A232C84-FE80-4481-8877-B2D1D868EAB0}">
+      <dgm:prSet/>
+      <dgm:spPr/>
+      <dgm:t>
+        <a:bodyPr/>
+        <a:lstStyle/>
+        <a:p>
+          <a:endParaRPr lang="en-US"/>
+        </a:p>
+      </dgm:t>
+    </dgm:pt>
+    <dgm:pt modelId="{66D54B43-FB9A-47FC-BEE2-CFB80E844C93}" type="sibTrans" cxnId="{9A232C84-FE80-4481-8877-B2D1D868EAB0}">
+      <dgm:prSet/>
+      <dgm:spPr/>
+      <dgm:t>
+        <a:bodyPr/>
+        <a:lstStyle/>
+        <a:p>
+          <a:endParaRPr lang="en-US"/>
+        </a:p>
+      </dgm:t>
+    </dgm:pt>
+    <dgm:pt modelId="{D8F7A298-8155-4463-92AF-A712D782642A}" type="pres">
+      <dgm:prSet presAssocID="{DFB8A2F5-1FD1-4BB9-9BD1-25A39215E510}" presName="vert0" presStyleCnt="0">
+        <dgm:presLayoutVars>
+          <dgm:dir/>
+          <dgm:animOne val="branch"/>
+          <dgm:animLvl val="lvl"/>
+        </dgm:presLayoutVars>
+      </dgm:prSet>
+      <dgm:spPr/>
+    </dgm:pt>
+    <dgm:pt modelId="{20670611-67AC-4A17-81A3-9BF4D8CB0B9F}" type="pres">
+      <dgm:prSet presAssocID="{6EAE4864-8B64-4F34-AFAF-59200D9D54B4}" presName="thickLine" presStyleLbl="alignNode1" presStyleIdx="0" presStyleCnt="4"/>
+      <dgm:spPr/>
+    </dgm:pt>
+    <dgm:pt modelId="{43B79DEE-9F64-4E40-9884-E0E891D6FB56}" type="pres">
+      <dgm:prSet presAssocID="{6EAE4864-8B64-4F34-AFAF-59200D9D54B4}" presName="horz1" presStyleCnt="0"/>
+      <dgm:spPr/>
+    </dgm:pt>
+    <dgm:pt modelId="{58ACB63D-0676-413B-B305-35FB2753FC8F}" type="pres">
+      <dgm:prSet presAssocID="{6EAE4864-8B64-4F34-AFAF-59200D9D54B4}" presName="tx1" presStyleLbl="revTx" presStyleIdx="0" presStyleCnt="4"/>
+      <dgm:spPr/>
+    </dgm:pt>
+    <dgm:pt modelId="{74D223C9-C44B-4399-B95C-451DC79DBA4A}" type="pres">
+      <dgm:prSet presAssocID="{6EAE4864-8B64-4F34-AFAF-59200D9D54B4}" presName="vert1" presStyleCnt="0"/>
+      <dgm:spPr/>
+    </dgm:pt>
+    <dgm:pt modelId="{33E32B71-5C3C-46A9-8787-1F87558E0F81}" type="pres">
+      <dgm:prSet presAssocID="{7C6A25C3-E939-4755-A6DC-9754FA8B21D9}" presName="thickLine" presStyleLbl="alignNode1" presStyleIdx="1" presStyleCnt="4"/>
+      <dgm:spPr/>
+    </dgm:pt>
+    <dgm:pt modelId="{B714B64F-22AD-4557-BF76-E2F51FC71064}" type="pres">
+      <dgm:prSet presAssocID="{7C6A25C3-E939-4755-A6DC-9754FA8B21D9}" presName="horz1" presStyleCnt="0"/>
+      <dgm:spPr/>
+    </dgm:pt>
+    <dgm:pt modelId="{8AE067A6-A9F0-4D54-8581-053D3D509444}" type="pres">
+      <dgm:prSet presAssocID="{7C6A25C3-E939-4755-A6DC-9754FA8B21D9}" presName="tx1" presStyleLbl="revTx" presStyleIdx="1" presStyleCnt="4"/>
+      <dgm:spPr/>
+    </dgm:pt>
+    <dgm:pt modelId="{0A853356-25BD-46C1-901B-EA7DF8DD3504}" type="pres">
+      <dgm:prSet presAssocID="{7C6A25C3-E939-4755-A6DC-9754FA8B21D9}" presName="vert1" presStyleCnt="0"/>
+      <dgm:spPr/>
+    </dgm:pt>
+    <dgm:pt modelId="{676B9F2A-711A-4D2E-A049-3FBB09B19DD2}" type="pres">
+      <dgm:prSet presAssocID="{4170F373-44A2-46C4-9AE4-36DBF1FCA62A}" presName="thickLine" presStyleLbl="alignNode1" presStyleIdx="2" presStyleCnt="4"/>
+      <dgm:spPr/>
+    </dgm:pt>
+    <dgm:pt modelId="{3EE571DD-BB63-4E6B-9E6E-0D6A18F42AD9}" type="pres">
+      <dgm:prSet presAssocID="{4170F373-44A2-46C4-9AE4-36DBF1FCA62A}" presName="horz1" presStyleCnt="0"/>
+      <dgm:spPr/>
+    </dgm:pt>
+    <dgm:pt modelId="{8ED2B0B6-2D42-4AED-A299-01ABC4C3868C}" type="pres">
+      <dgm:prSet presAssocID="{4170F373-44A2-46C4-9AE4-36DBF1FCA62A}" presName="tx1" presStyleLbl="revTx" presStyleIdx="2" presStyleCnt="4"/>
+      <dgm:spPr/>
+    </dgm:pt>
+    <dgm:pt modelId="{3A64286E-AA19-4EA5-9D38-A658216787F7}" type="pres">
+      <dgm:prSet presAssocID="{4170F373-44A2-46C4-9AE4-36DBF1FCA62A}" presName="vert1" presStyleCnt="0"/>
+      <dgm:spPr/>
+    </dgm:pt>
+    <dgm:pt modelId="{C9F9C5B7-DFF2-42D0-AAB3-EFFD1C40A5FF}" type="pres">
+      <dgm:prSet presAssocID="{EA2644CA-2A1C-4EAF-A3EA-FC8B9EF854D4}" presName="thickLine" presStyleLbl="alignNode1" presStyleIdx="3" presStyleCnt="4"/>
+      <dgm:spPr/>
+    </dgm:pt>
+    <dgm:pt modelId="{B208CEDB-A735-40FF-BC62-6CC66F7DEE1B}" type="pres">
+      <dgm:prSet presAssocID="{EA2644CA-2A1C-4EAF-A3EA-FC8B9EF854D4}" presName="horz1" presStyleCnt="0"/>
+      <dgm:spPr/>
+    </dgm:pt>
+    <dgm:pt modelId="{9D58399F-8091-4780-A174-01E630089309}" type="pres">
+      <dgm:prSet presAssocID="{EA2644CA-2A1C-4EAF-A3EA-FC8B9EF854D4}" presName="tx1" presStyleLbl="revTx" presStyleIdx="3" presStyleCnt="4"/>
+      <dgm:spPr/>
+    </dgm:pt>
+    <dgm:pt modelId="{99BA2702-61CF-42EC-AC18-9EF5AF66E5FF}" type="pres">
+      <dgm:prSet presAssocID="{EA2644CA-2A1C-4EAF-A3EA-FC8B9EF854D4}" presName="vert1" presStyleCnt="0"/>
+      <dgm:spPr/>
+    </dgm:pt>
+  </dgm:ptLst>
+  <dgm:cxnLst>
+    <dgm:cxn modelId="{E6FDF42B-3544-4492-9766-B6BB701224A4}" type="presOf" srcId="{6EAE4864-8B64-4F34-AFAF-59200D9D54B4}" destId="{58ACB63D-0676-413B-B305-35FB2753FC8F}" srcOrd="0" destOrd="0" presId="urn:microsoft.com/office/officeart/2008/layout/LinedList"/>
+    <dgm:cxn modelId="{3BEBE633-1327-46DF-819D-CE5853341C63}" type="presOf" srcId="{EA2644CA-2A1C-4EAF-A3EA-FC8B9EF854D4}" destId="{9D58399F-8091-4780-A174-01E630089309}" srcOrd="0" destOrd="0" presId="urn:microsoft.com/office/officeart/2008/layout/LinedList"/>
+    <dgm:cxn modelId="{9A73855B-E553-4ACA-B9A1-9312D2E56E55}" type="presOf" srcId="{DFB8A2F5-1FD1-4BB9-9BD1-25A39215E510}" destId="{D8F7A298-8155-4463-92AF-A712D782642A}" srcOrd="0" destOrd="0" presId="urn:microsoft.com/office/officeart/2008/layout/LinedList"/>
+    <dgm:cxn modelId="{836B0342-D0D0-4B0C-9359-A56BFEDA605F}" srcId="{DFB8A2F5-1FD1-4BB9-9BD1-25A39215E510}" destId="{6EAE4864-8B64-4F34-AFAF-59200D9D54B4}" srcOrd="0" destOrd="0" parTransId="{620A9C23-2B3D-43A7-A097-6DDAF0CD89A7}" sibTransId="{DEE1FA9C-2BBF-4E16-BD63-5A1EDEF54FB6}"/>
+    <dgm:cxn modelId="{74795E6C-3A45-441C-9561-F908A2096DF4}" srcId="{DFB8A2F5-1FD1-4BB9-9BD1-25A39215E510}" destId="{4170F373-44A2-46C4-9AE4-36DBF1FCA62A}" srcOrd="2" destOrd="0" parTransId="{CEE862C6-5612-46DE-805D-A476B08B229A}" sibTransId="{B56D9318-E30E-4215-9578-298561B365C4}"/>
+    <dgm:cxn modelId="{9A232C84-FE80-4481-8877-B2D1D868EAB0}" srcId="{DFB8A2F5-1FD1-4BB9-9BD1-25A39215E510}" destId="{EA2644CA-2A1C-4EAF-A3EA-FC8B9EF854D4}" srcOrd="3" destOrd="0" parTransId="{460CD550-9D66-4298-9C81-436585A2EA6F}" sibTransId="{66D54B43-FB9A-47FC-BEE2-CFB80E844C93}"/>
+    <dgm:cxn modelId="{FC004FC4-0B9F-42EF-BCDF-55BDC6E9251E}" srcId="{DFB8A2F5-1FD1-4BB9-9BD1-25A39215E510}" destId="{7C6A25C3-E939-4755-A6DC-9754FA8B21D9}" srcOrd="1" destOrd="0" parTransId="{1B18BD7B-75CB-4D0A-AB56-B4601A8F7C8E}" sibTransId="{48975830-518D-4C0A-93D7-A55CD3B6B322}"/>
+    <dgm:cxn modelId="{4E7AB7D4-A091-465B-A3BE-1EAEBB1E7B0F}" type="presOf" srcId="{4170F373-44A2-46C4-9AE4-36DBF1FCA62A}" destId="{8ED2B0B6-2D42-4AED-A299-01ABC4C3868C}" srcOrd="0" destOrd="0" presId="urn:microsoft.com/office/officeart/2008/layout/LinedList"/>
+    <dgm:cxn modelId="{07B266D8-D423-4EBF-AFFD-A440B74342BA}" type="presOf" srcId="{7C6A25C3-E939-4755-A6DC-9754FA8B21D9}" destId="{8AE067A6-A9F0-4D54-8581-053D3D509444}" srcOrd="0" destOrd="0" presId="urn:microsoft.com/office/officeart/2008/layout/LinedList"/>
+    <dgm:cxn modelId="{56CFA502-575C-46D3-AD21-B4408A01EFA0}" type="presParOf" srcId="{D8F7A298-8155-4463-92AF-A712D782642A}" destId="{20670611-67AC-4A17-81A3-9BF4D8CB0B9F}" srcOrd="0" destOrd="0" presId="urn:microsoft.com/office/officeart/2008/layout/LinedList"/>
+    <dgm:cxn modelId="{D881B6C2-2C49-4F21-A4D5-C0EAC5F162E5}" type="presParOf" srcId="{D8F7A298-8155-4463-92AF-A712D782642A}" destId="{43B79DEE-9F64-4E40-9884-E0E891D6FB56}" srcOrd="1" destOrd="0" presId="urn:microsoft.com/office/officeart/2008/layout/LinedList"/>
+    <dgm:cxn modelId="{1EA524A6-778F-4B1E-B414-96D286F308C3}" type="presParOf" srcId="{43B79DEE-9F64-4E40-9884-E0E891D6FB56}" destId="{58ACB63D-0676-413B-B305-35FB2753FC8F}" srcOrd="0" destOrd="0" presId="urn:microsoft.com/office/officeart/2008/layout/LinedList"/>
+    <dgm:cxn modelId="{604A30DA-C495-45F8-BA24-161CCD8A2B8E}" type="presParOf" srcId="{43B79DEE-9F64-4E40-9884-E0E891D6FB56}" destId="{74D223C9-C44B-4399-B95C-451DC79DBA4A}" srcOrd="1" destOrd="0" presId="urn:microsoft.com/office/officeart/2008/layout/LinedList"/>
+    <dgm:cxn modelId="{54B5E0B9-3F04-4D71-AE19-74021675C02B}" type="presParOf" srcId="{D8F7A298-8155-4463-92AF-A712D782642A}" destId="{33E32B71-5C3C-46A9-8787-1F87558E0F81}" srcOrd="2" destOrd="0" presId="urn:microsoft.com/office/officeart/2008/layout/LinedList"/>
+    <dgm:cxn modelId="{A46E26C3-1CB0-48F4-8657-3043473546C6}" type="presParOf" srcId="{D8F7A298-8155-4463-92AF-A712D782642A}" destId="{B714B64F-22AD-4557-BF76-E2F51FC71064}" srcOrd="3" destOrd="0" presId="urn:microsoft.com/office/officeart/2008/layout/LinedList"/>
+    <dgm:cxn modelId="{A567D1A8-1934-4333-925D-EADF85B2D667}" type="presParOf" srcId="{B714B64F-22AD-4557-BF76-E2F51FC71064}" destId="{8AE067A6-A9F0-4D54-8581-053D3D509444}" srcOrd="0" destOrd="0" presId="urn:microsoft.com/office/officeart/2008/layout/LinedList"/>
+    <dgm:cxn modelId="{DB4F9BAB-8BA9-438E-9D16-BC8FFE5DAEB8}" type="presParOf" srcId="{B714B64F-22AD-4557-BF76-E2F51FC71064}" destId="{0A853356-25BD-46C1-901B-EA7DF8DD3504}" srcOrd="1" destOrd="0" presId="urn:microsoft.com/office/officeart/2008/layout/LinedList"/>
+    <dgm:cxn modelId="{61B5F88A-BE0A-4D6F-8C1A-133A2B092632}" type="presParOf" srcId="{D8F7A298-8155-4463-92AF-A712D782642A}" destId="{676B9F2A-711A-4D2E-A049-3FBB09B19DD2}" srcOrd="4" destOrd="0" presId="urn:microsoft.com/office/officeart/2008/layout/LinedList"/>
+    <dgm:cxn modelId="{D989724D-2398-4D09-8C03-3CFAE5774FCB}" type="presParOf" srcId="{D8F7A298-8155-4463-92AF-A712D782642A}" destId="{3EE571DD-BB63-4E6B-9E6E-0D6A18F42AD9}" srcOrd="5" destOrd="0" presId="urn:microsoft.com/office/officeart/2008/layout/LinedList"/>
+    <dgm:cxn modelId="{CAD710E4-8771-4360-A3DE-5420F54289D6}" type="presParOf" srcId="{3EE571DD-BB63-4E6B-9E6E-0D6A18F42AD9}" destId="{8ED2B0B6-2D42-4AED-A299-01ABC4C3868C}" srcOrd="0" destOrd="0" presId="urn:microsoft.com/office/officeart/2008/layout/LinedList"/>
+    <dgm:cxn modelId="{046E341F-EF6B-44B4-B0F8-01CC954B2F9C}" type="presParOf" srcId="{3EE571DD-BB63-4E6B-9E6E-0D6A18F42AD9}" destId="{3A64286E-AA19-4EA5-9D38-A658216787F7}" srcOrd="1" destOrd="0" presId="urn:microsoft.com/office/officeart/2008/layout/LinedList"/>
+    <dgm:cxn modelId="{461701E9-C475-4808-B731-88753C4DAB5F}" type="presParOf" srcId="{D8F7A298-8155-4463-92AF-A712D782642A}" destId="{C9F9C5B7-DFF2-42D0-AAB3-EFFD1C40A5FF}" srcOrd="6" destOrd="0" presId="urn:microsoft.com/office/officeart/2008/layout/LinedList"/>
+    <dgm:cxn modelId="{CB00125D-E7A6-4A71-B001-0455C32298DE}" type="presParOf" srcId="{D8F7A298-8155-4463-92AF-A712D782642A}" destId="{B208CEDB-A735-40FF-BC62-6CC66F7DEE1B}" srcOrd="7" destOrd="0" presId="urn:microsoft.com/office/officeart/2008/layout/LinedList"/>
+    <dgm:cxn modelId="{B1B70E36-2C65-45FC-9906-8E718DDC70C7}" type="presParOf" srcId="{B208CEDB-A735-40FF-BC62-6CC66F7DEE1B}" destId="{9D58399F-8091-4780-A174-01E630089309}" srcOrd="0" destOrd="0" presId="urn:microsoft.com/office/officeart/2008/layout/LinedList"/>
+    <dgm:cxn modelId="{95CDB8B7-B8BD-4D4A-8534-F2FEF8017E05}" type="presParOf" srcId="{B208CEDB-A735-40FF-BC62-6CC66F7DEE1B}" destId="{99BA2702-61CF-42EC-AC18-9EF5AF66E5FF}" srcOrd="1" destOrd="0" presId="urn:microsoft.com/office/officeart/2008/layout/LinedList"/>
+  </dgm:cxnLst>
+  <dgm:bg/>
+  <dgm:whole/>
+  <dgm:extLst>
+    <a:ext uri="http://schemas.microsoft.com/office/drawing/2008/diagram">
+      <dsp:dataModelExt xmlns:dsp="http://schemas.microsoft.com/office/drawing/2008/diagram" relId="rId8" minVer="http://schemas.openxmlformats.org/drawingml/2006/diagram"/>
+    </a:ext>
+  </dgm:extLst>
+</dgm:dataModel>
+</file>
+
+<file path=ppt/diagrams/drawing1.xml><?xml version="1.0" encoding="utf-8"?>
+<dsp:drawing xmlns:dgm="http://schemas.openxmlformats.org/drawingml/2006/diagram" xmlns:dsp="http://schemas.microsoft.com/office/drawing/2008/diagram" xmlns:a="http://schemas.openxmlformats.org/drawingml/2006/main">
+  <dsp:spTree>
+    <dsp:nvGrpSpPr>
+      <dsp:cNvPr id="0" name=""/>
+      <dsp:cNvGrpSpPr/>
+    </dsp:nvGrpSpPr>
+    <dsp:grpSpPr/>
+    <dsp:sp modelId="{20670611-67AC-4A17-81A3-9BF4D8CB0B9F}">
+      <dsp:nvSpPr>
+        <dsp:cNvPr id="0" name=""/>
+        <dsp:cNvSpPr/>
+      </dsp:nvSpPr>
+      <dsp:spPr>
+        <a:xfrm>
+          <a:off x="0" y="0"/>
+          <a:ext cx="10515600" cy="0"/>
+        </a:xfrm>
+        <a:prstGeom prst="line">
+          <a:avLst/>
+        </a:prstGeom>
+        <a:solidFill>
+          <a:schemeClr val="accent6">
+            <a:hueOff val="0"/>
+            <a:satOff val="0"/>
+            <a:lumOff val="0"/>
+            <a:alphaOff val="0"/>
+          </a:schemeClr>
+        </a:solidFill>
+        <a:ln w="12700" cap="flat" cmpd="sng" algn="ctr">
+          <a:solidFill>
+            <a:schemeClr val="accent6">
+              <a:hueOff val="0"/>
+              <a:satOff val="0"/>
+              <a:lumOff val="0"/>
+              <a:alphaOff val="0"/>
+            </a:schemeClr>
+          </a:solidFill>
+          <a:prstDash val="solid"/>
+          <a:miter lim="800000"/>
+        </a:ln>
+        <a:effectLst/>
+      </dsp:spPr>
+      <dsp:style>
+        <a:lnRef idx="2">
+          <a:scrgbClr r="0" g="0" b="0"/>
+        </a:lnRef>
+        <a:fillRef idx="1">
+          <a:scrgbClr r="0" g="0" b="0"/>
+        </a:fillRef>
+        <a:effectRef idx="1">
+          <a:scrgbClr r="0" g="0" b="0"/>
+        </a:effectRef>
+        <a:fontRef idx="minor">
+          <a:schemeClr val="lt1"/>
+        </a:fontRef>
+      </dsp:style>
+    </dsp:sp>
+    <dsp:sp modelId="{58ACB63D-0676-413B-B305-35FB2753FC8F}">
+      <dsp:nvSpPr>
+        <dsp:cNvPr id="0" name=""/>
+        <dsp:cNvSpPr/>
+      </dsp:nvSpPr>
+      <dsp:spPr>
+        <a:xfrm>
+          <a:off x="0" y="0"/>
+          <a:ext cx="10515600" cy="1087834"/>
+        </a:xfrm>
+        <a:prstGeom prst="rect">
+          <a:avLst/>
+        </a:prstGeom>
+        <a:noFill/>
+        <a:ln>
+          <a:noFill/>
+        </a:ln>
+        <a:effectLst/>
+      </dsp:spPr>
+      <dsp:style>
+        <a:lnRef idx="0">
+          <a:scrgbClr r="0" g="0" b="0"/>
+        </a:lnRef>
+        <a:fillRef idx="0">
+          <a:scrgbClr r="0" g="0" b="0"/>
+        </a:fillRef>
+        <a:effectRef idx="0">
+          <a:scrgbClr r="0" g="0" b="0"/>
+        </a:effectRef>
+        <a:fontRef idx="minor"/>
+      </dsp:style>
+      <dsp:txBody>
+        <a:bodyPr spcFirstLastPara="0" vert="horz" wrap="square" lIns="152400" tIns="152400" rIns="152400" bIns="152400" numCol="1" spcCol="1270" anchor="t" anchorCtr="0">
+          <a:noAutofit/>
+        </a:bodyPr>
+        <a:lstStyle/>
+        <a:p>
+          <a:pPr marL="0" lvl="0" indent="0" algn="l" defTabSz="1778000">
+            <a:lnSpc>
+              <a:spcPct val="90000"/>
+            </a:lnSpc>
+            <a:spcBef>
+              <a:spcPct val="0"/>
+            </a:spcBef>
+            <a:spcAft>
+              <a:spcPct val="35000"/>
+            </a:spcAft>
+            <a:buNone/>
+          </a:pPr>
+          <a:r>
+            <a:rPr lang="en-US" sz="4000" kern="1200" dirty="0"/>
+            <a:t>Python – Primary implementation Language</a:t>
+          </a:r>
+        </a:p>
+      </dsp:txBody>
+      <dsp:txXfrm>
+        <a:off x="0" y="0"/>
+        <a:ext cx="10515600" cy="1087834"/>
+      </dsp:txXfrm>
+    </dsp:sp>
+    <dsp:sp modelId="{33E32B71-5C3C-46A9-8787-1F87558E0F81}">
+      <dsp:nvSpPr>
+        <dsp:cNvPr id="0" name=""/>
+        <dsp:cNvSpPr/>
+      </dsp:nvSpPr>
+      <dsp:spPr>
+        <a:xfrm>
+          <a:off x="0" y="1087834"/>
+          <a:ext cx="10515600" cy="0"/>
+        </a:xfrm>
+        <a:prstGeom prst="line">
+          <a:avLst/>
+        </a:prstGeom>
+        <a:solidFill>
+          <a:schemeClr val="accent6">
+            <a:hueOff val="0"/>
+            <a:satOff val="0"/>
+            <a:lumOff val="0"/>
+            <a:alphaOff val="0"/>
+          </a:schemeClr>
+        </a:solidFill>
+        <a:ln w="12700" cap="flat" cmpd="sng" algn="ctr">
+          <a:solidFill>
+            <a:schemeClr val="accent6">
+              <a:hueOff val="0"/>
+              <a:satOff val="0"/>
+              <a:lumOff val="0"/>
+              <a:alphaOff val="0"/>
+            </a:schemeClr>
+          </a:solidFill>
+          <a:prstDash val="solid"/>
+          <a:miter lim="800000"/>
+        </a:ln>
+        <a:effectLst/>
+      </dsp:spPr>
+      <dsp:style>
+        <a:lnRef idx="2">
+          <a:scrgbClr r="0" g="0" b="0"/>
+        </a:lnRef>
+        <a:fillRef idx="1">
+          <a:scrgbClr r="0" g="0" b="0"/>
+        </a:fillRef>
+        <a:effectRef idx="1">
+          <a:scrgbClr r="0" g="0" b="0"/>
+        </a:effectRef>
+        <a:fontRef idx="minor">
+          <a:schemeClr val="lt1"/>
+        </a:fontRef>
+      </dsp:style>
+    </dsp:sp>
+    <dsp:sp modelId="{8AE067A6-A9F0-4D54-8581-053D3D509444}">
+      <dsp:nvSpPr>
+        <dsp:cNvPr id="0" name=""/>
+        <dsp:cNvSpPr/>
+      </dsp:nvSpPr>
+      <dsp:spPr>
+        <a:xfrm>
+          <a:off x="0" y="1087834"/>
+          <a:ext cx="10515600" cy="1087834"/>
+        </a:xfrm>
+        <a:prstGeom prst="rect">
+          <a:avLst/>
+        </a:prstGeom>
+        <a:noFill/>
+        <a:ln>
+          <a:noFill/>
+        </a:ln>
+        <a:effectLst/>
+      </dsp:spPr>
+      <dsp:style>
+        <a:lnRef idx="0">
+          <a:scrgbClr r="0" g="0" b="0"/>
+        </a:lnRef>
+        <a:fillRef idx="0">
+          <a:scrgbClr r="0" g="0" b="0"/>
+        </a:fillRef>
+        <a:effectRef idx="0">
+          <a:scrgbClr r="0" g="0" b="0"/>
+        </a:effectRef>
+        <a:fontRef idx="minor"/>
+      </dsp:style>
+      <dsp:txBody>
+        <a:bodyPr spcFirstLastPara="0" vert="horz" wrap="square" lIns="152400" tIns="152400" rIns="152400" bIns="152400" numCol="1" spcCol="1270" anchor="t" anchorCtr="0">
+          <a:noAutofit/>
+        </a:bodyPr>
+        <a:lstStyle/>
+        <a:p>
+          <a:pPr marL="0" lvl="0" indent="0" algn="l" defTabSz="1778000">
+            <a:lnSpc>
+              <a:spcPct val="90000"/>
+            </a:lnSpc>
+            <a:spcBef>
+              <a:spcPct val="0"/>
+            </a:spcBef>
+            <a:spcAft>
+              <a:spcPct val="35000"/>
+            </a:spcAft>
+            <a:buNone/>
+          </a:pPr>
+          <a:r>
+            <a:rPr lang="en-US" sz="4000" kern="1200" dirty="0" err="1"/>
+            <a:t>Pytorch</a:t>
+          </a:r>
+          <a:r>
+            <a:rPr lang="en-US" sz="4000" kern="1200" dirty="0"/>
+            <a:t>  - Python package for Data Science</a:t>
+          </a:r>
+        </a:p>
+      </dsp:txBody>
+      <dsp:txXfrm>
+        <a:off x="0" y="1087834"/>
+        <a:ext cx="10515600" cy="1087834"/>
+      </dsp:txXfrm>
+    </dsp:sp>
+    <dsp:sp modelId="{676B9F2A-711A-4D2E-A049-3FBB09B19DD2}">
+      <dsp:nvSpPr>
+        <dsp:cNvPr id="0" name=""/>
+        <dsp:cNvSpPr/>
+      </dsp:nvSpPr>
+      <dsp:spPr>
+        <a:xfrm>
+          <a:off x="0" y="2175669"/>
+          <a:ext cx="10515600" cy="0"/>
+        </a:xfrm>
+        <a:prstGeom prst="line">
+          <a:avLst/>
+        </a:prstGeom>
+        <a:solidFill>
+          <a:schemeClr val="accent6">
+            <a:hueOff val="0"/>
+            <a:satOff val="0"/>
+            <a:lumOff val="0"/>
+            <a:alphaOff val="0"/>
+          </a:schemeClr>
+        </a:solidFill>
+        <a:ln w="12700" cap="flat" cmpd="sng" algn="ctr">
+          <a:solidFill>
+            <a:schemeClr val="accent6">
+              <a:hueOff val="0"/>
+              <a:satOff val="0"/>
+              <a:lumOff val="0"/>
+              <a:alphaOff val="0"/>
+            </a:schemeClr>
+          </a:solidFill>
+          <a:prstDash val="solid"/>
+          <a:miter lim="800000"/>
+        </a:ln>
+        <a:effectLst/>
+      </dsp:spPr>
+      <dsp:style>
+        <a:lnRef idx="2">
+          <a:scrgbClr r="0" g="0" b="0"/>
+        </a:lnRef>
+        <a:fillRef idx="1">
+          <a:scrgbClr r="0" g="0" b="0"/>
+        </a:fillRef>
+        <a:effectRef idx="1">
+          <a:scrgbClr r="0" g="0" b="0"/>
+        </a:effectRef>
+        <a:fontRef idx="minor">
+          <a:schemeClr val="lt1"/>
+        </a:fontRef>
+      </dsp:style>
+    </dsp:sp>
+    <dsp:sp modelId="{8ED2B0B6-2D42-4AED-A299-01ABC4C3868C}">
+      <dsp:nvSpPr>
+        <dsp:cNvPr id="0" name=""/>
+        <dsp:cNvSpPr/>
+      </dsp:nvSpPr>
+      <dsp:spPr>
+        <a:xfrm>
+          <a:off x="0" y="2175669"/>
+          <a:ext cx="10515600" cy="1087834"/>
+        </a:xfrm>
+        <a:prstGeom prst="rect">
+          <a:avLst/>
+        </a:prstGeom>
+        <a:noFill/>
+        <a:ln>
+          <a:noFill/>
+        </a:ln>
+        <a:effectLst/>
+      </dsp:spPr>
+      <dsp:style>
+        <a:lnRef idx="0">
+          <a:scrgbClr r="0" g="0" b="0"/>
+        </a:lnRef>
+        <a:fillRef idx="0">
+          <a:scrgbClr r="0" g="0" b="0"/>
+        </a:fillRef>
+        <a:effectRef idx="0">
+          <a:scrgbClr r="0" g="0" b="0"/>
+        </a:effectRef>
+        <a:fontRef idx="minor"/>
+      </dsp:style>
+      <dsp:txBody>
+        <a:bodyPr spcFirstLastPara="0" vert="horz" wrap="square" lIns="152400" tIns="152400" rIns="152400" bIns="152400" numCol="1" spcCol="1270" anchor="t" anchorCtr="0">
+          <a:noAutofit/>
+        </a:bodyPr>
+        <a:lstStyle/>
+        <a:p>
+          <a:pPr marL="0" lvl="0" indent="0" algn="l" defTabSz="1778000">
+            <a:lnSpc>
+              <a:spcPct val="90000"/>
+            </a:lnSpc>
+            <a:spcBef>
+              <a:spcPct val="0"/>
+            </a:spcBef>
+            <a:spcAft>
+              <a:spcPct val="35000"/>
+            </a:spcAft>
+            <a:buNone/>
+          </a:pPr>
+          <a:r>
+            <a:rPr lang="en-US" sz="4000" kern="1200" dirty="0"/>
+            <a:t>Bert – Python NLP Package developed by Google</a:t>
+          </a:r>
+        </a:p>
+      </dsp:txBody>
+      <dsp:txXfrm>
+        <a:off x="0" y="2175669"/>
+        <a:ext cx="10515600" cy="1087834"/>
+      </dsp:txXfrm>
+    </dsp:sp>
+    <dsp:sp modelId="{C9F9C5B7-DFF2-42D0-AAB3-EFFD1C40A5FF}">
+      <dsp:nvSpPr>
+        <dsp:cNvPr id="0" name=""/>
+        <dsp:cNvSpPr/>
+      </dsp:nvSpPr>
+      <dsp:spPr>
+        <a:xfrm>
+          <a:off x="0" y="3263503"/>
+          <a:ext cx="10515600" cy="0"/>
+        </a:xfrm>
+        <a:prstGeom prst="line">
+          <a:avLst/>
+        </a:prstGeom>
+        <a:solidFill>
+          <a:schemeClr val="accent6">
+            <a:hueOff val="0"/>
+            <a:satOff val="0"/>
+            <a:lumOff val="0"/>
+            <a:alphaOff val="0"/>
+          </a:schemeClr>
+        </a:solidFill>
+        <a:ln w="12700" cap="flat" cmpd="sng" algn="ctr">
+          <a:solidFill>
+            <a:schemeClr val="accent6">
+              <a:hueOff val="0"/>
+              <a:satOff val="0"/>
+              <a:lumOff val="0"/>
+              <a:alphaOff val="0"/>
+            </a:schemeClr>
+          </a:solidFill>
+          <a:prstDash val="solid"/>
+          <a:miter lim="800000"/>
+        </a:ln>
+        <a:effectLst/>
+      </dsp:spPr>
+      <dsp:style>
+        <a:lnRef idx="2">
+          <a:scrgbClr r="0" g="0" b="0"/>
+        </a:lnRef>
+        <a:fillRef idx="1">
+          <a:scrgbClr r="0" g="0" b="0"/>
+        </a:fillRef>
+        <a:effectRef idx="1">
+          <a:scrgbClr r="0" g="0" b="0"/>
+        </a:effectRef>
+        <a:fontRef idx="minor">
+          <a:schemeClr val="lt1"/>
+        </a:fontRef>
+      </dsp:style>
+    </dsp:sp>
+    <dsp:sp modelId="{9D58399F-8091-4780-A174-01E630089309}">
+      <dsp:nvSpPr>
+        <dsp:cNvPr id="0" name=""/>
+        <dsp:cNvSpPr/>
+      </dsp:nvSpPr>
+      <dsp:spPr>
+        <a:xfrm>
+          <a:off x="0" y="3263503"/>
+          <a:ext cx="10515600" cy="1087834"/>
+        </a:xfrm>
+        <a:prstGeom prst="rect">
+          <a:avLst/>
+        </a:prstGeom>
+        <a:noFill/>
+        <a:ln>
+          <a:noFill/>
+        </a:ln>
+        <a:effectLst/>
+      </dsp:spPr>
+      <dsp:style>
+        <a:lnRef idx="0">
+          <a:scrgbClr r="0" g="0" b="0"/>
+        </a:lnRef>
+        <a:fillRef idx="0">
+          <a:scrgbClr r="0" g="0" b="0"/>
+        </a:fillRef>
+        <a:effectRef idx="0">
+          <a:scrgbClr r="0" g="0" b="0"/>
+        </a:effectRef>
+        <a:fontRef idx="minor"/>
+      </dsp:style>
+      <dsp:txBody>
+        <a:bodyPr spcFirstLastPara="0" vert="horz" wrap="square" lIns="152400" tIns="152400" rIns="152400" bIns="152400" numCol="1" spcCol="1270" anchor="t" anchorCtr="0">
+          <a:noAutofit/>
+        </a:bodyPr>
+        <a:lstStyle/>
+        <a:p>
+          <a:pPr marL="0" lvl="0" indent="0" algn="l" defTabSz="1778000">
+            <a:lnSpc>
+              <a:spcPct val="90000"/>
+            </a:lnSpc>
+            <a:spcBef>
+              <a:spcPct val="0"/>
+            </a:spcBef>
+            <a:spcAft>
+              <a:spcPct val="35000"/>
+            </a:spcAft>
+            <a:buNone/>
+          </a:pPr>
+          <a:r>
+            <a:rPr lang="en-US" sz="4000" kern="1200" dirty="0" err="1"/>
+            <a:t>Tkinter</a:t>
+          </a:r>
+          <a:r>
+            <a:rPr lang="en-US" sz="4000" kern="1200" dirty="0"/>
+            <a:t> – </a:t>
+          </a:r>
+          <a:r>
+            <a:rPr lang="en-US" sz="4000" kern="1200" dirty="0" err="1"/>
+            <a:t>PythonPackage</a:t>
+          </a:r>
+          <a:r>
+            <a:rPr lang="en-US" sz="4000" kern="1200" dirty="0"/>
+            <a:t> for GUI development</a:t>
+          </a:r>
+        </a:p>
+      </dsp:txBody>
+      <dsp:txXfrm>
+        <a:off x="0" y="3263503"/>
+        <a:ext cx="10515600" cy="1087834"/>
+      </dsp:txXfrm>
+    </dsp:sp>
+  </dsp:spTree>
+</dsp:drawing>
+</file>
+
+<file path=ppt/diagrams/layout1.xml><?xml version="1.0" encoding="utf-8"?>
+<dgm:layoutDef xmlns:dgm="http://schemas.openxmlformats.org/drawingml/2006/diagram" xmlns:a="http://schemas.openxmlformats.org/drawingml/2006/main" uniqueId="urn:microsoft.com/office/officeart/2008/layout/LinedList">
+  <dgm:title val=""/>
+  <dgm:desc val=""/>
+  <dgm:catLst>
+    <dgm:cat type="hierarchy" pri="8000"/>
+    <dgm:cat type="list" pri="2500"/>
+  </dgm:catLst>
+  <dgm:sampData>
+    <dgm:dataModel>
+      <dgm:ptLst>
+        <dgm:pt modelId="0" type="doc"/>
+        <dgm:pt modelId="1">
+          <dgm:prSet phldr="1"/>
+        </dgm:pt>
+        <dgm:pt modelId="11">
+          <dgm:prSet phldr="1"/>
+        </dgm:pt>
+        <dgm:pt modelId="12">
+          <dgm:prSet phldr="1"/>
+        </dgm:pt>
+        <dgm:pt modelId="13">
+          <dgm:prSet phldr="1"/>
+        </dgm:pt>
+      </dgm:ptLst>
+      <dgm:cxnLst>
+        <dgm:cxn modelId="2" srcId="0" destId="1" srcOrd="0" destOrd="0"/>
+        <dgm:cxn modelId="3" srcId="1" destId="11" srcOrd="0" destOrd="0"/>
+        <dgm:cxn modelId="4" srcId="1" destId="12" srcOrd="1" destOrd="0"/>
+        <dgm:cxn modelId="5" srcId="1" destId="13" srcOrd="2" destOrd="0"/>
+      </dgm:cxnLst>
+      <dgm:bg/>
+      <dgm:whole/>
+    </dgm:dataModel>
+  </dgm:sampData>
+  <dgm:styleData>
+    <dgm:dataModel>
+      <dgm:ptLst>
+        <dgm:pt modelId="0" type="doc"/>
+        <dgm:pt modelId="1">
+          <dgm:prSet phldr="1"/>
+        </dgm:pt>
+        <dgm:pt modelId="11">
+          <dgm:prSet phldr="1"/>
+        </dgm:pt>
+        <dgm:pt modelId="12">
+          <dgm:prSet phldr="1"/>
+        </dgm:pt>
+      </dgm:ptLst>
+      <dgm:cxnLst>
+        <dgm:cxn modelId="2" srcId="0" destId="1" srcOrd="0" destOrd="0"/>
+        <dgm:cxn modelId="3" srcId="1" destId="11" srcOrd="0" destOrd="0"/>
+        <dgm:cxn modelId="4" srcId="1" destId="12" srcOrd="1" destOrd="0"/>
+      </dgm:cxnLst>
+      <dgm:bg/>
+      <dgm:whole/>
+    </dgm:dataModel>
+  </dgm:styleData>
+  <dgm:clrData>
+    <dgm:dataModel>
+      <dgm:ptLst>
+        <dgm:pt modelId="0" type="doc"/>
+        <dgm:pt modelId="1">
+          <dgm:prSet phldr="1"/>
+        </dgm:pt>
+        <dgm:pt modelId="11">
+          <dgm:prSet phldr="1"/>
+        </dgm:pt>
+        <dgm:pt modelId="12">
+          <dgm:prSet phldr="1"/>
+        </dgm:pt>
+      </dgm:ptLst>
+      <dgm:cxnLst>
+        <dgm:cxn modelId="2" srcId="0" destId="1" srcOrd="0" destOrd="0"/>
+        <dgm:cxn modelId="3" srcId="1" destId="11" srcOrd="0" destOrd="0"/>
+        <dgm:cxn modelId="4" srcId="1" destId="12" srcOrd="1" destOrd="0"/>
+      </dgm:cxnLst>
+      <dgm:bg/>
+      <dgm:whole/>
+    </dgm:dataModel>
+  </dgm:clrData>
+  <dgm:layoutNode name="vert0">
+    <dgm:varLst>
+      <dgm:dir/>
+      <dgm:animOne val="branch"/>
+      <dgm:animLvl val="lvl"/>
+    </dgm:varLst>
+    <dgm:choose name="Name0">
+      <dgm:if name="Name1" func="var" arg="dir" op="equ" val="norm">
+        <dgm:alg type="lin">
+          <dgm:param type="linDir" val="fromT"/>
+          <dgm:param type="nodeHorzAlign" val="l"/>
+        </dgm:alg>
+      </dgm:if>
+      <dgm:else name="Name2">
+        <dgm:alg type="lin">
+          <dgm:param type="linDir" val="fromT"/>
+          <dgm:param type="nodeHorzAlign" val="r"/>
+        </dgm:alg>
+      </dgm:else>
+    </dgm:choose>
+    <dgm:shape xmlns:r="http://schemas.openxmlformats.org/officeDocument/2006/relationships" r:blip="">
+      <dgm:adjLst/>
+    </dgm:shape>
+    <dgm:presOf/>
+    <dgm:constrLst>
+      <dgm:constr type="w" for="ch" forName="horz1" refType="w"/>
+      <dgm:constr type="h" for="ch" forName="horz1" refType="h"/>
+      <dgm:constr type="h" for="des" forName="vert1" refType="h"/>
+      <dgm:constr type="h" for="des" forName="tx1" refType="h"/>
+      <dgm:constr type="h" for="des" forName="horz2" refType="h"/>
+      <dgm:constr type="h" for="des" forName="vert2" refType="h"/>
+      <dgm:constr type="h" for="des" forName="horz3" refType="h"/>
+      <dgm:constr type="h" for="des" forName="vert3" refType="h"/>
+      <dgm:constr type="h" for="des" forName="horz4" refType="h"/>
+      <dgm:constr type="h" for="des" ptType="node" refType="h"/>
+      <dgm:constr type="primFontSz" for="des" forName="tx1" op="equ" val="65"/>
+      <dgm:constr type="primFontSz" for="des" forName="tx2" op="equ" val="65"/>
+      <dgm:constr type="primFontSz" for="des" forName="tx3" op="equ" val="65"/>
+      <dgm:constr type="primFontSz" for="des" forName="tx4" op="equ" val="65"/>
+      <dgm:constr type="w" for="des" forName="thickLine" refType="w"/>
+      <dgm:constr type="h" for="des" forName="thickLine"/>
+      <dgm:constr type="h" for="des" forName="thinLine1"/>
+      <dgm:constr type="h" for="des" forName="thinLine2b"/>
+      <dgm:constr type="h" for="des" forName="thinLine3"/>
+      <dgm:constr type="h" for="des" forName="vertSpace2a" refType="h" fact="0.05"/>
+      <dgm:constr type="h" for="des" forName="vertSpace2b" refType="h" refFor="des" refForName="vertSpace2a"/>
+    </dgm:constrLst>
+    <dgm:forEach name="Name3" axis="ch" ptType="node">
+      <dgm:layoutNode name="thickLine" styleLbl="alignNode1">
+        <dgm:alg type="sp"/>
+        <dgm:shape xmlns:r="http://schemas.openxmlformats.org/officeDocument/2006/relationships" type="line" r:blip="">
+          <dgm:adjLst/>
+        </dgm:shape>
+        <dgm:presOf/>
+      </dgm:layoutNode>
+      <dgm:layoutNode name="horz1">
+        <dgm:choose name="Name4">
+          <dgm:if name="Name5" func="var" arg="dir" op="equ" val="norm">
+            <dgm:alg type="lin">
+              <dgm:param type="linDir" val="fromL"/>
+              <dgm:param type="nodeVertAlign" val="t"/>
+            </dgm:alg>
+          </dgm:if>
+          <dgm:else name="Name6">
+            <dgm:alg type="lin">
+              <dgm:param type="linDir" val="fromR"/>
+              <dgm:param type="nodeVertAlign" val="t"/>
+            </dgm:alg>
+          </dgm:else>
+        </dgm:choose>
+        <dgm:shape xmlns:r="http://schemas.openxmlformats.org/officeDocument/2006/relationships" r:blip="">
+          <dgm:adjLst/>
+        </dgm:shape>
+        <dgm:presOf/>
+        <dgm:choose name="Name7">
+          <dgm:if name="Name8" axis="root des" func="maxDepth" op="equ" val="1">
+            <dgm:constrLst>
+              <dgm:constr type="w" for="ch" forName="tx1" refType="w"/>
+            </dgm:constrLst>
+          </dgm:if>
+          <dgm:if name="Name9" axis="root des" func="maxDepth" op="equ" val="2">
+            <dgm:constrLst>
+              <dgm:constr type="w" for="ch" forName="tx1" refType="w" fact="0.2"/>
+              <dgm:constr type="w" for="des" forName="tx2" refType="w" fact="0.785"/>
+              <dgm:constr type="w" for="des" forName="horzSpace2" refType="w" fact="0.015"/>
+              <dgm:constr type="w" for="des" forName="thinLine2b" refType="w" fact="0.8"/>
+            </dgm:constrLst>
+          </dgm:if>
+          <dgm:if name="Name10" axis="root des" func="maxDepth" op="equ" val="3">
+            <dgm:constrLst>
+              <dgm:constr type="w" for="ch" forName="tx1" refType="w" fact="0.2"/>
+              <dgm:constr type="w" for="des" forName="tx2" refType="w" fact="0.385"/>
+              <dgm:constr type="w" for="des" forName="tx3" refType="w" fact="0.385"/>
+              <dgm:constr type="w" for="des" forName="horzSpace2" refType="w" fact="0.015"/>
+              <dgm:constr type="w" for="des" forName="horzSpace3" refType="w" fact="0.015"/>
+              <dgm:constr type="w" for="des" forName="thinLine2b" refType="w" fact="0.8"/>
+              <dgm:constr type="w" for="des" forName="thinLine3" refType="w" fact="0.385"/>
+            </dgm:constrLst>
+          </dgm:if>
+          <dgm:if name="Name11" axis="root des" func="maxDepth" op="gte" val="4">
+            <dgm:constrLst>
+              <dgm:constr type="w" for="ch" forName="tx1" refType="w" fact="0.2"/>
+              <dgm:constr type="w" for="des" forName="tx2" refType="w" fact="0.2516"/>
+              <dgm:constr type="w" for="des" forName="tx3" refType="w" fact="0.2516"/>
+              <dgm:constr type="w" for="des" forName="tx4" refType="w" fact="0.2516"/>
+              <dgm:constr type="w" for="des" forName="horzSpace2" refType="w" fact="0.015"/>
+              <dgm:constr type="w" for="des" forName="horzSpace3" refType="w" fact="0.015"/>
+              <dgm:constr type="w" for="des" forName="horzSpace4" refType="w" fact="0.015"/>
+              <dgm:constr type="w" for="des" forName="thinLine2b" refType="w" fact="0.8"/>
+              <dgm:constr type="w" for="des" forName="thinLine3" refType="w" fact="0.5332"/>
+            </dgm:constrLst>
+          </dgm:if>
+          <dgm:else name="Name12"/>
+        </dgm:choose>
+        <dgm:layoutNode name="tx1" styleLbl="revTx">
+          <dgm:alg type="tx">
+            <dgm:param type="parTxLTRAlign" val="l"/>
+            <dgm:param type="parTxRTLAlign" val="r"/>
+            <dgm:param type="txAnchorVert" val="t"/>
+          </dgm:alg>
+          <dgm:shape xmlns:r="http://schemas.openxmlformats.org/officeDocument/2006/relationships" type="rect" r:blip="">
+            <dgm:adjLst/>
+          </dgm:shape>
+          <dgm:presOf axis="self"/>
+          <dgm:constrLst>
+            <dgm:constr type="tMarg" refType="primFontSz" fact="0.3"/>
+            <dgm:constr type="bMarg" refType="primFontSz" fact="0.3"/>
+            <dgm:constr type="lMarg" refType="primFontSz" fact="0.3"/>
+            <dgm:constr type="rMarg" refType="primFontSz" fact="0.3"/>
+          </dgm:constrLst>
+          <dgm:ruleLst>
+            <dgm:rule type="primFontSz" val="5" fact="NaN" max="NaN"/>
+          </dgm:ruleLst>
+        </dgm:layoutNode>
+        <dgm:layoutNode name="vert1">
+          <dgm:choose name="Name13">
+            <dgm:if name="Name14" func="var" arg="dir" op="equ" val="norm">
+              <dgm:alg type="lin">
+                <dgm:param type="linDir" val="fromT"/>
+                <dgm:param type="nodeHorzAlign" val="l"/>
+              </dgm:alg>
+            </dgm:if>
+            <dgm:else name="Name15">
+              <dgm:alg type="lin">
+                <dgm:param type="linDir" val="fromT"/>
+                <dgm:param type="nodeHorzAlign" val="r"/>
+              </dgm:alg>
+            </dgm:else>
+          </dgm:choose>
+          <dgm:shape xmlns:r="http://schemas.openxmlformats.org/officeDocument/2006/relationships" r:blip="">
+            <dgm:adjLst/>
+          </dgm:shape>
+          <dgm:presOf/>
+          <dgm:forEach name="Name16" axis="ch" ptType="node">
+            <dgm:choose name="Name17">
+              <dgm:if name="Name18" axis="self" ptType="node" func="pos" op="equ" val="1">
+                <dgm:layoutNode name="vertSpace2a">
+                  <dgm:alg type="sp"/>
+                  <dgm:shape xmlns:r="http://schemas.openxmlformats.org/officeDocument/2006/relationships" r:blip="">
+                    <dgm:adjLst/>
+                  </dgm:shape>
+                  <dgm:presOf/>
+                </dgm:layoutNode>
+              </dgm:if>
+              <dgm:else name="Name19"/>
+            </dgm:choose>
+            <dgm:layoutNode name="horz2">
+              <dgm:choose name="Name20">
+                <dgm:if name="Name21" func="var" arg="dir" op="equ" val="norm">
+                  <dgm:alg type="lin">
+                    <dgm:param type="linDir" val="fromL"/>
+                    <dgm:param type="nodeVertAlign" val="t"/>
+                  </dgm:alg>
+                </dgm:if>
+                <dgm:else name="Name22">
+                  <dgm:alg type="lin">
+                    <dgm:param type="linDir" val="fromR"/>
+                    <dgm:param type="nodeVertAlign" val="t"/>
+                  </dgm:alg>
+                </dgm:else>
+              </dgm:choose>
+              <dgm:shape xmlns:r="http://schemas.openxmlformats.org/officeDocument/2006/relationships" r:blip="">
+                <dgm:adjLst/>
+              </dgm:shape>
+              <dgm:presOf/>
+              <dgm:layoutNode name="horzSpace2">
+                <dgm:alg type="sp"/>
+                <dgm:shape xmlns:r="http://schemas.openxmlformats.org/officeDocument/2006/relationships" r:blip="">
+                  <dgm:adjLst/>
+                </dgm:shape>
+                <dgm:presOf/>
+              </dgm:layoutNode>
+              <dgm:layoutNode name="tx2" styleLbl="revTx">
+                <dgm:alg type="tx">
+                  <dgm:param type="parTxLTRAlign" val="l"/>
+                  <dgm:param type="parTxRTLAlign" val="r"/>
+                  <dgm:param type="txAnchorVert" val="t"/>
+                </dgm:alg>
+                <dgm:shape xmlns:r="http://schemas.openxmlformats.org/officeDocument/2006/relationships" type="rect" r:blip="">
+                  <dgm:adjLst/>
+                </dgm:shape>
+                <dgm:presOf axis="self"/>
+                <dgm:constrLst>
+                  <dgm:constr type="tMarg" refType="primFontSz" fact="0.3"/>
+                  <dgm:constr type="bMarg" refType="primFontSz" fact="0.3"/>
+                  <dgm:constr type="lMarg" refType="primFontSz" fact="0.3"/>
+                  <dgm:constr type="rMarg" refType="primFontSz" fact="0.3"/>
+                </dgm:constrLst>
+                <dgm:ruleLst>
+                  <dgm:rule type="primFontSz" val="5" fact="NaN" max="NaN"/>
+                </dgm:ruleLst>
+              </dgm:layoutNode>
+              <dgm:layoutNode name="vert2">
+                <dgm:choose name="Name23">
+                  <dgm:if name="Name24" func="var" arg="dir" op="equ" val="norm">
+                    <dgm:alg type="lin">
+                      <dgm:param type="linDir" val="fromT"/>
+                      <dgm:param type="nodeHorzAlign" val="l"/>
+                    </dgm:alg>
+                  </dgm:if>
+                  <dgm:else name="Name25">
+                    <dgm:alg type="lin">
+                      <dgm:param type="linDir" val="fromT"/>
+                      <dgm:param type="nodeHorzAlign" val="r"/>
+                    </dgm:alg>
+                  </dgm:else>
+                </dgm:choose>
+                <dgm:shape xmlns:r="http://schemas.openxmlformats.org/officeDocument/2006/relationships" r:blip="">
+                  <dgm:adjLst/>
+                </dgm:shape>
+                <dgm:presOf/>
+                <dgm:forEach name="Name26" axis="ch" ptType="node">
+                  <dgm:layoutNode name="horz3">
+                    <dgm:choose name="Name27">
+                      <dgm:if name="Name28" func="var" arg="dir" op="equ" val="norm">
+                        <dgm:alg type="lin">
+                          <dgm:param type="linDir" val="fromL"/>
+                          <dgm:param type="nodeVertAlign" val="t"/>
+                        </dgm:alg>
+                      </dgm:if>
+                      <dgm:else name="Name29">
+                        <dgm:alg type="lin">
+                          <dgm:param type="linDir" val="fromR"/>
+                          <dgm:param type="nodeVertAlign" val="t"/>
+                        </dgm:alg>
+                      </dgm:else>
+                    </dgm:choose>
+                    <dgm:shape xmlns:r="http://schemas.openxmlformats.org/officeDocument/2006/relationships" r:blip="">
+                      <dgm:adjLst/>
+                    </dgm:shape>
+                    <dgm:presOf/>
+                    <dgm:layoutNode name="horzSpace3">
+                      <dgm:alg type="sp"/>
+                      <dgm:shape xmlns:r="http://schemas.openxmlformats.org/officeDocument/2006/relationships" r:blip="">
+                        <dgm:adjLst/>
+                      </dgm:shape>
+                      <dgm:presOf/>
+                    </dgm:layoutNode>
+                    <dgm:layoutNode name="tx3" styleLbl="revTx">
+                      <dgm:alg type="tx">
+                        <dgm:param type="parTxLTRAlign" val="l"/>
+                        <dgm:param type="parTxRTLAlign" val="r"/>
+                        <dgm:param type="txAnchorVert" val="t"/>
+                      </dgm:alg>
+                      <dgm:shape xmlns:r="http://schemas.openxmlformats.org/officeDocument/2006/relationships" type="rect" r:blip="">
+                        <dgm:adjLst/>
+                      </dgm:shape>
+                      <dgm:presOf axis="self"/>
+                      <dgm:constrLst>
+                        <dgm:constr type="tMarg" refType="primFontSz" fact="0.3"/>
+                        <dgm:constr type="bMarg" refType="primFontSz" fact="0.3"/>
+                        <dgm:constr type="lMarg" refType="primFontSz" fact="0.3"/>
+                        <dgm:constr type="rMarg" refType="primFontSz" fact="0.3"/>
+                      </dgm:constrLst>
+                      <dgm:ruleLst>
+                        <dgm:rule type="primFontSz" val="5" fact="NaN" max="NaN"/>
+                      </dgm:ruleLst>
+                    </dgm:layoutNode>
+                    <dgm:layoutNode name="vert3">
+                      <dgm:choose name="Name30">
+                        <dgm:if name="Name31" func="var" arg="dir" op="equ" val="norm">
+                          <dgm:alg type="lin">
+                            <dgm:param type="linDir" val="fromT"/>
+                            <dgm:param type="nodeHorzAlign" val="l"/>
+                          </dgm:alg>
+                        </dgm:if>
+                        <dgm:else name="Name32">
+                          <dgm:alg type="lin">
+                            <dgm:param type="linDir" val="fromT"/>
+                            <dgm:param type="nodeHorzAlign" val="r"/>
+                          </dgm:alg>
+                        </dgm:else>
+                      </dgm:choose>
+                      <dgm:shape xmlns:r="http://schemas.openxmlformats.org/officeDocument/2006/relationships" r:blip="">
+                        <dgm:adjLst/>
+                      </dgm:shape>
+                      <dgm:presOf/>
+                      <dgm:forEach name="Name33" axis="ch" ptType="node">
+                        <dgm:layoutNode name="horz4">
+                          <dgm:choose name="Name34">
+                            <dgm:if name="Name35" func="var" arg="dir" op="equ" val="norm">
+                              <dgm:alg type="lin">
+                                <dgm:param type="linDir" val="fromL"/>
+                                <dgm:param type="nodeVertAlign" val="t"/>
+                              </dgm:alg>
+                            </dgm:if>
+                            <dgm:else name="Name36">
+                              <dgm:alg type="lin">
+                                <dgm:param type="linDir" val="fromR"/>
+                                <dgm:param type="nodeVertAlign" val="t"/>
+                              </dgm:alg>
+                            </dgm:else>
+                          </dgm:choose>
+                          <dgm:shape xmlns:r="http://schemas.openxmlformats.org/officeDocument/2006/relationships" r:blip="">
+                            <dgm:adjLst/>
+                          </dgm:shape>
+                          <dgm:presOf/>
+                          <dgm:layoutNode name="horzSpace4">
+                            <dgm:alg type="sp"/>
+                            <dgm:shape xmlns:r="http://schemas.openxmlformats.org/officeDocument/2006/relationships" r:blip="">
+                              <dgm:adjLst/>
+                            </dgm:shape>
+                            <dgm:presOf/>
+                          </dgm:layoutNode>
+                          <dgm:layoutNode name="tx4" styleLbl="revTx">
+                            <dgm:varLst>
+                              <dgm:bulletEnabled val="1"/>
+                            </dgm:varLst>
+                            <dgm:alg type="tx">
+                              <dgm:param type="parTxLTRAlign" val="l"/>
+                              <dgm:param type="parTxRTLAlign" val="r"/>
+                              <dgm:param type="txAnchorVert" val="t"/>
+                            </dgm:alg>
+                            <dgm:shape xmlns:r="http://schemas.openxmlformats.org/officeDocument/2006/relationships" type="rect" r:blip="">
+                              <dgm:adjLst/>
+                            </dgm:shape>
+                            <dgm:presOf axis="desOrSelf" ptType="node"/>
+                            <dgm:constrLst>
+                              <dgm:constr type="tMarg" refType="primFontSz" fact="0.3"/>
+                              <dgm:constr type="bMarg" refType="primFontSz" fact="0.3"/>
+                              <dgm:constr type="lMarg" refType="primFontSz" fact="0.3"/>
+                              <dgm:constr type="rMarg" refType="primFontSz" fact="0.3"/>
+                            </dgm:constrLst>
+                            <dgm:ruleLst>
+                              <dgm:rule type="primFontSz" val="5" fact="NaN" max="NaN"/>
+                            </dgm:ruleLst>
+                          </dgm:layoutNode>
+                        </dgm:layoutNode>
+                      </dgm:forEach>
+                    </dgm:layoutNode>
+                  </dgm:layoutNode>
+                  <dgm:forEach name="Name37" axis="followSib" ptType="sibTrans" cnt="1">
+                    <dgm:layoutNode name="thinLine3" styleLbl="callout">
+                      <dgm:alg type="sp"/>
+                      <dgm:shape xmlns:r="http://schemas.openxmlformats.org/officeDocument/2006/relationships" type="line" r:blip="">
+                        <dgm:adjLst/>
+                      </dgm:shape>
+                      <dgm:presOf/>
+                    </dgm:layoutNode>
+                  </dgm:forEach>
+                </dgm:forEach>
+              </dgm:layoutNode>
+            </dgm:layoutNode>
+            <dgm:layoutNode name="thinLine2b" styleLbl="callout">
+              <dgm:alg type="sp"/>
+              <dgm:shape xmlns:r="http://schemas.openxmlformats.org/officeDocument/2006/relationships" type="line" r:blip="">
+                <dgm:adjLst/>
+              </dgm:shape>
+              <dgm:presOf/>
+            </dgm:layoutNode>
+            <dgm:layoutNode name="vertSpace2b">
+              <dgm:alg type="sp"/>
+              <dgm:shape xmlns:r="http://schemas.openxmlformats.org/officeDocument/2006/relationships" r:blip="">
+                <dgm:adjLst/>
+              </dgm:shape>
+              <dgm:presOf/>
+            </dgm:layoutNode>
+          </dgm:forEach>
+        </dgm:layoutNode>
+      </dgm:layoutNode>
+    </dgm:forEach>
+  </dgm:layoutNode>
+</dgm:layoutDef>
+</file>
+
+<file path=ppt/diagrams/quickStyle1.xml><?xml version="1.0" encoding="utf-8"?>
+<dgm:styleDef xmlns:dgm="http://schemas.openxmlformats.org/drawingml/2006/diagram" xmlns:a="http://schemas.openxmlformats.org/drawingml/2006/main" uniqueId="urn:microsoft.com/office/officeart/2005/8/quickstyle/simple2">
+  <dgm:title val=""/>
+  <dgm:desc val=""/>
+  <dgm:catLst>
+    <dgm:cat type="simple" pri="10200"/>
+  </dgm:catLst>
+  <dgm:scene3d>
+    <a:camera prst="orthographicFront"/>
+    <a:lightRig rig="threePt" dir="t"/>
+  </dgm:scene3d>
+  <dgm:styleLbl name="node0">
+    <dgm:scene3d>
+      <a:camera prst="orthographicFront"/>
+      <a:lightRig rig="threePt" dir="t"/>
+    </dgm:scene3d>
+    <dgm:sp3d/>
+    <dgm:txPr/>
+    <dgm:style>
+      <a:lnRef idx="3">
+        <a:scrgbClr r="0" g="0" b="0"/>
+      </a:lnRef>
+      <a:fillRef idx="1">
+        <a:scrgbClr r="0" g="0" b="0"/>
+      </a:fillRef>
+      <a:effectRef idx="1">
+        <a:scrgbClr r="0" g="0" b="0"/>
+      </a:effectRef>
+      <a:fontRef idx="minor">
+        <a:schemeClr val="lt1"/>
+      </a:fontRef>
+    </dgm:style>
+  </dgm:styleLbl>
+  <dgm:styleLbl name="lnNode1">
+    <dgm:scene3d>
+      <a:camera prst="orthographicFront"/>
+      <a:lightRig rig="threePt" dir="t"/>
+    </dgm:scene3d>
+    <dgm:sp3d/>
+    <dgm:txPr/>
+    <dgm:style>
+      <a:lnRef idx="3">
+        <a:scrgbClr r="0" g="0" b="0"/>
+      </a:lnRef>
+      <a:fillRef idx="1">
+        <a:scrgbClr r="0" g="0" b="0"/>
+      </a:fillRef>
+      <a:effectRef idx="1">
+        <a:scrgbClr r="0" g="0" b="0"/>
+      </a:effectRef>
+      <a:fontRef idx="minor">
+        <a:schemeClr val="lt1"/>
+      </a:fontRef>
+    </dgm:style>
+  </dgm:styleLbl>
+  <dgm:styleLbl name="vennNode1">
+    <dgm:scene3d>
+      <a:camera prst="orthographicFront"/>
+      <a:lightRig rig="threePt" dir="t"/>
+    </dgm:scene3d>
+    <dgm:sp3d/>
+    <dgm:txPr/>
+    <dgm:style>
+      <a:lnRef idx="3">
+        <a:scrgbClr r="0" g="0" b="0"/>
+      </a:lnRef>
+      <a:fillRef idx="1">
+        <a:scrgbClr r="0" g="0" b="0"/>
+      </a:fillRef>
+      <a:effectRef idx="0">
+        <a:scrgbClr r="0" g="0" b="0"/>
+      </a:effectRef>
+      <a:fontRef idx="minor">
+        <a:schemeClr val="tx1"/>
+      </a:fontRef>
+    </dgm:style>
+  </dgm:styleLbl>
+  <dgm:styleLbl name="alignNode1">
+    <dgm:scene3d>
+      <a:camera prst="orthographicFront"/>
+      <a:lightRig rig="threePt" dir="t"/>
+    </dgm:scene3d>
+    <dgm:sp3d/>
+    <dgm:txPr/>
+    <dgm:style>
+      <a:lnRef idx="2">
+        <a:scrgbClr r="0" g="0" b="0"/>
+      </a:lnRef>
+      <a:fillRef idx="1">
+        <a:scrgbClr r="0" g="0" b="0"/>
+      </a:fillRef>
+      <a:effectRef idx="1">
+        <a:scrgbClr r="0" g="0" b="0"/>
+      </a:effectRef>
+      <a:fontRef idx="minor">
+        <a:schemeClr val="lt1"/>
+      </a:fontRef>
+    </dgm:style>
+  </dgm:styleLbl>
+  <dgm:styleLbl name="node1">
+    <dgm:scene3d>
+      <a:camera prst="orthographicFront"/>
+      <a:lightRig rig="threePt" dir="t"/>
+    </dgm:scene3d>
+    <dgm:sp3d/>
+    <dgm:txPr/>
+    <dgm:style>
+      <a:lnRef idx="3">
+        <a:scrgbClr r="0" g="0" b="0"/>
+      </a:lnRef>
+      <a:fillRef idx="1">
+        <a:scrgbClr r="0" g="0" b="0"/>
+      </a:fillRef>
+      <a:effectRef idx="1">
+        <a:scrgbClr r="0" g="0" b="0"/>
+      </a:effectRef>
+      <a:fontRef idx="minor">
+        <a:schemeClr val="lt1"/>
+      </a:fontRef>
+    </dgm:style>
+  </dgm:styleLbl>
+  <dgm:styleLbl name="node2">
+    <dgm:scene3d>
+      <a:camera prst="orthographicFront"/>
+      <a:lightRig rig="threePt" dir="t"/>
+    </dgm:scene3d>
+    <dgm:sp3d/>
+    <dgm:txPr/>
+    <dgm:style>
+      <a:lnRef idx="3">
+        <a:scrgbClr r="0" g="0" b="0"/>
+      </a:lnRef>
+      <a:fillRef idx="1">
+        <a:scrgbClr r="0" g="0" b="0"/>
+      </a:fillRef>
+      <a:effectRef idx="1">
+        <a:scrgbClr r="0" g="0" b="0"/>
+      </a:effectRef>
+      <a:fontRef idx="minor">
+        <a:schemeClr val="lt1"/>
+      </a:fontRef>
+    </dgm:style>
+  </dgm:styleLbl>
+  <dgm:styleLbl name="node3">
+    <dgm:scene3d>
+      <a:camera prst="orthographicFront"/>
+      <a:lightRig rig="threePt" dir="t"/>
+    </dgm:scene3d>
+    <dgm:sp3d/>
+    <dgm:txPr/>
+    <dgm:style>
+      <a:lnRef idx="3">
+        <a:scrgbClr r="0" g="0" b="0"/>
+      </a:lnRef>
+      <a:fillRef idx="1">
+        <a:scrgbClr r="0" g="0" b="0"/>
+      </a:fillRef>
+      <a:effectRef idx="1">
+        <a:scrgbClr r="0" g="0" b="0"/>
+      </a:effectRef>
+      <a:fontRef idx="minor">
+        <a:schemeClr val="lt1"/>
+      </a:fontRef>
+    </dgm:style>
+  </dgm:styleLbl>
+  <dgm:styleLbl name="node4">
+    <dgm:scene3d>
+      <a:camera prst="orthographicFront"/>
+      <a:lightRig rig="threePt" dir="t"/>
+    </dgm:scene3d>
+    <dgm:sp3d/>
+    <dgm:txPr/>
+    <dgm:style>
+      <a:lnRef idx="3">
+        <a:scrgbClr r="0" g="0" b="0"/>
+      </a:lnRef>
+      <a:fillRef idx="1">
+        <a:scrgbClr r="0" g="0" b="0"/>
+      </a:fillRef>
+      <a:effectRef idx="1">
+        <a:scrgbClr r="0" g="0" b="0"/>
+      </a:effectRef>
+      <a:fontRef idx="minor">
+        <a:schemeClr val="lt1"/>
+      </a:fontRef>
+    </dgm:style>
+  </dgm:styleLbl>
+  <dgm:styleLbl name="fgImgPlace1">
+    <dgm:scene3d>
+      <a:camera prst="orthographicFront"/>
+      <a:lightRig rig="threePt" dir="t"/>
+    </dgm:scene3d>
+    <dgm:sp3d/>
+    <dgm:txPr/>
+    <dgm:style>
+      <a:lnRef idx="3">
+        <a:scrgbClr r="0" g="0" b="0"/>
+      </a:lnRef>
+      <a:fillRef idx="1">
+        <a:scrgbClr r="0" g="0" b="0"/>
+      </a:fillRef>
+      <a:effectRef idx="1">
+        <a:scrgbClr r="0" g="0" b="0"/>
+      </a:effectRef>
+      <a:fontRef idx="minor"/>
+    </dgm:style>
+  </dgm:styleLbl>
+  <dgm:styleLbl name="alignImgPlace1">
+    <dgm:scene3d>
+      <a:camera prst="orthographicFront"/>
+      <a:lightRig rig="threePt" dir="t"/>
+    </dgm:scene3d>
+    <dgm:sp3d/>
+    <dgm:txPr/>
+    <dgm:style>
+      <a:lnRef idx="3">
+        <a:scrgbClr r="0" g="0" b="0"/>
+      </a:lnRef>
+      <a:fillRef idx="1">
+        <a:scrgbClr r="0" g="0" b="0"/>
+      </a:fillRef>
+      <a:effectRef idx="1">
+        <a:scrgbClr r="0" g="0" b="0"/>
+      </a:effectRef>
+      <a:fontRef idx="minor"/>
+    </dgm:style>
+  </dgm:styleLbl>
+  <dgm:styleLbl name="bgImgPlace1">
+    <dgm:scene3d>
+      <a:camera prst="orthographicFront"/>
+      <a:lightRig rig="threePt" dir="t"/>
+    </dgm:scene3d>
+    <dgm:sp3d/>
+    <dgm:txPr/>
+    <dgm:style>
+      <a:lnRef idx="3">
+        <a:scrgbClr r="0" g="0" b="0"/>
+      </a:lnRef>
+      <a:fillRef idx="1">
+        <a:scrgbClr r="0" g="0" b="0"/>
+      </a:fillRef>
+      <a:effectRef idx="1">
+        <a:scrgbClr r="0" g="0" b="0"/>
+      </a:effectRef>
+      <a:fontRef idx="minor"/>
+    </dgm:style>
+  </dgm:styleLbl>
+  <dgm:styleLbl name="sibTrans2D1">
+    <dgm:scene3d>
+      <a:camera prst="orthographicFront"/>
+      <a:lightRig rig="threePt" dir="t"/>
+    </dgm:scene3d>
+    <dgm:sp3d/>
+    <dgm:txPr/>
+    <dgm:style>
+      <a:lnRef idx="0">
+        <a:scrgbClr r="0" g="0" b="0"/>
+      </a:lnRef>
+      <a:fillRef idx="1">
+        <a:scrgbClr r="0" g="0" b="0"/>
+      </a:fillRef>
+      <a:effectRef idx="1">
+        <a:scrgbClr r="0" g="0" b="0"/>
+      </a:effectRef>
+      <a:fontRef idx="minor">
+        <a:schemeClr val="lt1"/>
+      </a:fontRef>
+    </dgm:style>
+  </dgm:styleLbl>
+  <dgm:styleLbl name="fgSibTrans2D1">
+    <dgm:scene3d>
+      <a:camera prst="orthographicFront"/>
+      <a:lightRig rig="threePt" dir="t"/>
+    </dgm:scene3d>
+    <dgm:sp3d/>
+    <dgm:txPr/>
+    <dgm:style>
+      <a:lnRef idx="0">
+        <a:scrgbClr r="0" g="0" b="0"/>
+      </a:lnRef>
+      <a:fillRef idx="1">
+        <a:scrgbClr r="0" g="0" b="0"/>
+      </a:fillRef>
+      <a:effectRef idx="1">
+        <a:scrgbClr r="0" g="0" b="0"/>
+      </a:effectRef>
+      <a:fontRef idx="minor">
+        <a:schemeClr val="lt1"/>
+      </a:fontRef>
+    </dgm:style>
+  </dgm:styleLbl>
+  <dgm:styleLbl name="bgSibTrans2D1">
+    <dgm:scene3d>
+      <a:camera prst="orthographicFront"/>
+      <a:lightRig rig="threePt" dir="t"/>
+    </dgm:scene3d>
+    <dgm:sp3d/>
+    <dgm:txPr/>
+    <dgm:style>
+      <a:lnRef idx="0">
+        <a:scrgbClr r="0" g="0" b="0"/>
+      </a:lnRef>
+      <a:fillRef idx="1">
+        <a:scrgbClr r="0" g="0" b="0"/>
+      </a:fillRef>
+      <a:effectRef idx="1">
+        <a:scrgbClr r="0" g="0" b="0"/>
+      </a:effectRef>
+      <a:fontRef idx="minor">
+        <a:schemeClr val="lt1"/>
+      </a:fontRef>
+    </dgm:style>
+  </dgm:styleLbl>
+  <dgm:styleLbl name="sibTrans1D1">
+    <dgm:scene3d>
+      <a:camera prst="orthographicFront"/>
+      <a:lightRig rig="threePt" dir="t"/>
+    </dgm:scene3d>
+    <dgm:sp3d/>
+    <dgm:txPr/>
+    <dgm:style>
+      <a:lnRef idx="1">
+        <a:scrgbClr r="0" g="0" b="0"/>
+      </a:lnRef>
+      <a:fillRef idx="0">
+        <a:scrgbClr r="0" g="0" b="0"/>
+      </a:fillRef>
+      <a:effectRef idx="0">
+        <a:scrgbClr r="0" g="0" b="0"/>
+      </a:effectRef>
+      <a:fontRef idx="minor"/>
+    </dgm:style>
+  </dgm:styleLbl>
+  <dgm:styleLbl name="callout">
+    <dgm:scene3d>
+      <a:camera prst="orthographicFront"/>
+      <a:lightRig rig="threePt" dir="t"/>
+    </dgm:scene3d>
+    <dgm:sp3d/>
+    <dgm:txPr/>
+    <dgm:style>
+      <a:lnRef idx="2">
+        <a:scrgbClr r="0" g="0" b="0"/>
+      </a:lnRef>
+      <a:fillRef idx="1">
+        <a:scrgbClr r="0" g="0" b="0"/>
+      </a:fillRef>
+      <a:effectRef idx="1">
+        <a:scrgbClr r="0" g="0" b="0"/>
+      </a:effectRef>
+      <a:fontRef idx="minor"/>
+    </dgm:style>
+  </dgm:styleLbl>
+  <dgm:styleLbl name="asst0">
+    <dgm:scene3d>
+      <a:camera prst="orthographicFront"/>
+      <a:lightRig rig="threePt" dir="t"/>
+    </dgm:scene3d>
+    <dgm:sp3d/>
+    <dgm:txPr/>
+    <dgm:style>
+      <a:lnRef idx="3">
+        <a:scrgbClr r="0" g="0" b="0"/>
+      </a:lnRef>
+      <a:fillRef idx="1">
+        <a:scrgbClr r="0" g="0" b="0"/>
+      </a:fillRef>
+      <a:effectRef idx="1">
+        <a:scrgbClr r="0" g="0" b="0"/>
+      </a:effectRef>
+      <a:fontRef idx="minor">
+        <a:schemeClr val="lt1"/>
+      </a:fontRef>
+    </dgm:style>
+  </dgm:styleLbl>
+  <dgm:styleLbl name="asst1">
+    <dgm:scene3d>
+      <a:camera prst="orthographicFront"/>
+      <a:lightRig rig="threePt" dir="t"/>
+    </dgm:scene3d>
+    <dgm:sp3d/>
+    <dgm:txPr/>
+    <dgm:style>
+      <a:lnRef idx="3">
+        <a:scrgbClr r="0" g="0" b="0"/>
+      </a:lnRef>
+      <a:fillRef idx="1">
+        <a:scrgbClr r="0" g="0" b="0"/>
+      </a:fillRef>
+      <a:effectRef idx="1">
+        <a:scrgbClr r="0" g="0" b="0"/>
+      </a:effectRef>
+      <a:fontRef idx="minor">
+        <a:schemeClr val="lt1"/>
+      </a:fontRef>
+    </dgm:style>
+  </dgm:styleLbl>
+  <dgm:styleLbl name="asst2">
+    <dgm:scene3d>
+      <a:camera prst="orthographicFront"/>
+      <a:lightRig rig="threePt" dir="t"/>
+    </dgm:scene3d>
+    <dgm:sp3d/>
+    <dgm:txPr/>
+    <dgm:style>
+      <a:lnRef idx="3">
+        <a:scrgbClr r="0" g="0" b="0"/>
+      </a:lnRef>
+      <a:fillRef idx="1">
+        <a:scrgbClr r="0" g="0" b="0"/>
+      </a:fillRef>
+      <a:effectRef idx="1">
+        <a:scrgbClr r="0" g="0" b="0"/>
+      </a:effectRef>
+      <a:fontRef idx="minor">
+        <a:schemeClr val="lt1"/>
+      </a:fontRef>
+    </dgm:style>
+  </dgm:styleLbl>
+  <dgm:styleLbl name="asst3">
+    <dgm:scene3d>
+      <a:camera prst="orthographicFront"/>
+      <a:lightRig rig="threePt" dir="t"/>
+    </dgm:scene3d>
+    <dgm:sp3d/>
+    <dgm:txPr/>
+    <dgm:style>
+      <a:lnRef idx="3">
+        <a:scrgbClr r="0" g="0" b="0"/>
+      </a:lnRef>
+      <a:fillRef idx="1">
+        <a:scrgbClr r="0" g="0" b="0"/>
+      </a:fillRef>
+      <a:effectRef idx="1">
+        <a:scrgbClr r="0" g="0" b="0"/>
+      </a:effectRef>
+      <a:fontRef idx="minor">
+        <a:schemeClr val="lt1"/>
+      </a:fontRef>
+    </dgm:style>
+  </dgm:styleLbl>
+  <dgm:styleLbl name="asst4">
+    <dgm:scene3d>
+      <a:camera prst="orthographicFront"/>
+      <a:lightRig rig="threePt" dir="t"/>
+    </dgm:scene3d>
+    <dgm:sp3d/>
+    <dgm:txPr/>
+    <dgm:style>
+      <a:lnRef idx="3">
+        <a:scrgbClr r="0" g="0" b="0"/>
+      </a:lnRef>
+      <a:fillRef idx="1">
+        <a:scrgbClr r="0" g="0" b="0"/>
+      </a:fillRef>
+      <a:effectRef idx="1">
+        <a:scrgbClr r="0" g="0" b="0"/>
+      </a:effectRef>
+      <a:fontRef idx="minor">
+        <a:schemeClr val="lt1"/>
+      </a:fontRef>
+    </dgm:style>
+  </dgm:styleLbl>
+  <dgm:styleLbl name="parChTrans2D1">
+    <dgm:scene3d>
+      <a:camera prst="orthographicFront"/>
+      <a:lightRig rig="threePt" dir="t"/>
+    </dgm:scene3d>
+    <dgm:sp3d/>
+    <dgm:txPr/>
+    <dgm:style>
+      <a:lnRef idx="3">
+        <a:scrgbClr r="0" g="0" b="0"/>
+      </a:lnRef>
+      <a:fillRef idx="1">
+        <a:scrgbClr r="0" g="0" b="0"/>
+      </a:fillRef>
+      <a:effectRef idx="1">
+        <a:scrgbClr r="0" g="0" b="0"/>
+      </a:effectRef>
+      <a:fontRef idx="minor">
+        <a:schemeClr val="lt1"/>
+      </a:fontRef>
+    </dgm:style>
+  </dgm:styleLbl>
+  <dgm:styleLbl name="parChTrans2D2">
+    <dgm:scene3d>
+      <a:camera prst="orthographicFront"/>
+      <a:lightRig rig="threePt" dir="t"/>
+    </dgm:scene3d>
+    <dgm:sp3d/>
+    <dgm:txPr/>
+    <dgm:style>
+      <a:lnRef idx="3">
+        <a:scrgbClr r="0" g="0" b="0"/>
+      </a:lnRef>
+      <a:fillRef idx="1">
+        <a:scrgbClr r="0" g="0" b="0"/>
+      </a:fillRef>
+      <a:effectRef idx="1">
+        <a:scrgbClr r="0" g="0" b="0"/>
+      </a:effectRef>
+      <a:fontRef idx="minor">
+        <a:schemeClr val="lt1"/>
+      </a:fontRef>
+    </dgm:style>
+  </dgm:styleLbl>
+  <dgm:styleLbl name="parChTrans2D3">
+    <dgm:scene3d>
+      <a:camera prst="orthographicFront"/>
+      <a:lightRig rig="threePt" dir="t"/>
+    </dgm:scene3d>
+    <dgm:sp3d/>
+    <dgm:txPr/>
+    <dgm:style>
+      <a:lnRef idx="3">
+        <a:scrgbClr r="0" g="0" b="0"/>
+      </a:lnRef>
+      <a:fillRef idx="1">
+        <a:scrgbClr r="0" g="0" b="0"/>
+      </a:fillRef>
+      <a:effectRef idx="1">
+        <a:scrgbClr r="0" g="0" b="0"/>
+      </a:effectRef>
+      <a:fontRef idx="minor">
+        <a:schemeClr val="lt1"/>
+      </a:fontRef>
+    </dgm:style>
+  </dgm:styleLbl>
+  <dgm:styleLbl name="parChTrans2D4">
+    <dgm:scene3d>
+      <a:camera prst="orthographicFront"/>
+      <a:lightRig rig="threePt" dir="t"/>
+    </dgm:scene3d>
+    <dgm:sp3d/>
+    <dgm:txPr/>
+    <dgm:style>
+      <a:lnRef idx="3">
+        <a:scrgbClr r="0" g="0" b="0"/>
+      </a:lnRef>
+      <a:fillRef idx="1">
+        <a:scrgbClr r="0" g="0" b="0"/>
+      </a:fillRef>
+      <a:effectRef idx="1">
+        <a:scrgbClr r="0" g="0" b="0"/>
+      </a:effectRef>
+      <a:fontRef idx="minor">
+        <a:schemeClr val="lt1"/>
+      </a:fontRef>
+    </dgm:style>
+  </dgm:styleLbl>
+  <dgm:styleLbl name="parChTrans1D1">
+    <dgm:scene3d>
+      <a:camera prst="orthographicFront"/>
+      <a:lightRig rig="threePt" dir="t"/>
+    </dgm:scene3d>
+    <dgm:sp3d/>
+    <dgm:txPr/>
+    <dgm:style>
+      <a:lnRef idx="2">
+        <a:scrgbClr r="0" g="0" b="0"/>
+      </a:lnRef>
+      <a:fillRef idx="0">
+        <a:scrgbClr r="0" g="0" b="0"/>
+      </a:fillRef>
+      <a:effectRef idx="0">
+        <a:scrgbClr r="0" g="0" b="0"/>
+      </a:effectRef>
+      <a:fontRef idx="minor"/>
+    </dgm:style>
+  </dgm:styleLbl>
+  <dgm:styleLbl name="parChTrans1D2">
+    <dgm:scene3d>
+      <a:camera prst="orthographicFront"/>
+      <a:lightRig rig="threePt" dir="t"/>
+    </dgm:scene3d>
+    <dgm:sp3d/>
+    <dgm:txPr/>
+    <dgm:style>
+      <a:lnRef idx="2">
+        <a:scrgbClr r="0" g="0" b="0"/>
+      </a:lnRef>
+      <a:fillRef idx="0">
+        <a:scrgbClr r="0" g="0" b="0"/>
+      </a:fillRef>
+      <a:effectRef idx="0">
+        <a:scrgbClr r="0" g="0" b="0"/>
+      </a:effectRef>
+      <a:fontRef idx="minor"/>
+    </dgm:style>
+  </dgm:styleLbl>
+  <dgm:styleLbl name="parChTrans1D3">
+    <dgm:scene3d>
+      <a:camera prst="orthographicFront"/>
+      <a:lightRig rig="threePt" dir="t"/>
+    </dgm:scene3d>
+    <dgm:sp3d/>
+    <dgm:txPr/>
+    <dgm:style>
+      <a:lnRef idx="2">
+        <a:scrgbClr r="0" g="0" b="0"/>
+      </a:lnRef>
+      <a:fillRef idx="0">
+        <a:scrgbClr r="0" g="0" b="0"/>
+      </a:fillRef>
+      <a:effectRef idx="0">
+        <a:scrgbClr r="0" g="0" b="0"/>
+      </a:effectRef>
+      <a:fontRef idx="minor"/>
+    </dgm:style>
+  </dgm:styleLbl>
+  <dgm:styleLbl name="parChTrans1D4">
+    <dgm:scene3d>
+      <a:camera prst="orthographicFront"/>
+      <a:lightRig rig="threePt" dir="t"/>
+    </dgm:scene3d>
+    <dgm:sp3d/>
+    <dgm:txPr/>
+    <dgm:style>
+      <a:lnRef idx="2">
+        <a:scrgbClr r="0" g="0" b="0"/>
+      </a:lnRef>
+      <a:fillRef idx="0">
+        <a:scrgbClr r="0" g="0" b="0"/>
+      </a:fillRef>
+      <a:effectRef idx="0">
+        <a:scrgbClr r="0" g="0" b="0"/>
+      </a:effectRef>
+      <a:fontRef idx="minor"/>
+    </dgm:style>
+  </dgm:styleLbl>
+  <dgm:styleLbl name="fgAcc1">
+    <dgm:scene3d>
+      <a:camera prst="orthographicFront"/>
+      <a:lightRig rig="threePt" dir="t"/>
+    </dgm:scene3d>
+    <dgm:sp3d/>
+    <dgm:txPr/>
+    <dgm:style>
+      <a:lnRef idx="2">
+        <a:scrgbClr r="0" g="0" b="0"/>
+      </a:lnRef>
+      <a:fillRef idx="1">
+        <a:scrgbClr r="0" g="0" b="0"/>
+      </a:fillRef>
+      <a:effectRef idx="0">
+        <a:scrgbClr r="0" g="0" b="0"/>
+      </a:effectRef>
+      <a:fontRef idx="minor"/>
+    </dgm:style>
+  </dgm:styleLbl>
+  <dgm:styleLbl name="conFgAcc1">
+    <dgm:scene3d>
+      <a:camera prst="orthographicFront"/>
+      <a:lightRig rig="threePt" dir="t"/>
+    </dgm:scene3d>
+    <dgm:sp3d/>
+    <dgm:txPr/>
+    <dgm:style>
+      <a:lnRef idx="2">
+        <a:scrgbClr r="0" g="0" b="0"/>
+      </a:lnRef>
+      <a:fillRef idx="1">
+        <a:scrgbClr r="0" g="0" b="0"/>
+      </a:fillRef>
+      <a:effectRef idx="0">
+        <a:scrgbClr r="0" g="0" b="0"/>
+      </a:effectRef>
+      <a:fontRef idx="minor"/>
+    </dgm:style>
+  </dgm:styleLbl>
+  <dgm:styleLbl name="alignAcc1">
+    <dgm:scene3d>
+      <a:camera prst="orthographicFront"/>
+      <a:lightRig rig="threePt" dir="t"/>
+    </dgm:scene3d>
+    <dgm:sp3d/>
+    <dgm:txPr/>
+    <dgm:style>
+      <a:lnRef idx="2">
+        <a:scrgbClr r="0" g="0" b="0"/>
+      </a:lnRef>
+      <a:fillRef idx="1">
+        <a:scrgbClr r="0" g="0" b="0"/>
+      </a:fillRef>
+      <a:effectRef idx="0">
+        <a:scrgbClr r="0" g="0" b="0"/>
+      </a:effectRef>
+      <a:fontRef idx="minor"/>
+    </dgm:style>
+  </dgm:styleLbl>
+  <dgm:styleLbl name="trAlignAcc1">
+    <dgm:scene3d>
+      <a:camera prst="orthographicFront"/>
+      <a:lightRig rig="threePt" dir="t"/>
+    </dgm:scene3d>
+    <dgm:sp3d/>
+    <dgm:txPr/>
+    <dgm:style>
+      <a:lnRef idx="1">
+        <a:scrgbClr r="0" g="0" b="0"/>
+      </a:lnRef>
+      <a:fillRef idx="1">
+        <a:scrgbClr r="0" g="0" b="0"/>
+      </a:fillRef>
+      <a:effectRef idx="0">
+        <a:scrgbClr r="0" g="0" b="0"/>
+      </a:effectRef>
+      <a:fontRef idx="minor"/>
+    </dgm:style>
+  </dgm:styleLbl>
+  <dgm:styleLbl name="bgAcc1">
+    <dgm:scene3d>
+      <a:camera prst="orthographicFront"/>
+      <a:lightRig rig="threePt" dir="t"/>
+    </dgm:scene3d>
+    <dgm:sp3d/>
+    <dgm:txPr/>
+    <dgm:style>
+      <a:lnRef idx="2">
+        <a:scrgbClr r="0" g="0" b="0"/>
+      </a:lnRef>
+      <a:fillRef idx="1">
+        <a:scrgbClr r="0" g="0" b="0"/>
+      </a:fillRef>
+      <a:effectRef idx="0">
+        <a:scrgbClr r="0" g="0" b="0"/>
+      </a:effectRef>
+      <a:fontRef idx="minor"/>
+    </dgm:style>
+  </dgm:styleLbl>
+  <dgm:styleLbl name="solidFgAcc1">
+    <dgm:scene3d>
+      <a:camera prst="orthographicFront"/>
+      <a:lightRig rig="threePt" dir="t"/>
+    </dgm:scene3d>
+    <dgm:sp3d/>
+    <dgm:txPr/>
+    <dgm:style>
+      <a:lnRef idx="2">
+        <a:scrgbClr r="0" g="0" b="0"/>
+      </a:lnRef>
+      <a:fillRef idx="1">
+        <a:scrgbClr r="0" g="0" b="0"/>
+      </a:fillRef>
+      <a:effectRef idx="0">
+        <a:scrgbClr r="0" g="0" b="0"/>
+      </a:effectRef>
+      <a:fontRef idx="minor"/>
+    </dgm:style>
+  </dgm:styleLbl>
+  <dgm:styleLbl name="solidAlignAcc1">
+    <dgm:scene3d>
+      <a:camera prst="orthographicFront"/>
+      <a:lightRig rig="threePt" dir="t"/>
+    </dgm:scene3d>
+    <dgm:sp3d/>
+    <dgm:txPr/>
+    <dgm:style>
+      <a:lnRef idx="2">
+        <a:scrgbClr r="0" g="0" b="0"/>
+      </a:lnRef>
+      <a:fillRef idx="1">
+        <a:scrgbClr r="0" g="0" b="0"/>
+      </a:fillRef>
+      <a:effectRef idx="0">
+        <a:scrgbClr r="0" g="0" b="0"/>
+      </a:effectRef>
+      <a:fontRef idx="minor"/>
+    </dgm:style>
+  </dgm:styleLbl>
+  <dgm:styleLbl name="solidBgAcc1">
+    <dgm:scene3d>
+      <a:camera prst="orthographicFront"/>
+      <a:lightRig rig="threePt" dir="t"/>
+    </dgm:scene3d>
+    <dgm:sp3d/>
+    <dgm:txPr/>
+    <dgm:style>
+      <a:lnRef idx="2">
+        <a:scrgbClr r="0" g="0" b="0"/>
+      </a:lnRef>
+      <a:fillRef idx="1">
+        <a:scrgbClr r="0" g="0" b="0"/>
+      </a:fillRef>
+      <a:effectRef idx="0">
+        <a:scrgbClr r="0" g="0" b="0"/>
+      </a:effectRef>
+      <a:fontRef idx="minor"/>
+    </dgm:style>
+  </dgm:styleLbl>
+  <dgm:styleLbl name="fgAccFollowNode1">
+    <dgm:scene3d>
+      <a:camera prst="orthographicFront"/>
+      <a:lightRig rig="threePt" dir="t"/>
+    </dgm:scene3d>
+    <dgm:sp3d/>
+    <dgm:txPr/>
+    <dgm:style>
+      <a:lnRef idx="2">
+        <a:scrgbClr r="0" g="0" b="0"/>
+      </a:lnRef>
+      <a:fillRef idx="1">
+        <a:scrgbClr r="0" g="0" b="0"/>
+      </a:fillRef>
+      <a:effectRef idx="0">
+        <a:scrgbClr r="0" g="0" b="0"/>
+      </a:effectRef>
+      <a:fontRef idx="minor"/>
+    </dgm:style>
+  </dgm:styleLbl>
+  <dgm:styleLbl name="alignAccFollowNode1">
+    <dgm:scene3d>
+      <a:camera prst="orthographicFront"/>
+      <a:lightRig rig="threePt" dir="t"/>
+    </dgm:scene3d>
+    <dgm:sp3d/>
+    <dgm:txPr/>
+    <dgm:style>
+      <a:lnRef idx="2">
+        <a:scrgbClr r="0" g="0" b="0"/>
+      </a:lnRef>
+      <a:fillRef idx="1">
+        <a:scrgbClr r="0" g="0" b="0"/>
+      </a:fillRef>
+      <a:effectRef idx="0">
+        <a:scrgbClr r="0" g="0" b="0"/>
+      </a:effectRef>
+      <a:fontRef idx="minor"/>
+    </dgm:style>
+  </dgm:styleLbl>
+  <dgm:styleLbl name="bgAccFollowNode1">
+    <dgm:scene3d>
+      <a:camera prst="orthographicFront"/>
+      <a:lightRig rig="threePt" dir="t"/>
+    </dgm:scene3d>
+    <dgm:sp3d/>
+    <dgm:txPr/>
+    <dgm:style>
+      <a:lnRef idx="2">
+        <a:scrgbClr r="0" g="0" b="0"/>
+      </a:lnRef>
+      <a:fillRef idx="1">
+        <a:scrgbClr r="0" g="0" b="0"/>
+      </a:fillRef>
+      <a:effectRef idx="0">
+        <a:scrgbClr r="0" g="0" b="0"/>
+      </a:effectRef>
+      <a:fontRef idx="minor"/>
+    </dgm:style>
+  </dgm:styleLbl>
+  <dgm:styleLbl name="fgAcc0">
+    <dgm:scene3d>
+      <a:camera prst="orthographicFront"/>
+      <a:lightRig rig="threePt" dir="t"/>
+    </dgm:scene3d>
+    <dgm:sp3d/>
+    <dgm:txPr/>
+    <dgm:style>
+      <a:lnRef idx="2">
+        <a:scrgbClr r="0" g="0" b="0"/>
+      </a:lnRef>
+      <a:fillRef idx="1">
+        <a:scrgbClr r="0" g="0" b="0"/>
+      </a:fillRef>
+      <a:effectRef idx="0">
+        <a:scrgbClr r="0" g="0" b="0"/>
+      </a:effectRef>
+      <a:fontRef idx="minor"/>
+    </dgm:style>
+  </dgm:styleLbl>
+  <dgm:styleLbl name="fgAcc2">
+    <dgm:scene3d>
+      <a:camera prst="orthographicFront"/>
+      <a:lightRig rig="threePt" dir="t"/>
+    </dgm:scene3d>
+    <dgm:sp3d/>
+    <dgm:txPr/>
+    <dgm:style>
+      <a:lnRef idx="2">
+        <a:scrgbClr r="0" g="0" b="0"/>
+      </a:lnRef>
+      <a:fillRef idx="1">
+        <a:scrgbClr r="0" g="0" b="0"/>
+      </a:fillRef>
+      <a:effectRef idx="0">
+        <a:scrgbClr r="0" g="0" b="0"/>
+      </a:effectRef>
+      <a:fontRef idx="minor"/>
+    </dgm:style>
+  </dgm:styleLbl>
+  <dgm:styleLbl name="fgAcc3">
+    <dgm:scene3d>
+      <a:camera prst="orthographicFront"/>
+      <a:lightRig rig="threePt" dir="t"/>
+    </dgm:scene3d>
+    <dgm:sp3d/>
+    <dgm:txPr/>
+    <dgm:style>
+      <a:lnRef idx="2">
+        <a:scrgbClr r="0" g="0" b="0"/>
+      </a:lnRef>
+      <a:fillRef idx="1">
+        <a:scrgbClr r="0" g="0" b="0"/>
+      </a:fillRef>
+      <a:effectRef idx="0">
+        <a:scrgbClr r="0" g="0" b="0"/>
+      </a:effectRef>
+      <a:fontRef idx="minor"/>
+    </dgm:style>
+  </dgm:styleLbl>
+  <dgm:styleLbl name="fgAcc4">
+    <dgm:scene3d>
+      <a:camera prst="orthographicFront"/>
+      <a:lightRig rig="threePt" dir="t"/>
+    </dgm:scene3d>
+    <dgm:sp3d/>
+    <dgm:txPr/>
+    <dgm:style>
+      <a:lnRef idx="2">
+        <a:scrgbClr r="0" g="0" b="0"/>
+      </a:lnRef>
+      <a:fillRef idx="1">
+        <a:scrgbClr r="0" g="0" b="0"/>
+      </a:fillRef>
+      <a:effectRef idx="0">
+        <a:scrgbClr r="0" g="0" b="0"/>
+      </a:effectRef>
+      <a:fontRef idx="minor"/>
+    </dgm:style>
+  </dgm:styleLbl>
+  <dgm:styleLbl name="bgShp">
+    <dgm:scene3d>
+      <a:camera prst="orthographicFront"/>
+      <a:lightRig rig="threePt" dir="t"/>
+    </dgm:scene3d>
+    <dgm:sp3d/>
+    <dgm:txPr/>
+    <dgm:style>
+      <a:lnRef idx="0">
+        <a:scrgbClr r="0" g="0" b="0"/>
+      </a:lnRef>
+      <a:fillRef idx="1">
+        <a:scrgbClr r="0" g="0" b="0"/>
+      </a:fillRef>
+      <a:effectRef idx="0">
+        <a:scrgbClr r="0" g="0" b="0"/>
+      </a:effectRef>
+      <a:fontRef idx="minor"/>
+    </dgm:style>
+  </dgm:styleLbl>
+  <dgm:styleLbl name="dkBgShp">
+    <dgm:scene3d>
+      <a:camera prst="orthographicFront"/>
+      <a:lightRig rig="threePt" dir="t"/>
+    </dgm:scene3d>
+    <dgm:sp3d/>
+    <dgm:txPr/>
+    <dgm:style>
+      <a:lnRef idx="0">
+        <a:scrgbClr r="0" g="0" b="0"/>
+      </a:lnRef>
+      <a:fillRef idx="1">
+        <a:scrgbClr r="0" g="0" b="0"/>
+      </a:fillRef>
+      <a:effectRef idx="0">
+        <a:scrgbClr r="0" g="0" b="0"/>
+      </a:effectRef>
+      <a:fontRef idx="minor"/>
+    </dgm:style>
+  </dgm:styleLbl>
+  <dgm:styleLbl name="trBgShp">
+    <dgm:scene3d>
+      <a:camera prst="orthographicFront"/>
+      <a:lightRig rig="threePt" dir="t"/>
+    </dgm:scene3d>
+    <dgm:sp3d/>
+    <dgm:txPr/>
+    <dgm:style>
+      <a:lnRef idx="0">
+        <a:scrgbClr r="0" g="0" b="0"/>
+      </a:lnRef>
+      <a:fillRef idx="1">
+        <a:scrgbClr r="0" g="0" b="0"/>
+      </a:fillRef>
+      <a:effectRef idx="0">
+        <a:scrgbClr r="0" g="0" b="0"/>
+      </a:effectRef>
+      <a:fontRef idx="minor"/>
+    </dgm:style>
+  </dgm:styleLbl>
+  <dgm:styleLbl name="fgShp">
+    <dgm:scene3d>
+      <a:camera prst="orthographicFront"/>
+      <a:lightRig rig="threePt" dir="t"/>
+    </dgm:scene3d>
+    <dgm:sp3d/>
+    <dgm:txPr/>
+    <dgm:style>
+      <a:lnRef idx="3">
+        <a:scrgbClr r="0" g="0" b="0"/>
+      </a:lnRef>
+      <a:fillRef idx="1">
+        <a:scrgbClr r="0" g="0" b="0"/>
+      </a:fillRef>
+      <a:effectRef idx="1">
+        <a:scrgbClr r="0" g="0" b="0"/>
+      </a:effectRef>
+      <a:fontRef idx="minor"/>
+    </dgm:style>
+  </dgm:styleLbl>
+  <dgm:styleLbl name="revTx">
+    <dgm:scene3d>
+      <a:camera prst="orthographicFront"/>
+      <a:lightRig rig="threePt" dir="t"/>
+    </dgm:scene3d>
+    <dgm:sp3d/>
+    <dgm:txPr/>
+    <dgm:style>
+      <a:lnRef idx="0">
+        <a:scrgbClr r="0" g="0" b="0"/>
+      </a:lnRef>
+      <a:fillRef idx="0">
+        <a:scrgbClr r="0" g="0" b="0"/>
+      </a:fillRef>
+      <a:effectRef idx="0">
+        <a:scrgbClr r="0" g="0" b="0"/>
+      </a:effectRef>
+      <a:fontRef idx="minor"/>
+    </dgm:style>
+  </dgm:styleLbl>
+</dgm:styleDef>
+</file>
+
+<file path=ppt/notesMasters/notesMaster1.xml><?xml version="1.0" encoding="utf-8"?>
+<p:notesMaster xmlns:a="http://schemas.openxmlformats.org/drawingml/2006/main" xmlns:r="http://schemas.openxmlformats.org/officeDocument/2006/relationships" xmlns:p="http://schemas.openxmlformats.org/presentationml/2006/main">
+  <p:cSld>
+    <p:bg>
+      <p:bgRef idx="1001">
+        <a:schemeClr val="bg1"/>
+      </p:bgRef>
+    </p:bg>
+    <p:spTree>
+      <p:nvGrpSpPr>
+        <p:cNvPr id="1" name=""/>
+        <p:cNvGrpSpPr/>
+        <p:nvPr/>
+      </p:nvGrpSpPr>
+      <p:grpSpPr>
+        <a:xfrm>
+          <a:off x="0" y="0"/>
+          <a:ext cx="0" cy="0"/>
+          <a:chOff x="0" y="0"/>
+          <a:chExt cx="0" cy="0"/>
+        </a:xfrm>
+      </p:grpSpPr>
+      <p:sp>
+        <p:nvSpPr>
+          <p:cNvPr id="2" name="Header Placeholder 1"/>
+          <p:cNvSpPr>
+            <a:spLocks noGrp="1"/>
+          </p:cNvSpPr>
+          <p:nvPr>
+            <p:ph type="hdr" sz="quarter"/>
+          </p:nvPr>
+        </p:nvSpPr>
+        <p:spPr>
+          <a:xfrm>
+            <a:off x="0" y="0"/>
+            <a:ext cx="2971800" cy="458788"/>
+          </a:xfrm>
+          <a:prstGeom prst="rect">
+            <a:avLst/>
+          </a:prstGeom>
+        </p:spPr>
+        <p:txBody>
+          <a:bodyPr vert="horz" lIns="91440" tIns="45720" rIns="91440" bIns="45720" rtlCol="0"/>
+          <a:lstStyle>
+            <a:lvl1pPr algn="l">
+              <a:defRPr sz="1200"/>
+            </a:lvl1pPr>
+          </a:lstStyle>
+          <a:p>
+            <a:endParaRPr lang="en-US"/>
+          </a:p>
+        </p:txBody>
+      </p:sp>
+      <p:sp>
+        <p:nvSpPr>
+          <p:cNvPr id="3" name="Date Placeholder 2"/>
+          <p:cNvSpPr>
+            <a:spLocks noGrp="1"/>
+          </p:cNvSpPr>
+          <p:nvPr>
+            <p:ph type="dt" idx="1"/>
+          </p:nvPr>
+        </p:nvSpPr>
+        <p:spPr>
+          <a:xfrm>
+            <a:off x="3884613" y="0"/>
+            <a:ext cx="2971800" cy="458788"/>
+          </a:xfrm>
+          <a:prstGeom prst="rect">
+            <a:avLst/>
+          </a:prstGeom>
+        </p:spPr>
+        <p:txBody>
+          <a:bodyPr vert="horz" lIns="91440" tIns="45720" rIns="91440" bIns="45720" rtlCol="0"/>
+          <a:lstStyle>
+            <a:lvl1pPr algn="r">
+              <a:defRPr sz="1200"/>
+            </a:lvl1pPr>
+          </a:lstStyle>
+          <a:p>
+            <a:fld id="{C5418C18-EFF3-498D-A375-91324B3BC0CB}" type="datetimeFigureOut">
+              <a:rPr lang="en-US" smtClean="0"/>
+              <a:t>9/13/2020</a:t>
+            </a:fld>
+            <a:endParaRPr lang="en-US"/>
+          </a:p>
+        </p:txBody>
+      </p:sp>
+      <p:sp>
+        <p:nvSpPr>
+          <p:cNvPr id="4" name="Slide Image Placeholder 3"/>
+          <p:cNvSpPr>
+            <a:spLocks noGrp="1" noRot="1" noChangeAspect="1"/>
+          </p:cNvSpPr>
+          <p:nvPr>
+            <p:ph type="sldImg" idx="2"/>
+          </p:nvPr>
+        </p:nvSpPr>
+        <p:spPr>
+          <a:xfrm>
+            <a:off x="685800" y="1143000"/>
+            <a:ext cx="5486400" cy="3086100"/>
+          </a:xfrm>
+          <a:prstGeom prst="rect">
+            <a:avLst/>
+          </a:prstGeom>
+          <a:noFill/>
+          <a:ln w="12700">
+            <a:solidFill>
+              <a:prstClr val="black"/>
+            </a:solidFill>
+          </a:ln>
+        </p:spPr>
+        <p:txBody>
+          <a:bodyPr vert="horz" lIns="91440" tIns="45720" rIns="91440" bIns="45720" rtlCol="0" anchor="ctr"/>
+          <a:lstStyle/>
+          <a:p>
+            <a:endParaRPr lang="en-US"/>
+          </a:p>
+        </p:txBody>
+      </p:sp>
+      <p:sp>
+        <p:nvSpPr>
+          <p:cNvPr id="5" name="Notes Placeholder 4"/>
+          <p:cNvSpPr>
+            <a:spLocks noGrp="1"/>
+          </p:cNvSpPr>
+          <p:nvPr>
+            <p:ph type="body" sz="quarter" idx="3"/>
+          </p:nvPr>
+        </p:nvSpPr>
+        <p:spPr>
+          <a:xfrm>
+            <a:off x="685800" y="4400550"/>
+            <a:ext cx="5486400" cy="3600450"/>
+          </a:xfrm>
+          <a:prstGeom prst="rect">
+            <a:avLst/>
+          </a:prstGeom>
+        </p:spPr>
+        <p:txBody>
+          <a:bodyPr vert="horz" lIns="91440" tIns="45720" rIns="91440" bIns="45720" rtlCol="0"/>
+          <a:lstStyle/>
+          <a:p>
+            <a:pPr lvl="0"/>
+            <a:r>
+              <a:rPr lang="en-US"/>
+              <a:t>Click to edit Master text styles</a:t>
+            </a:r>
+          </a:p>
+          <a:p>
+            <a:pPr lvl="1"/>
+            <a:r>
+              <a:rPr lang="en-US"/>
+              <a:t>Second level</a:t>
+            </a:r>
+          </a:p>
+          <a:p>
+            <a:pPr lvl="2"/>
+            <a:r>
+              <a:rPr lang="en-US"/>
+              <a:t>Third level</a:t>
+            </a:r>
+          </a:p>
+          <a:p>
+            <a:pPr lvl="3"/>
+            <a:r>
+              <a:rPr lang="en-US"/>
+              <a:t>Fourth level</a:t>
+            </a:r>
+          </a:p>
+          <a:p>
+            <a:pPr lvl="4"/>
+            <a:r>
+              <a:rPr lang="en-US"/>
+              <a:t>Fifth level</a:t>
+            </a:r>
+          </a:p>
+        </p:txBody>
+      </p:sp>
+      <p:sp>
+        <p:nvSpPr>
+          <p:cNvPr id="6" name="Footer Placeholder 5"/>
+          <p:cNvSpPr>
+            <a:spLocks noGrp="1"/>
+          </p:cNvSpPr>
+          <p:nvPr>
+            <p:ph type="ftr" sz="quarter" idx="4"/>
+          </p:nvPr>
+        </p:nvSpPr>
+        <p:spPr>
+          <a:xfrm>
+            <a:off x="0" y="8685213"/>
+            <a:ext cx="2971800" cy="458787"/>
+          </a:xfrm>
+          <a:prstGeom prst="rect">
+            <a:avLst/>
+          </a:prstGeom>
+        </p:spPr>
+        <p:txBody>
+          <a:bodyPr vert="horz" lIns="91440" tIns="45720" rIns="91440" bIns="45720" rtlCol="0" anchor="b"/>
+          <a:lstStyle>
+            <a:lvl1pPr algn="l">
+              <a:defRPr sz="1200"/>
+            </a:lvl1pPr>
+          </a:lstStyle>
+          <a:p>
+            <a:endParaRPr lang="en-US"/>
+          </a:p>
+        </p:txBody>
+      </p:sp>
+      <p:sp>
+        <p:nvSpPr>
+          <p:cNvPr id="7" name="Slide Number Placeholder 6"/>
+          <p:cNvSpPr>
+            <a:spLocks noGrp="1"/>
+          </p:cNvSpPr>
+          <p:nvPr>
+            <p:ph type="sldNum" sz="quarter" idx="5"/>
+          </p:nvPr>
+        </p:nvSpPr>
+        <p:spPr>
+          <a:xfrm>
+            <a:off x="3884613" y="8685213"/>
+            <a:ext cx="2971800" cy="458787"/>
+          </a:xfrm>
+          <a:prstGeom prst="rect">
+            <a:avLst/>
+          </a:prstGeom>
+        </p:spPr>
+        <p:txBody>
+          <a:bodyPr vert="horz" lIns="91440" tIns="45720" rIns="91440" bIns="45720" rtlCol="0" anchor="b"/>
+          <a:lstStyle>
+            <a:lvl1pPr algn="r">
+              <a:defRPr sz="1200"/>
+            </a:lvl1pPr>
+          </a:lstStyle>
+          <a:p>
+            <a:fld id="{AC946450-6435-4DA7-B1B5-7112AD457B80}" type="slidenum">
+              <a:rPr lang="en-US" smtClean="0"/>
+              <a:t>‹#›</a:t>
+            </a:fld>
+            <a:endParaRPr lang="en-US"/>
+          </a:p>
+        </p:txBody>
+      </p:sp>
+    </p:spTree>
+    <p:extLst>
+      <p:ext uri="{BB962C8B-B14F-4D97-AF65-F5344CB8AC3E}">
+        <p14:creationId xmlns:p14="http://schemas.microsoft.com/office/powerpoint/2010/main" val="2586525784"/>
+      </p:ext>
+    </p:extLst>
+  </p:cSld>
+  <p:clrMap bg1="lt1" tx1="dk1" bg2="lt2" tx2="dk2" accent1="accent1" accent2="accent2" accent3="accent3" accent4="accent4" accent5="accent5" accent6="accent6" hlink="hlink" folHlink="folHlink"/>
+  <p:notesStyle>
+    <a:lvl1pPr marL="0" algn="l" defTabSz="914400" rtl="0" eaLnBrk="1" latinLnBrk="0" hangingPunct="1">
+      <a:defRPr sz="1200" kern="1200">
+        <a:solidFill>
+          <a:schemeClr val="tx1"/>
+        </a:solidFill>
+        <a:latin typeface="+mn-lt"/>
+        <a:ea typeface="+mn-ea"/>
+        <a:cs typeface="+mn-cs"/>
+      </a:defRPr>
+    </a:lvl1pPr>
+    <a:lvl2pPr marL="457200" algn="l" defTabSz="914400" rtl="0" eaLnBrk="1" latinLnBrk="0" hangingPunct="1">
+      <a:defRPr sz="1200" kern="1200">
+        <a:solidFill>
+          <a:schemeClr val="tx1"/>
+        </a:solidFill>
+        <a:latin typeface="+mn-lt"/>
+        <a:ea typeface="+mn-ea"/>
+        <a:cs typeface="+mn-cs"/>
+      </a:defRPr>
+    </a:lvl2pPr>
+    <a:lvl3pPr marL="914400" algn="l" defTabSz="914400" rtl="0" eaLnBrk="1" latinLnBrk="0" hangingPunct="1">
+      <a:defRPr sz="1200" kern="1200">
+        <a:solidFill>
+          <a:schemeClr val="tx1"/>
+        </a:solidFill>
+        <a:latin typeface="+mn-lt"/>
+        <a:ea typeface="+mn-ea"/>
+        <a:cs typeface="+mn-cs"/>
+      </a:defRPr>
+    </a:lvl3pPr>
+    <a:lvl4pPr marL="1371600" algn="l" defTabSz="914400" rtl="0" eaLnBrk="1" latinLnBrk="0" hangingPunct="1">
+      <a:defRPr sz="1200" kern="1200">
+        <a:solidFill>
+          <a:schemeClr val="tx1"/>
+        </a:solidFill>
+        <a:latin typeface="+mn-lt"/>
+        <a:ea typeface="+mn-ea"/>
+        <a:cs typeface="+mn-cs"/>
+      </a:defRPr>
+    </a:lvl4pPr>
+    <a:lvl5pPr marL="1828800" algn="l" defTabSz="914400" rtl="0" eaLnBrk="1" latinLnBrk="0" hangingPunct="1">
+      <a:defRPr sz="1200" kern="1200">
+        <a:solidFill>
+          <a:schemeClr val="tx1"/>
+        </a:solidFill>
+        <a:latin typeface="+mn-lt"/>
+        <a:ea typeface="+mn-ea"/>
+        <a:cs typeface="+mn-cs"/>
+      </a:defRPr>
+    </a:lvl5pPr>
+    <a:lvl6pPr marL="2286000" algn="l" defTabSz="914400" rtl="0" eaLnBrk="1" latinLnBrk="0" hangingPunct="1">
+      <a:defRPr sz="1200" kern="1200">
+        <a:solidFill>
+          <a:schemeClr val="tx1"/>
+        </a:solidFill>
+        <a:latin typeface="+mn-lt"/>
+        <a:ea typeface="+mn-ea"/>
+        <a:cs typeface="+mn-cs"/>
+      </a:defRPr>
+    </a:lvl6pPr>
+    <a:lvl7pPr marL="2743200" algn="l" defTabSz="914400" rtl="0" eaLnBrk="1" latinLnBrk="0" hangingPunct="1">
+      <a:defRPr sz="1200" kern="1200">
+        <a:solidFill>
+          <a:schemeClr val="tx1"/>
+        </a:solidFill>
+        <a:latin typeface="+mn-lt"/>
+        <a:ea typeface="+mn-ea"/>
+        <a:cs typeface="+mn-cs"/>
+      </a:defRPr>
+    </a:lvl7pPr>
+    <a:lvl8pPr marL="3200400" algn="l" defTabSz="914400" rtl="0" eaLnBrk="1" latinLnBrk="0" hangingPunct="1">
+      <a:defRPr sz="1200" kern="1200">
+        <a:solidFill>
+          <a:schemeClr val="tx1"/>
+        </a:solidFill>
+        <a:latin typeface="+mn-lt"/>
+        <a:ea typeface="+mn-ea"/>
+        <a:cs typeface="+mn-cs"/>
+      </a:defRPr>
+    </a:lvl8pPr>
+    <a:lvl9pPr marL="3657600" algn="l" defTabSz="914400" rtl="0" eaLnBrk="1" latinLnBrk="0" hangingPunct="1">
+      <a:defRPr sz="1200" kern="1200">
+        <a:solidFill>
+          <a:schemeClr val="tx1"/>
+        </a:solidFill>
+        <a:latin typeface="+mn-lt"/>
+        <a:ea typeface="+mn-ea"/>
+        <a:cs typeface="+mn-cs"/>
+      </a:defRPr>
+    </a:lvl9pPr>
+  </p:notesStyle>
+</p:notesMaster>
+</file>
+
+<file path=ppt/notesSlides/notesSlide1.xml><?xml version="1.0" encoding="utf-8"?>
+<p:notes xmlns:a="http://schemas.openxmlformats.org/drawingml/2006/main" xmlns:r="http://schemas.openxmlformats.org/officeDocument/2006/relationships" xmlns:p="http://schemas.openxmlformats.org/presentationml/2006/main">
+  <p:cSld>
+    <p:spTree>
+      <p:nvGrpSpPr>
+        <p:cNvPr id="1" name=""/>
+        <p:cNvGrpSpPr/>
+        <p:nvPr/>
+      </p:nvGrpSpPr>
+      <p:grpSpPr>
+        <a:xfrm>
+          <a:off x="0" y="0"/>
+          <a:ext cx="0" cy="0"/>
+          <a:chOff x="0" y="0"/>
+          <a:chExt cx="0" cy="0"/>
+        </a:xfrm>
+      </p:grpSpPr>
+      <p:sp>
+        <p:nvSpPr>
+          <p:cNvPr id="2" name="Slide Image Placeholder 1"/>
+          <p:cNvSpPr>
+            <a:spLocks noGrp="1" noRot="1" noChangeAspect="1"/>
+          </p:cNvSpPr>
+          <p:nvPr>
+            <p:ph type="sldImg"/>
+          </p:nvPr>
+        </p:nvSpPr>
+        <p:spPr/>
+      </p:sp>
+      <p:sp>
+        <p:nvSpPr>
+          <p:cNvPr id="3" name="Notes Placeholder 2"/>
+          <p:cNvSpPr>
+            <a:spLocks noGrp="1"/>
+          </p:cNvSpPr>
+          <p:nvPr>
+            <p:ph type="body" idx="1"/>
+          </p:nvPr>
+        </p:nvSpPr>
+        <p:spPr/>
+        <p:txBody>
+          <a:bodyPr/>
+          <a:lstStyle/>
+          <a:p>
+            <a:endParaRPr lang="en-US"/>
+          </a:p>
+        </p:txBody>
+      </p:sp>
+      <p:sp>
+        <p:nvSpPr>
+          <p:cNvPr id="4" name="Slide Number Placeholder 3"/>
+          <p:cNvSpPr>
+            <a:spLocks noGrp="1"/>
+          </p:cNvSpPr>
+          <p:nvPr>
+            <p:ph type="sldNum" sz="quarter" idx="5"/>
+          </p:nvPr>
+        </p:nvSpPr>
+        <p:spPr/>
+        <p:txBody>
+          <a:bodyPr/>
+          <a:lstStyle/>
+          <a:p>
+            <a:fld id="{AC946450-6435-4DA7-B1B5-7112AD457B80}" type="slidenum">
+              <a:rPr lang="en-US" smtClean="0"/>
+              <a:t>1</a:t>
+            </a:fld>
+            <a:endParaRPr lang="en-US"/>
+          </a:p>
+        </p:txBody>
+      </p:sp>
+    </p:spTree>
+    <p:extLst>
+      <p:ext uri="{BB962C8B-B14F-4D97-AF65-F5344CB8AC3E}">
+        <p14:creationId xmlns:p14="http://schemas.microsoft.com/office/powerpoint/2010/main" val="1727129787"/>
+      </p:ext>
+    </p:extLst>
+  </p:cSld>
+  <p:clrMapOvr>
+    <a:masterClrMapping/>
+  </p:clrMapOvr>
+</p:notes>
+</file>
+
+<file path=ppt/notesSlides/notesSlide10.xml><?xml version="1.0" encoding="utf-8"?>
+<p:notes xmlns:a="http://schemas.openxmlformats.org/drawingml/2006/main" xmlns:r="http://schemas.openxmlformats.org/officeDocument/2006/relationships" xmlns:p="http://schemas.openxmlformats.org/presentationml/2006/main">
+  <p:cSld>
+    <p:spTree>
+      <p:nvGrpSpPr>
+        <p:cNvPr id="1" name=""/>
+        <p:cNvGrpSpPr/>
+        <p:nvPr/>
+      </p:nvGrpSpPr>
+      <p:grpSpPr>
+        <a:xfrm>
+          <a:off x="0" y="0"/>
+          <a:ext cx="0" cy="0"/>
+          <a:chOff x="0" y="0"/>
+          <a:chExt cx="0" cy="0"/>
+        </a:xfrm>
+      </p:grpSpPr>
+      <p:sp>
+        <p:nvSpPr>
+          <p:cNvPr id="2" name="Slide Image Placeholder 1"/>
+          <p:cNvSpPr>
+            <a:spLocks noGrp="1" noRot="1" noChangeAspect="1"/>
+          </p:cNvSpPr>
+          <p:nvPr>
+            <p:ph type="sldImg"/>
+          </p:nvPr>
+        </p:nvSpPr>
+        <p:spPr/>
+      </p:sp>
+      <p:sp>
+        <p:nvSpPr>
+          <p:cNvPr id="3" name="Notes Placeholder 2"/>
+          <p:cNvSpPr>
+            <a:spLocks noGrp="1"/>
+          </p:cNvSpPr>
+          <p:nvPr>
+            <p:ph type="body" idx="1"/>
+          </p:nvPr>
+        </p:nvSpPr>
+        <p:spPr/>
+        <p:txBody>
+          <a:bodyPr/>
+          <a:lstStyle/>
+          <a:p>
+            <a:endParaRPr lang="en-US"/>
+          </a:p>
+        </p:txBody>
+      </p:sp>
+      <p:sp>
+        <p:nvSpPr>
+          <p:cNvPr id="4" name="Slide Number Placeholder 3"/>
+          <p:cNvSpPr>
+            <a:spLocks noGrp="1"/>
+          </p:cNvSpPr>
+          <p:nvPr>
+            <p:ph type="sldNum" sz="quarter" idx="5"/>
+          </p:nvPr>
+        </p:nvSpPr>
+        <p:spPr/>
+        <p:txBody>
+          <a:bodyPr/>
+          <a:lstStyle/>
+          <a:p>
+            <a:fld id="{AC946450-6435-4DA7-B1B5-7112AD457B80}" type="slidenum">
+              <a:rPr lang="en-US" smtClean="0"/>
+              <a:t>16</a:t>
+            </a:fld>
+            <a:endParaRPr lang="en-US"/>
+          </a:p>
+        </p:txBody>
+      </p:sp>
+    </p:spTree>
+    <p:extLst>
+      <p:ext uri="{BB962C8B-B14F-4D97-AF65-F5344CB8AC3E}">
+        <p14:creationId xmlns:p14="http://schemas.microsoft.com/office/powerpoint/2010/main" val="3940554218"/>
+      </p:ext>
+    </p:extLst>
+  </p:cSld>
+  <p:clrMapOvr>
+    <a:masterClrMapping/>
+  </p:clrMapOvr>
+</p:notes>
+</file>
+
+<file path=ppt/notesSlides/notesSlide11.xml><?xml version="1.0" encoding="utf-8"?>
+<p:notes xmlns:a="http://schemas.openxmlformats.org/drawingml/2006/main" xmlns:r="http://schemas.openxmlformats.org/officeDocument/2006/relationships" xmlns:p="http://schemas.openxmlformats.org/presentationml/2006/main">
+  <p:cSld>
+    <p:spTree>
+      <p:nvGrpSpPr>
+        <p:cNvPr id="1" name=""/>
+        <p:cNvGrpSpPr/>
+        <p:nvPr/>
+      </p:nvGrpSpPr>
+      <p:grpSpPr>
+        <a:xfrm>
+          <a:off x="0" y="0"/>
+          <a:ext cx="0" cy="0"/>
+          <a:chOff x="0" y="0"/>
+          <a:chExt cx="0" cy="0"/>
+        </a:xfrm>
+      </p:grpSpPr>
+      <p:sp>
+        <p:nvSpPr>
+          <p:cNvPr id="2" name="Slide Image Placeholder 1"/>
+          <p:cNvSpPr>
+            <a:spLocks noGrp="1" noRot="1" noChangeAspect="1"/>
+          </p:cNvSpPr>
+          <p:nvPr>
+            <p:ph type="sldImg"/>
+          </p:nvPr>
+        </p:nvSpPr>
+        <p:spPr/>
+      </p:sp>
+      <p:sp>
+        <p:nvSpPr>
+          <p:cNvPr id="3" name="Notes Placeholder 2"/>
+          <p:cNvSpPr>
+            <a:spLocks noGrp="1"/>
+          </p:cNvSpPr>
+          <p:nvPr>
+            <p:ph type="body" idx="1"/>
+          </p:nvPr>
+        </p:nvSpPr>
+        <p:spPr/>
+        <p:txBody>
+          <a:bodyPr/>
+          <a:lstStyle/>
+          <a:p>
+            <a:endParaRPr lang="en-US"/>
+          </a:p>
+        </p:txBody>
+      </p:sp>
+      <p:sp>
+        <p:nvSpPr>
+          <p:cNvPr id="4" name="Slide Number Placeholder 3"/>
+          <p:cNvSpPr>
+            <a:spLocks noGrp="1"/>
+          </p:cNvSpPr>
+          <p:nvPr>
+            <p:ph type="sldNum" sz="quarter" idx="5"/>
+          </p:nvPr>
+        </p:nvSpPr>
+        <p:spPr/>
+        <p:txBody>
+          <a:bodyPr/>
+          <a:lstStyle/>
+          <a:p>
+            <a:fld id="{AC946450-6435-4DA7-B1B5-7112AD457B80}" type="slidenum">
+              <a:rPr lang="en-US" smtClean="0"/>
+              <a:t>17</a:t>
+            </a:fld>
+            <a:endParaRPr lang="en-US"/>
+          </a:p>
+        </p:txBody>
+      </p:sp>
+    </p:spTree>
+    <p:extLst>
+      <p:ext uri="{BB962C8B-B14F-4D97-AF65-F5344CB8AC3E}">
+        <p14:creationId xmlns:p14="http://schemas.microsoft.com/office/powerpoint/2010/main" val="3484525464"/>
+      </p:ext>
+    </p:extLst>
+  </p:cSld>
+  <p:clrMapOvr>
+    <a:masterClrMapping/>
+  </p:clrMapOvr>
+</p:notes>
+</file>
+
+<file path=ppt/notesSlides/notesSlide2.xml><?xml version="1.0" encoding="utf-8"?>
+<p:notes xmlns:a="http://schemas.openxmlformats.org/drawingml/2006/main" xmlns:r="http://schemas.openxmlformats.org/officeDocument/2006/relationships" xmlns:p="http://schemas.openxmlformats.org/presentationml/2006/main">
+  <p:cSld>
+    <p:spTree>
+      <p:nvGrpSpPr>
+        <p:cNvPr id="1" name=""/>
+        <p:cNvGrpSpPr/>
+        <p:nvPr/>
+      </p:nvGrpSpPr>
+      <p:grpSpPr>
+        <a:xfrm>
+          <a:off x="0" y="0"/>
+          <a:ext cx="0" cy="0"/>
+          <a:chOff x="0" y="0"/>
+          <a:chExt cx="0" cy="0"/>
+        </a:xfrm>
+      </p:grpSpPr>
+      <p:sp>
+        <p:nvSpPr>
+          <p:cNvPr id="2" name="Slide Image Placeholder 1"/>
+          <p:cNvSpPr>
+            <a:spLocks noGrp="1" noRot="1" noChangeAspect="1"/>
+          </p:cNvSpPr>
+          <p:nvPr>
+            <p:ph type="sldImg"/>
+          </p:nvPr>
+        </p:nvSpPr>
+        <p:spPr/>
+      </p:sp>
+      <p:sp>
+        <p:nvSpPr>
+          <p:cNvPr id="3" name="Notes Placeholder 2"/>
+          <p:cNvSpPr>
+            <a:spLocks noGrp="1"/>
+          </p:cNvSpPr>
+          <p:nvPr>
+            <p:ph type="body" idx="1"/>
+          </p:nvPr>
+        </p:nvSpPr>
+        <p:spPr/>
+        <p:txBody>
+          <a:bodyPr/>
+          <a:lstStyle/>
+          <a:p>
+            <a:endParaRPr lang="en-US"/>
+          </a:p>
+        </p:txBody>
+      </p:sp>
+      <p:sp>
+        <p:nvSpPr>
+          <p:cNvPr id="4" name="Slide Number Placeholder 3"/>
+          <p:cNvSpPr>
+            <a:spLocks noGrp="1"/>
+          </p:cNvSpPr>
+          <p:nvPr>
+            <p:ph type="sldNum" sz="quarter" idx="5"/>
+          </p:nvPr>
+        </p:nvSpPr>
+        <p:spPr/>
+        <p:txBody>
+          <a:bodyPr/>
+          <a:lstStyle/>
+          <a:p>
+            <a:fld id="{AC946450-6435-4DA7-B1B5-7112AD457B80}" type="slidenum">
+              <a:rPr lang="en-US" smtClean="0"/>
+              <a:t>2</a:t>
+            </a:fld>
+            <a:endParaRPr lang="en-US"/>
+          </a:p>
+        </p:txBody>
+      </p:sp>
+    </p:spTree>
+    <p:extLst>
+      <p:ext uri="{BB962C8B-B14F-4D97-AF65-F5344CB8AC3E}">
+        <p14:creationId xmlns:p14="http://schemas.microsoft.com/office/powerpoint/2010/main" val="569350052"/>
+      </p:ext>
+    </p:extLst>
+  </p:cSld>
+  <p:clrMapOvr>
+    <a:masterClrMapping/>
+  </p:clrMapOvr>
+</p:notes>
+</file>
+
+<file path=ppt/notesSlides/notesSlide3.xml><?xml version="1.0" encoding="utf-8"?>
+<p:notes xmlns:a="http://schemas.openxmlformats.org/drawingml/2006/main" xmlns:r="http://schemas.openxmlformats.org/officeDocument/2006/relationships" xmlns:p="http://schemas.openxmlformats.org/presentationml/2006/main">
+  <p:cSld>
+    <p:spTree>
+      <p:nvGrpSpPr>
+        <p:cNvPr id="1" name=""/>
+        <p:cNvGrpSpPr/>
+        <p:nvPr/>
+      </p:nvGrpSpPr>
+      <p:grpSpPr>
+        <a:xfrm>
+          <a:off x="0" y="0"/>
+          <a:ext cx="0" cy="0"/>
+          <a:chOff x="0" y="0"/>
+          <a:chExt cx="0" cy="0"/>
+        </a:xfrm>
+      </p:grpSpPr>
+      <p:sp>
+        <p:nvSpPr>
+          <p:cNvPr id="2" name="Slide Image Placeholder 1"/>
+          <p:cNvSpPr>
+            <a:spLocks noGrp="1" noRot="1" noChangeAspect="1"/>
+          </p:cNvSpPr>
+          <p:nvPr>
+            <p:ph type="sldImg"/>
+          </p:nvPr>
+        </p:nvSpPr>
+        <p:spPr/>
+      </p:sp>
+      <p:sp>
+        <p:nvSpPr>
+          <p:cNvPr id="3" name="Notes Placeholder 2"/>
+          <p:cNvSpPr>
+            <a:spLocks noGrp="1"/>
+          </p:cNvSpPr>
+          <p:nvPr>
+            <p:ph type="body" idx="1"/>
+          </p:nvPr>
+        </p:nvSpPr>
+        <p:spPr/>
+        <p:txBody>
+          <a:bodyPr/>
+          <a:lstStyle/>
+          <a:p>
+            <a:endParaRPr lang="en-US"/>
+          </a:p>
+        </p:txBody>
+      </p:sp>
+      <p:sp>
+        <p:nvSpPr>
+          <p:cNvPr id="4" name="Slide Number Placeholder 3"/>
+          <p:cNvSpPr>
+            <a:spLocks noGrp="1"/>
+          </p:cNvSpPr>
+          <p:nvPr>
+            <p:ph type="sldNum" sz="quarter" idx="5"/>
+          </p:nvPr>
+        </p:nvSpPr>
+        <p:spPr/>
+        <p:txBody>
+          <a:bodyPr/>
+          <a:lstStyle/>
+          <a:p>
+            <a:fld id="{AC946450-6435-4DA7-B1B5-7112AD457B80}" type="slidenum">
+              <a:rPr lang="en-US" smtClean="0"/>
+              <a:t>4</a:t>
+            </a:fld>
+            <a:endParaRPr lang="en-US"/>
+          </a:p>
+        </p:txBody>
+      </p:sp>
+    </p:spTree>
+    <p:extLst>
+      <p:ext uri="{BB962C8B-B14F-4D97-AF65-F5344CB8AC3E}">
+        <p14:creationId xmlns:p14="http://schemas.microsoft.com/office/powerpoint/2010/main" val="2418540618"/>
+      </p:ext>
+    </p:extLst>
+  </p:cSld>
+  <p:clrMapOvr>
+    <a:masterClrMapping/>
+  </p:clrMapOvr>
+</p:notes>
+</file>
+
+<file path=ppt/notesSlides/notesSlide4.xml><?xml version="1.0" encoding="utf-8"?>
+<p:notes xmlns:a="http://schemas.openxmlformats.org/drawingml/2006/main" xmlns:r="http://schemas.openxmlformats.org/officeDocument/2006/relationships" xmlns:p="http://schemas.openxmlformats.org/presentationml/2006/main">
+  <p:cSld>
+    <p:spTree>
+      <p:nvGrpSpPr>
+        <p:cNvPr id="1" name=""/>
+        <p:cNvGrpSpPr/>
+        <p:nvPr/>
+      </p:nvGrpSpPr>
+      <p:grpSpPr>
+        <a:xfrm>
+          <a:off x="0" y="0"/>
+          <a:ext cx="0" cy="0"/>
+          <a:chOff x="0" y="0"/>
+          <a:chExt cx="0" cy="0"/>
+        </a:xfrm>
+      </p:grpSpPr>
+      <p:sp>
+        <p:nvSpPr>
+          <p:cNvPr id="2" name="Slide Image Placeholder 1"/>
+          <p:cNvSpPr>
+            <a:spLocks noGrp="1" noRot="1" noChangeAspect="1"/>
+          </p:cNvSpPr>
+          <p:nvPr>
+            <p:ph type="sldImg"/>
+          </p:nvPr>
+        </p:nvSpPr>
+        <p:spPr/>
+      </p:sp>
+      <p:sp>
+        <p:nvSpPr>
+          <p:cNvPr id="3" name="Notes Placeholder 2"/>
+          <p:cNvSpPr>
+            <a:spLocks noGrp="1"/>
+          </p:cNvSpPr>
+          <p:nvPr>
+            <p:ph type="body" idx="1"/>
+          </p:nvPr>
+        </p:nvSpPr>
+        <p:spPr/>
+        <p:txBody>
+          <a:bodyPr/>
+          <a:lstStyle/>
+          <a:p>
+            <a:endParaRPr lang="en-US"/>
+          </a:p>
+        </p:txBody>
+      </p:sp>
+      <p:sp>
+        <p:nvSpPr>
+          <p:cNvPr id="4" name="Slide Number Placeholder 3"/>
+          <p:cNvSpPr>
+            <a:spLocks noGrp="1"/>
+          </p:cNvSpPr>
+          <p:nvPr>
+            <p:ph type="sldNum" sz="quarter" idx="5"/>
+          </p:nvPr>
+        </p:nvSpPr>
+        <p:spPr/>
+        <p:txBody>
+          <a:bodyPr/>
+          <a:lstStyle/>
+          <a:p>
+            <a:fld id="{AC946450-6435-4DA7-B1B5-7112AD457B80}" type="slidenum">
+              <a:rPr lang="en-US" smtClean="0"/>
+              <a:t>6</a:t>
+            </a:fld>
+            <a:endParaRPr lang="en-US"/>
+          </a:p>
+        </p:txBody>
+      </p:sp>
+    </p:spTree>
+    <p:extLst>
+      <p:ext uri="{BB962C8B-B14F-4D97-AF65-F5344CB8AC3E}">
+        <p14:creationId xmlns:p14="http://schemas.microsoft.com/office/powerpoint/2010/main" val="2811512651"/>
+      </p:ext>
+    </p:extLst>
+  </p:cSld>
+  <p:clrMapOvr>
+    <a:masterClrMapping/>
+  </p:clrMapOvr>
+</p:notes>
+</file>
+
+<file path=ppt/notesSlides/notesSlide5.xml><?xml version="1.0" encoding="utf-8"?>
+<p:notes xmlns:a="http://schemas.openxmlformats.org/drawingml/2006/main" xmlns:r="http://schemas.openxmlformats.org/officeDocument/2006/relationships" xmlns:p="http://schemas.openxmlformats.org/presentationml/2006/main">
+  <p:cSld>
+    <p:spTree>
+      <p:nvGrpSpPr>
+        <p:cNvPr id="1" name=""/>
+        <p:cNvGrpSpPr/>
+        <p:nvPr/>
+      </p:nvGrpSpPr>
+      <p:grpSpPr>
+        <a:xfrm>
+          <a:off x="0" y="0"/>
+          <a:ext cx="0" cy="0"/>
+          <a:chOff x="0" y="0"/>
+          <a:chExt cx="0" cy="0"/>
+        </a:xfrm>
+      </p:grpSpPr>
+      <p:sp>
+        <p:nvSpPr>
+          <p:cNvPr id="2" name="Slide Image Placeholder 1"/>
+          <p:cNvSpPr>
+            <a:spLocks noGrp="1" noRot="1" noChangeAspect="1"/>
+          </p:cNvSpPr>
+          <p:nvPr>
+            <p:ph type="sldImg"/>
+          </p:nvPr>
+        </p:nvSpPr>
+        <p:spPr/>
+      </p:sp>
+      <p:sp>
+        <p:nvSpPr>
+          <p:cNvPr id="3" name="Notes Placeholder 2"/>
+          <p:cNvSpPr>
+            <a:spLocks noGrp="1"/>
+          </p:cNvSpPr>
+          <p:nvPr>
+            <p:ph type="body" idx="1"/>
+          </p:nvPr>
+        </p:nvSpPr>
+        <p:spPr/>
+        <p:txBody>
+          <a:bodyPr/>
+          <a:lstStyle/>
+          <a:p>
+            <a:endParaRPr lang="en-US"/>
+          </a:p>
+        </p:txBody>
+      </p:sp>
+      <p:sp>
+        <p:nvSpPr>
+          <p:cNvPr id="4" name="Slide Number Placeholder 3"/>
+          <p:cNvSpPr>
+            <a:spLocks noGrp="1"/>
+          </p:cNvSpPr>
+          <p:nvPr>
+            <p:ph type="sldNum" sz="quarter" idx="5"/>
+          </p:nvPr>
+        </p:nvSpPr>
+        <p:spPr/>
+        <p:txBody>
+          <a:bodyPr/>
+          <a:lstStyle/>
+          <a:p>
+            <a:fld id="{AC946450-6435-4DA7-B1B5-7112AD457B80}" type="slidenum">
+              <a:rPr lang="en-US" smtClean="0"/>
+              <a:t>9</a:t>
+            </a:fld>
+            <a:endParaRPr lang="en-US"/>
+          </a:p>
+        </p:txBody>
+      </p:sp>
+    </p:spTree>
+    <p:extLst>
+      <p:ext uri="{BB962C8B-B14F-4D97-AF65-F5344CB8AC3E}">
+        <p14:creationId xmlns:p14="http://schemas.microsoft.com/office/powerpoint/2010/main" val="1967070578"/>
+      </p:ext>
+    </p:extLst>
+  </p:cSld>
+  <p:clrMapOvr>
+    <a:masterClrMapping/>
+  </p:clrMapOvr>
+</p:notes>
+</file>
+
+<file path=ppt/notesSlides/notesSlide6.xml><?xml version="1.0" encoding="utf-8"?>
+<p:notes xmlns:a="http://schemas.openxmlformats.org/drawingml/2006/main" xmlns:r="http://schemas.openxmlformats.org/officeDocument/2006/relationships" xmlns:p="http://schemas.openxmlformats.org/presentationml/2006/main">
+  <p:cSld>
+    <p:spTree>
+      <p:nvGrpSpPr>
+        <p:cNvPr id="1" name=""/>
+        <p:cNvGrpSpPr/>
+        <p:nvPr/>
+      </p:nvGrpSpPr>
+      <p:grpSpPr>
+        <a:xfrm>
+          <a:off x="0" y="0"/>
+          <a:ext cx="0" cy="0"/>
+          <a:chOff x="0" y="0"/>
+          <a:chExt cx="0" cy="0"/>
+        </a:xfrm>
+      </p:grpSpPr>
+      <p:sp>
+        <p:nvSpPr>
+          <p:cNvPr id="2" name="Slide Image Placeholder 1"/>
+          <p:cNvSpPr>
+            <a:spLocks noGrp="1" noRot="1" noChangeAspect="1"/>
+          </p:cNvSpPr>
+          <p:nvPr>
+            <p:ph type="sldImg"/>
+          </p:nvPr>
+        </p:nvSpPr>
+        <p:spPr/>
+      </p:sp>
+      <p:sp>
+        <p:nvSpPr>
+          <p:cNvPr id="3" name="Notes Placeholder 2"/>
+          <p:cNvSpPr>
+            <a:spLocks noGrp="1"/>
+          </p:cNvSpPr>
+          <p:nvPr>
+            <p:ph type="body" idx="1"/>
+          </p:nvPr>
+        </p:nvSpPr>
+        <p:spPr/>
+        <p:txBody>
+          <a:bodyPr/>
+          <a:lstStyle/>
+          <a:p>
+            <a:endParaRPr lang="en-US"/>
+          </a:p>
+        </p:txBody>
+      </p:sp>
+      <p:sp>
+        <p:nvSpPr>
+          <p:cNvPr id="4" name="Slide Number Placeholder 3"/>
+          <p:cNvSpPr>
+            <a:spLocks noGrp="1"/>
+          </p:cNvSpPr>
+          <p:nvPr>
+            <p:ph type="sldNum" sz="quarter" idx="5"/>
+          </p:nvPr>
+        </p:nvSpPr>
+        <p:spPr/>
+        <p:txBody>
+          <a:bodyPr/>
+          <a:lstStyle/>
+          <a:p>
+            <a:fld id="{AC946450-6435-4DA7-B1B5-7112AD457B80}" type="slidenum">
+              <a:rPr lang="en-US" smtClean="0"/>
+              <a:t>10</a:t>
+            </a:fld>
+            <a:endParaRPr lang="en-US"/>
+          </a:p>
+        </p:txBody>
+      </p:sp>
+    </p:spTree>
+    <p:extLst>
+      <p:ext uri="{BB962C8B-B14F-4D97-AF65-F5344CB8AC3E}">
+        <p14:creationId xmlns:p14="http://schemas.microsoft.com/office/powerpoint/2010/main" val="3572083480"/>
+      </p:ext>
+    </p:extLst>
+  </p:cSld>
+  <p:clrMapOvr>
+    <a:masterClrMapping/>
+  </p:clrMapOvr>
+</p:notes>
+</file>
+
+<file path=ppt/notesSlides/notesSlide7.xml><?xml version="1.0" encoding="utf-8"?>
+<p:notes xmlns:a="http://schemas.openxmlformats.org/drawingml/2006/main" xmlns:r="http://schemas.openxmlformats.org/officeDocument/2006/relationships" xmlns:p="http://schemas.openxmlformats.org/presentationml/2006/main">
+  <p:cSld>
+    <p:spTree>
+      <p:nvGrpSpPr>
+        <p:cNvPr id="1" name=""/>
+        <p:cNvGrpSpPr/>
+        <p:nvPr/>
+      </p:nvGrpSpPr>
+      <p:grpSpPr>
+        <a:xfrm>
+          <a:off x="0" y="0"/>
+          <a:ext cx="0" cy="0"/>
+          <a:chOff x="0" y="0"/>
+          <a:chExt cx="0" cy="0"/>
+        </a:xfrm>
+      </p:grpSpPr>
+      <p:sp>
+        <p:nvSpPr>
+          <p:cNvPr id="2" name="Slide Image Placeholder 1"/>
+          <p:cNvSpPr>
+            <a:spLocks noGrp="1" noRot="1" noChangeAspect="1"/>
+          </p:cNvSpPr>
+          <p:nvPr>
+            <p:ph type="sldImg"/>
+          </p:nvPr>
+        </p:nvSpPr>
+        <p:spPr/>
+      </p:sp>
+      <p:sp>
+        <p:nvSpPr>
+          <p:cNvPr id="3" name="Notes Placeholder 2"/>
+          <p:cNvSpPr>
+            <a:spLocks noGrp="1"/>
+          </p:cNvSpPr>
+          <p:nvPr>
+            <p:ph type="body" idx="1"/>
+          </p:nvPr>
+        </p:nvSpPr>
+        <p:spPr/>
+        <p:txBody>
+          <a:bodyPr/>
+          <a:lstStyle/>
+          <a:p>
+            <a:endParaRPr lang="en-US"/>
+          </a:p>
+        </p:txBody>
+      </p:sp>
+      <p:sp>
+        <p:nvSpPr>
+          <p:cNvPr id="4" name="Slide Number Placeholder 3"/>
+          <p:cNvSpPr>
+            <a:spLocks noGrp="1"/>
+          </p:cNvSpPr>
+          <p:nvPr>
+            <p:ph type="sldNum" sz="quarter" idx="5"/>
+          </p:nvPr>
+        </p:nvSpPr>
+        <p:spPr/>
+        <p:txBody>
+          <a:bodyPr/>
+          <a:lstStyle/>
+          <a:p>
+            <a:fld id="{AC946450-6435-4DA7-B1B5-7112AD457B80}" type="slidenum">
+              <a:rPr lang="en-US" smtClean="0"/>
+              <a:t>13</a:t>
+            </a:fld>
+            <a:endParaRPr lang="en-US"/>
+          </a:p>
+        </p:txBody>
+      </p:sp>
+    </p:spTree>
+    <p:extLst>
+      <p:ext uri="{BB962C8B-B14F-4D97-AF65-F5344CB8AC3E}">
+        <p14:creationId xmlns:p14="http://schemas.microsoft.com/office/powerpoint/2010/main" val="50164349"/>
+      </p:ext>
+    </p:extLst>
+  </p:cSld>
+  <p:clrMapOvr>
+    <a:masterClrMapping/>
+  </p:clrMapOvr>
+</p:notes>
+</file>
+
+<file path=ppt/notesSlides/notesSlide8.xml><?xml version="1.0" encoding="utf-8"?>
+<p:notes xmlns:a="http://schemas.openxmlformats.org/drawingml/2006/main" xmlns:r="http://schemas.openxmlformats.org/officeDocument/2006/relationships" xmlns:p="http://schemas.openxmlformats.org/presentationml/2006/main">
+  <p:cSld>
+    <p:spTree>
+      <p:nvGrpSpPr>
+        <p:cNvPr id="1" name=""/>
+        <p:cNvGrpSpPr/>
+        <p:nvPr/>
+      </p:nvGrpSpPr>
+      <p:grpSpPr>
+        <a:xfrm>
+          <a:off x="0" y="0"/>
+          <a:ext cx="0" cy="0"/>
+          <a:chOff x="0" y="0"/>
+          <a:chExt cx="0" cy="0"/>
+        </a:xfrm>
+      </p:grpSpPr>
+      <p:sp>
+        <p:nvSpPr>
+          <p:cNvPr id="2" name="Slide Image Placeholder 1"/>
+          <p:cNvSpPr>
+            <a:spLocks noGrp="1" noRot="1" noChangeAspect="1"/>
+          </p:cNvSpPr>
+          <p:nvPr>
+            <p:ph type="sldImg"/>
+          </p:nvPr>
+        </p:nvSpPr>
+        <p:spPr/>
+      </p:sp>
+      <p:sp>
+        <p:nvSpPr>
+          <p:cNvPr id="3" name="Notes Placeholder 2"/>
+          <p:cNvSpPr>
+            <a:spLocks noGrp="1"/>
+          </p:cNvSpPr>
+          <p:nvPr>
+            <p:ph type="body" idx="1"/>
+          </p:nvPr>
+        </p:nvSpPr>
+        <p:spPr/>
+        <p:txBody>
+          <a:bodyPr/>
+          <a:lstStyle/>
+          <a:p>
+            <a:endParaRPr lang="en-US"/>
+          </a:p>
+        </p:txBody>
+      </p:sp>
+      <p:sp>
+        <p:nvSpPr>
+          <p:cNvPr id="4" name="Slide Number Placeholder 3"/>
+          <p:cNvSpPr>
+            <a:spLocks noGrp="1"/>
+          </p:cNvSpPr>
+          <p:nvPr>
+            <p:ph type="sldNum" sz="quarter" idx="5"/>
+          </p:nvPr>
+        </p:nvSpPr>
+        <p:spPr/>
+        <p:txBody>
+          <a:bodyPr/>
+          <a:lstStyle/>
+          <a:p>
+            <a:fld id="{AC946450-6435-4DA7-B1B5-7112AD457B80}" type="slidenum">
+              <a:rPr lang="en-US" smtClean="0"/>
+              <a:t>14</a:t>
+            </a:fld>
+            <a:endParaRPr lang="en-US"/>
+          </a:p>
+        </p:txBody>
+      </p:sp>
+    </p:spTree>
+    <p:extLst>
+      <p:ext uri="{BB962C8B-B14F-4D97-AF65-F5344CB8AC3E}">
+        <p14:creationId xmlns:p14="http://schemas.microsoft.com/office/powerpoint/2010/main" val="1835000563"/>
+      </p:ext>
+    </p:extLst>
+  </p:cSld>
+  <p:clrMapOvr>
+    <a:masterClrMapping/>
+  </p:clrMapOvr>
+</p:notes>
+</file>
+
+<file path=ppt/notesSlides/notesSlide9.xml><?xml version="1.0" encoding="utf-8"?>
+<p:notes xmlns:a="http://schemas.openxmlformats.org/drawingml/2006/main" xmlns:r="http://schemas.openxmlformats.org/officeDocument/2006/relationships" xmlns:p="http://schemas.openxmlformats.org/presentationml/2006/main">
+  <p:cSld>
+    <p:spTree>
+      <p:nvGrpSpPr>
+        <p:cNvPr id="1" name=""/>
+        <p:cNvGrpSpPr/>
+        <p:nvPr/>
+      </p:nvGrpSpPr>
+      <p:grpSpPr>
+        <a:xfrm>
+          <a:off x="0" y="0"/>
+          <a:ext cx="0" cy="0"/>
+          <a:chOff x="0" y="0"/>
+          <a:chExt cx="0" cy="0"/>
+        </a:xfrm>
+      </p:grpSpPr>
+      <p:sp>
+        <p:nvSpPr>
+          <p:cNvPr id="2" name="Slide Image Placeholder 1"/>
+          <p:cNvSpPr>
+            <a:spLocks noGrp="1" noRot="1" noChangeAspect="1"/>
+          </p:cNvSpPr>
+          <p:nvPr>
+            <p:ph type="sldImg"/>
+          </p:nvPr>
+        </p:nvSpPr>
+        <p:spPr/>
+      </p:sp>
+      <p:sp>
+        <p:nvSpPr>
+          <p:cNvPr id="3" name="Notes Placeholder 2"/>
+          <p:cNvSpPr>
+            <a:spLocks noGrp="1"/>
+          </p:cNvSpPr>
+          <p:nvPr>
+            <p:ph type="body" idx="1"/>
+          </p:nvPr>
+        </p:nvSpPr>
+        <p:spPr/>
+        <p:txBody>
+          <a:bodyPr/>
+          <a:lstStyle/>
+          <a:p>
+            <a:endParaRPr lang="en-US"/>
+          </a:p>
+        </p:txBody>
+      </p:sp>
+      <p:sp>
+        <p:nvSpPr>
+          <p:cNvPr id="4" name="Slide Number Placeholder 3"/>
+          <p:cNvSpPr>
+            <a:spLocks noGrp="1"/>
+          </p:cNvSpPr>
+          <p:nvPr>
+            <p:ph type="sldNum" sz="quarter" idx="5"/>
+          </p:nvPr>
+        </p:nvSpPr>
+        <p:spPr/>
+        <p:txBody>
+          <a:bodyPr/>
+          <a:lstStyle/>
+          <a:p>
+            <a:fld id="{AC946450-6435-4DA7-B1B5-7112AD457B80}" type="slidenum">
+              <a:rPr lang="en-US" smtClean="0"/>
+              <a:t>15</a:t>
+            </a:fld>
+            <a:endParaRPr lang="en-US"/>
+          </a:p>
+        </p:txBody>
+      </p:sp>
+    </p:spTree>
+    <p:extLst>
+      <p:ext uri="{BB962C8B-B14F-4D97-AF65-F5344CB8AC3E}">
+        <p14:creationId xmlns:p14="http://schemas.microsoft.com/office/powerpoint/2010/main" val="1859090232"/>
+      </p:ext>
+    </p:extLst>
+  </p:cSld>
+  <p:clrMapOvr>
+    <a:masterClrMapping/>
+  </p:clrMapOvr>
+</p:notes>
 </file>
 
 <file path=ppt/slideLayouts/slideLayout1.xml><?xml version="1.0" encoding="utf-8"?>
@@ -260,7 +4554,7 @@
           <a:p>
             <a:fld id="{E72A7FDF-6F6E-46AC-8E41-A5405B4004FC}" type="datetimeFigureOut">
               <a:rPr lang="en-US" smtClean="0"/>
-              <a:t>8/31/2020</a:t>
+              <a:t>9/13/2020</a:t>
             </a:fld>
             <a:endParaRPr lang="en-US"/>
           </a:p>
@@ -458,7 +4752,7 @@
           <a:p>
             <a:fld id="{E72A7FDF-6F6E-46AC-8E41-A5405B4004FC}" type="datetimeFigureOut">
               <a:rPr lang="en-US" smtClean="0"/>
-              <a:t>8/31/2020</a:t>
+              <a:t>9/13/2020</a:t>
             </a:fld>
             <a:endParaRPr lang="en-US"/>
           </a:p>
@@ -666,7 +4960,7 @@
           <a:p>
             <a:fld id="{E72A7FDF-6F6E-46AC-8E41-A5405B4004FC}" type="datetimeFigureOut">
               <a:rPr lang="en-US" smtClean="0"/>
-              <a:t>8/31/2020</a:t>
+              <a:t>9/13/2020</a:t>
             </a:fld>
             <a:endParaRPr lang="en-US"/>
           </a:p>
@@ -864,7 +5158,7 @@
           <a:p>
             <a:fld id="{E72A7FDF-6F6E-46AC-8E41-A5405B4004FC}" type="datetimeFigureOut">
               <a:rPr lang="en-US" smtClean="0"/>
-              <a:t>8/31/2020</a:t>
+              <a:t>9/13/2020</a:t>
             </a:fld>
             <a:endParaRPr lang="en-US"/>
           </a:p>
@@ -1139,7 +5433,7 @@
           <a:p>
             <a:fld id="{E72A7FDF-6F6E-46AC-8E41-A5405B4004FC}" type="datetimeFigureOut">
               <a:rPr lang="en-US" smtClean="0"/>
-              <a:t>8/31/2020</a:t>
+              <a:t>9/13/2020</a:t>
             </a:fld>
             <a:endParaRPr lang="en-US"/>
           </a:p>
@@ -1404,7 +5698,7 @@
           <a:p>
             <a:fld id="{E72A7FDF-6F6E-46AC-8E41-A5405B4004FC}" type="datetimeFigureOut">
               <a:rPr lang="en-US" smtClean="0"/>
-              <a:t>8/31/2020</a:t>
+              <a:t>9/13/2020</a:t>
             </a:fld>
             <a:endParaRPr lang="en-US"/>
           </a:p>
@@ -1816,7 +6110,7 @@
           <a:p>
             <a:fld id="{E72A7FDF-6F6E-46AC-8E41-A5405B4004FC}" type="datetimeFigureOut">
               <a:rPr lang="en-US" smtClean="0"/>
-              <a:t>8/31/2020</a:t>
+              <a:t>9/13/2020</a:t>
             </a:fld>
             <a:endParaRPr lang="en-US"/>
           </a:p>
@@ -1957,7 +6251,7 @@
           <a:p>
             <a:fld id="{E72A7FDF-6F6E-46AC-8E41-A5405B4004FC}" type="datetimeFigureOut">
               <a:rPr lang="en-US" smtClean="0"/>
-              <a:t>8/31/2020</a:t>
+              <a:t>9/13/2020</a:t>
             </a:fld>
             <a:endParaRPr lang="en-US"/>
           </a:p>
@@ -2070,7 +6364,7 @@
           <a:p>
             <a:fld id="{E72A7FDF-6F6E-46AC-8E41-A5405B4004FC}" type="datetimeFigureOut">
               <a:rPr lang="en-US" smtClean="0"/>
-              <a:t>8/31/2020</a:t>
+              <a:t>9/13/2020</a:t>
             </a:fld>
             <a:endParaRPr lang="en-US"/>
           </a:p>
@@ -2381,7 +6675,7 @@
           <a:p>
             <a:fld id="{E72A7FDF-6F6E-46AC-8E41-A5405B4004FC}" type="datetimeFigureOut">
               <a:rPr lang="en-US" smtClean="0"/>
-              <a:t>8/31/2020</a:t>
+              <a:t>9/13/2020</a:t>
             </a:fld>
             <a:endParaRPr lang="en-US"/>
           </a:p>
@@ -2669,7 +6963,7 @@
           <a:p>
             <a:fld id="{E72A7FDF-6F6E-46AC-8E41-A5405B4004FC}" type="datetimeFigureOut">
               <a:rPr lang="en-US" smtClean="0"/>
-              <a:t>8/31/2020</a:t>
+              <a:t>9/13/2020</a:t>
             </a:fld>
             <a:endParaRPr lang="en-US"/>
           </a:p>
@@ -2910,7 +7204,7 @@
           <a:p>
             <a:fld id="{E72A7FDF-6F6E-46AC-8E41-A5405B4004FC}" type="datetimeFigureOut">
               <a:rPr lang="en-US" smtClean="0"/>
-              <a:t>8/31/2020</a:t>
+              <a:t>9/13/2020</a:t>
             </a:fld>
             <a:endParaRPr lang="en-US"/>
           </a:p>
@@ -3316,7 +7610,7 @@
     <p:bg>
       <p:bgPr>
         <a:blipFill dpi="0" rotWithShape="1">
-          <a:blip r:embed="rId2">
+          <a:blip r:embed="rId3">
             <a:alphaModFix amt="66000"/>
             <a:lum/>
           </a:blip>
@@ -3444,6 +7738,41 @@
           </a:p>
         </p:txBody>
       </p:sp>
+      <p:sp>
+        <p:nvSpPr>
+          <p:cNvPr id="6" name="TextBox 5">
+            <a:extLst>
+              <a:ext uri="{FF2B5EF4-FFF2-40B4-BE49-F238E27FC236}">
+                <a16:creationId xmlns:a16="http://schemas.microsoft.com/office/drawing/2014/main" id="{A1E594BC-C77F-472E-B9A6-30279B2818DA}"/>
+              </a:ext>
+            </a:extLst>
+          </p:cNvPr>
+          <p:cNvSpPr txBox="1"/>
+          <p:nvPr/>
+        </p:nvSpPr>
+        <p:spPr>
+          <a:xfrm>
+            <a:off x="728133" y="6231467"/>
+            <a:ext cx="8906934" cy="215444"/>
+          </a:xfrm>
+          <a:prstGeom prst="rect">
+            <a:avLst/>
+          </a:prstGeom>
+          <a:noFill/>
+        </p:spPr>
+        <p:txBody>
+          <a:bodyPr wrap="square" rtlCol="0">
+            <a:spAutoFit/>
+          </a:bodyPr>
+          <a:lstStyle/>
+          <a:p>
+            <a:r>
+              <a:rPr lang="en-US" sz="800" dirty="0"/>
+              <a:t>https://www.quantilus.com/artificial-intelligence-explained-2-2/</a:t>
+            </a:r>
+          </a:p>
+        </p:txBody>
+      </p:sp>
     </p:spTree>
     <p:extLst>
       <p:ext uri="{BB962C8B-B14F-4D97-AF65-F5344CB8AC3E}">
@@ -3457,19 +7786,3246 @@
 </p:sld>
 </file>
 
-<file path=ppt/slides/slide2.xml><?xml version="1.0" encoding="utf-8"?>
+<file path=ppt/slides/slide10.xml><?xml version="1.0" encoding="utf-8"?>
+<p:sld xmlns:a="http://schemas.openxmlformats.org/drawingml/2006/main" xmlns:r="http://schemas.openxmlformats.org/officeDocument/2006/relationships" xmlns:p="http://schemas.openxmlformats.org/presentationml/2006/main">
+  <p:cSld>
+    <p:spTree>
+      <p:nvGrpSpPr>
+        <p:cNvPr id="1" name=""/>
+        <p:cNvGrpSpPr/>
+        <p:nvPr/>
+      </p:nvGrpSpPr>
+      <p:grpSpPr>
+        <a:xfrm>
+          <a:off x="0" y="0"/>
+          <a:ext cx="0" cy="0"/>
+          <a:chOff x="0" y="0"/>
+          <a:chExt cx="0" cy="0"/>
+        </a:xfrm>
+      </p:grpSpPr>
+      <p:sp>
+        <p:nvSpPr>
+          <p:cNvPr id="3" name="Title 2">
+            <a:extLst>
+              <a:ext uri="{FF2B5EF4-FFF2-40B4-BE49-F238E27FC236}">
+                <a16:creationId xmlns:a16="http://schemas.microsoft.com/office/drawing/2014/main" id="{D2C1DF89-F88B-4DBB-AF3B-06ED81590B9A}"/>
+              </a:ext>
+            </a:extLst>
+          </p:cNvPr>
+          <p:cNvSpPr>
+            <a:spLocks noGrp="1"/>
+          </p:cNvSpPr>
+          <p:nvPr>
+            <p:ph type="title"/>
+          </p:nvPr>
+        </p:nvSpPr>
+        <p:spPr/>
+        <p:txBody>
+          <a:bodyPr/>
+          <a:lstStyle/>
+          <a:p>
+            <a:pPr algn="ctr"/>
+            <a:r>
+              <a:rPr lang="en-US" dirty="0"/>
+              <a:t>How Bert Works</a:t>
+            </a:r>
+          </a:p>
+        </p:txBody>
+      </p:sp>
+      <p:sp>
+        <p:nvSpPr>
+          <p:cNvPr id="4" name="Content Placeholder 3">
+            <a:extLst>
+              <a:ext uri="{FF2B5EF4-FFF2-40B4-BE49-F238E27FC236}">
+                <a16:creationId xmlns:a16="http://schemas.microsoft.com/office/drawing/2014/main" id="{23BA35D2-A6A3-40C7-B05F-3AA7B10E6AAF}"/>
+              </a:ext>
+            </a:extLst>
+          </p:cNvPr>
+          <p:cNvSpPr>
+            <a:spLocks noGrp="1"/>
+          </p:cNvSpPr>
+          <p:nvPr>
+            <p:ph idx="1"/>
+          </p:nvPr>
+        </p:nvSpPr>
+        <p:spPr/>
+        <p:txBody>
+          <a:bodyPr/>
+          <a:lstStyle/>
+          <a:p>
+            <a:r>
+              <a:rPr lang="en-US" dirty="0"/>
+              <a:t>Split text to tokens (words)</a:t>
+            </a:r>
+          </a:p>
+          <a:p>
+            <a:r>
+              <a:rPr lang="en-US" dirty="0"/>
+              <a:t>Break words into </a:t>
+            </a:r>
+            <a:r>
+              <a:rPr lang="en-US" dirty="0" err="1"/>
+              <a:t>WordPieces</a:t>
+            </a:r>
+            <a:endParaRPr lang="en-US" dirty="0"/>
+          </a:p>
+          <a:p>
+            <a:pPr lvl="1"/>
+            <a:r>
+              <a:rPr lang="en-US" dirty="0"/>
+              <a:t>‘calling’ becomes ‘call’, ‘##</a:t>
+            </a:r>
+            <a:r>
+              <a:rPr lang="en-US" dirty="0" err="1"/>
+              <a:t>ing</a:t>
+            </a:r>
+            <a:r>
+              <a:rPr lang="en-US" dirty="0"/>
+              <a:t>’  ‘preview’ becomes ‘pre##’, ‘view’</a:t>
+            </a:r>
+          </a:p>
+          <a:p>
+            <a:r>
+              <a:rPr lang="en-US" dirty="0"/>
+              <a:t>Map words to indexes using a vocab file that BERT provides</a:t>
+            </a:r>
+          </a:p>
+          <a:p>
+            <a:r>
+              <a:rPr lang="en-US" dirty="0"/>
+              <a:t>Add special "CLS" and "SEP" tokens (see the readme) CLS is a beginning of the first </a:t>
+            </a:r>
+            <a:r>
+              <a:rPr lang="en-US" dirty="0" err="1"/>
+              <a:t>sentence;.SEP</a:t>
+            </a:r>
+            <a:r>
+              <a:rPr lang="en-US" dirty="0"/>
+              <a:t> is an end of sentence marker</a:t>
+            </a:r>
+          </a:p>
+          <a:p>
+            <a:r>
+              <a:rPr lang="en-US" dirty="0"/>
+              <a:t>Append "index" and "segment" tokens to each input </a:t>
+            </a:r>
+          </a:p>
+          <a:p>
+            <a:r>
+              <a:rPr lang="en-US" dirty="0"/>
+              <a:t>Creates a vector representation of each word</a:t>
+            </a:r>
+          </a:p>
+        </p:txBody>
+      </p:sp>
+    </p:spTree>
+    <p:extLst>
+      <p:ext uri="{BB962C8B-B14F-4D97-AF65-F5344CB8AC3E}">
+        <p14:creationId xmlns:p14="http://schemas.microsoft.com/office/powerpoint/2010/main" val="3276486997"/>
+      </p:ext>
+    </p:extLst>
+  </p:cSld>
+  <p:clrMapOvr>
+    <a:masterClrMapping/>
+  </p:clrMapOvr>
+</p:sld>
+</file>
+
+<file path=ppt/slides/slide11.xml><?xml version="1.0" encoding="utf-8"?>
+<p:sld xmlns:a="http://schemas.openxmlformats.org/drawingml/2006/main" xmlns:r="http://schemas.openxmlformats.org/officeDocument/2006/relationships" xmlns:p="http://schemas.openxmlformats.org/presentationml/2006/main">
+  <p:cSld>
+    <p:bg>
+      <p:bgPr>
+        <a:solidFill>
+          <a:schemeClr val="bg1"/>
+        </a:solidFill>
+        <a:effectLst/>
+      </p:bgPr>
+    </p:bg>
+    <p:spTree>
+      <p:nvGrpSpPr>
+        <p:cNvPr id="1" name=""/>
+        <p:cNvGrpSpPr/>
+        <p:nvPr/>
+      </p:nvGrpSpPr>
+      <p:grpSpPr>
+        <a:xfrm>
+          <a:off x="0" y="0"/>
+          <a:ext cx="0" cy="0"/>
+          <a:chOff x="0" y="0"/>
+          <a:chExt cx="0" cy="0"/>
+        </a:xfrm>
+      </p:grpSpPr>
+      <p:sp useBgFill="1">
+        <p:nvSpPr>
+          <p:cNvPr id="8" name="Rectangle 7">
+            <a:extLst>
+              <a:ext uri="{FF2B5EF4-FFF2-40B4-BE49-F238E27FC236}">
+                <a16:creationId xmlns:a16="http://schemas.microsoft.com/office/drawing/2014/main" id="{3B854194-185D-494D-905C-7C7CB2E30F6E}"/>
+              </a:ext>
+              <a:ext uri="{C183D7F6-B498-43B3-948B-1728B52AA6E4}">
+                <adec:decorative xmlns:adec="http://schemas.microsoft.com/office/drawing/2017/decorative" val="1"/>
+              </a:ext>
+            </a:extLst>
+          </p:cNvPr>
+          <p:cNvSpPr>
+            <a:spLocks noGrp="1" noRot="1" noChangeAspect="1" noMove="1" noResize="1" noEditPoints="1" noAdjustHandles="1" noChangeArrowheads="1" noChangeShapeType="1" noTextEdit="1"/>
+          </p:cNvSpPr>
+          <p:nvPr>
+            <p:extLst>
+              <p:ext uri="{386F3935-93C4-4BCD-93E2-E3B085C9AB24}">
+                <p16:designElem xmlns:p16="http://schemas.microsoft.com/office/powerpoint/2015/main" val="1"/>
+              </p:ext>
+            </p:extLst>
+          </p:nvPr>
+        </p:nvSpPr>
+        <p:spPr>
+          <a:xfrm>
+            <a:off x="1" y="0"/>
+            <a:ext cx="6082110" cy="6858000"/>
+          </a:xfrm>
+          <a:prstGeom prst="rect">
+            <a:avLst/>
+          </a:prstGeom>
+          <a:ln>
+            <a:noFill/>
+          </a:ln>
+        </p:spPr>
+        <p:style>
+          <a:lnRef idx="2">
+            <a:schemeClr val="accent1">
+              <a:shade val="50000"/>
+            </a:schemeClr>
+          </a:lnRef>
+          <a:fillRef idx="1">
+            <a:schemeClr val="accent1"/>
+          </a:fillRef>
+          <a:effectRef idx="0">
+            <a:schemeClr val="accent1"/>
+          </a:effectRef>
+          <a:fontRef idx="minor">
+            <a:schemeClr val="lt1"/>
+          </a:fontRef>
+        </p:style>
+        <p:txBody>
+          <a:bodyPr rtlCol="0" anchor="ctr"/>
+          <a:lstStyle/>
+          <a:p>
+            <a:pPr algn="ctr"/>
+            <a:endParaRPr lang="en-US"/>
+          </a:p>
+        </p:txBody>
+      </p:sp>
+      <p:sp>
+        <p:nvSpPr>
+          <p:cNvPr id="10" name="Rectangle 9">
+            <a:extLst>
+              <a:ext uri="{FF2B5EF4-FFF2-40B4-BE49-F238E27FC236}">
+                <a16:creationId xmlns:a16="http://schemas.microsoft.com/office/drawing/2014/main" id="{B4F5FA0D-0104-4987-8241-EFF7C85B88DE}"/>
+              </a:ext>
+              <a:ext uri="{C183D7F6-B498-43B3-948B-1728B52AA6E4}">
+                <adec:decorative xmlns:adec="http://schemas.microsoft.com/office/drawing/2017/decorative" val="1"/>
+              </a:ext>
+            </a:extLst>
+          </p:cNvPr>
+          <p:cNvSpPr>
+            <a:spLocks noGrp="1" noRot="1" noChangeAspect="1" noMove="1" noResize="1" noEditPoints="1" noAdjustHandles="1" noChangeArrowheads="1" noChangeShapeType="1" noTextEdit="1"/>
+          </p:cNvSpPr>
+          <p:nvPr>
+            <p:extLst>
+              <p:ext uri="{386F3935-93C4-4BCD-93E2-E3B085C9AB24}">
+                <p16:designElem xmlns:p16="http://schemas.microsoft.com/office/powerpoint/2015/main" val="1"/>
+              </p:ext>
+            </p:extLst>
+          </p:nvPr>
+        </p:nvSpPr>
+        <p:spPr>
+          <a:xfrm>
+            <a:off x="1" y="0"/>
+            <a:ext cx="12191998" cy="6858000"/>
+          </a:xfrm>
+          <a:prstGeom prst="rect">
+            <a:avLst/>
+          </a:prstGeom>
+          <a:gradFill>
+            <a:gsLst>
+              <a:gs pos="0">
+                <a:schemeClr val="accent1">
+                  <a:lumMod val="90000"/>
+                </a:schemeClr>
+              </a:gs>
+              <a:gs pos="25000">
+                <a:schemeClr val="accent1">
+                  <a:lumMod val="90000"/>
+                </a:schemeClr>
+              </a:gs>
+              <a:gs pos="94000">
+                <a:schemeClr val="bg2">
+                  <a:lumMod val="25000"/>
+                </a:schemeClr>
+              </a:gs>
+              <a:gs pos="100000">
+                <a:schemeClr val="bg2">
+                  <a:lumMod val="25000"/>
+                </a:schemeClr>
+              </a:gs>
+            </a:gsLst>
+            <a:lin ang="4200000" scaled="0"/>
+          </a:gradFill>
+          <a:ln>
+            <a:noFill/>
+          </a:ln>
+        </p:spPr>
+        <p:style>
+          <a:lnRef idx="2">
+            <a:schemeClr val="accent1">
+              <a:shade val="50000"/>
+            </a:schemeClr>
+          </a:lnRef>
+          <a:fillRef idx="1">
+            <a:schemeClr val="accent1"/>
+          </a:fillRef>
+          <a:effectRef idx="0">
+            <a:schemeClr val="accent1"/>
+          </a:effectRef>
+          <a:fontRef idx="minor">
+            <a:schemeClr val="lt1"/>
+          </a:fontRef>
+        </p:style>
+        <p:txBody>
+          <a:bodyPr rtlCol="0" anchor="ctr"/>
+          <a:lstStyle/>
+          <a:p>
+            <a:pPr algn="ctr"/>
+            <a:endParaRPr lang="en-US"/>
+          </a:p>
+        </p:txBody>
+      </p:sp>
+      <p:pic>
+        <p:nvPicPr>
+          <p:cNvPr id="12" name="Picture 11">
+            <a:extLst>
+              <a:ext uri="{FF2B5EF4-FFF2-40B4-BE49-F238E27FC236}">
+                <a16:creationId xmlns:a16="http://schemas.microsoft.com/office/drawing/2014/main" id="{2897127E-6CEF-446C-BE87-93B7C46E49D1}"/>
+              </a:ext>
+              <a:ext uri="{C183D7F6-B498-43B3-948B-1728B52AA6E4}">
+                <adec:decorative xmlns:adec="http://schemas.microsoft.com/office/drawing/2017/decorative" val="1"/>
+              </a:ext>
+            </a:extLst>
+          </p:cNvPr>
+          <p:cNvPicPr>
+            <a:picLocks noGrp="1" noRot="1" noChangeAspect="1" noMove="1" noResize="1" noEditPoints="1" noAdjustHandles="1" noChangeArrowheads="1" noChangeShapeType="1" noCrop="1"/>
+          </p:cNvPicPr>
+          <p:nvPr>
+            <p:extLst>
+              <p:ext uri="{386F3935-93C4-4BCD-93E2-E3B085C9AB24}">
+                <p16:designElem xmlns:p16="http://schemas.microsoft.com/office/powerpoint/2015/main" val="1"/>
+              </p:ext>
+            </p:extLst>
+          </p:nvPr>
+        </p:nvPicPr>
+        <p:blipFill>
+          <a:blip r:embed="rId2">
+            <a:extLst>
+              <a:ext uri="{28A0092B-C50C-407E-A947-70E740481C1C}">
+                <a14:useLocalDpi xmlns:a14="http://schemas.microsoft.com/office/drawing/2010/main" val="0"/>
+              </a:ext>
+            </a:extLst>
+          </a:blip>
+          <a:stretch>
+            <a:fillRect/>
+          </a:stretch>
+        </p:blipFill>
+        <p:spPr>
+          <a:xfrm>
+            <a:off x="0" y="0"/>
+            <a:ext cx="12192000" cy="6858000"/>
+          </a:xfrm>
+          <a:prstGeom prst="rect">
+            <a:avLst/>
+          </a:prstGeom>
+        </p:spPr>
+      </p:pic>
+      <p:sp>
+        <p:nvSpPr>
+          <p:cNvPr id="2" name="Title 1">
+            <a:extLst>
+              <a:ext uri="{FF2B5EF4-FFF2-40B4-BE49-F238E27FC236}">
+                <a16:creationId xmlns:a16="http://schemas.microsoft.com/office/drawing/2014/main" id="{71A4A669-0842-47CD-BE65-5011D6B41329}"/>
+              </a:ext>
+            </a:extLst>
+          </p:cNvPr>
+          <p:cNvSpPr>
+            <a:spLocks noGrp="1"/>
+          </p:cNvSpPr>
+          <p:nvPr>
+            <p:ph type="title"/>
+          </p:nvPr>
+        </p:nvSpPr>
+        <p:spPr>
+          <a:xfrm>
+            <a:off x="640079" y="2053641"/>
+            <a:ext cx="3669161" cy="2760098"/>
+          </a:xfrm>
+        </p:spPr>
+        <p:txBody>
+          <a:bodyPr>
+            <a:normAutofit/>
+          </a:bodyPr>
+          <a:lstStyle/>
+          <a:p>
+            <a:r>
+              <a:rPr lang="en-US">
+                <a:solidFill>
+                  <a:srgbClr val="FFFFFF"/>
+                </a:solidFill>
+              </a:rPr>
+              <a:t>Tranformers</a:t>
+            </a:r>
+          </a:p>
+        </p:txBody>
+      </p:sp>
+      <p:sp>
+        <p:nvSpPr>
+          <p:cNvPr id="3" name="Content Placeholder 2">
+            <a:extLst>
+              <a:ext uri="{FF2B5EF4-FFF2-40B4-BE49-F238E27FC236}">
+                <a16:creationId xmlns:a16="http://schemas.microsoft.com/office/drawing/2014/main" id="{DE54C53E-562B-4098-ACD5-A5527FA1B1E8}"/>
+              </a:ext>
+            </a:extLst>
+          </p:cNvPr>
+          <p:cNvSpPr>
+            <a:spLocks noGrp="1"/>
+          </p:cNvSpPr>
+          <p:nvPr>
+            <p:ph idx="1"/>
+          </p:nvPr>
+        </p:nvSpPr>
+        <p:spPr>
+          <a:xfrm>
+            <a:off x="6090574" y="801866"/>
+            <a:ext cx="5306084" cy="5230634"/>
+          </a:xfrm>
+        </p:spPr>
+        <p:txBody>
+          <a:bodyPr anchor="ctr">
+            <a:normAutofit fontScale="92500" lnSpcReduction="10000"/>
+          </a:bodyPr>
+          <a:lstStyle/>
+          <a:p>
+            <a:r>
+              <a:rPr lang="en-US" sz="2400" dirty="0">
+                <a:solidFill>
+                  <a:srgbClr val="000000"/>
+                </a:solidFill>
+              </a:rPr>
+              <a:t>Connects word tokens to context</a:t>
+            </a:r>
+          </a:p>
+          <a:p>
+            <a:r>
+              <a:rPr lang="en-US" sz="2400" dirty="0">
+                <a:solidFill>
+                  <a:srgbClr val="000000"/>
+                </a:solidFill>
+              </a:rPr>
+              <a:t>Composed of:</a:t>
+            </a:r>
+          </a:p>
+          <a:p>
+            <a:pPr marL="0" indent="0">
+              <a:buNone/>
+            </a:pPr>
+            <a:r>
+              <a:rPr lang="en-US" sz="2400" dirty="0">
+                <a:solidFill>
+                  <a:srgbClr val="000000"/>
+                </a:solidFill>
+              </a:rPr>
+              <a:t>       Traditional	</a:t>
+            </a:r>
+          </a:p>
+          <a:p>
+            <a:pPr lvl="1"/>
+            <a:r>
+              <a:rPr lang="en-US" dirty="0">
+                <a:solidFill>
+                  <a:srgbClr val="000000"/>
+                </a:solidFill>
+              </a:rPr>
+              <a:t>Encoder - decomposes txt to tokens</a:t>
+            </a:r>
+          </a:p>
+          <a:p>
+            <a:pPr lvl="1"/>
+            <a:r>
+              <a:rPr lang="en-US" dirty="0">
+                <a:solidFill>
+                  <a:srgbClr val="000000"/>
+                </a:solidFill>
+              </a:rPr>
+              <a:t>Decoder – connects words to context</a:t>
+            </a:r>
+          </a:p>
+          <a:p>
+            <a:pPr marL="0" indent="0">
+              <a:buNone/>
+            </a:pPr>
+            <a:r>
+              <a:rPr lang="en-US" sz="2400" dirty="0">
+                <a:solidFill>
+                  <a:srgbClr val="000000"/>
+                </a:solidFill>
+              </a:rPr>
+              <a:t>       BERT</a:t>
+            </a:r>
+          </a:p>
+          <a:p>
+            <a:pPr lvl="1"/>
+            <a:r>
+              <a:rPr lang="en-US" dirty="0">
+                <a:solidFill>
+                  <a:srgbClr val="000000"/>
+                </a:solidFill>
+              </a:rPr>
+              <a:t>Encoder - decomposes txt to tokens;</a:t>
+            </a:r>
+          </a:p>
+          <a:p>
+            <a:pPr marL="457200" lvl="1" indent="0">
+              <a:buNone/>
+            </a:pPr>
+            <a:r>
+              <a:rPr lang="en-US" dirty="0">
+                <a:solidFill>
+                  <a:srgbClr val="000000"/>
+                </a:solidFill>
+              </a:rPr>
+              <a:t>connects words to context;  makes the final prediction</a:t>
+            </a:r>
+          </a:p>
+          <a:p>
+            <a:pPr lvl="1"/>
+            <a:r>
+              <a:rPr lang="en-US" dirty="0">
+                <a:solidFill>
+                  <a:srgbClr val="000000"/>
+                </a:solidFill>
+              </a:rPr>
+              <a:t>Decoder – presents final result</a:t>
+            </a:r>
+          </a:p>
+          <a:p>
+            <a:r>
+              <a:rPr lang="en-US" sz="2400" dirty="0">
+                <a:solidFill>
+                  <a:srgbClr val="000000"/>
+                </a:solidFill>
+              </a:rPr>
+              <a:t>Uses a continual internal training model</a:t>
+            </a:r>
+          </a:p>
+          <a:p>
+            <a:r>
+              <a:rPr lang="en-US" sz="2400" dirty="0">
+                <a:solidFill>
+                  <a:srgbClr val="000000"/>
+                </a:solidFill>
+              </a:rPr>
+              <a:t>Words and sentences are masked forcing the transformers to predict the correct words and </a:t>
+            </a:r>
+            <a:r>
+              <a:rPr lang="en-US" sz="2400" dirty="0" err="1">
+                <a:solidFill>
+                  <a:srgbClr val="000000"/>
+                </a:solidFill>
+              </a:rPr>
+              <a:t>prhrases</a:t>
+            </a:r>
+            <a:r>
+              <a:rPr lang="en-US" sz="2400" dirty="0">
+                <a:solidFill>
+                  <a:srgbClr val="000000"/>
+                </a:solidFill>
+              </a:rPr>
+              <a:t>.</a:t>
+            </a:r>
+          </a:p>
+        </p:txBody>
+      </p:sp>
+    </p:spTree>
+    <p:extLst>
+      <p:ext uri="{BB962C8B-B14F-4D97-AF65-F5344CB8AC3E}">
+        <p14:creationId xmlns:p14="http://schemas.microsoft.com/office/powerpoint/2010/main" val="809766732"/>
+      </p:ext>
+    </p:extLst>
+  </p:cSld>
+  <p:clrMapOvr>
+    <a:masterClrMapping/>
+  </p:clrMapOvr>
+</p:sld>
+</file>
+
+<file path=ppt/slides/slide12.xml><?xml version="1.0" encoding="utf-8"?>
+<p:sld xmlns:a="http://schemas.openxmlformats.org/drawingml/2006/main" xmlns:r="http://schemas.openxmlformats.org/officeDocument/2006/relationships" xmlns:p="http://schemas.openxmlformats.org/presentationml/2006/main">
+  <p:cSld>
+    <p:spTree>
+      <p:nvGrpSpPr>
+        <p:cNvPr id="1" name=""/>
+        <p:cNvGrpSpPr/>
+        <p:nvPr/>
+      </p:nvGrpSpPr>
+      <p:grpSpPr>
+        <a:xfrm>
+          <a:off x="0" y="0"/>
+          <a:ext cx="0" cy="0"/>
+          <a:chOff x="0" y="0"/>
+          <a:chExt cx="0" cy="0"/>
+        </a:xfrm>
+      </p:grpSpPr>
+      <p:sp>
+        <p:nvSpPr>
+          <p:cNvPr id="2" name="Title 1">
+            <a:extLst>
+              <a:ext uri="{FF2B5EF4-FFF2-40B4-BE49-F238E27FC236}">
+                <a16:creationId xmlns:a16="http://schemas.microsoft.com/office/drawing/2014/main" id="{AF66A629-8D2F-4A82-AE9A-1CD6051B8284}"/>
+              </a:ext>
+            </a:extLst>
+          </p:cNvPr>
+          <p:cNvSpPr>
+            <a:spLocks noGrp="1"/>
+          </p:cNvSpPr>
+          <p:nvPr>
+            <p:ph type="title"/>
+          </p:nvPr>
+        </p:nvSpPr>
+        <p:spPr/>
+        <p:txBody>
+          <a:bodyPr/>
+          <a:lstStyle/>
+          <a:p>
+            <a:pPr algn="ctr"/>
+            <a:r>
+              <a:rPr lang="en-US" dirty="0"/>
+              <a:t>Training</a:t>
+            </a:r>
+          </a:p>
+        </p:txBody>
+      </p:sp>
+      <p:sp>
+        <p:nvSpPr>
+          <p:cNvPr id="3" name="Content Placeholder 2">
+            <a:extLst>
+              <a:ext uri="{FF2B5EF4-FFF2-40B4-BE49-F238E27FC236}">
+                <a16:creationId xmlns:a16="http://schemas.microsoft.com/office/drawing/2014/main" id="{CAE86377-018A-4E7D-9F6B-135D3B718ACA}"/>
+              </a:ext>
+            </a:extLst>
+          </p:cNvPr>
+          <p:cNvSpPr>
+            <a:spLocks noGrp="1"/>
+          </p:cNvSpPr>
+          <p:nvPr>
+            <p:ph idx="1"/>
+          </p:nvPr>
+        </p:nvSpPr>
+        <p:spPr/>
+        <p:txBody>
+          <a:bodyPr>
+            <a:normAutofit fontScale="92500" lnSpcReduction="10000"/>
+          </a:bodyPr>
+          <a:lstStyle/>
+          <a:p>
+            <a:r>
+              <a:rPr lang="en-US" b="0" i="0" dirty="0">
+                <a:solidFill>
+                  <a:srgbClr val="292929"/>
+                </a:solidFill>
+                <a:effectLst/>
+                <a:latin typeface="medium-content-serif-font"/>
+              </a:rPr>
+              <a:t>BERT was pre-trained on a large corpus of </a:t>
+            </a:r>
+            <a:r>
+              <a:rPr lang="en-US" b="0" i="0" dirty="0" err="1">
+                <a:solidFill>
+                  <a:srgbClr val="292929"/>
+                </a:solidFill>
+                <a:effectLst/>
+                <a:latin typeface="medium-content-serif-font"/>
+              </a:rPr>
+              <a:t>unlabelled</a:t>
+            </a:r>
+            <a:r>
+              <a:rPr lang="en-US" b="0" i="0" dirty="0">
+                <a:solidFill>
+                  <a:srgbClr val="292929"/>
+                </a:solidFill>
+                <a:effectLst/>
+                <a:latin typeface="medium-content-serif-font"/>
+              </a:rPr>
+              <a:t> text including the entire Wikipedia(that’s 2,500 million words) and book corpus (800 million words). Let’s see the 2 training methods that were used to train BERT.</a:t>
+            </a:r>
+            <a:r>
+              <a:rPr lang="en-US" b="0" i="0" baseline="30000" dirty="0">
+                <a:solidFill>
+                  <a:srgbClr val="292929"/>
+                </a:solidFill>
+                <a:effectLst/>
+                <a:latin typeface="medium-content-serif-font"/>
+              </a:rPr>
+              <a:t>1</a:t>
+            </a:r>
+          </a:p>
+          <a:p>
+            <a:endParaRPr lang="en-US" b="0" i="0" baseline="30000" dirty="0">
+              <a:solidFill>
+                <a:srgbClr val="292929"/>
+              </a:solidFill>
+              <a:effectLst/>
+              <a:latin typeface="medium-content-serif-font"/>
+            </a:endParaRPr>
+          </a:p>
+          <a:p>
+            <a:pPr marL="0" indent="0">
+              <a:buNone/>
+            </a:pPr>
+            <a:r>
+              <a:rPr lang="en-US" dirty="0">
+                <a:solidFill>
+                  <a:srgbClr val="292929"/>
+                </a:solidFill>
+                <a:latin typeface="medium-content-serif-font"/>
+              </a:rPr>
+              <a:t>Two BERT Training Models</a:t>
+            </a:r>
+          </a:p>
+          <a:p>
+            <a:r>
+              <a:rPr lang="en-US" b="1" i="0" dirty="0">
+                <a:solidFill>
+                  <a:srgbClr val="292929"/>
+                </a:solidFill>
+                <a:effectLst/>
+                <a:latin typeface="medium-content-serif-font"/>
+              </a:rPr>
+              <a:t>Masked Language Model (MLM)</a:t>
+            </a:r>
+          </a:p>
+          <a:p>
+            <a:pPr lvl="1"/>
+            <a:r>
+              <a:rPr lang="en-US" i="0" dirty="0">
+                <a:solidFill>
+                  <a:srgbClr val="292929"/>
+                </a:solidFill>
+                <a:effectLst/>
+                <a:latin typeface="medium-content-serif-font"/>
+              </a:rPr>
+              <a:t>The model is fed sentences with masked words</a:t>
+            </a:r>
+          </a:p>
+          <a:p>
+            <a:pPr lvl="1"/>
+            <a:r>
+              <a:rPr lang="en-US" i="0" dirty="0">
+                <a:solidFill>
+                  <a:srgbClr val="292929"/>
+                </a:solidFill>
+                <a:effectLst/>
+                <a:latin typeface="medium-content-serif-font"/>
+              </a:rPr>
+              <a:t>Goal: predict the maske</a:t>
+            </a:r>
+            <a:r>
+              <a:rPr lang="en-US" dirty="0">
+                <a:solidFill>
+                  <a:srgbClr val="292929"/>
+                </a:solidFill>
+                <a:latin typeface="medium-content-serif-font"/>
+              </a:rPr>
+              <a:t>d words</a:t>
+            </a:r>
+            <a:endParaRPr lang="en-US" i="0" dirty="0">
+              <a:solidFill>
+                <a:srgbClr val="292929"/>
+              </a:solidFill>
+              <a:effectLst/>
+              <a:latin typeface="medium-content-serif-font"/>
+            </a:endParaRPr>
+          </a:p>
+          <a:p>
+            <a:r>
+              <a:rPr lang="en-US" b="1" i="0" dirty="0">
+                <a:solidFill>
+                  <a:srgbClr val="292929"/>
+                </a:solidFill>
+                <a:effectLst/>
+                <a:latin typeface="medium-content-serif-font"/>
+              </a:rPr>
+              <a:t>Next Sentence Prediction (NSP)</a:t>
+            </a:r>
+          </a:p>
+          <a:p>
+            <a:pPr lvl="1"/>
+            <a:r>
+              <a:rPr lang="en-US" dirty="0">
+                <a:solidFill>
+                  <a:srgbClr val="292929"/>
+                </a:solidFill>
+                <a:latin typeface="medium-content-serif-font"/>
+              </a:rPr>
+              <a:t>The model is fed a series of two sentences</a:t>
+            </a:r>
+          </a:p>
+          <a:p>
+            <a:pPr lvl="1"/>
+            <a:r>
+              <a:rPr lang="en-US" dirty="0">
+                <a:solidFill>
+                  <a:srgbClr val="292929"/>
+                </a:solidFill>
+                <a:latin typeface="medium-content-serif-font"/>
+              </a:rPr>
+              <a:t>Goal: put the two sentences in the proper order</a:t>
+            </a:r>
+          </a:p>
+        </p:txBody>
+      </p:sp>
+      <p:sp>
+        <p:nvSpPr>
+          <p:cNvPr id="4" name="TextBox 3">
+            <a:extLst>
+              <a:ext uri="{FF2B5EF4-FFF2-40B4-BE49-F238E27FC236}">
+                <a16:creationId xmlns:a16="http://schemas.microsoft.com/office/drawing/2014/main" id="{E46D0392-9CB7-40C2-AE36-3423353C0D77}"/>
+              </a:ext>
+            </a:extLst>
+          </p:cNvPr>
+          <p:cNvSpPr txBox="1"/>
+          <p:nvPr/>
+        </p:nvSpPr>
+        <p:spPr>
+          <a:xfrm>
+            <a:off x="838200" y="6391469"/>
+            <a:ext cx="8165841" cy="246221"/>
+          </a:xfrm>
+          <a:prstGeom prst="rect">
+            <a:avLst/>
+          </a:prstGeom>
+          <a:noFill/>
+        </p:spPr>
+        <p:txBody>
+          <a:bodyPr wrap="square" rtlCol="0">
+            <a:spAutoFit/>
+          </a:bodyPr>
+          <a:lstStyle/>
+          <a:p>
+            <a:r>
+              <a:rPr lang="en-US" sz="1000" dirty="0"/>
+              <a:t>1  Vajpayee Sarthak; </a:t>
+            </a:r>
+            <a:r>
+              <a:rPr lang="en-US" sz="1000" b="0" i="0" dirty="0">
+                <a:solidFill>
+                  <a:srgbClr val="292929"/>
+                </a:solidFill>
+                <a:effectLst/>
+                <a:latin typeface="medium-content-title-font"/>
+              </a:rPr>
+              <a:t>Understanding BERT — </a:t>
+            </a:r>
+            <a:r>
+              <a:rPr lang="en-US" sz="1000" b="0" i="1" dirty="0">
+                <a:solidFill>
+                  <a:srgbClr val="292929"/>
+                </a:solidFill>
+                <a:effectLst/>
+                <a:latin typeface="medium-content-title-font"/>
+              </a:rPr>
+              <a:t>(Bidirectional Encoder Representations from Transformers); 2020</a:t>
+            </a:r>
+            <a:endParaRPr lang="en-US" sz="1000" b="0" i="0" dirty="0">
+              <a:solidFill>
+                <a:srgbClr val="292929"/>
+              </a:solidFill>
+              <a:effectLst/>
+              <a:latin typeface="medium-content-title-font"/>
+            </a:endParaRPr>
+          </a:p>
+        </p:txBody>
+      </p:sp>
+    </p:spTree>
+    <p:extLst>
+      <p:ext uri="{BB962C8B-B14F-4D97-AF65-F5344CB8AC3E}">
+        <p14:creationId xmlns:p14="http://schemas.microsoft.com/office/powerpoint/2010/main" val="2170780647"/>
+      </p:ext>
+    </p:extLst>
+  </p:cSld>
+  <p:clrMapOvr>
+    <a:masterClrMapping/>
+  </p:clrMapOvr>
+</p:sld>
+</file>
+
+<file path=ppt/slides/slide13.xml><?xml version="1.0" encoding="utf-8"?>
+<p:sld xmlns:a="http://schemas.openxmlformats.org/drawingml/2006/main" xmlns:r="http://schemas.openxmlformats.org/officeDocument/2006/relationships" xmlns:p="http://schemas.openxmlformats.org/presentationml/2006/main">
+  <p:cSld>
+    <p:bg>
+      <p:bgPr>
+        <a:solidFill>
+          <a:schemeClr val="bg1"/>
+        </a:solidFill>
+        <a:effectLst/>
+      </p:bgPr>
+    </p:bg>
+    <p:spTree>
+      <p:nvGrpSpPr>
+        <p:cNvPr id="1" name=""/>
+        <p:cNvGrpSpPr/>
+        <p:nvPr/>
+      </p:nvGrpSpPr>
+      <p:grpSpPr>
+        <a:xfrm>
+          <a:off x="0" y="0"/>
+          <a:ext cx="0" cy="0"/>
+          <a:chOff x="0" y="0"/>
+          <a:chExt cx="0" cy="0"/>
+        </a:xfrm>
+      </p:grpSpPr>
+      <p:sp useBgFill="1">
+        <p:nvSpPr>
+          <p:cNvPr id="8" name="Rectangle 7">
+            <a:extLst>
+              <a:ext uri="{FF2B5EF4-FFF2-40B4-BE49-F238E27FC236}">
+                <a16:creationId xmlns:a16="http://schemas.microsoft.com/office/drawing/2014/main" id="{827B839B-9ADE-406B-8590-F1CAEDED45A1}"/>
+              </a:ext>
+              <a:ext uri="{C183D7F6-B498-43B3-948B-1728B52AA6E4}">
+                <adec:decorative xmlns:adec="http://schemas.microsoft.com/office/drawing/2017/decorative" val="1"/>
+              </a:ext>
+            </a:extLst>
+          </p:cNvPr>
+          <p:cNvSpPr>
+            <a:spLocks noGrp="1" noRot="1" noChangeAspect="1" noMove="1" noResize="1" noEditPoints="1" noAdjustHandles="1" noChangeArrowheads="1" noChangeShapeType="1" noTextEdit="1"/>
+          </p:cNvSpPr>
+          <p:nvPr>
+            <p:extLst>
+              <p:ext uri="{386F3935-93C4-4BCD-93E2-E3B085C9AB24}">
+                <p16:designElem xmlns:p16="http://schemas.microsoft.com/office/powerpoint/2015/main" val="1"/>
+              </p:ext>
+            </p:extLst>
+          </p:nvPr>
+        </p:nvSpPr>
+        <p:spPr>
+          <a:xfrm>
+            <a:off x="0" y="0"/>
+            <a:ext cx="12188952" cy="6858000"/>
+          </a:xfrm>
+          <a:prstGeom prst="rect">
+            <a:avLst/>
+          </a:prstGeom>
+          <a:ln>
+            <a:noFill/>
+          </a:ln>
+        </p:spPr>
+        <p:style>
+          <a:lnRef idx="2">
+            <a:schemeClr val="accent1">
+              <a:shade val="50000"/>
+            </a:schemeClr>
+          </a:lnRef>
+          <a:fillRef idx="1">
+            <a:schemeClr val="accent1"/>
+          </a:fillRef>
+          <a:effectRef idx="0">
+            <a:schemeClr val="accent1"/>
+          </a:effectRef>
+          <a:fontRef idx="minor">
+            <a:schemeClr val="lt1"/>
+          </a:fontRef>
+        </p:style>
+        <p:txBody>
+          <a:bodyPr rtlCol="0" anchor="ctr"/>
+          <a:lstStyle/>
+          <a:p>
+            <a:pPr algn="ctr"/>
+            <a:endParaRPr lang="en-US"/>
+          </a:p>
+        </p:txBody>
+      </p:sp>
+      <p:sp>
+        <p:nvSpPr>
+          <p:cNvPr id="10" name="Freeform 45">
+            <a:extLst>
+              <a:ext uri="{FF2B5EF4-FFF2-40B4-BE49-F238E27FC236}">
+                <a16:creationId xmlns:a16="http://schemas.microsoft.com/office/drawing/2014/main" id="{CFE45BF0-46DB-408C-B5F7-7B11716805D4}"/>
+              </a:ext>
+              <a:ext uri="{C183D7F6-B498-43B3-948B-1728B52AA6E4}">
+                <adec:decorative xmlns:adec="http://schemas.microsoft.com/office/drawing/2017/decorative" val="1"/>
+              </a:ext>
+            </a:extLst>
+          </p:cNvPr>
+          <p:cNvSpPr>
+            <a:spLocks noGrp="1" noRot="1" noChangeAspect="1" noMove="1" noResize="1" noEditPoints="1" noAdjustHandles="1" noChangeArrowheads="1" noChangeShapeType="1" noTextEdit="1"/>
+          </p:cNvSpPr>
+          <p:nvPr>
+            <p:extLst>
+              <p:ext uri="{386F3935-93C4-4BCD-93E2-E3B085C9AB24}">
+                <p16:designElem xmlns:p16="http://schemas.microsoft.com/office/powerpoint/2015/main" val="1"/>
+              </p:ext>
+            </p:extLst>
+          </p:nvPr>
+        </p:nvSpPr>
+        <p:spPr bwMode="auto">
+          <a:xfrm>
+            <a:off x="409710" y="1022350"/>
+            <a:ext cx="709612" cy="2095501"/>
+          </a:xfrm>
+          <a:custGeom>
+            <a:avLst/>
+            <a:gdLst>
+              <a:gd name="T0" fmla="*/ 447 w 447"/>
+              <a:gd name="T1" fmla="*/ 1363 h 1363"/>
+              <a:gd name="T2" fmla="*/ 0 w 447"/>
+              <a:gd name="T3" fmla="*/ 987 h 1363"/>
+              <a:gd name="T4" fmla="*/ 0 w 447"/>
+              <a:gd name="T5" fmla="*/ 0 h 1363"/>
+              <a:gd name="T6" fmla="*/ 447 w 447"/>
+              <a:gd name="T7" fmla="*/ 376 h 1363"/>
+              <a:gd name="T8" fmla="*/ 447 w 447"/>
+              <a:gd name="T9" fmla="*/ 1363 h 1363"/>
+            </a:gdLst>
+            <a:ahLst/>
+            <a:cxnLst>
+              <a:cxn ang="0">
+                <a:pos x="T0" y="T1"/>
+              </a:cxn>
+              <a:cxn ang="0">
+                <a:pos x="T2" y="T3"/>
+              </a:cxn>
+              <a:cxn ang="0">
+                <a:pos x="T4" y="T5"/>
+              </a:cxn>
+              <a:cxn ang="0">
+                <a:pos x="T6" y="T7"/>
+              </a:cxn>
+              <a:cxn ang="0">
+                <a:pos x="T8" y="T9"/>
+              </a:cxn>
+            </a:cxnLst>
+            <a:rect l="0" t="0" r="r" b="b"/>
+            <a:pathLst>
+              <a:path w="447" h="1363">
+                <a:moveTo>
+                  <a:pt x="447" y="1363"/>
+                </a:moveTo>
+                <a:lnTo>
+                  <a:pt x="0" y="987"/>
+                </a:lnTo>
+                <a:lnTo>
+                  <a:pt x="0" y="0"/>
+                </a:lnTo>
+                <a:lnTo>
+                  <a:pt x="447" y="376"/>
+                </a:lnTo>
+                <a:lnTo>
+                  <a:pt x="447" y="1363"/>
+                </a:lnTo>
+                <a:close/>
+              </a:path>
+            </a:pathLst>
+          </a:custGeom>
+          <a:solidFill>
+            <a:schemeClr val="accent1">
+              <a:lumMod val="50000"/>
+            </a:schemeClr>
+          </a:solidFill>
+          <a:ln>
+            <a:noFill/>
+          </a:ln>
+        </p:spPr>
+        <p:txBody>
+          <a:bodyPr vert="horz" wrap="square" lIns="91440" tIns="45720" rIns="91440" bIns="45720" numCol="1" anchor="t" anchorCtr="0" compatLnSpc="1">
+            <a:prstTxWarp prst="textNoShape">
+              <a:avLst/>
+            </a:prstTxWarp>
+          </a:bodyPr>
+          <a:lstStyle/>
+          <a:p>
+            <a:endParaRPr lang="en-US"/>
+          </a:p>
+        </p:txBody>
+      </p:sp>
+      <p:sp>
+        <p:nvSpPr>
+          <p:cNvPr id="12" name="Freeform 46">
+            <a:extLst>
+              <a:ext uri="{FF2B5EF4-FFF2-40B4-BE49-F238E27FC236}">
+                <a16:creationId xmlns:a16="http://schemas.microsoft.com/office/drawing/2014/main" id="{2AEBC8F2-97B1-41B4-93F1-2D289E197FBA}"/>
+              </a:ext>
+              <a:ext uri="{C183D7F6-B498-43B3-948B-1728B52AA6E4}">
+                <adec:decorative xmlns:adec="http://schemas.microsoft.com/office/drawing/2017/decorative" val="1"/>
+              </a:ext>
+            </a:extLst>
+          </p:cNvPr>
+          <p:cNvSpPr>
+            <a:spLocks noGrp="1" noRot="1" noChangeAspect="1" noMove="1" noResize="1" noEditPoints="1" noAdjustHandles="1" noChangeArrowheads="1" noChangeShapeType="1" noTextEdit="1"/>
+          </p:cNvSpPr>
+          <p:nvPr>
+            <p:extLst>
+              <p:ext uri="{386F3935-93C4-4BCD-93E2-E3B085C9AB24}">
+                <p16:designElem xmlns:p16="http://schemas.microsoft.com/office/powerpoint/2015/main" val="1"/>
+              </p:ext>
+            </p:extLst>
+          </p:nvPr>
+        </p:nvSpPr>
+        <p:spPr bwMode="auto">
+          <a:xfrm>
+            <a:off x="409710" y="837744"/>
+            <a:ext cx="403225" cy="1705431"/>
+          </a:xfrm>
+          <a:custGeom>
+            <a:avLst/>
+            <a:gdLst>
+              <a:gd name="T0" fmla="*/ 254 w 254"/>
+              <a:gd name="T1" fmla="*/ 987 h 1109"/>
+              <a:gd name="T2" fmla="*/ 0 w 254"/>
+              <a:gd name="T3" fmla="*/ 1109 h 1109"/>
+              <a:gd name="T4" fmla="*/ 0 w 254"/>
+              <a:gd name="T5" fmla="*/ 119 h 1109"/>
+              <a:gd name="T6" fmla="*/ 254 w 254"/>
+              <a:gd name="T7" fmla="*/ 0 h 1109"/>
+              <a:gd name="T8" fmla="*/ 254 w 254"/>
+              <a:gd name="T9" fmla="*/ 987 h 1109"/>
+            </a:gdLst>
+            <a:ahLst/>
+            <a:cxnLst>
+              <a:cxn ang="0">
+                <a:pos x="T0" y="T1"/>
+              </a:cxn>
+              <a:cxn ang="0">
+                <a:pos x="T2" y="T3"/>
+              </a:cxn>
+              <a:cxn ang="0">
+                <a:pos x="T4" y="T5"/>
+              </a:cxn>
+              <a:cxn ang="0">
+                <a:pos x="T6" y="T7"/>
+              </a:cxn>
+              <a:cxn ang="0">
+                <a:pos x="T8" y="T9"/>
+              </a:cxn>
+            </a:cxnLst>
+            <a:rect l="0" t="0" r="r" b="b"/>
+            <a:pathLst>
+              <a:path w="254" h="1109">
+                <a:moveTo>
+                  <a:pt x="254" y="987"/>
+                </a:moveTo>
+                <a:lnTo>
+                  <a:pt x="0" y="1109"/>
+                </a:lnTo>
+                <a:lnTo>
+                  <a:pt x="0" y="119"/>
+                </a:lnTo>
+                <a:lnTo>
+                  <a:pt x="254" y="0"/>
+                </a:lnTo>
+                <a:lnTo>
+                  <a:pt x="254" y="987"/>
+                </a:lnTo>
+                <a:close/>
+              </a:path>
+            </a:pathLst>
+          </a:custGeom>
+          <a:solidFill>
+            <a:schemeClr val="accent1">
+              <a:lumMod val="75000"/>
+            </a:schemeClr>
+          </a:solidFill>
+          <a:ln>
+            <a:noFill/>
+          </a:ln>
+        </p:spPr>
+        <p:txBody>
+          <a:bodyPr vert="horz" wrap="square" lIns="91440" tIns="45720" rIns="91440" bIns="45720" numCol="1" anchor="t" anchorCtr="0" compatLnSpc="1">
+            <a:prstTxWarp prst="textNoShape">
+              <a:avLst/>
+            </a:prstTxWarp>
+          </a:bodyPr>
+          <a:lstStyle/>
+          <a:p>
+            <a:endParaRPr lang="en-US"/>
+          </a:p>
+        </p:txBody>
+      </p:sp>
+      <p:sp>
+        <p:nvSpPr>
+          <p:cNvPr id="14" name="Freeform 47">
+            <a:extLst>
+              <a:ext uri="{FF2B5EF4-FFF2-40B4-BE49-F238E27FC236}">
+                <a16:creationId xmlns:a16="http://schemas.microsoft.com/office/drawing/2014/main" id="{472E3A19-F5D5-48FC-BB9C-48C2F68F598B}"/>
+              </a:ext>
+              <a:ext uri="{C183D7F6-B498-43B3-948B-1728B52AA6E4}">
+                <adec:decorative xmlns:adec="http://schemas.microsoft.com/office/drawing/2017/decorative" val="1"/>
+              </a:ext>
+            </a:extLst>
+          </p:cNvPr>
+          <p:cNvSpPr>
+            <a:spLocks noGrp="1" noRot="1" noChangeAspect="1" noMove="1" noResize="1" noEditPoints="1" noAdjustHandles="1" noChangeArrowheads="1" noChangeShapeType="1" noTextEdit="1"/>
+          </p:cNvSpPr>
+          <p:nvPr>
+            <p:extLst>
+              <p:ext uri="{386F3935-93C4-4BCD-93E2-E3B085C9AB24}">
+                <p16:designElem xmlns:p16="http://schemas.microsoft.com/office/powerpoint/2015/main" val="1"/>
+              </p:ext>
+            </p:extLst>
+          </p:nvPr>
+        </p:nvSpPr>
+        <p:spPr bwMode="auto">
+          <a:xfrm>
+            <a:off x="644660" y="640894"/>
+            <a:ext cx="168275" cy="1713195"/>
+          </a:xfrm>
+          <a:custGeom>
+            <a:avLst/>
+            <a:gdLst>
+              <a:gd name="T0" fmla="*/ 106 w 106"/>
+              <a:gd name="T1" fmla="*/ 1114 h 1114"/>
+              <a:gd name="T2" fmla="*/ 0 w 106"/>
+              <a:gd name="T3" fmla="*/ 1005 h 1114"/>
+              <a:gd name="T4" fmla="*/ 0 w 106"/>
+              <a:gd name="T5" fmla="*/ 0 h 1114"/>
+              <a:gd name="T6" fmla="*/ 106 w 106"/>
+              <a:gd name="T7" fmla="*/ 110 h 1114"/>
+              <a:gd name="T8" fmla="*/ 106 w 106"/>
+              <a:gd name="T9" fmla="*/ 1114 h 1114"/>
+            </a:gdLst>
+            <a:ahLst/>
+            <a:cxnLst>
+              <a:cxn ang="0">
+                <a:pos x="T0" y="T1"/>
+              </a:cxn>
+              <a:cxn ang="0">
+                <a:pos x="T2" y="T3"/>
+              </a:cxn>
+              <a:cxn ang="0">
+                <a:pos x="T4" y="T5"/>
+              </a:cxn>
+              <a:cxn ang="0">
+                <a:pos x="T6" y="T7"/>
+              </a:cxn>
+              <a:cxn ang="0">
+                <a:pos x="T8" y="T9"/>
+              </a:cxn>
+            </a:cxnLst>
+            <a:rect l="0" t="0" r="r" b="b"/>
+            <a:pathLst>
+              <a:path w="106" h="1114">
+                <a:moveTo>
+                  <a:pt x="106" y="1114"/>
+                </a:moveTo>
+                <a:lnTo>
+                  <a:pt x="0" y="1005"/>
+                </a:lnTo>
+                <a:lnTo>
+                  <a:pt x="0" y="0"/>
+                </a:lnTo>
+                <a:lnTo>
+                  <a:pt x="106" y="110"/>
+                </a:lnTo>
+                <a:lnTo>
+                  <a:pt x="106" y="1114"/>
+                </a:lnTo>
+                <a:close/>
+              </a:path>
+            </a:pathLst>
+          </a:custGeom>
+          <a:solidFill>
+            <a:schemeClr val="accent1">
+              <a:lumMod val="50000"/>
+            </a:schemeClr>
+          </a:solidFill>
+          <a:ln>
+            <a:noFill/>
+          </a:ln>
+        </p:spPr>
+        <p:txBody>
+          <a:bodyPr vert="horz" wrap="square" lIns="91440" tIns="45720" rIns="91440" bIns="45720" numCol="1" anchor="t" anchorCtr="0" compatLnSpc="1">
+            <a:prstTxWarp prst="textNoShape">
+              <a:avLst/>
+            </a:prstTxWarp>
+          </a:bodyPr>
+          <a:lstStyle/>
+          <a:p>
+            <a:endParaRPr lang="en-US"/>
+          </a:p>
+        </p:txBody>
+      </p:sp>
+      <p:sp>
+        <p:nvSpPr>
+          <p:cNvPr id="16" name="Freeform 44">
+            <a:extLst>
+              <a:ext uri="{FF2B5EF4-FFF2-40B4-BE49-F238E27FC236}">
+                <a16:creationId xmlns:a16="http://schemas.microsoft.com/office/drawing/2014/main" id="{7A62E32F-BB65-43A8-8EB5-92346890E549}"/>
+              </a:ext>
+              <a:ext uri="{C183D7F6-B498-43B3-948B-1728B52AA6E4}">
+                <adec:decorative xmlns:adec="http://schemas.microsoft.com/office/drawing/2017/decorative" val="1"/>
+              </a:ext>
+            </a:extLst>
+          </p:cNvPr>
+          <p:cNvSpPr>
+            <a:spLocks noGrp="1" noRot="1" noChangeAspect="1" noMove="1" noResize="1" noEditPoints="1" noAdjustHandles="1" noChangeArrowheads="1" noChangeShapeType="1" noTextEdit="1"/>
+          </p:cNvSpPr>
+          <p:nvPr>
+            <p:extLst>
+              <p:ext uri="{386F3935-93C4-4BCD-93E2-E3B085C9AB24}">
+                <p16:designElem xmlns:p16="http://schemas.microsoft.com/office/powerpoint/2015/main" val="1"/>
+              </p:ext>
+            </p:extLst>
+          </p:nvPr>
+        </p:nvSpPr>
+        <p:spPr bwMode="auto">
+          <a:xfrm>
+            <a:off x="11223203" y="635716"/>
+            <a:ext cx="328612" cy="1742360"/>
+          </a:xfrm>
+          <a:custGeom>
+            <a:avLst/>
+            <a:gdLst>
+              <a:gd name="T0" fmla="*/ 207 w 207"/>
+              <a:gd name="T1" fmla="*/ 987 h 1114"/>
+              <a:gd name="T2" fmla="*/ 0 w 207"/>
+              <a:gd name="T3" fmla="*/ 1114 h 1114"/>
+              <a:gd name="T4" fmla="*/ 0 w 207"/>
+              <a:gd name="T5" fmla="*/ 127 h 1114"/>
+              <a:gd name="T6" fmla="*/ 207 w 207"/>
+              <a:gd name="T7" fmla="*/ 0 h 1114"/>
+              <a:gd name="T8" fmla="*/ 207 w 207"/>
+              <a:gd name="T9" fmla="*/ 987 h 1114"/>
+            </a:gdLst>
+            <a:ahLst/>
+            <a:cxnLst>
+              <a:cxn ang="0">
+                <a:pos x="T0" y="T1"/>
+              </a:cxn>
+              <a:cxn ang="0">
+                <a:pos x="T2" y="T3"/>
+              </a:cxn>
+              <a:cxn ang="0">
+                <a:pos x="T4" y="T5"/>
+              </a:cxn>
+              <a:cxn ang="0">
+                <a:pos x="T6" y="T7"/>
+              </a:cxn>
+              <a:cxn ang="0">
+                <a:pos x="T8" y="T9"/>
+              </a:cxn>
+            </a:cxnLst>
+            <a:rect l="0" t="0" r="r" b="b"/>
+            <a:pathLst>
+              <a:path w="207" h="1114">
+                <a:moveTo>
+                  <a:pt x="207" y="987"/>
+                </a:moveTo>
+                <a:lnTo>
+                  <a:pt x="0" y="1114"/>
+                </a:lnTo>
+                <a:lnTo>
+                  <a:pt x="0" y="127"/>
+                </a:lnTo>
+                <a:lnTo>
+                  <a:pt x="207" y="0"/>
+                </a:lnTo>
+                <a:lnTo>
+                  <a:pt x="207" y="987"/>
+                </a:lnTo>
+                <a:close/>
+              </a:path>
+            </a:pathLst>
+          </a:custGeom>
+          <a:solidFill>
+            <a:schemeClr val="accent1">
+              <a:lumMod val="50000"/>
+            </a:schemeClr>
+          </a:solidFill>
+          <a:ln>
+            <a:noFill/>
+          </a:ln>
+        </p:spPr>
+        <p:txBody>
+          <a:bodyPr vert="horz" wrap="square" lIns="91440" tIns="45720" rIns="91440" bIns="45720" numCol="1" anchor="t" anchorCtr="0" compatLnSpc="1">
+            <a:prstTxWarp prst="textNoShape">
+              <a:avLst/>
+            </a:prstTxWarp>
+          </a:bodyPr>
+          <a:lstStyle/>
+          <a:p>
+            <a:endParaRPr lang="en-US"/>
+          </a:p>
+        </p:txBody>
+      </p:sp>
+      <p:sp>
+        <p:nvSpPr>
+          <p:cNvPr id="18" name="Rectangle 17">
+            <a:extLst>
+              <a:ext uri="{FF2B5EF4-FFF2-40B4-BE49-F238E27FC236}">
+                <a16:creationId xmlns:a16="http://schemas.microsoft.com/office/drawing/2014/main" id="{14E91B64-9FCC-451E-AFB4-A827D6329367}"/>
+              </a:ext>
+              <a:ext uri="{C183D7F6-B498-43B3-948B-1728B52AA6E4}">
+                <adec:decorative xmlns:adec="http://schemas.microsoft.com/office/drawing/2017/decorative" val="1"/>
+              </a:ext>
+            </a:extLst>
+          </p:cNvPr>
+          <p:cNvSpPr>
+            <a:spLocks noGrp="1" noRot="1" noChangeAspect="1" noMove="1" noResize="1" noEditPoints="1" noAdjustHandles="1" noChangeArrowheads="1" noChangeShapeType="1" noTextEdit="1"/>
+          </p:cNvSpPr>
+          <p:nvPr>
+            <p:extLst>
+              <p:ext uri="{386F3935-93C4-4BCD-93E2-E3B085C9AB24}">
+                <p16:designElem xmlns:p16="http://schemas.microsoft.com/office/powerpoint/2015/main" val="1"/>
+              </p:ext>
+            </p:extLst>
+          </p:nvPr>
+        </p:nvSpPr>
+        <p:spPr bwMode="auto">
+          <a:xfrm>
+            <a:off x="644055" y="635715"/>
+            <a:ext cx="10907863" cy="1541457"/>
+          </a:xfrm>
+          <a:prstGeom prst="rect">
+            <a:avLst/>
+          </a:prstGeom>
+          <a:solidFill>
+            <a:schemeClr val="accent1"/>
+          </a:solidFill>
+          <a:ln>
+            <a:noFill/>
+          </a:ln>
+        </p:spPr>
+        <p:txBody>
+          <a:bodyPr vert="horz" wrap="square" lIns="91440" tIns="45720" rIns="91440" bIns="45720" numCol="1" anchor="t" anchorCtr="0" compatLnSpc="1">
+            <a:prstTxWarp prst="textNoShape">
+              <a:avLst/>
+            </a:prstTxWarp>
+          </a:bodyPr>
+          <a:lstStyle/>
+          <a:p>
+            <a:endParaRPr lang="en-US"/>
+          </a:p>
+        </p:txBody>
+      </p:sp>
+      <p:sp>
+        <p:nvSpPr>
+          <p:cNvPr id="2" name="Title 1">
+            <a:extLst>
+              <a:ext uri="{FF2B5EF4-FFF2-40B4-BE49-F238E27FC236}">
+                <a16:creationId xmlns:a16="http://schemas.microsoft.com/office/drawing/2014/main" id="{06E8B044-5C59-4C08-A0A2-9318E9D7CB1F}"/>
+              </a:ext>
+            </a:extLst>
+          </p:cNvPr>
+          <p:cNvSpPr>
+            <a:spLocks noGrp="1"/>
+          </p:cNvSpPr>
+          <p:nvPr>
+            <p:ph type="title"/>
+          </p:nvPr>
+        </p:nvSpPr>
+        <p:spPr>
+          <a:xfrm>
+            <a:off x="958506" y="800392"/>
+            <a:ext cx="10264697" cy="1212102"/>
+          </a:xfrm>
+        </p:spPr>
+        <p:txBody>
+          <a:bodyPr>
+            <a:normAutofit/>
+          </a:bodyPr>
+          <a:lstStyle/>
+          <a:p>
+            <a:r>
+              <a:rPr lang="en-US" sz="4000">
+                <a:solidFill>
+                  <a:srgbClr val="FFFFFF"/>
+                </a:solidFill>
+              </a:rPr>
+              <a:t>What is Reverse Mad Libs?</a:t>
+            </a:r>
+          </a:p>
+        </p:txBody>
+      </p:sp>
+      <p:sp>
+        <p:nvSpPr>
+          <p:cNvPr id="3" name="Content Placeholder 2">
+            <a:extLst>
+              <a:ext uri="{FF2B5EF4-FFF2-40B4-BE49-F238E27FC236}">
+                <a16:creationId xmlns:a16="http://schemas.microsoft.com/office/drawing/2014/main" id="{4D0BA02D-096C-43AD-BD3C-DB87077A7F5B}"/>
+              </a:ext>
+            </a:extLst>
+          </p:cNvPr>
+          <p:cNvSpPr>
+            <a:spLocks noGrp="1"/>
+          </p:cNvSpPr>
+          <p:nvPr>
+            <p:ph idx="1"/>
+          </p:nvPr>
+        </p:nvSpPr>
+        <p:spPr>
+          <a:xfrm>
+            <a:off x="1367624" y="2490436"/>
+            <a:ext cx="9708995" cy="3567173"/>
+          </a:xfrm>
+        </p:spPr>
+        <p:txBody>
+          <a:bodyPr anchor="ctr">
+            <a:normAutofit/>
+          </a:bodyPr>
+          <a:lstStyle/>
+          <a:p>
+            <a:r>
+              <a:rPr lang="en-US" sz="2400" dirty="0"/>
+              <a:t>A twist on the popular game</a:t>
+            </a:r>
+          </a:p>
+          <a:p>
+            <a:r>
+              <a:rPr lang="en-US" sz="2400" dirty="0"/>
+              <a:t>Player one is asked for a list of arbitrary words</a:t>
+            </a:r>
+          </a:p>
+          <a:p>
+            <a:r>
+              <a:rPr lang="en-US" sz="2400" dirty="0"/>
+              <a:t>Player two inserts the words into a story</a:t>
+            </a:r>
+          </a:p>
+          <a:p>
+            <a:r>
+              <a:rPr lang="en-US" sz="2400" dirty="0"/>
+              <a:t>Player one typically does not see the story until the words are filled in</a:t>
+            </a:r>
+          </a:p>
+          <a:p>
+            <a:r>
+              <a:rPr lang="en-US" sz="2400" dirty="0"/>
+              <a:t>Machine uses NLP Algorithms to predict the missing words</a:t>
+            </a:r>
+          </a:p>
+        </p:txBody>
+      </p:sp>
+    </p:spTree>
+    <p:extLst>
+      <p:ext uri="{BB962C8B-B14F-4D97-AF65-F5344CB8AC3E}">
+        <p14:creationId xmlns:p14="http://schemas.microsoft.com/office/powerpoint/2010/main" val="1691009008"/>
+      </p:ext>
+    </p:extLst>
+  </p:cSld>
+  <p:clrMapOvr>
+    <a:masterClrMapping/>
+  </p:clrMapOvr>
+</p:sld>
+</file>
+
+<file path=ppt/slides/slide14.xml><?xml version="1.0" encoding="utf-8"?>
+<p:sld xmlns:a="http://schemas.openxmlformats.org/drawingml/2006/main" xmlns:r="http://schemas.openxmlformats.org/officeDocument/2006/relationships" xmlns:p="http://schemas.openxmlformats.org/presentationml/2006/main">
+  <p:cSld>
+    <p:bg>
+      <p:bgPr>
+        <a:solidFill>
+          <a:srgbClr val="007A4C"/>
+        </a:solidFill>
+        <a:effectLst/>
+      </p:bgPr>
+    </p:bg>
+    <p:spTree>
+      <p:nvGrpSpPr>
+        <p:cNvPr id="1" name=""/>
+        <p:cNvGrpSpPr/>
+        <p:nvPr/>
+      </p:nvGrpSpPr>
+      <p:grpSpPr>
+        <a:xfrm>
+          <a:off x="0" y="0"/>
+          <a:ext cx="0" cy="0"/>
+          <a:chOff x="0" y="0"/>
+          <a:chExt cx="0" cy="0"/>
+        </a:xfrm>
+      </p:grpSpPr>
+      <p:sp useBgFill="1">
+        <p:nvSpPr>
+          <p:cNvPr id="42" name="Rectangle 41">
+            <a:extLst>
+              <a:ext uri="{FF2B5EF4-FFF2-40B4-BE49-F238E27FC236}">
+                <a16:creationId xmlns:a16="http://schemas.microsoft.com/office/drawing/2014/main" id="{3EEB8ED6-9142-4A11-B029-18DDE98C4952}"/>
+              </a:ext>
+              <a:ext uri="{C183D7F6-B498-43B3-948B-1728B52AA6E4}">
+                <adec:decorative xmlns:adec="http://schemas.microsoft.com/office/drawing/2017/decorative" val="1"/>
+              </a:ext>
+            </a:extLst>
+          </p:cNvPr>
+          <p:cNvSpPr>
+            <a:spLocks noGrp="1" noRot="1" noChangeAspect="1" noMove="1" noResize="1" noEditPoints="1" noAdjustHandles="1" noChangeArrowheads="1" noChangeShapeType="1" noTextEdit="1"/>
+          </p:cNvSpPr>
+          <p:nvPr>
+            <p:extLst>
+              <p:ext uri="{386F3935-93C4-4BCD-93E2-E3B085C9AB24}">
+                <p16:designElem xmlns:p16="http://schemas.microsoft.com/office/powerpoint/2015/main" val="1"/>
+              </p:ext>
+            </p:extLst>
+          </p:nvPr>
+        </p:nvSpPr>
+        <p:spPr>
+          <a:xfrm>
+            <a:off x="-1" y="0"/>
+            <a:ext cx="12188952" cy="6858000"/>
+          </a:xfrm>
+          <a:prstGeom prst="rect">
+            <a:avLst/>
+          </a:prstGeom>
+          <a:ln>
+            <a:noFill/>
+          </a:ln>
+        </p:spPr>
+        <p:style>
+          <a:lnRef idx="2">
+            <a:schemeClr val="accent1">
+              <a:shade val="50000"/>
+            </a:schemeClr>
+          </a:lnRef>
+          <a:fillRef idx="1">
+            <a:schemeClr val="accent1"/>
+          </a:fillRef>
+          <a:effectRef idx="0">
+            <a:schemeClr val="accent1"/>
+          </a:effectRef>
+          <a:fontRef idx="minor">
+            <a:schemeClr val="lt1"/>
+          </a:fontRef>
+        </p:style>
+        <p:txBody>
+          <a:bodyPr rtlCol="0" anchor="ctr"/>
+          <a:lstStyle/>
+          <a:p>
+            <a:pPr algn="ctr"/>
+            <a:endParaRPr lang="en-US"/>
+          </a:p>
+        </p:txBody>
+      </p:sp>
+      <p:sp>
+        <p:nvSpPr>
+          <p:cNvPr id="2" name="Title 1">
+            <a:extLst>
+              <a:ext uri="{FF2B5EF4-FFF2-40B4-BE49-F238E27FC236}">
+                <a16:creationId xmlns:a16="http://schemas.microsoft.com/office/drawing/2014/main" id="{C7717087-26BC-4BAE-BBC4-0D930E4FE13D}"/>
+              </a:ext>
+            </a:extLst>
+          </p:cNvPr>
+          <p:cNvSpPr>
+            <a:spLocks noGrp="1"/>
+          </p:cNvSpPr>
+          <p:nvPr>
+            <p:ph type="title"/>
+          </p:nvPr>
+        </p:nvSpPr>
+        <p:spPr>
+          <a:xfrm>
+            <a:off x="838200" y="365126"/>
+            <a:ext cx="10515600" cy="1288784"/>
+          </a:xfrm>
+        </p:spPr>
+        <p:txBody>
+          <a:bodyPr vert="horz" lIns="91440" tIns="45720" rIns="91440" bIns="45720" rtlCol="0">
+            <a:normAutofit/>
+          </a:bodyPr>
+          <a:lstStyle/>
+          <a:p>
+            <a:pPr algn="ctr"/>
+            <a:r>
+              <a:rPr lang="en-US" sz="4000" dirty="0">
+                <a:solidFill>
+                  <a:schemeClr val="bg1"/>
+                </a:solidFill>
+              </a:rPr>
+              <a:t>Reverse Mad Libs Application</a:t>
+            </a:r>
+          </a:p>
+        </p:txBody>
+      </p:sp>
+      <p:cxnSp>
+        <p:nvCxnSpPr>
+          <p:cNvPr id="7" name="Straight Arrow Connector 6">
+            <a:extLst>
+              <a:ext uri="{FF2B5EF4-FFF2-40B4-BE49-F238E27FC236}">
+                <a16:creationId xmlns:a16="http://schemas.microsoft.com/office/drawing/2014/main" id="{779C2375-D2F2-4E15-9866-04EB95519975}"/>
+              </a:ext>
+            </a:extLst>
+          </p:cNvPr>
+          <p:cNvCxnSpPr/>
+          <p:nvPr/>
+        </p:nvCxnSpPr>
+        <p:spPr>
+          <a:xfrm>
+            <a:off x="2011680" y="2312126"/>
+            <a:ext cx="862149" cy="0"/>
+          </a:xfrm>
+          <a:prstGeom prst="straightConnector1">
+            <a:avLst/>
+          </a:prstGeom>
+          <a:ln w="28575">
+            <a:solidFill>
+              <a:schemeClr val="bg1"/>
+            </a:solidFill>
+            <a:tailEnd type="triangle"/>
+          </a:ln>
+        </p:spPr>
+        <p:style>
+          <a:lnRef idx="1">
+            <a:schemeClr val="accent1"/>
+          </a:lnRef>
+          <a:fillRef idx="0">
+            <a:schemeClr val="accent1"/>
+          </a:fillRef>
+          <a:effectRef idx="0">
+            <a:schemeClr val="accent1"/>
+          </a:effectRef>
+          <a:fontRef idx="minor">
+            <a:schemeClr val="tx1"/>
+          </a:fontRef>
+        </p:style>
+      </p:cxnSp>
+      <p:cxnSp>
+        <p:nvCxnSpPr>
+          <p:cNvPr id="37" name="Straight Arrow Connector 36">
+            <a:extLst>
+              <a:ext uri="{FF2B5EF4-FFF2-40B4-BE49-F238E27FC236}">
+                <a16:creationId xmlns:a16="http://schemas.microsoft.com/office/drawing/2014/main" id="{85DAF210-17E9-4DF5-B6C8-973C981F89B0}"/>
+              </a:ext>
+            </a:extLst>
+          </p:cNvPr>
+          <p:cNvCxnSpPr/>
+          <p:nvPr/>
+        </p:nvCxnSpPr>
+        <p:spPr>
+          <a:xfrm>
+            <a:off x="1961128" y="3833424"/>
+            <a:ext cx="862149" cy="0"/>
+          </a:xfrm>
+          <a:prstGeom prst="straightConnector1">
+            <a:avLst/>
+          </a:prstGeom>
+          <a:ln w="28575">
+            <a:solidFill>
+              <a:schemeClr val="bg1"/>
+            </a:solidFill>
+            <a:tailEnd type="triangle"/>
+          </a:ln>
+        </p:spPr>
+        <p:style>
+          <a:lnRef idx="1">
+            <a:schemeClr val="accent1"/>
+          </a:lnRef>
+          <a:fillRef idx="0">
+            <a:schemeClr val="accent1"/>
+          </a:fillRef>
+          <a:effectRef idx="0">
+            <a:schemeClr val="accent1"/>
+          </a:effectRef>
+          <a:fontRef idx="minor">
+            <a:schemeClr val="tx1"/>
+          </a:fontRef>
+        </p:style>
+      </p:cxnSp>
+      <p:cxnSp>
+        <p:nvCxnSpPr>
+          <p:cNvPr id="38" name="Straight Arrow Connector 37">
+            <a:extLst>
+              <a:ext uri="{FF2B5EF4-FFF2-40B4-BE49-F238E27FC236}">
+                <a16:creationId xmlns:a16="http://schemas.microsoft.com/office/drawing/2014/main" id="{A0439E7E-33A3-4B31-9A6D-8E785A8045E6}"/>
+              </a:ext>
+            </a:extLst>
+          </p:cNvPr>
+          <p:cNvCxnSpPr/>
+          <p:nvPr/>
+        </p:nvCxnSpPr>
+        <p:spPr>
+          <a:xfrm>
+            <a:off x="1961128" y="6019774"/>
+            <a:ext cx="862149" cy="0"/>
+          </a:xfrm>
+          <a:prstGeom prst="straightConnector1">
+            <a:avLst/>
+          </a:prstGeom>
+          <a:ln w="28575">
+            <a:solidFill>
+              <a:schemeClr val="bg1"/>
+            </a:solidFill>
+            <a:tailEnd type="triangle"/>
+          </a:ln>
+        </p:spPr>
+        <p:style>
+          <a:lnRef idx="1">
+            <a:schemeClr val="accent1"/>
+          </a:lnRef>
+          <a:fillRef idx="0">
+            <a:schemeClr val="accent1"/>
+          </a:fillRef>
+          <a:effectRef idx="0">
+            <a:schemeClr val="accent1"/>
+          </a:effectRef>
+          <a:fontRef idx="minor">
+            <a:schemeClr val="tx1"/>
+          </a:fontRef>
+        </p:style>
+      </p:cxnSp>
+      <p:cxnSp>
+        <p:nvCxnSpPr>
+          <p:cNvPr id="40" name="Straight Arrow Connector 39">
+            <a:extLst>
+              <a:ext uri="{FF2B5EF4-FFF2-40B4-BE49-F238E27FC236}">
+                <a16:creationId xmlns:a16="http://schemas.microsoft.com/office/drawing/2014/main" id="{E9C05BC5-398A-47CC-B2C2-02F768F32501}"/>
+              </a:ext>
+            </a:extLst>
+          </p:cNvPr>
+          <p:cNvCxnSpPr>
+            <a:cxnSpLocks/>
+          </p:cNvCxnSpPr>
+          <p:nvPr/>
+        </p:nvCxnSpPr>
+        <p:spPr>
+          <a:xfrm flipH="1">
+            <a:off x="9348725" y="3833424"/>
+            <a:ext cx="929646" cy="0"/>
+          </a:xfrm>
+          <a:prstGeom prst="straightConnector1">
+            <a:avLst/>
+          </a:prstGeom>
+          <a:ln w="28575">
+            <a:solidFill>
+              <a:schemeClr val="bg1"/>
+            </a:solidFill>
+            <a:tailEnd type="triangle"/>
+          </a:ln>
+        </p:spPr>
+        <p:style>
+          <a:lnRef idx="1">
+            <a:schemeClr val="accent1"/>
+          </a:lnRef>
+          <a:fillRef idx="0">
+            <a:schemeClr val="accent1"/>
+          </a:fillRef>
+          <a:effectRef idx="0">
+            <a:schemeClr val="accent1"/>
+          </a:effectRef>
+          <a:fontRef idx="minor">
+            <a:schemeClr val="tx1"/>
+          </a:fontRef>
+        </p:style>
+      </p:cxnSp>
+      <p:cxnSp>
+        <p:nvCxnSpPr>
+          <p:cNvPr id="41" name="Straight Arrow Connector 40">
+            <a:extLst>
+              <a:ext uri="{FF2B5EF4-FFF2-40B4-BE49-F238E27FC236}">
+                <a16:creationId xmlns:a16="http://schemas.microsoft.com/office/drawing/2014/main" id="{5D359D27-378C-4154-9F87-E9D953A71915}"/>
+              </a:ext>
+            </a:extLst>
+          </p:cNvPr>
+          <p:cNvCxnSpPr>
+            <a:cxnSpLocks/>
+          </p:cNvCxnSpPr>
+          <p:nvPr/>
+        </p:nvCxnSpPr>
+        <p:spPr>
+          <a:xfrm flipH="1">
+            <a:off x="9348725" y="5960950"/>
+            <a:ext cx="929646" cy="0"/>
+          </a:xfrm>
+          <a:prstGeom prst="straightConnector1">
+            <a:avLst/>
+          </a:prstGeom>
+          <a:ln w="28575">
+            <a:solidFill>
+              <a:schemeClr val="bg1"/>
+            </a:solidFill>
+            <a:tailEnd type="triangle"/>
+          </a:ln>
+        </p:spPr>
+        <p:style>
+          <a:lnRef idx="1">
+            <a:schemeClr val="accent1"/>
+          </a:lnRef>
+          <a:fillRef idx="0">
+            <a:schemeClr val="accent1"/>
+          </a:fillRef>
+          <a:effectRef idx="0">
+            <a:schemeClr val="accent1"/>
+          </a:effectRef>
+          <a:fontRef idx="minor">
+            <a:schemeClr val="tx1"/>
+          </a:fontRef>
+        </p:style>
+      </p:cxnSp>
+      <p:pic>
+        <p:nvPicPr>
+          <p:cNvPr id="44" name="Picture 43" descr="A picture containing drawing&#10;&#10;Description automatically generated">
+            <a:extLst>
+              <a:ext uri="{FF2B5EF4-FFF2-40B4-BE49-F238E27FC236}">
+                <a16:creationId xmlns:a16="http://schemas.microsoft.com/office/drawing/2014/main" id="{5DA931D8-FA45-4674-B9F9-02E35F044A17}"/>
+              </a:ext>
+            </a:extLst>
+          </p:cNvPr>
+          <p:cNvPicPr>
+            <a:picLocks noChangeAspect="1"/>
+          </p:cNvPicPr>
+          <p:nvPr/>
+        </p:nvPicPr>
+        <p:blipFill>
+          <a:blip r:embed="rId3">
+            <a:extLst>
+              <a:ext uri="{28A0092B-C50C-407E-A947-70E740481C1C}">
+                <a14:useLocalDpi xmlns:a14="http://schemas.microsoft.com/office/drawing/2010/main" val="0"/>
+              </a:ext>
+            </a:extLst>
+          </a:blip>
+          <a:stretch>
+            <a:fillRect/>
+          </a:stretch>
+        </p:blipFill>
+        <p:spPr>
+          <a:xfrm>
+            <a:off x="300919" y="53556"/>
+            <a:ext cx="1417001" cy="2258570"/>
+          </a:xfrm>
+          <a:prstGeom prst="rect">
+            <a:avLst/>
+          </a:prstGeom>
+        </p:spPr>
+      </p:pic>
+      <p:sp>
+        <p:nvSpPr>
+          <p:cNvPr id="45" name="TextBox 44">
+            <a:extLst>
+              <a:ext uri="{FF2B5EF4-FFF2-40B4-BE49-F238E27FC236}">
+                <a16:creationId xmlns:a16="http://schemas.microsoft.com/office/drawing/2014/main" id="{E8D22FF0-B24D-4A7D-B7E4-93AAEE43BCA8}"/>
+              </a:ext>
+            </a:extLst>
+          </p:cNvPr>
+          <p:cNvSpPr txBox="1"/>
+          <p:nvPr/>
+        </p:nvSpPr>
+        <p:spPr>
+          <a:xfrm>
+            <a:off x="299393" y="6404004"/>
+            <a:ext cx="5795081" cy="215444"/>
+          </a:xfrm>
+          <a:prstGeom prst="rect">
+            <a:avLst/>
+          </a:prstGeom>
+          <a:noFill/>
+        </p:spPr>
+        <p:txBody>
+          <a:bodyPr wrap="square" rtlCol="0">
+            <a:spAutoFit/>
+          </a:bodyPr>
+          <a:lstStyle/>
+          <a:p>
+            <a:r>
+              <a:rPr lang="en-US" sz="800" dirty="0">
+                <a:solidFill>
+                  <a:schemeClr val="bg1"/>
+                </a:solidFill>
+              </a:rPr>
+              <a:t>https://www.amazon.com/Original-1-Mad-Libs/dp/0843100559</a:t>
+            </a:r>
+          </a:p>
+        </p:txBody>
+      </p:sp>
+      <p:pic>
+        <p:nvPicPr>
+          <p:cNvPr id="4" name="Picture 3" descr="A screenshot of a cell phone&#10;&#10;Description automatically generated">
+            <a:extLst>
+              <a:ext uri="{FF2B5EF4-FFF2-40B4-BE49-F238E27FC236}">
+                <a16:creationId xmlns:a16="http://schemas.microsoft.com/office/drawing/2014/main" id="{5E605B40-1239-4E1C-9C60-5B684453983F}"/>
+              </a:ext>
+            </a:extLst>
+          </p:cNvPr>
+          <p:cNvPicPr>
+            <a:picLocks noChangeAspect="1"/>
+          </p:cNvPicPr>
+          <p:nvPr/>
+        </p:nvPicPr>
+        <p:blipFill>
+          <a:blip r:embed="rId4">
+            <a:extLst>
+              <a:ext uri="{28A0092B-C50C-407E-A947-70E740481C1C}">
+                <a14:useLocalDpi xmlns:a14="http://schemas.microsoft.com/office/drawing/2010/main" val="0"/>
+              </a:ext>
+            </a:extLst>
+          </a:blip>
+          <a:stretch>
+            <a:fillRect/>
+          </a:stretch>
+        </p:blipFill>
+        <p:spPr>
+          <a:xfrm>
+            <a:off x="2537588" y="1361293"/>
+            <a:ext cx="7113772" cy="5335329"/>
+          </a:xfrm>
+          <a:prstGeom prst="rect">
+            <a:avLst/>
+          </a:prstGeom>
+        </p:spPr>
+      </p:pic>
+    </p:spTree>
+    <p:extLst>
+      <p:ext uri="{BB962C8B-B14F-4D97-AF65-F5344CB8AC3E}">
+        <p14:creationId xmlns:p14="http://schemas.microsoft.com/office/powerpoint/2010/main" val="2181052307"/>
+      </p:ext>
+    </p:extLst>
+  </p:cSld>
+  <p:clrMapOvr>
+    <a:masterClrMapping/>
+  </p:clrMapOvr>
+</p:sld>
+</file>
+
+<file path=ppt/slides/slide15.xml><?xml version="1.0" encoding="utf-8"?>
+<p:sld xmlns:a="http://schemas.openxmlformats.org/drawingml/2006/main" xmlns:r="http://schemas.openxmlformats.org/officeDocument/2006/relationships" xmlns:p="http://schemas.openxmlformats.org/presentationml/2006/main">
+  <p:cSld>
+    <p:bg>
+      <p:bgPr>
+        <a:solidFill>
+          <a:schemeClr val="bg2"/>
+        </a:solidFill>
+        <a:effectLst/>
+      </p:bgPr>
+    </p:bg>
+    <p:spTree>
+      <p:nvGrpSpPr>
+        <p:cNvPr id="1" name=""/>
+        <p:cNvGrpSpPr/>
+        <p:nvPr/>
+      </p:nvGrpSpPr>
+      <p:grpSpPr>
+        <a:xfrm>
+          <a:off x="0" y="0"/>
+          <a:ext cx="0" cy="0"/>
+          <a:chOff x="0" y="0"/>
+          <a:chExt cx="0" cy="0"/>
+        </a:xfrm>
+      </p:grpSpPr>
+      <p:pic>
+        <p:nvPicPr>
+          <p:cNvPr id="6" name="Picture 5">
+            <a:extLst>
+              <a:ext uri="{FF2B5EF4-FFF2-40B4-BE49-F238E27FC236}">
+                <a16:creationId xmlns:a16="http://schemas.microsoft.com/office/drawing/2014/main" id="{DB0C7658-63E9-444B-B8FD-E673B3FD3D61}"/>
+              </a:ext>
+            </a:extLst>
+          </p:cNvPr>
+          <p:cNvPicPr>
+            <a:picLocks noChangeAspect="1"/>
+          </p:cNvPicPr>
+          <p:nvPr/>
+        </p:nvPicPr>
+        <p:blipFill rotWithShape="1">
+          <a:blip r:embed="rId3">
+            <a:duotone>
+              <a:prstClr val="black"/>
+              <a:schemeClr val="tx2">
+                <a:tint val="45000"/>
+                <a:satMod val="400000"/>
+              </a:schemeClr>
+            </a:duotone>
+            <a:alphaModFix amt="25000"/>
+          </a:blip>
+          <a:srcRect t="3433"/>
+          <a:stretch/>
+        </p:blipFill>
+        <p:spPr>
+          <a:xfrm>
+            <a:off x="20" y="10"/>
+            <a:ext cx="12191981" cy="6857990"/>
+          </a:xfrm>
+          <a:prstGeom prst="rect">
+            <a:avLst/>
+          </a:prstGeom>
+        </p:spPr>
+      </p:pic>
+      <p:sp>
+        <p:nvSpPr>
+          <p:cNvPr id="2" name="Title 1">
+            <a:extLst>
+              <a:ext uri="{FF2B5EF4-FFF2-40B4-BE49-F238E27FC236}">
+                <a16:creationId xmlns:a16="http://schemas.microsoft.com/office/drawing/2014/main" id="{59F44B97-4E1A-4B8B-BAA1-18995152F2A6}"/>
+              </a:ext>
+            </a:extLst>
+          </p:cNvPr>
+          <p:cNvSpPr>
+            <a:spLocks noGrp="1"/>
+          </p:cNvSpPr>
+          <p:nvPr>
+            <p:ph type="title"/>
+          </p:nvPr>
+        </p:nvSpPr>
+        <p:spPr>
+          <a:xfrm>
+            <a:off x="838200" y="365125"/>
+            <a:ext cx="10515600" cy="1325563"/>
+          </a:xfrm>
+        </p:spPr>
+        <p:txBody>
+          <a:bodyPr>
+            <a:normAutofit/>
+          </a:bodyPr>
+          <a:lstStyle/>
+          <a:p>
+            <a:r>
+              <a:rPr lang="en-US"/>
+              <a:t>Project Resources</a:t>
+            </a:r>
+          </a:p>
+        </p:txBody>
+      </p:sp>
+      <p:graphicFrame>
+        <p:nvGraphicFramePr>
+          <p:cNvPr id="5" name="Content Placeholder 2">
+            <a:extLst>
+              <a:ext uri="{FF2B5EF4-FFF2-40B4-BE49-F238E27FC236}">
+                <a16:creationId xmlns:a16="http://schemas.microsoft.com/office/drawing/2014/main" id="{DA53EBB4-2AED-4EA2-B2B2-BB59BB72E530}"/>
+              </a:ext>
+            </a:extLst>
+          </p:cNvPr>
+          <p:cNvGraphicFramePr>
+            <a:graphicFrameLocks noGrp="1"/>
+          </p:cNvGraphicFramePr>
+          <p:nvPr>
+            <p:ph idx="1"/>
+            <p:extLst>
+              <p:ext uri="{D42A27DB-BD31-4B8C-83A1-F6EECF244321}">
+                <p14:modId xmlns:p14="http://schemas.microsoft.com/office/powerpoint/2010/main" val="2292372491"/>
+              </p:ext>
+            </p:extLst>
+          </p:nvPr>
+        </p:nvGraphicFramePr>
+        <p:xfrm>
+          <a:off x="838200" y="1825625"/>
+          <a:ext cx="10515600" cy="4351338"/>
+        </p:xfrm>
+        <a:graphic>
+          <a:graphicData uri="http://schemas.openxmlformats.org/drawingml/2006/diagram">
+            <dgm:relIds xmlns:dgm="http://schemas.openxmlformats.org/drawingml/2006/diagram" xmlns:r="http://schemas.openxmlformats.org/officeDocument/2006/relationships" r:dm="rId4" r:lo="rId5" r:qs="rId6" r:cs="rId7"/>
+          </a:graphicData>
+        </a:graphic>
+      </p:graphicFrame>
+    </p:spTree>
+    <p:extLst>
+      <p:ext uri="{BB962C8B-B14F-4D97-AF65-F5344CB8AC3E}">
+        <p14:creationId xmlns:p14="http://schemas.microsoft.com/office/powerpoint/2010/main" val="2261242050"/>
+      </p:ext>
+    </p:extLst>
+  </p:cSld>
+  <p:clrMapOvr>
+    <a:overrideClrMapping bg1="dk1" tx1="lt1" bg2="dk2" tx2="lt2" accent1="accent1" accent2="accent2" accent3="accent3" accent4="accent4" accent5="accent5" accent6="accent6" hlink="hlink" folHlink="folHlink"/>
+  </p:clrMapOvr>
+</p:sld>
+</file>
+
+<file path=ppt/slides/slide16.xml><?xml version="1.0" encoding="utf-8"?>
+<p:sld xmlns:a="http://schemas.openxmlformats.org/drawingml/2006/main" xmlns:r="http://schemas.openxmlformats.org/officeDocument/2006/relationships" xmlns:p="http://schemas.openxmlformats.org/presentationml/2006/main">
+  <p:cSld>
+    <p:bg>
+      <p:bgPr>
+        <a:solidFill>
+          <a:schemeClr val="bg1"/>
+        </a:solidFill>
+        <a:effectLst/>
+      </p:bgPr>
+    </p:bg>
+    <p:spTree>
+      <p:nvGrpSpPr>
+        <p:cNvPr id="1" name=""/>
+        <p:cNvGrpSpPr/>
+        <p:nvPr/>
+      </p:nvGrpSpPr>
+      <p:grpSpPr>
+        <a:xfrm>
+          <a:off x="0" y="0"/>
+          <a:ext cx="0" cy="0"/>
+          <a:chOff x="0" y="0"/>
+          <a:chExt cx="0" cy="0"/>
+        </a:xfrm>
+      </p:grpSpPr>
+      <p:sp useBgFill="1">
+        <p:nvSpPr>
+          <p:cNvPr id="8" name="Rectangle 7">
+            <a:extLst>
+              <a:ext uri="{FF2B5EF4-FFF2-40B4-BE49-F238E27FC236}">
+                <a16:creationId xmlns:a16="http://schemas.microsoft.com/office/drawing/2014/main" id="{3B854194-185D-494D-905C-7C7CB2E30F6E}"/>
+              </a:ext>
+              <a:ext uri="{C183D7F6-B498-43B3-948B-1728B52AA6E4}">
+                <adec:decorative xmlns:adec="http://schemas.microsoft.com/office/drawing/2017/decorative" val="1"/>
+              </a:ext>
+            </a:extLst>
+          </p:cNvPr>
+          <p:cNvSpPr>
+            <a:spLocks noGrp="1" noRot="1" noChangeAspect="1" noMove="1" noResize="1" noEditPoints="1" noAdjustHandles="1" noChangeArrowheads="1" noChangeShapeType="1" noTextEdit="1"/>
+          </p:cNvSpPr>
+          <p:nvPr>
+            <p:extLst>
+              <p:ext uri="{386F3935-93C4-4BCD-93E2-E3B085C9AB24}">
+                <p16:designElem xmlns:p16="http://schemas.microsoft.com/office/powerpoint/2015/main" val="1"/>
+              </p:ext>
+            </p:extLst>
+          </p:nvPr>
+        </p:nvSpPr>
+        <p:spPr>
+          <a:xfrm>
+            <a:off x="1" y="0"/>
+            <a:ext cx="6082110" cy="6858000"/>
+          </a:xfrm>
+          <a:prstGeom prst="rect">
+            <a:avLst/>
+          </a:prstGeom>
+          <a:ln>
+            <a:noFill/>
+          </a:ln>
+        </p:spPr>
+        <p:style>
+          <a:lnRef idx="2">
+            <a:schemeClr val="accent1">
+              <a:shade val="50000"/>
+            </a:schemeClr>
+          </a:lnRef>
+          <a:fillRef idx="1">
+            <a:schemeClr val="accent1"/>
+          </a:fillRef>
+          <a:effectRef idx="0">
+            <a:schemeClr val="accent1"/>
+          </a:effectRef>
+          <a:fontRef idx="minor">
+            <a:schemeClr val="lt1"/>
+          </a:fontRef>
+        </p:style>
+        <p:txBody>
+          <a:bodyPr rtlCol="0" anchor="ctr"/>
+          <a:lstStyle/>
+          <a:p>
+            <a:pPr algn="ctr"/>
+            <a:endParaRPr lang="en-US"/>
+          </a:p>
+        </p:txBody>
+      </p:sp>
+      <p:sp>
+        <p:nvSpPr>
+          <p:cNvPr id="10" name="Rectangle 9">
+            <a:extLst>
+              <a:ext uri="{FF2B5EF4-FFF2-40B4-BE49-F238E27FC236}">
+                <a16:creationId xmlns:a16="http://schemas.microsoft.com/office/drawing/2014/main" id="{B4F5FA0D-0104-4987-8241-EFF7C85B88DE}"/>
+              </a:ext>
+              <a:ext uri="{C183D7F6-B498-43B3-948B-1728B52AA6E4}">
+                <adec:decorative xmlns:adec="http://schemas.microsoft.com/office/drawing/2017/decorative" val="1"/>
+              </a:ext>
+            </a:extLst>
+          </p:cNvPr>
+          <p:cNvSpPr>
+            <a:spLocks noGrp="1" noRot="1" noChangeAspect="1" noMove="1" noResize="1" noEditPoints="1" noAdjustHandles="1" noChangeArrowheads="1" noChangeShapeType="1" noTextEdit="1"/>
+          </p:cNvSpPr>
+          <p:nvPr>
+            <p:extLst>
+              <p:ext uri="{386F3935-93C4-4BCD-93E2-E3B085C9AB24}">
+                <p16:designElem xmlns:p16="http://schemas.microsoft.com/office/powerpoint/2015/main" val="1"/>
+              </p:ext>
+            </p:extLst>
+          </p:nvPr>
+        </p:nvSpPr>
+        <p:spPr>
+          <a:xfrm>
+            <a:off x="1" y="0"/>
+            <a:ext cx="12191998" cy="6858000"/>
+          </a:xfrm>
+          <a:prstGeom prst="rect">
+            <a:avLst/>
+          </a:prstGeom>
+          <a:gradFill>
+            <a:gsLst>
+              <a:gs pos="0">
+                <a:schemeClr val="accent1">
+                  <a:lumMod val="90000"/>
+                </a:schemeClr>
+              </a:gs>
+              <a:gs pos="25000">
+                <a:schemeClr val="accent1">
+                  <a:lumMod val="90000"/>
+                </a:schemeClr>
+              </a:gs>
+              <a:gs pos="94000">
+                <a:schemeClr val="bg2">
+                  <a:lumMod val="25000"/>
+                </a:schemeClr>
+              </a:gs>
+              <a:gs pos="100000">
+                <a:schemeClr val="bg2">
+                  <a:lumMod val="25000"/>
+                </a:schemeClr>
+              </a:gs>
+            </a:gsLst>
+            <a:lin ang="4200000" scaled="0"/>
+          </a:gradFill>
+          <a:ln>
+            <a:noFill/>
+          </a:ln>
+        </p:spPr>
+        <p:style>
+          <a:lnRef idx="2">
+            <a:schemeClr val="accent1">
+              <a:shade val="50000"/>
+            </a:schemeClr>
+          </a:lnRef>
+          <a:fillRef idx="1">
+            <a:schemeClr val="accent1"/>
+          </a:fillRef>
+          <a:effectRef idx="0">
+            <a:schemeClr val="accent1"/>
+          </a:effectRef>
+          <a:fontRef idx="minor">
+            <a:schemeClr val="lt1"/>
+          </a:fontRef>
+        </p:style>
+        <p:txBody>
+          <a:bodyPr rtlCol="0" anchor="ctr"/>
+          <a:lstStyle/>
+          <a:p>
+            <a:pPr algn="ctr"/>
+            <a:endParaRPr lang="en-US"/>
+          </a:p>
+        </p:txBody>
+      </p:sp>
+      <p:pic>
+        <p:nvPicPr>
+          <p:cNvPr id="12" name="Picture 11">
+            <a:extLst>
+              <a:ext uri="{FF2B5EF4-FFF2-40B4-BE49-F238E27FC236}">
+                <a16:creationId xmlns:a16="http://schemas.microsoft.com/office/drawing/2014/main" id="{2897127E-6CEF-446C-BE87-93B7C46E49D1}"/>
+              </a:ext>
+              <a:ext uri="{C183D7F6-B498-43B3-948B-1728B52AA6E4}">
+                <adec:decorative xmlns:adec="http://schemas.microsoft.com/office/drawing/2017/decorative" val="1"/>
+              </a:ext>
+            </a:extLst>
+          </p:cNvPr>
+          <p:cNvPicPr>
+            <a:picLocks noGrp="1" noRot="1" noChangeAspect="1" noMove="1" noResize="1" noEditPoints="1" noAdjustHandles="1" noChangeArrowheads="1" noChangeShapeType="1" noCrop="1"/>
+          </p:cNvPicPr>
+          <p:nvPr>
+            <p:extLst>
+              <p:ext uri="{386F3935-93C4-4BCD-93E2-E3B085C9AB24}">
+                <p16:designElem xmlns:p16="http://schemas.microsoft.com/office/powerpoint/2015/main" val="1"/>
+              </p:ext>
+            </p:extLst>
+          </p:nvPr>
+        </p:nvPicPr>
+        <p:blipFill>
+          <a:blip r:embed="rId3">
+            <a:extLst>
+              <a:ext uri="{28A0092B-C50C-407E-A947-70E740481C1C}">
+                <a14:useLocalDpi xmlns:a14="http://schemas.microsoft.com/office/drawing/2010/main" val="0"/>
+              </a:ext>
+            </a:extLst>
+          </a:blip>
+          <a:stretch>
+            <a:fillRect/>
+          </a:stretch>
+        </p:blipFill>
+        <p:spPr>
+          <a:xfrm>
+            <a:off x="0" y="0"/>
+            <a:ext cx="12192000" cy="6858000"/>
+          </a:xfrm>
+          <a:prstGeom prst="rect">
+            <a:avLst/>
+          </a:prstGeom>
+        </p:spPr>
+      </p:pic>
+      <p:sp>
+        <p:nvSpPr>
+          <p:cNvPr id="2" name="Title 1">
+            <a:extLst>
+              <a:ext uri="{FF2B5EF4-FFF2-40B4-BE49-F238E27FC236}">
+                <a16:creationId xmlns:a16="http://schemas.microsoft.com/office/drawing/2014/main" id="{6FFCABAB-2980-4306-A7D1-73973FA0E651}"/>
+              </a:ext>
+            </a:extLst>
+          </p:cNvPr>
+          <p:cNvSpPr>
+            <a:spLocks noGrp="1"/>
+          </p:cNvSpPr>
+          <p:nvPr>
+            <p:ph type="title"/>
+          </p:nvPr>
+        </p:nvSpPr>
+        <p:spPr>
+          <a:xfrm>
+            <a:off x="640079" y="2053641"/>
+            <a:ext cx="3669161" cy="2760098"/>
+          </a:xfrm>
+        </p:spPr>
+        <p:txBody>
+          <a:bodyPr>
+            <a:normAutofit/>
+          </a:bodyPr>
+          <a:lstStyle/>
+          <a:p>
+            <a:r>
+              <a:rPr lang="en-US">
+                <a:solidFill>
+                  <a:srgbClr val="FFFFFF"/>
+                </a:solidFill>
+              </a:rPr>
+              <a:t>Improvements to the Application</a:t>
+            </a:r>
+          </a:p>
+        </p:txBody>
+      </p:sp>
+      <p:sp>
+        <p:nvSpPr>
+          <p:cNvPr id="40" name="Content Placeholder 2">
+            <a:extLst>
+              <a:ext uri="{FF2B5EF4-FFF2-40B4-BE49-F238E27FC236}">
+                <a16:creationId xmlns:a16="http://schemas.microsoft.com/office/drawing/2014/main" id="{C39B1D22-6AE8-4DE4-A721-A5ACFBFEC3C0}"/>
+              </a:ext>
+            </a:extLst>
+          </p:cNvPr>
+          <p:cNvSpPr>
+            <a:spLocks noGrp="1"/>
+          </p:cNvSpPr>
+          <p:nvPr>
+            <p:ph idx="1"/>
+          </p:nvPr>
+        </p:nvSpPr>
+        <p:spPr>
+          <a:xfrm>
+            <a:off x="6090574" y="801866"/>
+            <a:ext cx="5306084" cy="5230634"/>
+          </a:xfrm>
+        </p:spPr>
+        <p:txBody>
+          <a:bodyPr anchor="ctr">
+            <a:normAutofit/>
+          </a:bodyPr>
+          <a:lstStyle/>
+          <a:p>
+            <a:r>
+              <a:rPr lang="en-US" sz="2400" dirty="0">
+                <a:solidFill>
+                  <a:srgbClr val="000000"/>
+                </a:solidFill>
+              </a:rPr>
+              <a:t>Make substitution words more discernable</a:t>
+            </a:r>
+          </a:p>
+          <a:p>
+            <a:r>
+              <a:rPr lang="en-US" sz="2400" dirty="0">
+                <a:solidFill>
+                  <a:srgbClr val="000000"/>
+                </a:solidFill>
+              </a:rPr>
+              <a:t>Allow the user to select stories from a local file system</a:t>
+            </a:r>
+          </a:p>
+          <a:p>
+            <a:r>
+              <a:rPr lang="en-US" sz="2400" dirty="0">
+                <a:solidFill>
+                  <a:srgbClr val="000000"/>
+                </a:solidFill>
+              </a:rPr>
+              <a:t>Allow the user to edit the input text file</a:t>
+            </a:r>
+          </a:p>
+          <a:p>
+            <a:r>
+              <a:rPr lang="en-US" sz="2400" dirty="0">
+                <a:solidFill>
+                  <a:srgbClr val="000000"/>
+                </a:solidFill>
+              </a:rPr>
+              <a:t>Provide a ‘Prepare” routine that randomly selects substitution locations</a:t>
+            </a:r>
+          </a:p>
+          <a:p>
+            <a:r>
+              <a:rPr lang="en-US" sz="2400" dirty="0">
+                <a:solidFill>
+                  <a:srgbClr val="000000"/>
+                </a:solidFill>
+              </a:rPr>
+              <a:t>Investigate using a more robust trained dataset </a:t>
+            </a:r>
+          </a:p>
+        </p:txBody>
+      </p:sp>
+    </p:spTree>
+    <p:extLst>
+      <p:ext uri="{BB962C8B-B14F-4D97-AF65-F5344CB8AC3E}">
+        <p14:creationId xmlns:p14="http://schemas.microsoft.com/office/powerpoint/2010/main" val="2076312377"/>
+      </p:ext>
+    </p:extLst>
+  </p:cSld>
+  <p:clrMapOvr>
+    <a:masterClrMapping/>
+  </p:clrMapOvr>
+</p:sld>
+</file>
+
+<file path=ppt/slides/slide17.xml><?xml version="1.0" encoding="utf-8"?>
+<p:sld xmlns:a="http://schemas.openxmlformats.org/drawingml/2006/main" xmlns:r="http://schemas.openxmlformats.org/officeDocument/2006/relationships" xmlns:p="http://schemas.openxmlformats.org/presentationml/2006/main">
+  <p:cSld>
+    <p:bg>
+      <p:bgPr>
+        <a:solidFill>
+          <a:schemeClr val="bg1"/>
+        </a:solidFill>
+        <a:effectLst/>
+      </p:bgPr>
+    </p:bg>
+    <p:spTree>
+      <p:nvGrpSpPr>
+        <p:cNvPr id="1" name=""/>
+        <p:cNvGrpSpPr/>
+        <p:nvPr/>
+      </p:nvGrpSpPr>
+      <p:grpSpPr>
+        <a:xfrm>
+          <a:off x="0" y="0"/>
+          <a:ext cx="0" cy="0"/>
+          <a:chOff x="0" y="0"/>
+          <a:chExt cx="0" cy="0"/>
+        </a:xfrm>
+      </p:grpSpPr>
+      <p:sp useBgFill="1">
+        <p:nvSpPr>
+          <p:cNvPr id="8" name="Rectangle 7">
+            <a:extLst>
+              <a:ext uri="{FF2B5EF4-FFF2-40B4-BE49-F238E27FC236}">
+                <a16:creationId xmlns:a16="http://schemas.microsoft.com/office/drawing/2014/main" id="{3B854194-185D-494D-905C-7C7CB2E30F6E}"/>
+              </a:ext>
+              <a:ext uri="{C183D7F6-B498-43B3-948B-1728B52AA6E4}">
+                <adec:decorative xmlns:adec="http://schemas.microsoft.com/office/drawing/2017/decorative" val="1"/>
+              </a:ext>
+            </a:extLst>
+          </p:cNvPr>
+          <p:cNvSpPr>
+            <a:spLocks noGrp="1" noRot="1" noChangeAspect="1" noMove="1" noResize="1" noEditPoints="1" noAdjustHandles="1" noChangeArrowheads="1" noChangeShapeType="1" noTextEdit="1"/>
+          </p:cNvSpPr>
+          <p:nvPr>
+            <p:extLst>
+              <p:ext uri="{386F3935-93C4-4BCD-93E2-E3B085C9AB24}">
+                <p16:designElem xmlns:p16="http://schemas.microsoft.com/office/powerpoint/2015/main" val="1"/>
+              </p:ext>
+            </p:extLst>
+          </p:nvPr>
+        </p:nvSpPr>
+        <p:spPr>
+          <a:xfrm>
+            <a:off x="1" y="0"/>
+            <a:ext cx="6082110" cy="6858000"/>
+          </a:xfrm>
+          <a:prstGeom prst="rect">
+            <a:avLst/>
+          </a:prstGeom>
+          <a:ln>
+            <a:noFill/>
+          </a:ln>
+        </p:spPr>
+        <p:style>
+          <a:lnRef idx="2">
+            <a:schemeClr val="accent1">
+              <a:shade val="50000"/>
+            </a:schemeClr>
+          </a:lnRef>
+          <a:fillRef idx="1">
+            <a:schemeClr val="accent1"/>
+          </a:fillRef>
+          <a:effectRef idx="0">
+            <a:schemeClr val="accent1"/>
+          </a:effectRef>
+          <a:fontRef idx="minor">
+            <a:schemeClr val="lt1"/>
+          </a:fontRef>
+        </p:style>
+        <p:txBody>
+          <a:bodyPr rtlCol="0" anchor="ctr"/>
+          <a:lstStyle/>
+          <a:p>
+            <a:pPr algn="ctr"/>
+            <a:endParaRPr lang="en-US"/>
+          </a:p>
+        </p:txBody>
+      </p:sp>
+      <p:sp>
+        <p:nvSpPr>
+          <p:cNvPr id="10" name="Rectangle 9">
+            <a:extLst>
+              <a:ext uri="{FF2B5EF4-FFF2-40B4-BE49-F238E27FC236}">
+                <a16:creationId xmlns:a16="http://schemas.microsoft.com/office/drawing/2014/main" id="{B4F5FA0D-0104-4987-8241-EFF7C85B88DE}"/>
+              </a:ext>
+              <a:ext uri="{C183D7F6-B498-43B3-948B-1728B52AA6E4}">
+                <adec:decorative xmlns:adec="http://schemas.microsoft.com/office/drawing/2017/decorative" val="1"/>
+              </a:ext>
+            </a:extLst>
+          </p:cNvPr>
+          <p:cNvSpPr>
+            <a:spLocks noGrp="1" noRot="1" noChangeAspect="1" noMove="1" noResize="1" noEditPoints="1" noAdjustHandles="1" noChangeArrowheads="1" noChangeShapeType="1" noTextEdit="1"/>
+          </p:cNvSpPr>
+          <p:nvPr>
+            <p:extLst>
+              <p:ext uri="{386F3935-93C4-4BCD-93E2-E3B085C9AB24}">
+                <p16:designElem xmlns:p16="http://schemas.microsoft.com/office/powerpoint/2015/main" val="1"/>
+              </p:ext>
+            </p:extLst>
+          </p:nvPr>
+        </p:nvSpPr>
+        <p:spPr>
+          <a:xfrm>
+            <a:off x="1" y="0"/>
+            <a:ext cx="12191998" cy="6858000"/>
+          </a:xfrm>
+          <a:prstGeom prst="rect">
+            <a:avLst/>
+          </a:prstGeom>
+          <a:gradFill>
+            <a:gsLst>
+              <a:gs pos="0">
+                <a:schemeClr val="accent1">
+                  <a:lumMod val="90000"/>
+                </a:schemeClr>
+              </a:gs>
+              <a:gs pos="25000">
+                <a:schemeClr val="accent1">
+                  <a:lumMod val="90000"/>
+                </a:schemeClr>
+              </a:gs>
+              <a:gs pos="94000">
+                <a:schemeClr val="bg2">
+                  <a:lumMod val="25000"/>
+                </a:schemeClr>
+              </a:gs>
+              <a:gs pos="100000">
+                <a:schemeClr val="bg2">
+                  <a:lumMod val="25000"/>
+                </a:schemeClr>
+              </a:gs>
+            </a:gsLst>
+            <a:lin ang="4200000" scaled="0"/>
+          </a:gradFill>
+          <a:ln>
+            <a:noFill/>
+          </a:ln>
+        </p:spPr>
+        <p:style>
+          <a:lnRef idx="2">
+            <a:schemeClr val="accent1">
+              <a:shade val="50000"/>
+            </a:schemeClr>
+          </a:lnRef>
+          <a:fillRef idx="1">
+            <a:schemeClr val="accent1"/>
+          </a:fillRef>
+          <a:effectRef idx="0">
+            <a:schemeClr val="accent1"/>
+          </a:effectRef>
+          <a:fontRef idx="minor">
+            <a:schemeClr val="lt1"/>
+          </a:fontRef>
+        </p:style>
+        <p:txBody>
+          <a:bodyPr rtlCol="0" anchor="ctr"/>
+          <a:lstStyle/>
+          <a:p>
+            <a:pPr algn="ctr"/>
+            <a:endParaRPr lang="en-US"/>
+          </a:p>
+        </p:txBody>
+      </p:sp>
+      <p:pic>
+        <p:nvPicPr>
+          <p:cNvPr id="12" name="Picture 11">
+            <a:extLst>
+              <a:ext uri="{FF2B5EF4-FFF2-40B4-BE49-F238E27FC236}">
+                <a16:creationId xmlns:a16="http://schemas.microsoft.com/office/drawing/2014/main" id="{2897127E-6CEF-446C-BE87-93B7C46E49D1}"/>
+              </a:ext>
+              <a:ext uri="{C183D7F6-B498-43B3-948B-1728B52AA6E4}">
+                <adec:decorative xmlns:adec="http://schemas.microsoft.com/office/drawing/2017/decorative" val="1"/>
+              </a:ext>
+            </a:extLst>
+          </p:cNvPr>
+          <p:cNvPicPr>
+            <a:picLocks noGrp="1" noRot="1" noChangeAspect="1" noMove="1" noResize="1" noEditPoints="1" noAdjustHandles="1" noChangeArrowheads="1" noChangeShapeType="1" noCrop="1"/>
+          </p:cNvPicPr>
+          <p:nvPr>
+            <p:extLst>
+              <p:ext uri="{386F3935-93C4-4BCD-93E2-E3B085C9AB24}">
+                <p16:designElem xmlns:p16="http://schemas.microsoft.com/office/powerpoint/2015/main" val="1"/>
+              </p:ext>
+            </p:extLst>
+          </p:nvPr>
+        </p:nvPicPr>
+        <p:blipFill>
+          <a:blip r:embed="rId3">
+            <a:extLst>
+              <a:ext uri="{28A0092B-C50C-407E-A947-70E740481C1C}">
+                <a14:useLocalDpi xmlns:a14="http://schemas.microsoft.com/office/drawing/2010/main" val="0"/>
+              </a:ext>
+            </a:extLst>
+          </a:blip>
+          <a:stretch>
+            <a:fillRect/>
+          </a:stretch>
+        </p:blipFill>
+        <p:spPr>
+          <a:xfrm>
+            <a:off x="0" y="0"/>
+            <a:ext cx="12192000" cy="6858000"/>
+          </a:xfrm>
+          <a:prstGeom prst="rect">
+            <a:avLst/>
+          </a:prstGeom>
+        </p:spPr>
+      </p:pic>
+      <p:sp>
+        <p:nvSpPr>
+          <p:cNvPr id="2" name="Title 1">
+            <a:extLst>
+              <a:ext uri="{FF2B5EF4-FFF2-40B4-BE49-F238E27FC236}">
+                <a16:creationId xmlns:a16="http://schemas.microsoft.com/office/drawing/2014/main" id="{1706BEF1-C075-4843-A9F8-1569DE890012}"/>
+              </a:ext>
+            </a:extLst>
+          </p:cNvPr>
+          <p:cNvSpPr>
+            <a:spLocks noGrp="1"/>
+          </p:cNvSpPr>
+          <p:nvPr>
+            <p:ph type="title"/>
+          </p:nvPr>
+        </p:nvSpPr>
+        <p:spPr>
+          <a:xfrm>
+            <a:off x="640079" y="2053641"/>
+            <a:ext cx="3669161" cy="2760098"/>
+          </a:xfrm>
+        </p:spPr>
+        <p:txBody>
+          <a:bodyPr>
+            <a:normAutofit/>
+          </a:bodyPr>
+          <a:lstStyle/>
+          <a:p>
+            <a:r>
+              <a:rPr lang="en-US">
+                <a:solidFill>
+                  <a:srgbClr val="FFFFFF"/>
+                </a:solidFill>
+              </a:rPr>
+              <a:t>Why did I choose Bert</a:t>
+            </a:r>
+          </a:p>
+        </p:txBody>
+      </p:sp>
+      <p:sp>
+        <p:nvSpPr>
+          <p:cNvPr id="3" name="Content Placeholder 2">
+            <a:extLst>
+              <a:ext uri="{FF2B5EF4-FFF2-40B4-BE49-F238E27FC236}">
+                <a16:creationId xmlns:a16="http://schemas.microsoft.com/office/drawing/2014/main" id="{0BA27CBF-70FE-4280-A09F-1C06FD1F30BE}"/>
+              </a:ext>
+            </a:extLst>
+          </p:cNvPr>
+          <p:cNvSpPr>
+            <a:spLocks noGrp="1"/>
+          </p:cNvSpPr>
+          <p:nvPr>
+            <p:ph idx="1"/>
+          </p:nvPr>
+        </p:nvSpPr>
+        <p:spPr>
+          <a:xfrm>
+            <a:off x="6090574" y="801866"/>
+            <a:ext cx="5306084" cy="5230634"/>
+          </a:xfrm>
+        </p:spPr>
+        <p:txBody>
+          <a:bodyPr anchor="ctr">
+            <a:normAutofit/>
+          </a:bodyPr>
+          <a:lstStyle/>
+          <a:p>
+            <a:r>
+              <a:rPr lang="en-US" sz="2400" dirty="0">
+                <a:solidFill>
+                  <a:srgbClr val="000000"/>
+                </a:solidFill>
+              </a:rPr>
+              <a:t>Ease of installation and use</a:t>
+            </a:r>
+          </a:p>
+          <a:p>
+            <a:r>
+              <a:rPr lang="en-US" sz="2400" dirty="0">
+                <a:solidFill>
+                  <a:srgbClr val="000000"/>
+                </a:solidFill>
+              </a:rPr>
+              <a:t>Unique Parsing Facility</a:t>
+            </a:r>
+          </a:p>
+          <a:p>
+            <a:r>
+              <a:rPr lang="en-US" sz="2400" dirty="0">
+                <a:solidFill>
+                  <a:srgbClr val="000000"/>
+                </a:solidFill>
+              </a:rPr>
+              <a:t>Works well with Python</a:t>
+            </a:r>
+          </a:p>
+        </p:txBody>
+      </p:sp>
+    </p:spTree>
+    <p:extLst>
+      <p:ext uri="{BB962C8B-B14F-4D97-AF65-F5344CB8AC3E}">
+        <p14:creationId xmlns:p14="http://schemas.microsoft.com/office/powerpoint/2010/main" val="1380522766"/>
+      </p:ext>
+    </p:extLst>
+  </p:cSld>
+  <p:clrMapOvr>
+    <a:masterClrMapping/>
+  </p:clrMapOvr>
+</p:sld>
+</file>
+
+<file path=ppt/slides/slide18.xml><?xml version="1.0" encoding="utf-8"?>
+<p:sld xmlns:a="http://schemas.openxmlformats.org/drawingml/2006/main" xmlns:r="http://schemas.openxmlformats.org/officeDocument/2006/relationships" xmlns:p="http://schemas.openxmlformats.org/presentationml/2006/main">
+  <p:cSld>
+    <p:bg>
+      <p:bgPr>
+        <a:solidFill>
+          <a:schemeClr val="bg1"/>
+        </a:solidFill>
+        <a:effectLst/>
+      </p:bgPr>
+    </p:bg>
+    <p:spTree>
+      <p:nvGrpSpPr>
+        <p:cNvPr id="1" name=""/>
+        <p:cNvGrpSpPr/>
+        <p:nvPr/>
+      </p:nvGrpSpPr>
+      <p:grpSpPr>
+        <a:xfrm>
+          <a:off x="0" y="0"/>
+          <a:ext cx="0" cy="0"/>
+          <a:chOff x="0" y="0"/>
+          <a:chExt cx="0" cy="0"/>
+        </a:xfrm>
+      </p:grpSpPr>
+      <p:sp>
+        <p:nvSpPr>
+          <p:cNvPr id="8" name="Rectangle 7">
+            <a:extLst>
+              <a:ext uri="{FF2B5EF4-FFF2-40B4-BE49-F238E27FC236}">
+                <a16:creationId xmlns:a16="http://schemas.microsoft.com/office/drawing/2014/main" id="{4351DFE5-F63D-4BE0-BDA9-E3EB88F01AA5}"/>
+              </a:ext>
+              <a:ext uri="{C183D7F6-B498-43B3-948B-1728B52AA6E4}">
+                <adec:decorative xmlns:adec="http://schemas.microsoft.com/office/drawing/2017/decorative" val="1"/>
+              </a:ext>
+            </a:extLst>
+          </p:cNvPr>
+          <p:cNvSpPr>
+            <a:spLocks noGrp="1" noRot="1" noChangeAspect="1" noMove="1" noResize="1" noEditPoints="1" noAdjustHandles="1" noChangeArrowheads="1" noChangeShapeType="1" noTextEdit="1"/>
+          </p:cNvSpPr>
+          <p:nvPr>
+            <p:extLst>
+              <p:ext uri="{386F3935-93C4-4BCD-93E2-E3B085C9AB24}">
+                <p16:designElem xmlns:p16="http://schemas.microsoft.com/office/powerpoint/2015/main" val="1"/>
+              </p:ext>
+            </p:extLst>
+          </p:nvPr>
+        </p:nvSpPr>
+        <p:spPr>
+          <a:xfrm>
+            <a:off x="355601" y="0"/>
+            <a:ext cx="11480494" cy="2753936"/>
+          </a:xfrm>
+          <a:prstGeom prst="rect">
+            <a:avLst/>
+          </a:prstGeom>
+          <a:gradFill>
+            <a:gsLst>
+              <a:gs pos="0">
+                <a:schemeClr val="accent1">
+                  <a:lumMod val="90000"/>
+                </a:schemeClr>
+              </a:gs>
+              <a:gs pos="25000">
+                <a:schemeClr val="accent1">
+                  <a:lumMod val="90000"/>
+                </a:schemeClr>
+              </a:gs>
+              <a:gs pos="94000">
+                <a:schemeClr val="bg2">
+                  <a:lumMod val="25000"/>
+                </a:schemeClr>
+              </a:gs>
+              <a:gs pos="100000">
+                <a:schemeClr val="bg2">
+                  <a:lumMod val="25000"/>
+                </a:schemeClr>
+              </a:gs>
+            </a:gsLst>
+            <a:lin ang="4200000" scaled="0"/>
+          </a:gradFill>
+          <a:ln>
+            <a:noFill/>
+          </a:ln>
+        </p:spPr>
+        <p:style>
+          <a:lnRef idx="2">
+            <a:schemeClr val="accent1">
+              <a:shade val="50000"/>
+            </a:schemeClr>
+          </a:lnRef>
+          <a:fillRef idx="1">
+            <a:schemeClr val="accent1"/>
+          </a:fillRef>
+          <a:effectRef idx="0">
+            <a:schemeClr val="accent1"/>
+          </a:effectRef>
+          <a:fontRef idx="minor">
+            <a:schemeClr val="lt1"/>
+          </a:fontRef>
+        </p:style>
+        <p:txBody>
+          <a:bodyPr rtlCol="0" anchor="ctr"/>
+          <a:lstStyle/>
+          <a:p>
+            <a:pPr algn="ctr"/>
+            <a:endParaRPr lang="en-US"/>
+          </a:p>
+        </p:txBody>
+      </p:sp>
+      <p:pic>
+        <p:nvPicPr>
+          <p:cNvPr id="10" name="Picture 9">
+            <a:extLst>
+              <a:ext uri="{FF2B5EF4-FFF2-40B4-BE49-F238E27FC236}">
+                <a16:creationId xmlns:a16="http://schemas.microsoft.com/office/drawing/2014/main" id="{3AA16612-ACD2-4A16-8F2B-4514FD6BF28F}"/>
+              </a:ext>
+              <a:ext uri="{C183D7F6-B498-43B3-948B-1728B52AA6E4}">
+                <adec:decorative xmlns:adec="http://schemas.microsoft.com/office/drawing/2017/decorative" val="1"/>
+              </a:ext>
+            </a:extLst>
+          </p:cNvPr>
+          <p:cNvPicPr>
+            <a:picLocks noGrp="1" noRot="1" noChangeAspect="1" noMove="1" noResize="1" noEditPoints="1" noAdjustHandles="1" noChangeArrowheads="1" noChangeShapeType="1" noCrop="1"/>
+          </p:cNvPicPr>
+          <p:nvPr>
+            <p:extLst>
+              <p:ext uri="{386F3935-93C4-4BCD-93E2-E3B085C9AB24}">
+                <p16:designElem xmlns:p16="http://schemas.microsoft.com/office/powerpoint/2015/main" val="1"/>
+              </p:ext>
+            </p:extLst>
+          </p:nvPr>
+        </p:nvPicPr>
+        <p:blipFill>
+          <a:blip r:embed="rId2">
+            <a:extLst>
+              <a:ext uri="{28A0092B-C50C-407E-A947-70E740481C1C}">
+                <a14:useLocalDpi xmlns:a14="http://schemas.microsoft.com/office/drawing/2010/main" val="0"/>
+              </a:ext>
+            </a:extLst>
+          </a:blip>
+          <a:stretch>
+            <a:fillRect/>
+          </a:stretch>
+        </p:blipFill>
+        <p:spPr>
+          <a:xfrm>
+            <a:off x="0" y="0"/>
+            <a:ext cx="12192000" cy="6858000"/>
+          </a:xfrm>
+          <a:prstGeom prst="rect">
+            <a:avLst/>
+          </a:prstGeom>
+        </p:spPr>
+      </p:pic>
+      <p:sp>
+        <p:nvSpPr>
+          <p:cNvPr id="2" name="Title 1">
+            <a:extLst>
+              <a:ext uri="{FF2B5EF4-FFF2-40B4-BE49-F238E27FC236}">
+                <a16:creationId xmlns:a16="http://schemas.microsoft.com/office/drawing/2014/main" id="{19713DEA-AA8B-4147-BF58-108EAD1CD55C}"/>
+              </a:ext>
+            </a:extLst>
+          </p:cNvPr>
+          <p:cNvSpPr>
+            <a:spLocks noGrp="1"/>
+          </p:cNvSpPr>
+          <p:nvPr>
+            <p:ph type="title"/>
+          </p:nvPr>
+        </p:nvSpPr>
+        <p:spPr>
+          <a:xfrm>
+            <a:off x="1179226" y="826681"/>
+            <a:ext cx="9833548" cy="1195235"/>
+          </a:xfrm>
+        </p:spPr>
+        <p:txBody>
+          <a:bodyPr>
+            <a:normAutofit/>
+          </a:bodyPr>
+          <a:lstStyle/>
+          <a:p>
+            <a:pPr algn="ctr"/>
+            <a:r>
+              <a:rPr lang="en-US" sz="4000" dirty="0">
+                <a:solidFill>
+                  <a:srgbClr val="FFFFFF"/>
+                </a:solidFill>
+              </a:rPr>
+              <a:t>References</a:t>
+            </a:r>
+          </a:p>
+        </p:txBody>
+      </p:sp>
+      <p:sp>
+        <p:nvSpPr>
+          <p:cNvPr id="3" name="Content Placeholder 2">
+            <a:extLst>
+              <a:ext uri="{FF2B5EF4-FFF2-40B4-BE49-F238E27FC236}">
+                <a16:creationId xmlns:a16="http://schemas.microsoft.com/office/drawing/2014/main" id="{4FE4F457-722D-4DD5-AD63-8A463D948C43}"/>
+              </a:ext>
+            </a:extLst>
+          </p:cNvPr>
+          <p:cNvSpPr>
+            <a:spLocks noGrp="1"/>
+          </p:cNvSpPr>
+          <p:nvPr>
+            <p:ph idx="1"/>
+          </p:nvPr>
+        </p:nvSpPr>
+        <p:spPr>
+          <a:xfrm>
+            <a:off x="1179226" y="3092970"/>
+            <a:ext cx="9833548" cy="3765030"/>
+          </a:xfrm>
+        </p:spPr>
+        <p:txBody>
+          <a:bodyPr>
+            <a:normAutofit/>
+          </a:bodyPr>
+          <a:lstStyle/>
+          <a:p>
+            <a:r>
+              <a:rPr lang="en-US" sz="2000" dirty="0">
+                <a:solidFill>
+                  <a:srgbClr val="000000"/>
+                </a:solidFill>
+              </a:rPr>
+              <a:t>Roni </a:t>
+            </a:r>
+            <a:r>
+              <a:rPr lang="en-US" sz="2000" dirty="0" err="1">
+                <a:solidFill>
+                  <a:srgbClr val="000000"/>
+                </a:solidFill>
+              </a:rPr>
+              <a:t>Vorev</a:t>
+            </a:r>
+            <a:r>
+              <a:rPr lang="en-US" sz="2000" dirty="0">
+                <a:solidFill>
+                  <a:srgbClr val="000000"/>
+                </a:solidFill>
+              </a:rPr>
+              <a:t>, </a:t>
+            </a:r>
+            <a:r>
+              <a:rPr lang="en-US" sz="2000" b="0" i="0" u="none" strike="noStrike" dirty="0">
+                <a:solidFill>
+                  <a:srgbClr val="000000"/>
+                </a:solidFill>
+                <a:effectLst/>
+                <a:latin typeface="medium-content-title-font"/>
+              </a:rPr>
+              <a:t>BERT Explained</a:t>
+            </a:r>
+            <a:r>
+              <a:rPr lang="en-US" sz="2000" b="0" i="0" dirty="0">
+                <a:solidFill>
+                  <a:srgbClr val="000000"/>
+                </a:solidFill>
+                <a:effectLst/>
+                <a:latin typeface="medium-content-title-font"/>
+              </a:rPr>
+              <a:t>: State of the art language model for NLP</a:t>
+            </a:r>
+          </a:p>
+          <a:p>
+            <a:r>
+              <a:rPr lang="en-US" sz="2000" dirty="0">
+                <a:solidFill>
+                  <a:srgbClr val="000000"/>
+                </a:solidFill>
+                <a:latin typeface="medium-content-title-font"/>
+              </a:rPr>
+              <a:t>Sarthak Vajpayee, Understanding BERT — (Bidirectional Encoder Representations from Transformers)</a:t>
+            </a:r>
+          </a:p>
+          <a:p>
+            <a:r>
+              <a:rPr lang="en-US" sz="2000" dirty="0" err="1">
+                <a:solidFill>
+                  <a:srgbClr val="000000"/>
+                </a:solidFill>
+                <a:latin typeface="medium-content-title-font"/>
+              </a:rPr>
+              <a:t>Dipanjan</a:t>
+            </a:r>
+            <a:r>
+              <a:rPr lang="en-US" sz="2000" dirty="0">
+                <a:solidFill>
+                  <a:srgbClr val="000000"/>
+                </a:solidFill>
+                <a:latin typeface="medium-content-title-font"/>
+              </a:rPr>
+              <a:t> Sarkar, Understanding Feature Engineering: Deep Learning Methods for Text Data</a:t>
+            </a:r>
+          </a:p>
+          <a:p>
+            <a:r>
+              <a:rPr lang="en-US" sz="2000" dirty="0">
+                <a:solidFill>
+                  <a:srgbClr val="000000"/>
+                </a:solidFill>
+                <a:latin typeface="medium-content-title-font"/>
+              </a:rPr>
+              <a:t>Jacob Devlin, Ming-Wei Chang, Kenton Lee, Kristina Toutanova, BERT: Pre-training of Deep Bidirectional Transformers for Language Understanding</a:t>
+            </a:r>
+          </a:p>
+          <a:p>
+            <a:r>
+              <a:rPr lang="en-US" sz="2000" dirty="0" err="1">
+                <a:solidFill>
+                  <a:srgbClr val="000000"/>
+                </a:solidFill>
+                <a:latin typeface="medium-content-title-font"/>
+              </a:rPr>
+              <a:t>Mohd</a:t>
+            </a:r>
+            <a:r>
+              <a:rPr lang="en-US" sz="2000" dirty="0">
+                <a:solidFill>
+                  <a:srgbClr val="000000"/>
+                </a:solidFill>
+                <a:latin typeface="medium-content-title-font"/>
+              </a:rPr>
+              <a:t> Sanad </a:t>
+            </a:r>
+            <a:r>
+              <a:rPr lang="en-US" sz="2000" dirty="0" err="1">
+                <a:solidFill>
+                  <a:srgbClr val="000000"/>
+                </a:solidFill>
+                <a:latin typeface="medium-content-title-font"/>
+              </a:rPr>
+              <a:t>Zaki</a:t>
+            </a:r>
+            <a:r>
+              <a:rPr lang="en-US" sz="2000" dirty="0">
+                <a:solidFill>
+                  <a:srgbClr val="000000"/>
+                </a:solidFill>
+                <a:latin typeface="medium-content-title-font"/>
+              </a:rPr>
+              <a:t> Rizvi, Demystifying BERT: A Comprehensive Guide to the Groundbreaking NLP Framework</a:t>
+            </a:r>
+          </a:p>
+          <a:p>
+            <a:r>
+              <a:rPr lang="en-US" sz="2000" dirty="0">
+                <a:solidFill>
+                  <a:srgbClr val="000000"/>
+                </a:solidFill>
+                <a:latin typeface="medium-content-title-font"/>
+              </a:rPr>
+              <a:t>https://www.lockedownseo.com/google-bert-update/</a:t>
+            </a:r>
+          </a:p>
+          <a:p>
+            <a:endParaRPr lang="en-US" sz="2000" dirty="0">
+              <a:solidFill>
+                <a:srgbClr val="000000"/>
+              </a:solidFill>
+              <a:latin typeface="medium-content-title-font"/>
+            </a:endParaRPr>
+          </a:p>
+          <a:p>
+            <a:endParaRPr lang="en-US" sz="2000" dirty="0">
+              <a:solidFill>
+                <a:srgbClr val="000000"/>
+              </a:solidFill>
+              <a:latin typeface="medium-content-title-font"/>
+            </a:endParaRPr>
+          </a:p>
+          <a:p>
+            <a:endParaRPr lang="en-US" sz="2000" dirty="0">
+              <a:solidFill>
+                <a:srgbClr val="000000"/>
+              </a:solidFill>
+              <a:latin typeface="medium-content-title-font"/>
+            </a:endParaRPr>
+          </a:p>
+          <a:p>
+            <a:endParaRPr lang="en-US" sz="2000" dirty="0">
+              <a:solidFill>
+                <a:srgbClr val="000000"/>
+              </a:solidFill>
+              <a:latin typeface="medium-content-title-font"/>
+            </a:endParaRPr>
+          </a:p>
+          <a:p>
+            <a:endParaRPr lang="en-US" sz="2000" dirty="0">
+              <a:solidFill>
+                <a:srgbClr val="000000"/>
+              </a:solidFill>
+            </a:endParaRPr>
+          </a:p>
+        </p:txBody>
+      </p:sp>
+    </p:spTree>
+    <p:extLst>
+      <p:ext uri="{BB962C8B-B14F-4D97-AF65-F5344CB8AC3E}">
+        <p14:creationId xmlns:p14="http://schemas.microsoft.com/office/powerpoint/2010/main" val="1839014720"/>
+      </p:ext>
+    </p:extLst>
+  </p:cSld>
+  <p:clrMapOvr>
+    <a:masterClrMapping/>
+  </p:clrMapOvr>
+</p:sld>
+</file>
+
+<file path=ppt/slides/slide19.xml><?xml version="1.0" encoding="utf-8"?>
 <p:sld xmlns:a="http://schemas.openxmlformats.org/drawingml/2006/main" xmlns:r="http://schemas.openxmlformats.org/officeDocument/2006/relationships" xmlns:p="http://schemas.openxmlformats.org/presentationml/2006/main">
   <p:cSld>
     <p:bg>
       <p:bgPr>
         <a:blipFill dpi="0" rotWithShape="1">
           <a:blip r:embed="rId2">
-            <a:alphaModFix amt="30000"/>
             <a:lum/>
           </a:blip>
           <a:srcRect/>
           <a:stretch>
-            <a:fillRect t="-7000" b="-7000"/>
+            <a:fillRect t="-9000" b="-9000"/>
           </a:stretch>
         </a:blipFill>
         <a:effectLst/>
@@ -3491,10 +11047,10 @@
       </p:grpSpPr>
       <p:sp>
         <p:nvSpPr>
-          <p:cNvPr id="2" name="Title 1">
-            <a:extLst>
-              <a:ext uri="{FF2B5EF4-FFF2-40B4-BE49-F238E27FC236}">
-                <a16:creationId xmlns:a16="http://schemas.microsoft.com/office/drawing/2014/main" id="{2FD9DA4D-84DB-4C78-89B7-AF3DE0596B64}"/>
+          <p:cNvPr id="4" name="Title 3">
+            <a:extLst>
+              <a:ext uri="{FF2B5EF4-FFF2-40B4-BE49-F238E27FC236}">
+                <a16:creationId xmlns:a16="http://schemas.microsoft.com/office/drawing/2014/main" id="{1EE3BE5A-208F-4866-949B-A1340C61FCB6}"/>
               </a:ext>
             </a:extLst>
           </p:cNvPr>
@@ -3502,100 +11058,17 @@
             <a:spLocks noGrp="1"/>
           </p:cNvSpPr>
           <p:nvPr>
-            <p:ph type="ctrTitle"/>
-          </p:nvPr>
-        </p:nvSpPr>
-        <p:spPr>
-          <a:xfrm>
-            <a:off x="3209731" y="1931436"/>
-            <a:ext cx="5467739" cy="929535"/>
-          </a:xfrm>
-          <a:solidFill>
-            <a:schemeClr val="bg1"/>
-          </a:solidFill>
-        </p:spPr>
+            <p:ph type="title"/>
+          </p:nvPr>
+        </p:nvSpPr>
+        <p:spPr/>
         <p:txBody>
           <a:bodyPr/>
           <a:lstStyle/>
           <a:p>
-            <a:pPr algn="l"/>
-            <a:r>
-              <a:rPr lang="en-US" b="1" dirty="0"/>
-              <a:t>Reverse Mad Libs</a:t>
-            </a:r>
-          </a:p>
-        </p:txBody>
-      </p:sp>
-      <p:sp>
-        <p:nvSpPr>
-          <p:cNvPr id="3" name="Subtitle 2">
-            <a:extLst>
-              <a:ext uri="{FF2B5EF4-FFF2-40B4-BE49-F238E27FC236}">
-                <a16:creationId xmlns:a16="http://schemas.microsoft.com/office/drawing/2014/main" id="{E1A73FD9-7C57-4EE8-82A1-E2F775F875CC}"/>
-              </a:ext>
-            </a:extLst>
-          </p:cNvPr>
-          <p:cNvSpPr>
-            <a:spLocks noGrp="1"/>
-          </p:cNvSpPr>
-          <p:nvPr>
-            <p:ph type="subTitle" idx="1"/>
-          </p:nvPr>
-        </p:nvSpPr>
-        <p:spPr>
-          <a:xfrm>
-            <a:off x="4010607" y="3093258"/>
-            <a:ext cx="4170785" cy="503532"/>
-          </a:xfrm>
-          <a:solidFill>
-            <a:schemeClr val="bg1"/>
-          </a:solidFill>
-        </p:spPr>
-        <p:txBody>
-          <a:bodyPr/>
-          <a:lstStyle/>
-          <a:p>
             <a:r>
               <a:rPr lang="en-US" dirty="0"/>
-              <a:t>Natural Language Processing</a:t>
-            </a:r>
-          </a:p>
-        </p:txBody>
-      </p:sp>
-      <p:sp>
-        <p:nvSpPr>
-          <p:cNvPr id="4" name="TextBox 3">
-            <a:extLst>
-              <a:ext uri="{FF2B5EF4-FFF2-40B4-BE49-F238E27FC236}">
-                <a16:creationId xmlns:a16="http://schemas.microsoft.com/office/drawing/2014/main" id="{9767A612-9B87-43F4-8A09-48E48C35AF35}"/>
-              </a:ext>
-            </a:extLst>
-          </p:cNvPr>
-          <p:cNvSpPr txBox="1"/>
-          <p:nvPr/>
-        </p:nvSpPr>
-        <p:spPr>
-          <a:xfrm>
-            <a:off x="4486534" y="3829077"/>
-            <a:ext cx="2716699" cy="369332"/>
-          </a:xfrm>
-          <a:prstGeom prst="rect">
-            <a:avLst/>
-          </a:prstGeom>
-          <a:solidFill>
-            <a:schemeClr val="bg1"/>
-          </a:solidFill>
-        </p:spPr>
-        <p:txBody>
-          <a:bodyPr wrap="square" rtlCol="0">
-            <a:spAutoFit/>
-          </a:bodyPr>
-          <a:lstStyle/>
-          <a:p>
-            <a:pPr algn="ctr"/>
-            <a:r>
-              <a:rPr lang="en-US" dirty="0"/>
-              <a:t>Scott Bing</a:t>
+              <a:t>Questions?</a:t>
             </a:r>
           </a:p>
         </p:txBody>
@@ -3603,7 +11076,7 @@
     </p:spTree>
     <p:extLst>
       <p:ext uri="{BB962C8B-B14F-4D97-AF65-F5344CB8AC3E}">
-        <p14:creationId xmlns:p14="http://schemas.microsoft.com/office/powerpoint/2010/main" val="885856941"/>
+        <p14:creationId xmlns:p14="http://schemas.microsoft.com/office/powerpoint/2010/main" val="1860237624"/>
       </p:ext>
     </p:extLst>
   </p:cSld>
@@ -3613,7 +11086,7 @@
 </p:sld>
 </file>
 
-<file path=ppt/slides/slide3.xml><?xml version="1.0" encoding="utf-8"?>
+<file path=ppt/slides/slide2.xml><?xml version="1.0" encoding="utf-8"?>
 <p:sld xmlns:a="http://schemas.openxmlformats.org/drawingml/2006/main" xmlns:r="http://schemas.openxmlformats.org/officeDocument/2006/relationships" xmlns:p="http://schemas.openxmlformats.org/presentationml/2006/main">
   <p:cSld>
     <p:bg>
@@ -4205,9 +11678,17 @@
 </p:sld>
 </file>
 
-<file path=ppt/slides/slide4.xml><?xml version="1.0" encoding="utf-8"?>
+<file path=ppt/slides/slide3.xml><?xml version="1.0" encoding="utf-8"?>
 <p:sld xmlns:a="http://schemas.openxmlformats.org/drawingml/2006/main" xmlns:r="http://schemas.openxmlformats.org/officeDocument/2006/relationships" xmlns:p="http://schemas.openxmlformats.org/presentationml/2006/main">
   <p:cSld>
+    <p:bg>
+      <p:bgPr>
+        <a:solidFill>
+          <a:schemeClr val="bg1"/>
+        </a:solidFill>
+        <a:effectLst/>
+      </p:bgPr>
+    </p:bg>
     <p:spTree>
       <p:nvGrpSpPr>
         <p:cNvPr id="1" name=""/>
@@ -4227,6 +11708,300 @@
           <p:cNvPr id="2" name="Title 1">
             <a:extLst>
               <a:ext uri="{FF2B5EF4-FFF2-40B4-BE49-F238E27FC236}">
+                <a16:creationId xmlns:a16="http://schemas.microsoft.com/office/drawing/2014/main" id="{B1ABA5A1-457C-4877-BE64-23E800576D0E}"/>
+              </a:ext>
+            </a:extLst>
+          </p:cNvPr>
+          <p:cNvSpPr>
+            <a:spLocks noGrp="1"/>
+          </p:cNvSpPr>
+          <p:nvPr>
+            <p:ph type="title"/>
+          </p:nvPr>
+        </p:nvSpPr>
+        <p:spPr>
+          <a:xfrm>
+            <a:off x="4965430" y="629268"/>
+            <a:ext cx="6586491" cy="1286160"/>
+          </a:xfrm>
+        </p:spPr>
+        <p:txBody>
+          <a:bodyPr anchor="b">
+            <a:normAutofit/>
+          </a:bodyPr>
+          <a:lstStyle/>
+          <a:p>
+            <a:r>
+              <a:rPr lang="en-US" dirty="0"/>
+              <a:t>Two Different Worlds</a:t>
+            </a:r>
+          </a:p>
+        </p:txBody>
+      </p:sp>
+      <p:sp>
+        <p:nvSpPr>
+          <p:cNvPr id="4" name="Content Placeholder 3">
+            <a:extLst>
+              <a:ext uri="{FF2B5EF4-FFF2-40B4-BE49-F238E27FC236}">
+                <a16:creationId xmlns:a16="http://schemas.microsoft.com/office/drawing/2014/main" id="{CF495AF5-E3E9-4A24-9C18-F0A072698D27}"/>
+              </a:ext>
+            </a:extLst>
+          </p:cNvPr>
+          <p:cNvSpPr>
+            <a:spLocks noGrp="1"/>
+          </p:cNvSpPr>
+          <p:nvPr>
+            <p:ph idx="1"/>
+          </p:nvPr>
+        </p:nvSpPr>
+        <p:spPr>
+          <a:xfrm>
+            <a:off x="4965431" y="2438400"/>
+            <a:ext cx="6586489" cy="3785419"/>
+          </a:xfrm>
+        </p:spPr>
+        <p:txBody>
+          <a:bodyPr>
+            <a:normAutofit fontScale="70000" lnSpcReduction="20000"/>
+          </a:bodyPr>
+          <a:lstStyle/>
+          <a:p>
+            <a:pPr marL="0" indent="0">
+              <a:buNone/>
+            </a:pPr>
+            <a:r>
+              <a:rPr lang="en-US" sz="1900" dirty="0"/>
+              <a:t>Computer Language</a:t>
+            </a:r>
+          </a:p>
+          <a:p>
+            <a:r>
+              <a:rPr lang="en-US" sz="1900" dirty="0"/>
+              <a:t>Structured Data</a:t>
+            </a:r>
+          </a:p>
+          <a:p>
+            <a:r>
+              <a:rPr lang="en-US" sz="1900" dirty="0"/>
+              <a:t>‘1’s and ‘0’s  - the language of a computer is Binary</a:t>
+            </a:r>
+          </a:p>
+          <a:p>
+            <a:r>
+              <a:rPr lang="en-US" sz="1900" dirty="0"/>
+              <a:t>Adheres to Mathematical Logic and Proofs</a:t>
+            </a:r>
+          </a:p>
+          <a:p>
+            <a:pPr marL="0" indent="0">
+              <a:buNone/>
+            </a:pPr>
+            <a:endParaRPr lang="en-US" sz="1900" dirty="0"/>
+          </a:p>
+          <a:p>
+            <a:pPr marL="0" indent="0">
+              <a:buNone/>
+            </a:pPr>
+            <a:r>
+              <a:rPr lang="en-US" sz="1900" dirty="0"/>
+              <a:t>Human Language</a:t>
+            </a:r>
+          </a:p>
+          <a:p>
+            <a:r>
+              <a:rPr lang="en-US" sz="1900" dirty="0"/>
+              <a:t>Unstructured Data</a:t>
+            </a:r>
+          </a:p>
+          <a:p>
+            <a:r>
+              <a:rPr lang="en-US" sz="1900" dirty="0"/>
+              <a:t>Ambiguous</a:t>
+            </a:r>
+          </a:p>
+          <a:p>
+            <a:pPr lvl="1"/>
+            <a:r>
+              <a:rPr lang="en-US" sz="1900" dirty="0"/>
+              <a:t>Homonyms</a:t>
+            </a:r>
+          </a:p>
+          <a:p>
+            <a:pPr lvl="1"/>
+            <a:r>
+              <a:rPr lang="en-US" sz="1900" dirty="0"/>
+              <a:t>Homophones </a:t>
+            </a:r>
+          </a:p>
+          <a:p>
+            <a:pPr lvl="1"/>
+            <a:r>
+              <a:rPr lang="en-US" sz="1900" dirty="0"/>
+              <a:t>Local Idioms</a:t>
+            </a:r>
+          </a:p>
+          <a:p>
+            <a:pPr lvl="1"/>
+            <a:r>
+              <a:rPr lang="en-US" sz="1900" dirty="0"/>
+              <a:t>Occupational jargon</a:t>
+            </a:r>
+          </a:p>
+          <a:p>
+            <a:r>
+              <a:rPr lang="en-US" sz="1900" dirty="0"/>
+              <a:t>Complex</a:t>
+            </a:r>
+          </a:p>
+          <a:p>
+            <a:pPr lvl="1"/>
+            <a:r>
+              <a:rPr lang="en-US" sz="1500" dirty="0"/>
+              <a:t>Parts of Speech Overlapping</a:t>
+            </a:r>
+          </a:p>
+          <a:p>
+            <a:r>
+              <a:rPr lang="en-US" sz="1900" dirty="0"/>
+              <a:t>Its just pain messy</a:t>
+            </a:r>
+          </a:p>
+          <a:p>
+            <a:endParaRPr lang="en-US" sz="1900" dirty="0"/>
+          </a:p>
+        </p:txBody>
+      </p:sp>
+      <p:cxnSp>
+        <p:nvCxnSpPr>
+          <p:cNvPr id="10" name="Straight Connector 9">
+            <a:extLst>
+              <a:ext uri="{FF2B5EF4-FFF2-40B4-BE49-F238E27FC236}">
+                <a16:creationId xmlns:a16="http://schemas.microsoft.com/office/drawing/2014/main" id="{A7F400EE-A8A5-48AF-B4D6-291B52C6F0B0}"/>
+              </a:ext>
+              <a:ext uri="{C183D7F6-B498-43B3-948B-1728B52AA6E4}">
+                <adec:decorative xmlns:adec="http://schemas.microsoft.com/office/drawing/2017/decorative" val="1"/>
+              </a:ext>
+            </a:extLst>
+          </p:cNvPr>
+          <p:cNvCxnSpPr>
+            <a:cxnSpLocks noGrp="1" noRot="1" noChangeAspect="1" noMove="1" noResize="1" noEditPoints="1" noAdjustHandles="1" noChangeArrowheads="1" noChangeShapeType="1"/>
+          </p:cNvCxnSpPr>
+          <p:nvPr>
+            <p:extLst>
+              <p:ext uri="{386F3935-93C4-4BCD-93E2-E3B085C9AB24}">
+                <p16:designElem xmlns:p16="http://schemas.microsoft.com/office/powerpoint/2015/main" val="1"/>
+              </p:ext>
+            </p:extLst>
+          </p:nvPr>
+        </p:nvCxnSpPr>
+        <p:spPr>
+          <a:xfrm>
+            <a:off x="5080934" y="2115117"/>
+            <a:ext cx="6309360" cy="0"/>
+          </a:xfrm>
+          <a:prstGeom prst="line">
+            <a:avLst/>
+          </a:prstGeom>
+          <a:ln w="19050">
+            <a:solidFill>
+              <a:srgbClr val="87ECFF"/>
+            </a:solidFill>
+          </a:ln>
+        </p:spPr>
+        <p:style>
+          <a:lnRef idx="1">
+            <a:schemeClr val="accent1"/>
+          </a:lnRef>
+          <a:fillRef idx="0">
+            <a:schemeClr val="accent1"/>
+          </a:fillRef>
+          <a:effectRef idx="0">
+            <a:schemeClr val="accent1"/>
+          </a:effectRef>
+          <a:fontRef idx="minor">
+            <a:schemeClr val="tx1"/>
+          </a:fontRef>
+        </p:style>
+      </p:cxnSp>
+      <p:pic>
+        <p:nvPicPr>
+          <p:cNvPr id="7" name="Picture 6" descr="A circuit board&#10;&#10;Description automatically generated">
+            <a:extLst>
+              <a:ext uri="{FF2B5EF4-FFF2-40B4-BE49-F238E27FC236}">
+                <a16:creationId xmlns:a16="http://schemas.microsoft.com/office/drawing/2014/main" id="{B5BA016B-7FD2-4B3F-A8B7-C0A560C70AA5}"/>
+              </a:ext>
+            </a:extLst>
+          </p:cNvPr>
+          <p:cNvPicPr>
+            <a:picLocks noChangeAspect="1"/>
+          </p:cNvPicPr>
+          <p:nvPr/>
+        </p:nvPicPr>
+        <p:blipFill>
+          <a:blip r:embed="rId2">
+            <a:extLst>
+              <a:ext uri="{28A0092B-C50C-407E-A947-70E740481C1C}">
+                <a14:useLocalDpi xmlns:a14="http://schemas.microsoft.com/office/drawing/2010/main" val="0"/>
+              </a:ext>
+            </a:extLst>
+          </a:blip>
+          <a:stretch>
+            <a:fillRect/>
+          </a:stretch>
+        </p:blipFill>
+        <p:spPr>
+          <a:xfrm rot="16200000">
+            <a:off x="-563033" y="1495425"/>
+            <a:ext cx="5867400" cy="3867150"/>
+          </a:xfrm>
+          <a:prstGeom prst="rect">
+            <a:avLst/>
+          </a:prstGeom>
+        </p:spPr>
+      </p:pic>
+    </p:spTree>
+    <p:extLst>
+      <p:ext uri="{BB962C8B-B14F-4D97-AF65-F5344CB8AC3E}">
+        <p14:creationId xmlns:p14="http://schemas.microsoft.com/office/powerpoint/2010/main" val="2883547006"/>
+      </p:ext>
+    </p:extLst>
+  </p:cSld>
+  <p:clrMapOvr>
+    <a:masterClrMapping/>
+  </p:clrMapOvr>
+</p:sld>
+</file>
+
+<file path=ppt/slides/slide4.xml><?xml version="1.0" encoding="utf-8"?>
+<p:sld xmlns:a="http://schemas.openxmlformats.org/drawingml/2006/main" xmlns:r="http://schemas.openxmlformats.org/officeDocument/2006/relationships" xmlns:p="http://schemas.openxmlformats.org/presentationml/2006/main">
+  <p:cSld>
+    <p:bg>
+      <p:bgPr>
+        <a:solidFill>
+          <a:schemeClr val="bg1"/>
+        </a:solidFill>
+        <a:effectLst/>
+      </p:bgPr>
+    </p:bg>
+    <p:spTree>
+      <p:nvGrpSpPr>
+        <p:cNvPr id="1" name=""/>
+        <p:cNvGrpSpPr/>
+        <p:nvPr/>
+      </p:nvGrpSpPr>
+      <p:grpSpPr>
+        <a:xfrm>
+          <a:off x="0" y="0"/>
+          <a:ext cx="0" cy="0"/>
+          <a:chOff x="0" y="0"/>
+          <a:chExt cx="0" cy="0"/>
+        </a:xfrm>
+      </p:grpSpPr>
+      <p:sp>
+        <p:nvSpPr>
+          <p:cNvPr id="2" name="Title 1">
+            <a:extLst>
+              <a:ext uri="{FF2B5EF4-FFF2-40B4-BE49-F238E27FC236}">
                 <a16:creationId xmlns:a16="http://schemas.microsoft.com/office/drawing/2014/main" id="{1E0EB210-B469-4993-96CF-3AE6BE6AA30F}"/>
               </a:ext>
             </a:extLst>
@@ -4238,13 +12013,20 @@
             <p:ph type="title"/>
           </p:nvPr>
         </p:nvSpPr>
-        <p:spPr/>
-        <p:txBody>
-          <a:bodyPr/>
+        <p:spPr>
+          <a:xfrm>
+            <a:off x="4965430" y="629268"/>
+            <a:ext cx="6586491" cy="1286160"/>
+          </a:xfrm>
+        </p:spPr>
+        <p:txBody>
+          <a:bodyPr anchor="b">
+            <a:normAutofit/>
+          </a:bodyPr>
           <a:lstStyle/>
           <a:p>
             <a:r>
-              <a:rPr lang="en-US" dirty="0"/>
+              <a:rPr lang="en-US" sz="4100"/>
               <a:t>Natural Language Processing</a:t>
             </a:r>
           </a:p>
@@ -4266,24 +12048,131 @@
             <p:ph idx="1"/>
           </p:nvPr>
         </p:nvSpPr>
-        <p:spPr/>
-        <p:txBody>
-          <a:bodyPr/>
+        <p:spPr>
+          <a:xfrm>
+            <a:off x="4965431" y="2438400"/>
+            <a:ext cx="6586489" cy="3785419"/>
+          </a:xfrm>
+        </p:spPr>
+        <p:txBody>
+          <a:bodyPr>
+            <a:normAutofit/>
+          </a:bodyPr>
           <a:lstStyle/>
           <a:p>
             <a:r>
-              <a:rPr lang="en-US" dirty="0"/>
+              <a:rPr lang="en-US" sz="2000" dirty="0"/>
               <a:t>An attempt to meld human language with computer language.</a:t>
             </a:r>
           </a:p>
           <a:p>
             <a:r>
-              <a:rPr lang="en-US" dirty="0"/>
+              <a:rPr lang="en-US" sz="2000" dirty="0"/>
               <a:t>Teach a computer how to converse with a human</a:t>
             </a:r>
           </a:p>
-        </p:txBody>
-      </p:sp>
+          <a:p>
+            <a:r>
+              <a:rPr lang="en-US" sz="2000" dirty="0"/>
+              <a:t>Recognize human language</a:t>
+            </a:r>
+          </a:p>
+          <a:p>
+            <a:r>
+              <a:rPr lang="en-US" sz="2000" dirty="0"/>
+              <a:t>Computer converse with human</a:t>
+            </a:r>
+          </a:p>
+          <a:p>
+            <a:r>
+              <a:rPr lang="en-US" sz="2000" dirty="0"/>
+              <a:t>Final goal – an electronic device can carry on a completely non-rehearsed non-preprogrammed conversation with a human being</a:t>
+            </a:r>
+          </a:p>
+        </p:txBody>
+      </p:sp>
+      <p:pic>
+        <p:nvPicPr>
+          <p:cNvPr id="11" name="Picture 4">
+            <a:extLst>
+              <a:ext uri="{FF2B5EF4-FFF2-40B4-BE49-F238E27FC236}">
+                <a16:creationId xmlns:a16="http://schemas.microsoft.com/office/drawing/2014/main" id="{FF03E7C1-AD88-4A76-86FA-E83D7A498604}"/>
+              </a:ext>
+            </a:extLst>
+          </p:cNvPr>
+          <p:cNvPicPr>
+            <a:picLocks noChangeAspect="1"/>
+          </p:cNvPicPr>
+          <p:nvPr/>
+        </p:nvPicPr>
+        <p:blipFill rotWithShape="1">
+          <a:blip r:embed="rId3"/>
+          <a:srcRect l="7554" r="47326" b="-1"/>
+          <a:stretch/>
+        </p:blipFill>
+        <p:spPr>
+          <a:xfrm>
+            <a:off x="20" y="10"/>
+            <a:ext cx="4635571" cy="6857990"/>
+          </a:xfrm>
+          <a:prstGeom prst="rect">
+            <a:avLst/>
+          </a:prstGeom>
+          <a:effectLst/>
+        </p:spPr>
+      </p:pic>
+      <p:cxnSp>
+        <p:nvCxnSpPr>
+          <p:cNvPr id="12" name="Straight Connector 8">
+            <a:extLst>
+              <a:ext uri="{FF2B5EF4-FFF2-40B4-BE49-F238E27FC236}">
+                <a16:creationId xmlns:a16="http://schemas.microsoft.com/office/drawing/2014/main" id="{A7F400EE-A8A5-48AF-B4D6-291B52C6F0B0}"/>
+              </a:ext>
+              <a:ext uri="{C183D7F6-B498-43B3-948B-1728B52AA6E4}">
+                <adec:decorative xmlns:adec="http://schemas.microsoft.com/office/drawing/2017/decorative" val="1"/>
+              </a:ext>
+            </a:extLst>
+          </p:cNvPr>
+          <p:cNvCxnSpPr>
+            <a:cxnSpLocks noGrp="1" noRot="1" noChangeAspect="1" noMove="1" noResize="1" noEditPoints="1" noAdjustHandles="1" noChangeArrowheads="1" noChangeShapeType="1"/>
+          </p:cNvCxnSpPr>
+          <p:nvPr>
+            <p:extLst>
+              <p:ext uri="{386F3935-93C4-4BCD-93E2-E3B085C9AB24}">
+                <p16:designElem xmlns:p16="http://schemas.microsoft.com/office/powerpoint/2015/main" val="1"/>
+              </p:ext>
+            </p:extLst>
+          </p:nvPr>
+        </p:nvCxnSpPr>
+        <p:spPr>
+          <a:xfrm>
+            <a:off x="5080934" y="2115117"/>
+            <a:ext cx="6309360" cy="0"/>
+          </a:xfrm>
+          <a:prstGeom prst="line">
+            <a:avLst/>
+          </a:prstGeom>
+          <a:ln w="19050">
+            <a:solidFill>
+              <a:srgbClr val="04D3EE"/>
+            </a:solidFill>
+          </a:ln>
+        </p:spPr>
+        <p:style>
+          <a:lnRef idx="1">
+            <a:schemeClr val="accent1"/>
+          </a:lnRef>
+          <a:fillRef idx="0">
+            <a:schemeClr val="accent1"/>
+          </a:fillRef>
+          <a:effectRef idx="0">
+            <a:schemeClr val="accent1"/>
+          </a:effectRef>
+          <a:fontRef idx="minor">
+            <a:schemeClr val="tx1"/>
+          </a:fontRef>
+        </p:style>
+      </p:cxnSp>
     </p:spTree>
     <p:extLst>
       <p:ext uri="{BB962C8B-B14F-4D97-AF65-F5344CB8AC3E}">
@@ -4322,6 +12211,653 @@
           <a:chExt cx="0" cy="0"/>
         </a:xfrm>
       </p:grpSpPr>
+      <p:sp useBgFill="1">
+        <p:nvSpPr>
+          <p:cNvPr id="15" name="Rectangle 7">
+            <a:extLst>
+              <a:ext uri="{FF2B5EF4-FFF2-40B4-BE49-F238E27FC236}">
+                <a16:creationId xmlns:a16="http://schemas.microsoft.com/office/drawing/2014/main" id="{827B839B-9ADE-406B-8590-F1CAEDED45A1}"/>
+              </a:ext>
+              <a:ext uri="{C183D7F6-B498-43B3-948B-1728B52AA6E4}">
+                <adec:decorative xmlns:adec="http://schemas.microsoft.com/office/drawing/2017/decorative" val="1"/>
+              </a:ext>
+            </a:extLst>
+          </p:cNvPr>
+          <p:cNvSpPr>
+            <a:spLocks noGrp="1" noRot="1" noChangeAspect="1" noMove="1" noResize="1" noEditPoints="1" noAdjustHandles="1" noChangeArrowheads="1" noChangeShapeType="1" noTextEdit="1"/>
+          </p:cNvSpPr>
+          <p:nvPr>
+            <p:extLst>
+              <p:ext uri="{386F3935-93C4-4BCD-93E2-E3B085C9AB24}">
+                <p16:designElem xmlns:p16="http://schemas.microsoft.com/office/powerpoint/2015/main" val="1"/>
+              </p:ext>
+            </p:extLst>
+          </p:nvPr>
+        </p:nvSpPr>
+        <p:spPr>
+          <a:xfrm>
+            <a:off x="0" y="0"/>
+            <a:ext cx="12188952" cy="6858000"/>
+          </a:xfrm>
+          <a:prstGeom prst="rect">
+            <a:avLst/>
+          </a:prstGeom>
+          <a:ln>
+            <a:noFill/>
+          </a:ln>
+        </p:spPr>
+        <p:style>
+          <a:lnRef idx="2">
+            <a:schemeClr val="accent1">
+              <a:shade val="50000"/>
+            </a:schemeClr>
+          </a:lnRef>
+          <a:fillRef idx="1">
+            <a:schemeClr val="accent1"/>
+          </a:fillRef>
+          <a:effectRef idx="0">
+            <a:schemeClr val="accent1"/>
+          </a:effectRef>
+          <a:fontRef idx="minor">
+            <a:schemeClr val="lt1"/>
+          </a:fontRef>
+        </p:style>
+        <p:txBody>
+          <a:bodyPr rtlCol="0" anchor="ctr"/>
+          <a:lstStyle/>
+          <a:p>
+            <a:pPr algn="ctr"/>
+            <a:endParaRPr lang="en-US"/>
+          </a:p>
+        </p:txBody>
+      </p:sp>
+      <p:sp>
+        <p:nvSpPr>
+          <p:cNvPr id="17" name="Freeform 45">
+            <a:extLst>
+              <a:ext uri="{FF2B5EF4-FFF2-40B4-BE49-F238E27FC236}">
+                <a16:creationId xmlns:a16="http://schemas.microsoft.com/office/drawing/2014/main" id="{CFE45BF0-46DB-408C-B5F7-7B11716805D4}"/>
+              </a:ext>
+              <a:ext uri="{C183D7F6-B498-43B3-948B-1728B52AA6E4}">
+                <adec:decorative xmlns:adec="http://schemas.microsoft.com/office/drawing/2017/decorative" val="1"/>
+              </a:ext>
+            </a:extLst>
+          </p:cNvPr>
+          <p:cNvSpPr>
+            <a:spLocks noGrp="1" noRot="1" noChangeAspect="1" noMove="1" noResize="1" noEditPoints="1" noAdjustHandles="1" noChangeArrowheads="1" noChangeShapeType="1" noTextEdit="1"/>
+          </p:cNvSpPr>
+          <p:nvPr>
+            <p:extLst>
+              <p:ext uri="{386F3935-93C4-4BCD-93E2-E3B085C9AB24}">
+                <p16:designElem xmlns:p16="http://schemas.microsoft.com/office/powerpoint/2015/main" val="1"/>
+              </p:ext>
+            </p:extLst>
+          </p:nvPr>
+        </p:nvSpPr>
+        <p:spPr bwMode="auto">
+          <a:xfrm>
+            <a:off x="409710" y="1022350"/>
+            <a:ext cx="709612" cy="2095501"/>
+          </a:xfrm>
+          <a:custGeom>
+            <a:avLst/>
+            <a:gdLst>
+              <a:gd name="T0" fmla="*/ 447 w 447"/>
+              <a:gd name="T1" fmla="*/ 1363 h 1363"/>
+              <a:gd name="T2" fmla="*/ 0 w 447"/>
+              <a:gd name="T3" fmla="*/ 987 h 1363"/>
+              <a:gd name="T4" fmla="*/ 0 w 447"/>
+              <a:gd name="T5" fmla="*/ 0 h 1363"/>
+              <a:gd name="T6" fmla="*/ 447 w 447"/>
+              <a:gd name="T7" fmla="*/ 376 h 1363"/>
+              <a:gd name="T8" fmla="*/ 447 w 447"/>
+              <a:gd name="T9" fmla="*/ 1363 h 1363"/>
+            </a:gdLst>
+            <a:ahLst/>
+            <a:cxnLst>
+              <a:cxn ang="0">
+                <a:pos x="T0" y="T1"/>
+              </a:cxn>
+              <a:cxn ang="0">
+                <a:pos x="T2" y="T3"/>
+              </a:cxn>
+              <a:cxn ang="0">
+                <a:pos x="T4" y="T5"/>
+              </a:cxn>
+              <a:cxn ang="0">
+                <a:pos x="T6" y="T7"/>
+              </a:cxn>
+              <a:cxn ang="0">
+                <a:pos x="T8" y="T9"/>
+              </a:cxn>
+            </a:cxnLst>
+            <a:rect l="0" t="0" r="r" b="b"/>
+            <a:pathLst>
+              <a:path w="447" h="1363">
+                <a:moveTo>
+                  <a:pt x="447" y="1363"/>
+                </a:moveTo>
+                <a:lnTo>
+                  <a:pt x="0" y="987"/>
+                </a:lnTo>
+                <a:lnTo>
+                  <a:pt x="0" y="0"/>
+                </a:lnTo>
+                <a:lnTo>
+                  <a:pt x="447" y="376"/>
+                </a:lnTo>
+                <a:lnTo>
+                  <a:pt x="447" y="1363"/>
+                </a:lnTo>
+                <a:close/>
+              </a:path>
+            </a:pathLst>
+          </a:custGeom>
+          <a:solidFill>
+            <a:schemeClr val="accent1">
+              <a:lumMod val="50000"/>
+            </a:schemeClr>
+          </a:solidFill>
+          <a:ln>
+            <a:noFill/>
+          </a:ln>
+        </p:spPr>
+        <p:txBody>
+          <a:bodyPr vert="horz" wrap="square" lIns="91440" tIns="45720" rIns="91440" bIns="45720" numCol="1" anchor="t" anchorCtr="0" compatLnSpc="1">
+            <a:prstTxWarp prst="textNoShape">
+              <a:avLst/>
+            </a:prstTxWarp>
+          </a:bodyPr>
+          <a:lstStyle/>
+          <a:p>
+            <a:endParaRPr lang="en-US"/>
+          </a:p>
+        </p:txBody>
+      </p:sp>
+      <p:sp>
+        <p:nvSpPr>
+          <p:cNvPr id="19" name="Freeform 46">
+            <a:extLst>
+              <a:ext uri="{FF2B5EF4-FFF2-40B4-BE49-F238E27FC236}">
+                <a16:creationId xmlns:a16="http://schemas.microsoft.com/office/drawing/2014/main" id="{2AEBC8F2-97B1-41B4-93F1-2D289E197FBA}"/>
+              </a:ext>
+              <a:ext uri="{C183D7F6-B498-43B3-948B-1728B52AA6E4}">
+                <adec:decorative xmlns:adec="http://schemas.microsoft.com/office/drawing/2017/decorative" val="1"/>
+              </a:ext>
+            </a:extLst>
+          </p:cNvPr>
+          <p:cNvSpPr>
+            <a:spLocks noGrp="1" noRot="1" noChangeAspect="1" noMove="1" noResize="1" noEditPoints="1" noAdjustHandles="1" noChangeArrowheads="1" noChangeShapeType="1" noTextEdit="1"/>
+          </p:cNvSpPr>
+          <p:nvPr>
+            <p:extLst>
+              <p:ext uri="{386F3935-93C4-4BCD-93E2-E3B085C9AB24}">
+                <p16:designElem xmlns:p16="http://schemas.microsoft.com/office/powerpoint/2015/main" val="1"/>
+              </p:ext>
+            </p:extLst>
+          </p:nvPr>
+        </p:nvSpPr>
+        <p:spPr bwMode="auto">
+          <a:xfrm>
+            <a:off x="409710" y="837744"/>
+            <a:ext cx="403225" cy="1705431"/>
+          </a:xfrm>
+          <a:custGeom>
+            <a:avLst/>
+            <a:gdLst>
+              <a:gd name="T0" fmla="*/ 254 w 254"/>
+              <a:gd name="T1" fmla="*/ 987 h 1109"/>
+              <a:gd name="T2" fmla="*/ 0 w 254"/>
+              <a:gd name="T3" fmla="*/ 1109 h 1109"/>
+              <a:gd name="T4" fmla="*/ 0 w 254"/>
+              <a:gd name="T5" fmla="*/ 119 h 1109"/>
+              <a:gd name="T6" fmla="*/ 254 w 254"/>
+              <a:gd name="T7" fmla="*/ 0 h 1109"/>
+              <a:gd name="T8" fmla="*/ 254 w 254"/>
+              <a:gd name="T9" fmla="*/ 987 h 1109"/>
+            </a:gdLst>
+            <a:ahLst/>
+            <a:cxnLst>
+              <a:cxn ang="0">
+                <a:pos x="T0" y="T1"/>
+              </a:cxn>
+              <a:cxn ang="0">
+                <a:pos x="T2" y="T3"/>
+              </a:cxn>
+              <a:cxn ang="0">
+                <a:pos x="T4" y="T5"/>
+              </a:cxn>
+              <a:cxn ang="0">
+                <a:pos x="T6" y="T7"/>
+              </a:cxn>
+              <a:cxn ang="0">
+                <a:pos x="T8" y="T9"/>
+              </a:cxn>
+            </a:cxnLst>
+            <a:rect l="0" t="0" r="r" b="b"/>
+            <a:pathLst>
+              <a:path w="254" h="1109">
+                <a:moveTo>
+                  <a:pt x="254" y="987"/>
+                </a:moveTo>
+                <a:lnTo>
+                  <a:pt x="0" y="1109"/>
+                </a:lnTo>
+                <a:lnTo>
+                  <a:pt x="0" y="119"/>
+                </a:lnTo>
+                <a:lnTo>
+                  <a:pt x="254" y="0"/>
+                </a:lnTo>
+                <a:lnTo>
+                  <a:pt x="254" y="987"/>
+                </a:lnTo>
+                <a:close/>
+              </a:path>
+            </a:pathLst>
+          </a:custGeom>
+          <a:solidFill>
+            <a:schemeClr val="accent1">
+              <a:lumMod val="75000"/>
+            </a:schemeClr>
+          </a:solidFill>
+          <a:ln>
+            <a:noFill/>
+          </a:ln>
+        </p:spPr>
+        <p:txBody>
+          <a:bodyPr vert="horz" wrap="square" lIns="91440" tIns="45720" rIns="91440" bIns="45720" numCol="1" anchor="t" anchorCtr="0" compatLnSpc="1">
+            <a:prstTxWarp prst="textNoShape">
+              <a:avLst/>
+            </a:prstTxWarp>
+          </a:bodyPr>
+          <a:lstStyle/>
+          <a:p>
+            <a:endParaRPr lang="en-US"/>
+          </a:p>
+        </p:txBody>
+      </p:sp>
+      <p:sp>
+        <p:nvSpPr>
+          <p:cNvPr id="14" name="Freeform 47">
+            <a:extLst>
+              <a:ext uri="{FF2B5EF4-FFF2-40B4-BE49-F238E27FC236}">
+                <a16:creationId xmlns:a16="http://schemas.microsoft.com/office/drawing/2014/main" id="{472E3A19-F5D5-48FC-BB9C-48C2F68F598B}"/>
+              </a:ext>
+              <a:ext uri="{C183D7F6-B498-43B3-948B-1728B52AA6E4}">
+                <adec:decorative xmlns:adec="http://schemas.microsoft.com/office/drawing/2017/decorative" val="1"/>
+              </a:ext>
+            </a:extLst>
+          </p:cNvPr>
+          <p:cNvSpPr>
+            <a:spLocks noGrp="1" noRot="1" noChangeAspect="1" noMove="1" noResize="1" noEditPoints="1" noAdjustHandles="1" noChangeArrowheads="1" noChangeShapeType="1" noTextEdit="1"/>
+          </p:cNvSpPr>
+          <p:nvPr>
+            <p:extLst>
+              <p:ext uri="{386F3935-93C4-4BCD-93E2-E3B085C9AB24}">
+                <p16:designElem xmlns:p16="http://schemas.microsoft.com/office/powerpoint/2015/main" val="1"/>
+              </p:ext>
+            </p:extLst>
+          </p:nvPr>
+        </p:nvSpPr>
+        <p:spPr bwMode="auto">
+          <a:xfrm>
+            <a:off x="644660" y="640894"/>
+            <a:ext cx="168275" cy="1713195"/>
+          </a:xfrm>
+          <a:custGeom>
+            <a:avLst/>
+            <a:gdLst>
+              <a:gd name="T0" fmla="*/ 106 w 106"/>
+              <a:gd name="T1" fmla="*/ 1114 h 1114"/>
+              <a:gd name="T2" fmla="*/ 0 w 106"/>
+              <a:gd name="T3" fmla="*/ 1005 h 1114"/>
+              <a:gd name="T4" fmla="*/ 0 w 106"/>
+              <a:gd name="T5" fmla="*/ 0 h 1114"/>
+              <a:gd name="T6" fmla="*/ 106 w 106"/>
+              <a:gd name="T7" fmla="*/ 110 h 1114"/>
+              <a:gd name="T8" fmla="*/ 106 w 106"/>
+              <a:gd name="T9" fmla="*/ 1114 h 1114"/>
+            </a:gdLst>
+            <a:ahLst/>
+            <a:cxnLst>
+              <a:cxn ang="0">
+                <a:pos x="T0" y="T1"/>
+              </a:cxn>
+              <a:cxn ang="0">
+                <a:pos x="T2" y="T3"/>
+              </a:cxn>
+              <a:cxn ang="0">
+                <a:pos x="T4" y="T5"/>
+              </a:cxn>
+              <a:cxn ang="0">
+                <a:pos x="T6" y="T7"/>
+              </a:cxn>
+              <a:cxn ang="0">
+                <a:pos x="T8" y="T9"/>
+              </a:cxn>
+            </a:cxnLst>
+            <a:rect l="0" t="0" r="r" b="b"/>
+            <a:pathLst>
+              <a:path w="106" h="1114">
+                <a:moveTo>
+                  <a:pt x="106" y="1114"/>
+                </a:moveTo>
+                <a:lnTo>
+                  <a:pt x="0" y="1005"/>
+                </a:lnTo>
+                <a:lnTo>
+                  <a:pt x="0" y="0"/>
+                </a:lnTo>
+                <a:lnTo>
+                  <a:pt x="106" y="110"/>
+                </a:lnTo>
+                <a:lnTo>
+                  <a:pt x="106" y="1114"/>
+                </a:lnTo>
+                <a:close/>
+              </a:path>
+            </a:pathLst>
+          </a:custGeom>
+          <a:solidFill>
+            <a:schemeClr val="accent1">
+              <a:lumMod val="50000"/>
+            </a:schemeClr>
+          </a:solidFill>
+          <a:ln>
+            <a:noFill/>
+          </a:ln>
+        </p:spPr>
+        <p:txBody>
+          <a:bodyPr vert="horz" wrap="square" lIns="91440" tIns="45720" rIns="91440" bIns="45720" numCol="1" anchor="t" anchorCtr="0" compatLnSpc="1">
+            <a:prstTxWarp prst="textNoShape">
+              <a:avLst/>
+            </a:prstTxWarp>
+          </a:bodyPr>
+          <a:lstStyle/>
+          <a:p>
+            <a:endParaRPr lang="en-US"/>
+          </a:p>
+        </p:txBody>
+      </p:sp>
+      <p:sp>
+        <p:nvSpPr>
+          <p:cNvPr id="16" name="Freeform 44">
+            <a:extLst>
+              <a:ext uri="{FF2B5EF4-FFF2-40B4-BE49-F238E27FC236}">
+                <a16:creationId xmlns:a16="http://schemas.microsoft.com/office/drawing/2014/main" id="{7A62E32F-BB65-43A8-8EB5-92346890E549}"/>
+              </a:ext>
+              <a:ext uri="{C183D7F6-B498-43B3-948B-1728B52AA6E4}">
+                <adec:decorative xmlns:adec="http://schemas.microsoft.com/office/drawing/2017/decorative" val="1"/>
+              </a:ext>
+            </a:extLst>
+          </p:cNvPr>
+          <p:cNvSpPr>
+            <a:spLocks noGrp="1" noRot="1" noChangeAspect="1" noMove="1" noResize="1" noEditPoints="1" noAdjustHandles="1" noChangeArrowheads="1" noChangeShapeType="1" noTextEdit="1"/>
+          </p:cNvSpPr>
+          <p:nvPr>
+            <p:extLst>
+              <p:ext uri="{386F3935-93C4-4BCD-93E2-E3B085C9AB24}">
+                <p16:designElem xmlns:p16="http://schemas.microsoft.com/office/powerpoint/2015/main" val="1"/>
+              </p:ext>
+            </p:extLst>
+          </p:nvPr>
+        </p:nvSpPr>
+        <p:spPr bwMode="auto">
+          <a:xfrm>
+            <a:off x="11223203" y="635716"/>
+            <a:ext cx="328612" cy="1742360"/>
+          </a:xfrm>
+          <a:custGeom>
+            <a:avLst/>
+            <a:gdLst>
+              <a:gd name="T0" fmla="*/ 207 w 207"/>
+              <a:gd name="T1" fmla="*/ 987 h 1114"/>
+              <a:gd name="T2" fmla="*/ 0 w 207"/>
+              <a:gd name="T3" fmla="*/ 1114 h 1114"/>
+              <a:gd name="T4" fmla="*/ 0 w 207"/>
+              <a:gd name="T5" fmla="*/ 127 h 1114"/>
+              <a:gd name="T6" fmla="*/ 207 w 207"/>
+              <a:gd name="T7" fmla="*/ 0 h 1114"/>
+              <a:gd name="T8" fmla="*/ 207 w 207"/>
+              <a:gd name="T9" fmla="*/ 987 h 1114"/>
+            </a:gdLst>
+            <a:ahLst/>
+            <a:cxnLst>
+              <a:cxn ang="0">
+                <a:pos x="T0" y="T1"/>
+              </a:cxn>
+              <a:cxn ang="0">
+                <a:pos x="T2" y="T3"/>
+              </a:cxn>
+              <a:cxn ang="0">
+                <a:pos x="T4" y="T5"/>
+              </a:cxn>
+              <a:cxn ang="0">
+                <a:pos x="T6" y="T7"/>
+              </a:cxn>
+              <a:cxn ang="0">
+                <a:pos x="T8" y="T9"/>
+              </a:cxn>
+            </a:cxnLst>
+            <a:rect l="0" t="0" r="r" b="b"/>
+            <a:pathLst>
+              <a:path w="207" h="1114">
+                <a:moveTo>
+                  <a:pt x="207" y="987"/>
+                </a:moveTo>
+                <a:lnTo>
+                  <a:pt x="0" y="1114"/>
+                </a:lnTo>
+                <a:lnTo>
+                  <a:pt x="0" y="127"/>
+                </a:lnTo>
+                <a:lnTo>
+                  <a:pt x="207" y="0"/>
+                </a:lnTo>
+                <a:lnTo>
+                  <a:pt x="207" y="987"/>
+                </a:lnTo>
+                <a:close/>
+              </a:path>
+            </a:pathLst>
+          </a:custGeom>
+          <a:solidFill>
+            <a:schemeClr val="accent1">
+              <a:lumMod val="50000"/>
+            </a:schemeClr>
+          </a:solidFill>
+          <a:ln>
+            <a:noFill/>
+          </a:ln>
+        </p:spPr>
+        <p:txBody>
+          <a:bodyPr vert="horz" wrap="square" lIns="91440" tIns="45720" rIns="91440" bIns="45720" numCol="1" anchor="t" anchorCtr="0" compatLnSpc="1">
+            <a:prstTxWarp prst="textNoShape">
+              <a:avLst/>
+            </a:prstTxWarp>
+          </a:bodyPr>
+          <a:lstStyle/>
+          <a:p>
+            <a:endParaRPr lang="en-US"/>
+          </a:p>
+        </p:txBody>
+      </p:sp>
+      <p:sp>
+        <p:nvSpPr>
+          <p:cNvPr id="18" name="Rectangle 17">
+            <a:extLst>
+              <a:ext uri="{FF2B5EF4-FFF2-40B4-BE49-F238E27FC236}">
+                <a16:creationId xmlns:a16="http://schemas.microsoft.com/office/drawing/2014/main" id="{14E91B64-9FCC-451E-AFB4-A827D6329367}"/>
+              </a:ext>
+              <a:ext uri="{C183D7F6-B498-43B3-948B-1728B52AA6E4}">
+                <adec:decorative xmlns:adec="http://schemas.microsoft.com/office/drawing/2017/decorative" val="1"/>
+              </a:ext>
+            </a:extLst>
+          </p:cNvPr>
+          <p:cNvSpPr>
+            <a:spLocks noGrp="1" noRot="1" noChangeAspect="1" noMove="1" noResize="1" noEditPoints="1" noAdjustHandles="1" noChangeArrowheads="1" noChangeShapeType="1" noTextEdit="1"/>
+          </p:cNvSpPr>
+          <p:nvPr>
+            <p:extLst>
+              <p:ext uri="{386F3935-93C4-4BCD-93E2-E3B085C9AB24}">
+                <p16:designElem xmlns:p16="http://schemas.microsoft.com/office/powerpoint/2015/main" val="1"/>
+              </p:ext>
+            </p:extLst>
+          </p:nvPr>
+        </p:nvSpPr>
+        <p:spPr bwMode="auto">
+          <a:xfrm>
+            <a:off x="644055" y="635715"/>
+            <a:ext cx="10907863" cy="1541457"/>
+          </a:xfrm>
+          <a:prstGeom prst="rect">
+            <a:avLst/>
+          </a:prstGeom>
+          <a:solidFill>
+            <a:schemeClr val="accent1"/>
+          </a:solidFill>
+          <a:ln>
+            <a:noFill/>
+          </a:ln>
+        </p:spPr>
+        <p:txBody>
+          <a:bodyPr vert="horz" wrap="square" lIns="91440" tIns="45720" rIns="91440" bIns="45720" numCol="1" anchor="t" anchorCtr="0" compatLnSpc="1">
+            <a:prstTxWarp prst="textNoShape">
+              <a:avLst/>
+            </a:prstTxWarp>
+          </a:bodyPr>
+          <a:lstStyle/>
+          <a:p>
+            <a:endParaRPr lang="en-US"/>
+          </a:p>
+        </p:txBody>
+      </p:sp>
+      <p:sp>
+        <p:nvSpPr>
+          <p:cNvPr id="2" name="Title 1">
+            <a:extLst>
+              <a:ext uri="{FF2B5EF4-FFF2-40B4-BE49-F238E27FC236}">
+                <a16:creationId xmlns:a16="http://schemas.microsoft.com/office/drawing/2014/main" id="{840019AE-8536-4359-921E-06629F0796EF}"/>
+              </a:ext>
+            </a:extLst>
+          </p:cNvPr>
+          <p:cNvSpPr>
+            <a:spLocks noGrp="1"/>
+          </p:cNvSpPr>
+          <p:nvPr>
+            <p:ph type="title"/>
+          </p:nvPr>
+        </p:nvSpPr>
+        <p:spPr>
+          <a:xfrm>
+            <a:off x="958506" y="800392"/>
+            <a:ext cx="10264697" cy="1212102"/>
+          </a:xfrm>
+        </p:spPr>
+        <p:txBody>
+          <a:bodyPr>
+            <a:normAutofit/>
+          </a:bodyPr>
+          <a:lstStyle/>
+          <a:p>
+            <a:pPr algn="ctr"/>
+            <a:r>
+              <a:rPr lang="en-US" sz="4000" dirty="0">
+                <a:solidFill>
+                  <a:srgbClr val="FFFFFF"/>
+                </a:solidFill>
+              </a:rPr>
+              <a:t>NLP Terminology</a:t>
+            </a:r>
+          </a:p>
+        </p:txBody>
+      </p:sp>
+      <p:sp>
+        <p:nvSpPr>
+          <p:cNvPr id="3" name="Content Placeholder 2">
+            <a:extLst>
+              <a:ext uri="{FF2B5EF4-FFF2-40B4-BE49-F238E27FC236}">
+                <a16:creationId xmlns:a16="http://schemas.microsoft.com/office/drawing/2014/main" id="{0B28B100-5DB7-4F62-BD72-59C524015234}"/>
+              </a:ext>
+            </a:extLst>
+          </p:cNvPr>
+          <p:cNvSpPr>
+            <a:spLocks noGrp="1"/>
+          </p:cNvSpPr>
+          <p:nvPr>
+            <p:ph idx="1"/>
+          </p:nvPr>
+        </p:nvSpPr>
+        <p:spPr>
+          <a:xfrm>
+            <a:off x="1367624" y="2490436"/>
+            <a:ext cx="9708995" cy="3567173"/>
+          </a:xfrm>
+        </p:spPr>
+        <p:txBody>
+          <a:bodyPr anchor="ctr">
+            <a:normAutofit/>
+          </a:bodyPr>
+          <a:lstStyle/>
+          <a:p>
+            <a:r>
+              <a:rPr lang="en-US" sz="2400" dirty="0"/>
+              <a:t>NLP – Natural Language Processing – recognizing human language</a:t>
+            </a:r>
+          </a:p>
+          <a:p>
+            <a:r>
+              <a:rPr lang="en-US" sz="2400" dirty="0"/>
+              <a:t>NLU – Natural Language Understanding – interpreting human language</a:t>
+            </a:r>
+          </a:p>
+          <a:p>
+            <a:r>
+              <a:rPr lang="en-US" sz="2400" dirty="0"/>
+              <a:t>NLG – Natural Language Generation – producing human language</a:t>
+            </a:r>
+          </a:p>
+        </p:txBody>
+      </p:sp>
+    </p:spTree>
+    <p:extLst>
+      <p:ext uri="{BB962C8B-B14F-4D97-AF65-F5344CB8AC3E}">
+        <p14:creationId xmlns:p14="http://schemas.microsoft.com/office/powerpoint/2010/main" val="2354642061"/>
+      </p:ext>
+    </p:extLst>
+  </p:cSld>
+  <p:clrMapOvr>
+    <a:masterClrMapping/>
+  </p:clrMapOvr>
+</p:sld>
+</file>
+
+<file path=ppt/slides/slide6.xml><?xml version="1.0" encoding="utf-8"?>
+<p:sld xmlns:a="http://schemas.openxmlformats.org/drawingml/2006/main" xmlns:r="http://schemas.openxmlformats.org/officeDocument/2006/relationships" xmlns:p="http://schemas.openxmlformats.org/presentationml/2006/main">
+  <p:cSld>
+    <p:bg>
+      <p:bgPr>
+        <a:solidFill>
+          <a:schemeClr val="bg1"/>
+        </a:solidFill>
+        <a:effectLst/>
+      </p:bgPr>
+    </p:bg>
+    <p:spTree>
+      <p:nvGrpSpPr>
+        <p:cNvPr id="1" name=""/>
+        <p:cNvGrpSpPr/>
+        <p:nvPr/>
+      </p:nvGrpSpPr>
+      <p:grpSpPr>
+        <a:xfrm>
+          <a:off x="0" y="0"/>
+          <a:ext cx="0" cy="0"/>
+          <a:chOff x="0" y="0"/>
+          <a:chExt cx="0" cy="0"/>
+        </a:xfrm>
+      </p:grpSpPr>
       <p:sp>
         <p:nvSpPr>
           <p:cNvPr id="2" name="Title 1">
@@ -4353,7 +12889,17 @@
           <a:p>
             <a:pPr algn="ctr"/>
             <a:r>
-              <a:rPr lang="en-US" sz="6000"/>
+              <a:rPr lang="en-US" sz="6000" dirty="0"/>
+              <a:t>Google BERT</a:t>
+            </a:r>
+            <a:br>
+              <a:rPr lang="en-US" sz="6000" dirty="0"/>
+            </a:br>
+            <a:br>
+              <a:rPr lang="en-US" sz="6000" dirty="0"/>
+            </a:br>
+            <a:r>
+              <a:rPr lang="en-US" sz="6000" dirty="0"/>
               <a:t>Not this Bert</a:t>
             </a:r>
           </a:p>
@@ -4511,7 +13057,7 @@
           <p:nvPr/>
         </p:nvPicPr>
         <p:blipFill rotWithShape="1">
-          <a:blip r:embed="rId2">
+          <a:blip r:embed="rId3">
             <a:extLst>
               <a:ext uri="{28A0092B-C50C-407E-A947-70E740481C1C}">
                 <a14:useLocalDpi xmlns:a14="http://schemas.microsoft.com/office/drawing/2010/main" val="0"/>
@@ -4532,103 +13078,75 @@
           <a:effectLst/>
         </p:spPr>
       </p:pic>
+      <p:pic>
+        <p:nvPicPr>
+          <p:cNvPr id="5" name="Picture 4">
+            <a:extLst>
+              <a:ext uri="{FF2B5EF4-FFF2-40B4-BE49-F238E27FC236}">
+                <a16:creationId xmlns:a16="http://schemas.microsoft.com/office/drawing/2014/main" id="{C857CDE8-7674-48AE-85B0-27CB93D2818C}"/>
+              </a:ext>
+            </a:extLst>
+          </p:cNvPr>
+          <p:cNvPicPr>
+            <a:picLocks noChangeAspect="1"/>
+          </p:cNvPicPr>
+          <p:nvPr/>
+        </p:nvPicPr>
+        <p:blipFill>
+          <a:blip r:embed="rId4"/>
+          <a:stretch>
+            <a:fillRect/>
+          </a:stretch>
+        </p:blipFill>
+        <p:spPr>
+          <a:xfrm>
+            <a:off x="1621766" y="847703"/>
+            <a:ext cx="2915727" cy="4945073"/>
+          </a:xfrm>
+          <a:prstGeom prst="rect">
+            <a:avLst/>
+          </a:prstGeom>
+        </p:spPr>
+      </p:pic>
+      <p:sp>
+        <p:nvSpPr>
+          <p:cNvPr id="6" name="TextBox 5">
+            <a:extLst>
+              <a:ext uri="{FF2B5EF4-FFF2-40B4-BE49-F238E27FC236}">
+                <a16:creationId xmlns:a16="http://schemas.microsoft.com/office/drawing/2014/main" id="{418B2391-98D9-46B1-83F9-552211D7A827}"/>
+              </a:ext>
+            </a:extLst>
+          </p:cNvPr>
+          <p:cNvSpPr txBox="1"/>
+          <p:nvPr/>
+        </p:nvSpPr>
+        <p:spPr>
+          <a:xfrm>
+            <a:off x="1404011" y="5826301"/>
+            <a:ext cx="4204673" cy="230832"/>
+          </a:xfrm>
+          <a:prstGeom prst="rect">
+            <a:avLst/>
+          </a:prstGeom>
+          <a:noFill/>
+        </p:spPr>
+        <p:txBody>
+          <a:bodyPr wrap="square" rtlCol="0">
+            <a:spAutoFit/>
+          </a:bodyPr>
+          <a:lstStyle/>
+          <a:p>
+            <a:r>
+              <a:rPr lang="en-US" sz="900" dirty="0"/>
+              <a:t>https://medium.com/@noa.kel/using-bert-with-pytorch-b9624edcda4e</a:t>
+            </a:r>
+          </a:p>
+        </p:txBody>
+      </p:sp>
     </p:spTree>
     <p:extLst>
       <p:ext uri="{BB962C8B-B14F-4D97-AF65-F5344CB8AC3E}">
         <p14:creationId xmlns:p14="http://schemas.microsoft.com/office/powerpoint/2010/main" val="652788287"/>
-      </p:ext>
-    </p:extLst>
-  </p:cSld>
-  <p:clrMapOvr>
-    <a:masterClrMapping/>
-  </p:clrMapOvr>
-</p:sld>
-</file>
-
-<file path=ppt/slides/slide6.xml><?xml version="1.0" encoding="utf-8"?>
-<p:sld xmlns:a="http://schemas.openxmlformats.org/drawingml/2006/main" xmlns:r="http://schemas.openxmlformats.org/officeDocument/2006/relationships" xmlns:p="http://schemas.openxmlformats.org/presentationml/2006/main">
-  <p:cSld>
-    <p:spTree>
-      <p:nvGrpSpPr>
-        <p:cNvPr id="1" name=""/>
-        <p:cNvGrpSpPr/>
-        <p:nvPr/>
-      </p:nvGrpSpPr>
-      <p:grpSpPr>
-        <a:xfrm>
-          <a:off x="0" y="0"/>
-          <a:ext cx="0" cy="0"/>
-          <a:chOff x="0" y="0"/>
-          <a:chExt cx="0" cy="0"/>
-        </a:xfrm>
-      </p:grpSpPr>
-      <p:sp>
-        <p:nvSpPr>
-          <p:cNvPr id="3" name="Title 2">
-            <a:extLst>
-              <a:ext uri="{FF2B5EF4-FFF2-40B4-BE49-F238E27FC236}">
-                <a16:creationId xmlns:a16="http://schemas.microsoft.com/office/drawing/2014/main" id="{AFF51387-CCEC-474E-8DFC-D2108AD230B6}"/>
-              </a:ext>
-            </a:extLst>
-          </p:cNvPr>
-          <p:cNvSpPr>
-            <a:spLocks noGrp="1"/>
-          </p:cNvSpPr>
-          <p:nvPr>
-            <p:ph type="title"/>
-          </p:nvPr>
-        </p:nvSpPr>
-        <p:spPr/>
-        <p:txBody>
-          <a:bodyPr/>
-          <a:lstStyle/>
-          <a:p>
-            <a:r>
-              <a:rPr lang="en-US" dirty="0"/>
-              <a:t>Bert</a:t>
-            </a:r>
-          </a:p>
-        </p:txBody>
-      </p:sp>
-      <p:sp>
-        <p:nvSpPr>
-          <p:cNvPr id="4" name="Content Placeholder 3">
-            <a:extLst>
-              <a:ext uri="{FF2B5EF4-FFF2-40B4-BE49-F238E27FC236}">
-                <a16:creationId xmlns:a16="http://schemas.microsoft.com/office/drawing/2014/main" id="{44D6E913-9E58-4055-940A-52A8B555D8D6}"/>
-              </a:ext>
-            </a:extLst>
-          </p:cNvPr>
-          <p:cNvSpPr>
-            <a:spLocks noGrp="1"/>
-          </p:cNvSpPr>
-          <p:nvPr>
-            <p:ph idx="1"/>
-          </p:nvPr>
-        </p:nvSpPr>
-        <p:spPr/>
-        <p:txBody>
-          <a:bodyPr/>
-          <a:lstStyle/>
-          <a:p>
-            <a:r>
-              <a:rPr lang="en-US"/>
-              <a:t>Sentence Classification</a:t>
-            </a:r>
-            <a:endParaRPr lang="en-US" dirty="0"/>
-          </a:p>
-          <a:p>
-            <a:r>
-              <a:rPr lang="en-US" dirty="0"/>
-              <a:t>Train a Classifier</a:t>
-            </a:r>
-          </a:p>
-        </p:txBody>
-      </p:sp>
-    </p:spTree>
-    <p:extLst>
-      <p:ext uri="{BB962C8B-B14F-4D97-AF65-F5344CB8AC3E}">
-        <p14:creationId xmlns:p14="http://schemas.microsoft.com/office/powerpoint/2010/main" val="2400030405"/>
       </p:ext>
     </p:extLst>
   </p:cSld>
@@ -4660,7 +13178,7 @@
           <p:cNvPr id="2" name="Title 1">
             <a:extLst>
               <a:ext uri="{FF2B5EF4-FFF2-40B4-BE49-F238E27FC236}">
-                <a16:creationId xmlns:a16="http://schemas.microsoft.com/office/drawing/2014/main" id="{9A0C6315-CC7B-4F86-BF8E-D9D6A50E6F56}"/>
+                <a16:creationId xmlns:a16="http://schemas.microsoft.com/office/drawing/2014/main" id="{C9FF4948-1BA2-4C49-8BEE-91FC0C43DECC}"/>
               </a:ext>
             </a:extLst>
           </p:cNvPr>
@@ -4679,40 +13197,411 @@
             <a:pPr algn="ctr"/>
             <a:r>
               <a:rPr lang="en-US" dirty="0"/>
-              <a:t>What is BERT?</a:t>
-            </a:r>
-          </a:p>
-        </p:txBody>
-      </p:sp>
-      <p:sp>
-        <p:nvSpPr>
-          <p:cNvPr id="3" name="Content Placeholder 2">
-            <a:extLst>
-              <a:ext uri="{FF2B5EF4-FFF2-40B4-BE49-F238E27FC236}">
-                <a16:creationId xmlns:a16="http://schemas.microsoft.com/office/drawing/2014/main" id="{48FFDD2E-7BD3-493D-8F7D-32EA7F13B2C7}"/>
-              </a:ext>
-            </a:extLst>
-          </p:cNvPr>
-          <p:cNvSpPr>
-            <a:spLocks noGrp="1"/>
-          </p:cNvSpPr>
-          <p:nvPr>
-            <p:ph idx="1"/>
-          </p:nvPr>
-        </p:nvSpPr>
-        <p:spPr/>
-        <p:txBody>
-          <a:bodyPr/>
-          <a:lstStyle/>
-          <a:p>
-            <a:endParaRPr lang="en-US"/>
-          </a:p>
-        </p:txBody>
-      </p:sp>
+              <a:t>Grade School Nightmare</a:t>
+            </a:r>
+          </a:p>
+        </p:txBody>
+      </p:sp>
+      <p:pic>
+        <p:nvPicPr>
+          <p:cNvPr id="4" name="Picture 3" descr="A close up of text on a white background&#10;&#10;Description automatically generated">
+            <a:extLst>
+              <a:ext uri="{FF2B5EF4-FFF2-40B4-BE49-F238E27FC236}">
+                <a16:creationId xmlns:a16="http://schemas.microsoft.com/office/drawing/2014/main" id="{6722212E-3E32-4B24-99A7-3A51C7F7B322}"/>
+              </a:ext>
+            </a:extLst>
+          </p:cNvPr>
+          <p:cNvPicPr>
+            <a:picLocks noChangeAspect="1"/>
+          </p:cNvPicPr>
+          <p:nvPr/>
+        </p:nvPicPr>
+        <p:blipFill>
+          <a:blip r:embed="rId2">
+            <a:extLst>
+              <a:ext uri="{28A0092B-C50C-407E-A947-70E740481C1C}">
+                <a14:useLocalDpi xmlns:a14="http://schemas.microsoft.com/office/drawing/2010/main" val="0"/>
+              </a:ext>
+            </a:extLst>
+          </a:blip>
+          <a:stretch>
+            <a:fillRect/>
+          </a:stretch>
+        </p:blipFill>
+        <p:spPr>
+          <a:xfrm>
+            <a:off x="2099389" y="2221263"/>
+            <a:ext cx="7781730" cy="4062065"/>
+          </a:xfrm>
+          <a:prstGeom prst="rect">
+            <a:avLst/>
+          </a:prstGeom>
+        </p:spPr>
+      </p:pic>
     </p:spTree>
     <p:extLst>
       <p:ext uri="{BB962C8B-B14F-4D97-AF65-F5344CB8AC3E}">
-        <p14:creationId xmlns:p14="http://schemas.microsoft.com/office/powerpoint/2010/main" val="753471760"/>
+        <p14:creationId xmlns:p14="http://schemas.microsoft.com/office/powerpoint/2010/main" val="881255660"/>
+      </p:ext>
+    </p:extLst>
+  </p:cSld>
+  <p:clrMapOvr>
+    <a:masterClrMapping/>
+  </p:clrMapOvr>
+</p:sld>
+</file>
+
+<file path=ppt/slides/slide8.xml><?xml version="1.0" encoding="utf-8"?>
+<p:sld xmlns:a="http://schemas.openxmlformats.org/drawingml/2006/main" xmlns:r="http://schemas.openxmlformats.org/officeDocument/2006/relationships" xmlns:p="http://schemas.openxmlformats.org/presentationml/2006/main">
+  <p:cSld>
+    <p:spTree>
+      <p:nvGrpSpPr>
+        <p:cNvPr id="1" name=""/>
+        <p:cNvGrpSpPr/>
+        <p:nvPr/>
+      </p:nvGrpSpPr>
+      <p:grpSpPr>
+        <a:xfrm>
+          <a:off x="0" y="0"/>
+          <a:ext cx="0" cy="0"/>
+          <a:chOff x="0" y="0"/>
+          <a:chExt cx="0" cy="0"/>
+        </a:xfrm>
+      </p:grpSpPr>
+      <p:sp>
+        <p:nvSpPr>
+          <p:cNvPr id="2" name="Title 1">
+            <a:extLst>
+              <a:ext uri="{FF2B5EF4-FFF2-40B4-BE49-F238E27FC236}">
+                <a16:creationId xmlns:a16="http://schemas.microsoft.com/office/drawing/2014/main" id="{9CB4D7D1-BE0B-4C24-BF77-A0C8EB774E4E}"/>
+              </a:ext>
+            </a:extLst>
+          </p:cNvPr>
+          <p:cNvSpPr>
+            <a:spLocks noGrp="1"/>
+          </p:cNvSpPr>
+          <p:nvPr>
+            <p:ph type="title"/>
+          </p:nvPr>
+        </p:nvSpPr>
+        <p:spPr/>
+        <p:txBody>
+          <a:bodyPr/>
+          <a:lstStyle/>
+          <a:p>
+            <a:pPr algn="ctr"/>
+            <a:r>
+              <a:rPr lang="en-US" dirty="0"/>
+              <a:t>The Google Search Conundrum</a:t>
+            </a:r>
+          </a:p>
+        </p:txBody>
+      </p:sp>
+      <p:pic>
+        <p:nvPicPr>
+          <p:cNvPr id="5" name="Picture 4" descr="A screenshot of a cell phone&#10;&#10;Description automatically generated">
+            <a:extLst>
+              <a:ext uri="{FF2B5EF4-FFF2-40B4-BE49-F238E27FC236}">
+                <a16:creationId xmlns:a16="http://schemas.microsoft.com/office/drawing/2014/main" id="{9A1145CD-A098-4ABB-AD7B-779725CEAE17}"/>
+              </a:ext>
+            </a:extLst>
+          </p:cNvPr>
+          <p:cNvPicPr>
+            <a:picLocks noChangeAspect="1"/>
+          </p:cNvPicPr>
+          <p:nvPr/>
+        </p:nvPicPr>
+        <p:blipFill>
+          <a:blip r:embed="rId2">
+            <a:extLst>
+              <a:ext uri="{28A0092B-C50C-407E-A947-70E740481C1C}">
+                <a14:useLocalDpi xmlns:a14="http://schemas.microsoft.com/office/drawing/2010/main" val="0"/>
+              </a:ext>
+            </a:extLst>
+          </a:blip>
+          <a:stretch>
+            <a:fillRect/>
+          </a:stretch>
+        </p:blipFill>
+        <p:spPr>
+          <a:xfrm>
+            <a:off x="1143000" y="1690688"/>
+            <a:ext cx="10210800" cy="4776577"/>
+          </a:xfrm>
+          <a:prstGeom prst="rect">
+            <a:avLst/>
+          </a:prstGeom>
+        </p:spPr>
+      </p:pic>
+      <p:pic>
+        <p:nvPicPr>
+          <p:cNvPr id="7" name="Picture 6">
+            <a:extLst>
+              <a:ext uri="{FF2B5EF4-FFF2-40B4-BE49-F238E27FC236}">
+                <a16:creationId xmlns:a16="http://schemas.microsoft.com/office/drawing/2014/main" id="{07B8F490-0607-4D73-844E-D64F6C0E88FA}"/>
+              </a:ext>
+            </a:extLst>
+          </p:cNvPr>
+          <p:cNvPicPr>
+            <a:picLocks noChangeAspect="1"/>
+          </p:cNvPicPr>
+          <p:nvPr/>
+        </p:nvPicPr>
+        <p:blipFill>
+          <a:blip r:embed="rId3"/>
+          <a:stretch>
+            <a:fillRect/>
+          </a:stretch>
+        </p:blipFill>
+        <p:spPr>
+          <a:xfrm>
+            <a:off x="343129" y="6543465"/>
+            <a:ext cx="6425741" cy="237765"/>
+          </a:xfrm>
+          <a:prstGeom prst="rect">
+            <a:avLst/>
+          </a:prstGeom>
+        </p:spPr>
+      </p:pic>
+    </p:spTree>
+    <p:extLst>
+      <p:ext uri="{BB962C8B-B14F-4D97-AF65-F5344CB8AC3E}">
+        <p14:creationId xmlns:p14="http://schemas.microsoft.com/office/powerpoint/2010/main" val="2475230897"/>
+      </p:ext>
+    </p:extLst>
+  </p:cSld>
+  <p:clrMapOvr>
+    <a:masterClrMapping/>
+  </p:clrMapOvr>
+</p:sld>
+</file>
+
+<file path=ppt/slides/slide9.xml><?xml version="1.0" encoding="utf-8"?>
+<p:sld xmlns:a="http://schemas.openxmlformats.org/drawingml/2006/main" xmlns:r="http://schemas.openxmlformats.org/officeDocument/2006/relationships" xmlns:p="http://schemas.openxmlformats.org/presentationml/2006/main">
+  <p:cSld>
+    <p:bg>
+      <p:bgPr>
+        <a:solidFill>
+          <a:schemeClr val="bg1"/>
+        </a:solidFill>
+        <a:effectLst/>
+      </p:bgPr>
+    </p:bg>
+    <p:spTree>
+      <p:nvGrpSpPr>
+        <p:cNvPr id="1" name=""/>
+        <p:cNvGrpSpPr/>
+        <p:nvPr/>
+      </p:nvGrpSpPr>
+      <p:grpSpPr>
+        <a:xfrm>
+          <a:off x="0" y="0"/>
+          <a:ext cx="0" cy="0"/>
+          <a:chOff x="0" y="0"/>
+          <a:chExt cx="0" cy="0"/>
+        </a:xfrm>
+      </p:grpSpPr>
+      <p:sp>
+        <p:nvSpPr>
+          <p:cNvPr id="2" name="Title 1">
+            <a:extLst>
+              <a:ext uri="{FF2B5EF4-FFF2-40B4-BE49-F238E27FC236}">
+                <a16:creationId xmlns:a16="http://schemas.microsoft.com/office/drawing/2014/main" id="{92239E1F-6C2A-444A-90BD-2F22B35D8BF5}"/>
+              </a:ext>
+            </a:extLst>
+          </p:cNvPr>
+          <p:cNvSpPr>
+            <a:spLocks noGrp="1"/>
+          </p:cNvSpPr>
+          <p:nvPr>
+            <p:ph type="title"/>
+          </p:nvPr>
+        </p:nvSpPr>
+        <p:spPr>
+          <a:xfrm>
+            <a:off x="4965430" y="629268"/>
+            <a:ext cx="6586491" cy="1286160"/>
+          </a:xfrm>
+        </p:spPr>
+        <p:txBody>
+          <a:bodyPr anchor="b">
+            <a:normAutofit/>
+          </a:bodyPr>
+          <a:lstStyle/>
+          <a:p>
+            <a:r>
+              <a:rPr lang="en-US" dirty="0"/>
+              <a:t>What is BERT?</a:t>
+            </a:r>
+          </a:p>
+        </p:txBody>
+      </p:sp>
+      <p:sp>
+        <p:nvSpPr>
+          <p:cNvPr id="3" name="Content Placeholder 2">
+            <a:extLst>
+              <a:ext uri="{FF2B5EF4-FFF2-40B4-BE49-F238E27FC236}">
+                <a16:creationId xmlns:a16="http://schemas.microsoft.com/office/drawing/2014/main" id="{7467B1D8-B3BC-4625-BE4D-5F3899A692B7}"/>
+              </a:ext>
+            </a:extLst>
+          </p:cNvPr>
+          <p:cNvSpPr>
+            <a:spLocks noGrp="1"/>
+          </p:cNvSpPr>
+          <p:nvPr>
+            <p:ph idx="1"/>
+          </p:nvPr>
+        </p:nvSpPr>
+        <p:spPr>
+          <a:xfrm>
+            <a:off x="4965431" y="2438400"/>
+            <a:ext cx="6586489" cy="3785419"/>
+          </a:xfrm>
+        </p:spPr>
+        <p:txBody>
+          <a:bodyPr>
+            <a:normAutofit/>
+          </a:bodyPr>
+          <a:lstStyle/>
+          <a:p>
+            <a:r>
+              <a:rPr lang="en-US" sz="2000" dirty="0">
+                <a:effectLst/>
+                <a:latin typeface="Times New Roman" panose="02020603050405020304" pitchFamily="18" charset="0"/>
+                <a:ea typeface="Times New Roman" panose="02020603050405020304" pitchFamily="18" charset="0"/>
+              </a:rPr>
+              <a:t>Bidirectional Encoder Representations from Transformers</a:t>
+            </a:r>
+          </a:p>
+          <a:p>
+            <a:r>
+              <a:rPr lang="en-US" sz="2000" dirty="0">
+                <a:latin typeface="Times New Roman" panose="02020603050405020304" pitchFamily="18" charset="0"/>
+                <a:ea typeface="Times New Roman" panose="02020603050405020304" pitchFamily="18" charset="0"/>
+              </a:rPr>
+              <a:t>BERT is a Natural Language Processor facility</a:t>
+            </a:r>
+          </a:p>
+          <a:p>
+            <a:r>
+              <a:rPr lang="en-US" sz="2000" dirty="0">
+                <a:effectLst/>
+                <a:latin typeface="Times New Roman" panose="02020603050405020304" pitchFamily="18" charset="0"/>
+                <a:ea typeface="Times New Roman" panose="02020603050405020304" pitchFamily="18" charset="0"/>
+              </a:rPr>
+              <a:t>Developed by Google 2018</a:t>
+            </a:r>
+          </a:p>
+          <a:p>
+            <a:r>
+              <a:rPr lang="en-US" sz="2000" dirty="0">
+                <a:latin typeface="Times New Roman" panose="02020603050405020304" pitchFamily="18" charset="0"/>
+                <a:ea typeface="Times New Roman" panose="02020603050405020304" pitchFamily="18" charset="0"/>
+              </a:rPr>
+              <a:t>A Transformer an object that holds the Encoder and Decoder</a:t>
+            </a:r>
+          </a:p>
+          <a:p>
+            <a:r>
+              <a:rPr lang="en-US" sz="2000" dirty="0">
+                <a:effectLst/>
+                <a:latin typeface="Times New Roman" panose="02020603050405020304" pitchFamily="18" charset="0"/>
+                <a:ea typeface="Times New Roman" panose="02020603050405020304" pitchFamily="18" charset="0"/>
+              </a:rPr>
+              <a:t>Key innovation is bidirectional scanning procedure</a:t>
+            </a:r>
+          </a:p>
+          <a:p>
+            <a:endParaRPr lang="en-US" sz="2000" dirty="0"/>
+          </a:p>
+        </p:txBody>
+      </p:sp>
+      <p:pic>
+        <p:nvPicPr>
+          <p:cNvPr id="5" name="Picture 4">
+            <a:extLst>
+              <a:ext uri="{FF2B5EF4-FFF2-40B4-BE49-F238E27FC236}">
+                <a16:creationId xmlns:a16="http://schemas.microsoft.com/office/drawing/2014/main" id="{A9041EDD-82BF-45E3-A842-FAD23E0A6EDA}"/>
+              </a:ext>
+            </a:extLst>
+          </p:cNvPr>
+          <p:cNvPicPr>
+            <a:picLocks noChangeAspect="1"/>
+          </p:cNvPicPr>
+          <p:nvPr/>
+        </p:nvPicPr>
+        <p:blipFill rotWithShape="1">
+          <a:blip r:embed="rId3"/>
+          <a:srcRect l="26780" r="35199"/>
+          <a:stretch/>
+        </p:blipFill>
+        <p:spPr>
+          <a:xfrm>
+            <a:off x="20" y="10"/>
+            <a:ext cx="4635571" cy="6857990"/>
+          </a:xfrm>
+          <a:prstGeom prst="rect">
+            <a:avLst/>
+          </a:prstGeom>
+          <a:effectLst/>
+        </p:spPr>
+      </p:pic>
+      <p:cxnSp>
+        <p:nvCxnSpPr>
+          <p:cNvPr id="9" name="Straight Connector 8">
+            <a:extLst>
+              <a:ext uri="{FF2B5EF4-FFF2-40B4-BE49-F238E27FC236}">
+                <a16:creationId xmlns:a16="http://schemas.microsoft.com/office/drawing/2014/main" id="{A7F400EE-A8A5-48AF-B4D6-291B52C6F0B0}"/>
+              </a:ext>
+              <a:ext uri="{C183D7F6-B498-43B3-948B-1728B52AA6E4}">
+                <adec:decorative xmlns:adec="http://schemas.microsoft.com/office/drawing/2017/decorative" val="1"/>
+              </a:ext>
+            </a:extLst>
+          </p:cNvPr>
+          <p:cNvCxnSpPr>
+            <a:cxnSpLocks noGrp="1" noRot="1" noChangeAspect="1" noMove="1" noResize="1" noEditPoints="1" noAdjustHandles="1" noChangeArrowheads="1" noChangeShapeType="1"/>
+          </p:cNvCxnSpPr>
+          <p:nvPr>
+            <p:extLst>
+              <p:ext uri="{386F3935-93C4-4BCD-93E2-E3B085C9AB24}">
+                <p16:designElem xmlns:p16="http://schemas.microsoft.com/office/powerpoint/2015/main" val="1"/>
+              </p:ext>
+            </p:extLst>
+          </p:nvPr>
+        </p:nvCxnSpPr>
+        <p:spPr>
+          <a:xfrm>
+            <a:off x="5080934" y="2115117"/>
+            <a:ext cx="6309360" cy="0"/>
+          </a:xfrm>
+          <a:prstGeom prst="line">
+            <a:avLst/>
+          </a:prstGeom>
+          <a:ln w="19050">
+            <a:solidFill>
+              <a:srgbClr val="60A4AD"/>
+            </a:solidFill>
+          </a:ln>
+        </p:spPr>
+        <p:style>
+          <a:lnRef idx="1">
+            <a:schemeClr val="accent1"/>
+          </a:lnRef>
+          <a:fillRef idx="0">
+            <a:schemeClr val="accent1"/>
+          </a:fillRef>
+          <a:effectRef idx="0">
+            <a:schemeClr val="accent1"/>
+          </a:effectRef>
+          <a:fontRef idx="minor">
+            <a:schemeClr val="tx1"/>
+          </a:fontRef>
+        </p:style>
+      </p:cxnSp>
+    </p:spTree>
+    <p:extLst>
+      <p:ext uri="{BB962C8B-B14F-4D97-AF65-F5344CB8AC3E}">
+        <p14:creationId xmlns:p14="http://schemas.microsoft.com/office/powerpoint/2010/main" val="4254608664"/>
       </p:ext>
     </p:extLst>
   </p:cSld>
@@ -5015,4 +13904,299 @@
     </a:ext>
   </a:extLst>
 </a:theme>
+</file>
+
+<file path=ppt/theme/theme2.xml><?xml version="1.0" encoding="utf-8"?>
+<a:theme xmlns:a="http://schemas.openxmlformats.org/drawingml/2006/main" name="Office Theme">
+  <a:themeElements>
+    <a:clrScheme name="Office">
+      <a:dk1>
+        <a:sysClr val="windowText" lastClr="000000"/>
+      </a:dk1>
+      <a:lt1>
+        <a:sysClr val="window" lastClr="FFFFFF"/>
+      </a:lt1>
+      <a:dk2>
+        <a:srgbClr val="44546A"/>
+      </a:dk2>
+      <a:lt2>
+        <a:srgbClr val="E7E6E6"/>
+      </a:lt2>
+      <a:accent1>
+        <a:srgbClr val="4472C4"/>
+      </a:accent1>
+      <a:accent2>
+        <a:srgbClr val="ED7D31"/>
+      </a:accent2>
+      <a:accent3>
+        <a:srgbClr val="A5A5A5"/>
+      </a:accent3>
+      <a:accent4>
+        <a:srgbClr val="FFC000"/>
+      </a:accent4>
+      <a:accent5>
+        <a:srgbClr val="5B9BD5"/>
+      </a:accent5>
+      <a:accent6>
+        <a:srgbClr val="70AD47"/>
+      </a:accent6>
+      <a:hlink>
+        <a:srgbClr val="0563C1"/>
+      </a:hlink>
+      <a:folHlink>
+        <a:srgbClr val="954F72"/>
+      </a:folHlink>
+    </a:clrScheme>
+    <a:fontScheme name="Office">
+      <a:majorFont>
+        <a:latin typeface="Calibri Light" panose="020F0302020204030204"/>
+        <a:ea typeface=""/>
+        <a:cs typeface=""/>
+        <a:font script="Jpan" typeface="游ゴシック Light"/>
+        <a:font script="Hang" typeface="맑은 고딕"/>
+        <a:font script="Hans" typeface="等线 Light"/>
+        <a:font script="Hant" typeface="新細明體"/>
+        <a:font script="Arab" typeface="Times New Roman"/>
+        <a:font script="Hebr" typeface="Times New Roman"/>
+        <a:font script="Thai" typeface="Angsana New"/>
+        <a:font script="Ethi" typeface="Nyala"/>
+        <a:font script="Beng" typeface="Vrinda"/>
+        <a:font script="Gujr" typeface="Shruti"/>
+        <a:font script="Khmr" typeface="MoolBoran"/>
+        <a:font script="Knda" typeface="Tunga"/>
+        <a:font script="Guru" typeface="Raavi"/>
+        <a:font script="Cans" typeface="Euphemia"/>
+        <a:font script="Cher" typeface="Plantagenet Cherokee"/>
+        <a:font script="Yiii" typeface="Microsoft Yi Baiti"/>
+        <a:font script="Tibt" typeface="Microsoft Himalaya"/>
+        <a:font script="Thaa" typeface="MV Boli"/>
+        <a:font script="Deva" typeface="Mangal"/>
+        <a:font script="Telu" typeface="Gautami"/>
+        <a:font script="Taml" typeface="Latha"/>
+        <a:font script="Syrc" typeface="Estrangelo Edessa"/>
+        <a:font script="Orya" typeface="Kalinga"/>
+        <a:font script="Mlym" typeface="Kartika"/>
+        <a:font script="Laoo" typeface="DokChampa"/>
+        <a:font script="Sinh" typeface="Iskoola Pota"/>
+        <a:font script="Mong" typeface="Mongolian Baiti"/>
+        <a:font script="Viet" typeface="Times New Roman"/>
+        <a:font script="Uigh" typeface="Microsoft Uighur"/>
+        <a:font script="Geor" typeface="Sylfaen"/>
+        <a:font script="Armn" typeface="Arial"/>
+        <a:font script="Bugi" typeface="Leelawadee UI"/>
+        <a:font script="Bopo" typeface="Microsoft JhengHei"/>
+        <a:font script="Java" typeface="Javanese Text"/>
+        <a:font script="Lisu" typeface="Segoe UI"/>
+        <a:font script="Mymr" typeface="Myanmar Text"/>
+        <a:font script="Nkoo" typeface="Ebrima"/>
+        <a:font script="Olck" typeface="Nirmala UI"/>
+        <a:font script="Osma" typeface="Ebrima"/>
+        <a:font script="Phag" typeface="Phagspa"/>
+        <a:font script="Syrn" typeface="Estrangelo Edessa"/>
+        <a:font script="Syrj" typeface="Estrangelo Edessa"/>
+        <a:font script="Syre" typeface="Estrangelo Edessa"/>
+        <a:font script="Sora" typeface="Nirmala UI"/>
+        <a:font script="Tale" typeface="Microsoft Tai Le"/>
+        <a:font script="Talu" typeface="Microsoft New Tai Lue"/>
+        <a:font script="Tfng" typeface="Ebrima"/>
+      </a:majorFont>
+      <a:minorFont>
+        <a:latin typeface="Calibri" panose="020F0502020204030204"/>
+        <a:ea typeface=""/>
+        <a:cs typeface=""/>
+        <a:font script="Jpan" typeface="游ゴシック"/>
+        <a:font script="Hang" typeface="맑은 고딕"/>
+        <a:font script="Hans" typeface="等线"/>
+        <a:font script="Hant" typeface="新細明體"/>
+        <a:font script="Arab" typeface="Arial"/>
+        <a:font script="Hebr" typeface="Arial"/>
+        <a:font script="Thai" typeface="Cordia New"/>
+        <a:font script="Ethi" typeface="Nyala"/>
+        <a:font script="Beng" typeface="Vrinda"/>
+        <a:font script="Gujr" typeface="Shruti"/>
+        <a:font script="Khmr" typeface="DaunPenh"/>
+        <a:font script="Knda" typeface="Tunga"/>
+        <a:font script="Guru" typeface="Raavi"/>
+        <a:font script="Cans" typeface="Euphemia"/>
+        <a:font script="Cher" typeface="Plantagenet Cherokee"/>
+        <a:font script="Yiii" typeface="Microsoft Yi Baiti"/>
+        <a:font script="Tibt" typeface="Microsoft Himalaya"/>
+        <a:font script="Thaa" typeface="MV Boli"/>
+        <a:font script="Deva" typeface="Mangal"/>
+        <a:font script="Telu" typeface="Gautami"/>
+        <a:font script="Taml" typeface="Latha"/>
+        <a:font script="Syrc" typeface="Estrangelo Edessa"/>
+        <a:font script="Orya" typeface="Kalinga"/>
+        <a:font script="Mlym" typeface="Kartika"/>
+        <a:font script="Laoo" typeface="DokChampa"/>
+        <a:font script="Sinh" typeface="Iskoola Pota"/>
+        <a:font script="Mong" typeface="Mongolian Baiti"/>
+        <a:font script="Viet" typeface="Arial"/>
+        <a:font script="Uigh" typeface="Microsoft Uighur"/>
+        <a:font script="Geor" typeface="Sylfaen"/>
+        <a:font script="Armn" typeface="Arial"/>
+        <a:font script="Bugi" typeface="Leelawadee UI"/>
+        <a:font script="Bopo" typeface="Microsoft JhengHei"/>
+        <a:font script="Java" typeface="Javanese Text"/>
+        <a:font script="Lisu" typeface="Segoe UI"/>
+        <a:font script="Mymr" typeface="Myanmar Text"/>
+        <a:font script="Nkoo" typeface="Ebrima"/>
+        <a:font script="Olck" typeface="Nirmala UI"/>
+        <a:font script="Osma" typeface="Ebrima"/>
+        <a:font script="Phag" typeface="Phagspa"/>
+        <a:font script="Syrn" typeface="Estrangelo Edessa"/>
+        <a:font script="Syrj" typeface="Estrangelo Edessa"/>
+        <a:font script="Syre" typeface="Estrangelo Edessa"/>
+        <a:font script="Sora" typeface="Nirmala UI"/>
+        <a:font script="Tale" typeface="Microsoft Tai Le"/>
+        <a:font script="Talu" typeface="Microsoft New Tai Lue"/>
+        <a:font script="Tfng" typeface="Ebrima"/>
+      </a:minorFont>
+    </a:fontScheme>
+    <a:fmtScheme name="Office">
+      <a:fillStyleLst>
+        <a:solidFill>
+          <a:schemeClr val="phClr"/>
+        </a:solidFill>
+        <a:gradFill rotWithShape="1">
+          <a:gsLst>
+            <a:gs pos="0">
+              <a:schemeClr val="phClr">
+                <a:lumMod val="110000"/>
+                <a:satMod val="105000"/>
+                <a:tint val="67000"/>
+              </a:schemeClr>
+            </a:gs>
+            <a:gs pos="50000">
+              <a:schemeClr val="phClr">
+                <a:lumMod val="105000"/>
+                <a:satMod val="103000"/>
+                <a:tint val="73000"/>
+              </a:schemeClr>
+            </a:gs>
+            <a:gs pos="100000">
+              <a:schemeClr val="phClr">
+                <a:lumMod val="105000"/>
+                <a:satMod val="109000"/>
+                <a:tint val="81000"/>
+              </a:schemeClr>
+            </a:gs>
+          </a:gsLst>
+          <a:lin ang="5400000" scaled="0"/>
+        </a:gradFill>
+        <a:gradFill rotWithShape="1">
+          <a:gsLst>
+            <a:gs pos="0">
+              <a:schemeClr val="phClr">
+                <a:satMod val="103000"/>
+                <a:lumMod val="102000"/>
+                <a:tint val="94000"/>
+              </a:schemeClr>
+            </a:gs>
+            <a:gs pos="50000">
+              <a:schemeClr val="phClr">
+                <a:satMod val="110000"/>
+                <a:lumMod val="100000"/>
+                <a:shade val="100000"/>
+              </a:schemeClr>
+            </a:gs>
+            <a:gs pos="100000">
+              <a:schemeClr val="phClr">
+                <a:lumMod val="99000"/>
+                <a:satMod val="120000"/>
+                <a:shade val="78000"/>
+              </a:schemeClr>
+            </a:gs>
+          </a:gsLst>
+          <a:lin ang="5400000" scaled="0"/>
+        </a:gradFill>
+      </a:fillStyleLst>
+      <a:lnStyleLst>
+        <a:ln w="6350" cap="flat" cmpd="sng" algn="ctr">
+          <a:solidFill>
+            <a:schemeClr val="phClr"/>
+          </a:solidFill>
+          <a:prstDash val="solid"/>
+          <a:miter lim="800000"/>
+        </a:ln>
+        <a:ln w="12700" cap="flat" cmpd="sng" algn="ctr">
+          <a:solidFill>
+            <a:schemeClr val="phClr"/>
+          </a:solidFill>
+          <a:prstDash val="solid"/>
+          <a:miter lim="800000"/>
+        </a:ln>
+        <a:ln w="19050" cap="flat" cmpd="sng" algn="ctr">
+          <a:solidFill>
+            <a:schemeClr val="phClr"/>
+          </a:solidFill>
+          <a:prstDash val="solid"/>
+          <a:miter lim="800000"/>
+        </a:ln>
+      </a:lnStyleLst>
+      <a:effectStyleLst>
+        <a:effectStyle>
+          <a:effectLst/>
+        </a:effectStyle>
+        <a:effectStyle>
+          <a:effectLst/>
+        </a:effectStyle>
+        <a:effectStyle>
+          <a:effectLst>
+            <a:outerShdw blurRad="57150" dist="19050" dir="5400000" algn="ctr" rotWithShape="0">
+              <a:srgbClr val="000000">
+                <a:alpha val="63000"/>
+              </a:srgbClr>
+            </a:outerShdw>
+          </a:effectLst>
+        </a:effectStyle>
+      </a:effectStyleLst>
+      <a:bgFillStyleLst>
+        <a:solidFill>
+          <a:schemeClr val="phClr"/>
+        </a:solidFill>
+        <a:solidFill>
+          <a:schemeClr val="phClr">
+            <a:tint val="95000"/>
+            <a:satMod val="170000"/>
+          </a:schemeClr>
+        </a:solidFill>
+        <a:gradFill rotWithShape="1">
+          <a:gsLst>
+            <a:gs pos="0">
+              <a:schemeClr val="phClr">
+                <a:tint val="93000"/>
+                <a:satMod val="150000"/>
+                <a:shade val="98000"/>
+                <a:lumMod val="102000"/>
+              </a:schemeClr>
+            </a:gs>
+            <a:gs pos="50000">
+              <a:schemeClr val="phClr">
+                <a:tint val="98000"/>
+                <a:satMod val="130000"/>
+                <a:shade val="90000"/>
+                <a:lumMod val="103000"/>
+              </a:schemeClr>
+            </a:gs>
+            <a:gs pos="100000">
+              <a:schemeClr val="phClr">
+                <a:shade val="63000"/>
+                <a:satMod val="120000"/>
+              </a:schemeClr>
+            </a:gs>
+          </a:gsLst>
+          <a:lin ang="5400000" scaled="0"/>
+        </a:gradFill>
+      </a:bgFillStyleLst>
+    </a:fmtScheme>
+  </a:themeElements>
+  <a:objectDefaults/>
+  <a:extraClrSchemeLst/>
+  <a:extLst>
+    <a:ext uri="{05A4C25C-085E-4340-85A3-A5531E510DB2}">
+      <thm15:themeFamily xmlns:thm15="http://schemas.microsoft.com/office/thememl/2012/main" name="Office Theme" id="{62F939B6-93AF-4DB8-9C6B-D6C7DFDC589F}" vid="{4A3C46E8-61CC-4603-A589-7422A47A8E4A}"/>
+    </a:ext>
+  </a:extLst>
+</a:theme>
 </file>